--- a/project 3.pptx
+++ b/project 3.pptx
@@ -9,16 +9,19 @@
     <p:sldId id="257" r:id="rId3"/>
     <p:sldId id="259" r:id="rId4"/>
     <p:sldId id="260" r:id="rId5"/>
-    <p:sldId id="261" r:id="rId6"/>
-    <p:sldId id="270" r:id="rId7"/>
-    <p:sldId id="265" r:id="rId8"/>
-    <p:sldId id="266" r:id="rId9"/>
-    <p:sldId id="269" r:id="rId10"/>
-    <p:sldId id="263" r:id="rId11"/>
-    <p:sldId id="267" r:id="rId12"/>
-    <p:sldId id="268" r:id="rId13"/>
-    <p:sldId id="264" r:id="rId14"/>
-    <p:sldId id="271" r:id="rId15"/>
+    <p:sldId id="273" r:id="rId6"/>
+    <p:sldId id="274" r:id="rId7"/>
+    <p:sldId id="261" r:id="rId8"/>
+    <p:sldId id="272" r:id="rId9"/>
+    <p:sldId id="270" r:id="rId10"/>
+    <p:sldId id="265" r:id="rId11"/>
+    <p:sldId id="266" r:id="rId12"/>
+    <p:sldId id="269" r:id="rId13"/>
+    <p:sldId id="263" r:id="rId14"/>
+    <p:sldId id="267" r:id="rId15"/>
+    <p:sldId id="268" r:id="rId16"/>
+    <p:sldId id="264" r:id="rId17"/>
+    <p:sldId id="271" r:id="rId18"/>
   </p:sldIdLst>
   <p:sldSz cx="12192000" cy="6858000"/>
   <p:notesSz cx="6858000" cy="9144000"/>
@@ -117,7 +120,16 @@
       </a:defRPr>
     </a:lvl9pPr>
   </p:defaultTextStyle>
+  <p:extLst>
+    <p:ext uri="{EFAFB233-063F-42B5-8137-9DF3F51BA10A}">
+      <p15:sldGuideLst xmlns:p15="http://schemas.microsoft.com/office/powerpoint/2012/main"/>
+    </p:ext>
+  </p:extLst>
 </p:presentation>
+</file>
+
+<file path=ppt/revisionInfo.xml><?xml version="1.0" encoding="utf-8"?>
+<p1510:revInfo xmlns:a="http://schemas.openxmlformats.org/drawingml/2006/main" xmlns:r="http://schemas.openxmlformats.org/officeDocument/2006/relationships" xmlns:p1510="http://schemas.microsoft.com/office/powerpoint/2015/10/main"/>
 </file>
 
 <file path=ppt/slideLayouts/slideLayout1.xml><?xml version="1.0" encoding="utf-8"?>
@@ -3701,7 +3713,7 @@
           <p:cNvPr id="2" name="Titel 1">
             <a:extLst>
               <a:ext uri="{FF2B5EF4-FFF2-40B4-BE49-F238E27FC236}">
-                <a16:creationId xmlns:a16="http://schemas.microsoft.com/office/drawing/2014/main" id="{11459672-3BE7-401D-99FE-C34BE82D6A4C}"/>
+                <a16:creationId xmlns:a16="http://schemas.microsoft.com/office/drawing/2014/main" id="{5A6B36E8-49BD-4AB9-BA18-926BE0CE2590}"/>
               </a:ext>
             </a:extLst>
           </p:cNvPr>
@@ -3735,11 +3747,11 @@
             </a:r>
             <a:r>
               <a:rPr lang="de-DE" dirty="0" err="1"/>
-              <a:t>pentominoes</a:t>
-            </a:r>
-            <a:r>
-              <a:rPr lang="de-DE" dirty="0"/>
-              <a:t>:</a:t>
+              <a:t>boxes</a:t>
+            </a:r>
+            <a:r>
+              <a:rPr lang="de-DE" dirty="0"/>
+              <a:t>: </a:t>
             </a:r>
             <a:br>
               <a:rPr lang="de-DE" dirty="0"/>
@@ -3796,7 +3808,7 @@
           <p:cNvPr id="3" name="Inhaltsplatzhalter 2">
             <a:extLst>
               <a:ext uri="{FF2B5EF4-FFF2-40B4-BE49-F238E27FC236}">
-                <a16:creationId xmlns:a16="http://schemas.microsoft.com/office/drawing/2014/main" id="{21488D5E-563E-4715-8AF5-0017693DF30B}"/>
+                <a16:creationId xmlns:a16="http://schemas.microsoft.com/office/drawing/2014/main" id="{BEFB92AD-CAC9-4AFE-9347-970DD70C1171}"/>
               </a:ext>
             </a:extLst>
           </p:cNvPr>
@@ -3807,19 +3819,110 @@
             <p:ph idx="1"/>
           </p:nvPr>
         </p:nvSpPr>
-        <p:spPr/>
-        <p:txBody>
-          <a:bodyPr/>
+        <p:spPr>
+          <a:xfrm>
+            <a:off x="1451579" y="2529657"/>
+            <a:ext cx="9603275" cy="2936688"/>
+          </a:xfrm>
+        </p:spPr>
+        <p:txBody>
+          <a:bodyPr>
+            <a:normAutofit/>
+          </a:bodyPr>
           <a:lstStyle/>
           <a:p>
-            <a:endParaRPr lang="de-DE"/>
+            <a:r>
+              <a:rPr lang="de-DE" dirty="0"/>
+              <a:t>Not </a:t>
+            </a:r>
+            <a:r>
+              <a:rPr lang="de-DE" dirty="0" err="1"/>
+              <a:t>with</a:t>
+            </a:r>
+            <a:r>
+              <a:rPr lang="de-DE" dirty="0"/>
+              <a:t> </a:t>
+            </a:r>
+            <a:r>
+              <a:rPr lang="de-DE" dirty="0" err="1"/>
+              <a:t>only</a:t>
+            </a:r>
+            <a:r>
+              <a:rPr lang="de-DE" dirty="0"/>
+              <a:t> </a:t>
+            </a:r>
+            <a:r>
+              <a:rPr lang="de-DE" dirty="0" err="1"/>
+              <a:t>boxes</a:t>
+            </a:r>
+            <a:r>
+              <a:rPr lang="de-DE" dirty="0"/>
+              <a:t> </a:t>
+            </a:r>
+            <a:r>
+              <a:rPr lang="de-DE" dirty="0" err="1"/>
+              <a:t>of</a:t>
+            </a:r>
+            <a:r>
+              <a:rPr lang="de-DE" dirty="0"/>
+              <a:t> type A, B </a:t>
+            </a:r>
+            <a:r>
+              <a:rPr lang="de-DE" dirty="0" err="1"/>
+              <a:t>or</a:t>
+            </a:r>
+            <a:r>
+              <a:rPr lang="de-DE" dirty="0"/>
+              <a:t> C </a:t>
+            </a:r>
+            <a:r>
+              <a:rPr lang="en-US" dirty="0"/>
+              <a:t>due to the size of these boxes: </a:t>
+            </a:r>
+          </a:p>
+          <a:p>
+            <a:pPr>
+              <a:buFont typeface="Wingdings" panose="05000000000000000000" pitchFamily="2" charset="2"/>
+              <a:buChar char="à"/>
+            </a:pPr>
+            <a:r>
+              <a:rPr lang="en-US" dirty="0">
+                <a:sym typeface="Wingdings" panose="05000000000000000000" pitchFamily="2" charset="2"/>
+              </a:rPr>
+              <a:t>Dimensions of boxes A: 1.0 x 1.0 x 2.0 cannot fill the width of 2.5 m</a:t>
+            </a:r>
+          </a:p>
+          <a:p>
+            <a:pPr>
+              <a:buFont typeface="Wingdings" panose="05000000000000000000" pitchFamily="2" charset="2"/>
+              <a:buChar char="à"/>
+            </a:pPr>
+            <a:r>
+              <a:rPr lang="en-US" dirty="0">
+                <a:sym typeface="Wingdings" panose="05000000000000000000" pitchFamily="2" charset="2"/>
+              </a:rPr>
+              <a:t>Dimensions of boxes B: 1.0 x 1.5 x 2.0 cannot fill the length of 16.5 m at the same time with filling out the 2.5 m width</a:t>
+            </a:r>
+          </a:p>
+          <a:p>
+            <a:pPr>
+              <a:buFont typeface="Wingdings" panose="05000000000000000000" pitchFamily="2" charset="2"/>
+              <a:buChar char="à"/>
+            </a:pPr>
+            <a:r>
+              <a:rPr lang="en-US" dirty="0">
+                <a:sym typeface="Wingdings" panose="05000000000000000000" pitchFamily="2" charset="2"/>
+              </a:rPr>
+              <a:t>Dimensions of box C: 1.5 x 1.5 x 1.5 cannot fill the height of 4.0 m</a:t>
+            </a:r>
+            <a:endParaRPr lang="en-US" dirty="0"/>
           </a:p>
         </p:txBody>
       </p:sp>
     </p:spTree>
     <p:extLst>
       <p:ext uri="{BB962C8B-B14F-4D97-AF65-F5344CB8AC3E}">
-        <p14:creationId xmlns:p14="http://schemas.microsoft.com/office/powerpoint/2010/main" val="2631434198"/>
+        <p14:creationId xmlns:p14="http://schemas.microsoft.com/office/powerpoint/2010/main" val="3895900210"/>
       </p:ext>
     </p:extLst>
   </p:cSld>
@@ -3851,7 +3954,7 @@
           <p:cNvPr id="2" name="Titel 1">
             <a:extLst>
               <a:ext uri="{FF2B5EF4-FFF2-40B4-BE49-F238E27FC236}">
-                <a16:creationId xmlns:a16="http://schemas.microsoft.com/office/drawing/2014/main" id="{3EE42273-3049-440C-B626-3053A07ADE12}"/>
+                <a16:creationId xmlns:a16="http://schemas.microsoft.com/office/drawing/2014/main" id="{5AA0BEA0-4C39-4B80-A23F-DAD6EDC5339F}"/>
               </a:ext>
             </a:extLst>
           </p:cNvPr>
@@ -3885,11 +3988,11 @@
             </a:r>
             <a:r>
               <a:rPr lang="de-DE" dirty="0" err="1"/>
-              <a:t>pentominoes</a:t>
-            </a:r>
-            <a:r>
-              <a:rPr lang="de-DE" dirty="0"/>
-              <a:t>:</a:t>
+              <a:t>boxes</a:t>
+            </a:r>
+            <a:r>
+              <a:rPr lang="de-DE" dirty="0"/>
+              <a:t>: </a:t>
             </a:r>
             <a:br>
               <a:rPr lang="de-DE" dirty="0"/>
@@ -3946,7 +4049,7 @@
           <p:cNvPr id="3" name="Inhaltsplatzhalter 2">
             <a:extLst>
               <a:ext uri="{FF2B5EF4-FFF2-40B4-BE49-F238E27FC236}">
-                <a16:creationId xmlns:a16="http://schemas.microsoft.com/office/drawing/2014/main" id="{7864851A-7376-4042-9DBC-DF5E9C2776C9}"/>
+                <a16:creationId xmlns:a16="http://schemas.microsoft.com/office/drawing/2014/main" id="{626E76AD-8031-473F-9FBB-78CDF48E08F3}"/>
               </a:ext>
             </a:extLst>
           </p:cNvPr>
@@ -3962,14 +4065,41 @@
           <a:bodyPr/>
           <a:lstStyle/>
           <a:p>
-            <a:endParaRPr lang="de-DE"/>
+            <a:r>
+              <a:rPr lang="de-DE" dirty="0"/>
+              <a:t>A and B</a:t>
+            </a:r>
+          </a:p>
+          <a:p>
+            <a:r>
+              <a:rPr lang="de-DE" dirty="0"/>
+              <a:t>A and C</a:t>
+            </a:r>
+          </a:p>
+          <a:p>
+            <a:r>
+              <a:rPr lang="de-DE" dirty="0"/>
+              <a:t>B and C</a:t>
+            </a:r>
+          </a:p>
+          <a:p>
+            <a:pPr marL="0" indent="0">
+              <a:buNone/>
+            </a:pPr>
+            <a:endParaRPr lang="de-DE" dirty="0"/>
+          </a:p>
+          <a:p>
+            <a:r>
+              <a:rPr lang="de-DE" dirty="0"/>
+              <a:t>A, B and C</a:t>
+            </a:r>
           </a:p>
         </p:txBody>
       </p:sp>
     </p:spTree>
     <p:extLst>
       <p:ext uri="{BB962C8B-B14F-4D97-AF65-F5344CB8AC3E}">
-        <p14:creationId xmlns:p14="http://schemas.microsoft.com/office/powerpoint/2010/main" val="4105468652"/>
+        <p14:creationId xmlns:p14="http://schemas.microsoft.com/office/powerpoint/2010/main" val="2337078074"/>
       </p:ext>
     </p:extLst>
   </p:cSld>
@@ -4001,7 +4131,7 @@
           <p:cNvPr id="2" name="Titel 1">
             <a:extLst>
               <a:ext uri="{FF2B5EF4-FFF2-40B4-BE49-F238E27FC236}">
-                <a16:creationId xmlns:a16="http://schemas.microsoft.com/office/drawing/2014/main" id="{2D6D3D92-2EC6-4D37-A02D-0AC5364B2786}"/>
+                <a16:creationId xmlns:a16="http://schemas.microsoft.com/office/drawing/2014/main" id="{FC5FC914-6969-4F0D-8EF6-0716BB630089}"/>
               </a:ext>
             </a:extLst>
           </p:cNvPr>
@@ -4031,15 +4161,7 @@
             </a:r>
             <a:r>
               <a:rPr lang="de-DE" dirty="0"/>
-              <a:t> </a:t>
-            </a:r>
-            <a:r>
-              <a:rPr lang="de-DE" dirty="0" err="1"/>
-              <a:t>Pentominoes</a:t>
-            </a:r>
-            <a:r>
-              <a:rPr lang="de-DE" dirty="0"/>
-              <a:t>:</a:t>
+              <a:t> Boxes:</a:t>
             </a:r>
             <a:br>
               <a:rPr lang="de-DE" dirty="0"/>
@@ -4077,7 +4199,7 @@
           <p:cNvPr id="3" name="Inhaltsplatzhalter 2">
             <a:extLst>
               <a:ext uri="{FF2B5EF4-FFF2-40B4-BE49-F238E27FC236}">
-                <a16:creationId xmlns:a16="http://schemas.microsoft.com/office/drawing/2014/main" id="{7E72855E-5CEF-48B0-91EA-BAAB92BB71D5}"/>
+                <a16:creationId xmlns:a16="http://schemas.microsoft.com/office/drawing/2014/main" id="{DEFCF6F9-95FA-4FEC-BED5-C8F091D6D0D1}"/>
               </a:ext>
             </a:extLst>
           </p:cNvPr>
@@ -4100,7 +4222,7 @@
     </p:spTree>
     <p:extLst>
       <p:ext uri="{BB962C8B-B14F-4D97-AF65-F5344CB8AC3E}">
-        <p14:creationId xmlns:p14="http://schemas.microsoft.com/office/powerpoint/2010/main" val="13207312"/>
+        <p14:creationId xmlns:p14="http://schemas.microsoft.com/office/powerpoint/2010/main" val="2915510581"/>
       </p:ext>
     </p:extLst>
   </p:cSld>
@@ -4132,6 +4254,437 @@
           <p:cNvPr id="2" name="Titel 1">
             <a:extLst>
               <a:ext uri="{FF2B5EF4-FFF2-40B4-BE49-F238E27FC236}">
+                <a16:creationId xmlns:a16="http://schemas.microsoft.com/office/drawing/2014/main" id="{11459672-3BE7-401D-99FE-C34BE82D6A4C}"/>
+              </a:ext>
+            </a:extLst>
+          </p:cNvPr>
+          <p:cNvSpPr>
+            <a:spLocks noGrp="1"/>
+          </p:cNvSpPr>
+          <p:nvPr>
+            <p:ph type="title"/>
+          </p:nvPr>
+        </p:nvSpPr>
+        <p:spPr/>
+        <p:txBody>
+          <a:bodyPr/>
+          <a:lstStyle/>
+          <a:p>
+            <a:r>
+              <a:rPr lang="de-DE" dirty="0" err="1"/>
+              <a:t>results</a:t>
+            </a:r>
+            <a:r>
+              <a:rPr lang="de-DE" dirty="0"/>
+              <a:t> </a:t>
+            </a:r>
+            <a:r>
+              <a:rPr lang="de-DE" dirty="0" err="1"/>
+              <a:t>for</a:t>
+            </a:r>
+            <a:r>
+              <a:rPr lang="de-DE" dirty="0"/>
+              <a:t> </a:t>
+            </a:r>
+            <a:r>
+              <a:rPr lang="de-DE" dirty="0" err="1"/>
+              <a:t>pentominoes</a:t>
+            </a:r>
+            <a:r>
+              <a:rPr lang="de-DE" dirty="0"/>
+              <a:t>:</a:t>
+            </a:r>
+            <a:br>
+              <a:rPr lang="de-DE" dirty="0"/>
+            </a:br>
+            <a:r>
+              <a:rPr lang="de-DE" dirty="0"/>
+              <a:t>Can </a:t>
+            </a:r>
+            <a:r>
+              <a:rPr lang="de-DE" dirty="0" err="1"/>
+              <a:t>the</a:t>
+            </a:r>
+            <a:r>
+              <a:rPr lang="de-DE" dirty="0"/>
+              <a:t> </a:t>
+            </a:r>
+            <a:r>
+              <a:rPr lang="de-DE" dirty="0" err="1"/>
+              <a:t>cargo</a:t>
+            </a:r>
+            <a:r>
+              <a:rPr lang="de-DE" dirty="0"/>
+              <a:t>- Space </a:t>
+            </a:r>
+            <a:r>
+              <a:rPr lang="de-DE" dirty="0" err="1"/>
+              <a:t>be</a:t>
+            </a:r>
+            <a:r>
+              <a:rPr lang="de-DE" dirty="0"/>
+              <a:t> </a:t>
+            </a:r>
+            <a:r>
+              <a:rPr lang="de-DE" dirty="0" err="1"/>
+              <a:t>filled</a:t>
+            </a:r>
+            <a:r>
+              <a:rPr lang="de-DE" dirty="0"/>
+              <a:t> </a:t>
+            </a:r>
+            <a:r>
+              <a:rPr lang="de-DE" dirty="0" err="1"/>
+              <a:t>completely</a:t>
+            </a:r>
+            <a:r>
+              <a:rPr lang="de-DE" dirty="0"/>
+              <a:t>?</a:t>
+            </a:r>
+          </a:p>
+        </p:txBody>
+      </p:sp>
+      <p:sp>
+        <p:nvSpPr>
+          <p:cNvPr id="3" name="Inhaltsplatzhalter 2">
+            <a:extLst>
+              <a:ext uri="{FF2B5EF4-FFF2-40B4-BE49-F238E27FC236}">
+                <a16:creationId xmlns:a16="http://schemas.microsoft.com/office/drawing/2014/main" id="{21488D5E-563E-4715-8AF5-0017693DF30B}"/>
+              </a:ext>
+            </a:extLst>
+          </p:cNvPr>
+          <p:cNvSpPr>
+            <a:spLocks noGrp="1"/>
+          </p:cNvSpPr>
+          <p:nvPr>
+            <p:ph idx="1"/>
+          </p:nvPr>
+        </p:nvSpPr>
+        <p:spPr/>
+        <p:txBody>
+          <a:bodyPr/>
+          <a:lstStyle/>
+          <a:p>
+            <a:endParaRPr lang="de-DE"/>
+          </a:p>
+        </p:txBody>
+      </p:sp>
+    </p:spTree>
+    <p:extLst>
+      <p:ext uri="{BB962C8B-B14F-4D97-AF65-F5344CB8AC3E}">
+        <p14:creationId xmlns:p14="http://schemas.microsoft.com/office/powerpoint/2010/main" val="2631434198"/>
+      </p:ext>
+    </p:extLst>
+  </p:cSld>
+  <p:clrMapOvr>
+    <a:masterClrMapping/>
+  </p:clrMapOvr>
+</p:sld>
+</file>
+
+<file path=ppt/slides/slide14.xml><?xml version="1.0" encoding="utf-8"?>
+<p:sld xmlns:a="http://schemas.openxmlformats.org/drawingml/2006/main" xmlns:r="http://schemas.openxmlformats.org/officeDocument/2006/relationships" xmlns:p="http://schemas.openxmlformats.org/presentationml/2006/main">
+  <p:cSld>
+    <p:spTree>
+      <p:nvGrpSpPr>
+        <p:cNvPr id="1" name=""/>
+        <p:cNvGrpSpPr/>
+        <p:nvPr/>
+      </p:nvGrpSpPr>
+      <p:grpSpPr>
+        <a:xfrm>
+          <a:off x="0" y="0"/>
+          <a:ext cx="0" cy="0"/>
+          <a:chOff x="0" y="0"/>
+          <a:chExt cx="0" cy="0"/>
+        </a:xfrm>
+      </p:grpSpPr>
+      <p:sp>
+        <p:nvSpPr>
+          <p:cNvPr id="2" name="Titel 1">
+            <a:extLst>
+              <a:ext uri="{FF2B5EF4-FFF2-40B4-BE49-F238E27FC236}">
+                <a16:creationId xmlns:a16="http://schemas.microsoft.com/office/drawing/2014/main" id="{3EE42273-3049-440C-B626-3053A07ADE12}"/>
+              </a:ext>
+            </a:extLst>
+          </p:cNvPr>
+          <p:cNvSpPr>
+            <a:spLocks noGrp="1"/>
+          </p:cNvSpPr>
+          <p:nvPr>
+            <p:ph type="title"/>
+          </p:nvPr>
+        </p:nvSpPr>
+        <p:spPr/>
+        <p:txBody>
+          <a:bodyPr/>
+          <a:lstStyle/>
+          <a:p>
+            <a:r>
+              <a:rPr lang="de-DE" dirty="0" err="1"/>
+              <a:t>results</a:t>
+            </a:r>
+            <a:r>
+              <a:rPr lang="de-DE" dirty="0"/>
+              <a:t> </a:t>
+            </a:r>
+            <a:r>
+              <a:rPr lang="de-DE" dirty="0" err="1"/>
+              <a:t>for</a:t>
+            </a:r>
+            <a:r>
+              <a:rPr lang="de-DE" dirty="0"/>
+              <a:t> </a:t>
+            </a:r>
+            <a:r>
+              <a:rPr lang="de-DE" dirty="0" err="1"/>
+              <a:t>pentominoes</a:t>
+            </a:r>
+            <a:r>
+              <a:rPr lang="de-DE" dirty="0"/>
+              <a:t>:</a:t>
+            </a:r>
+            <a:br>
+              <a:rPr lang="de-DE" dirty="0"/>
+            </a:br>
+            <a:r>
+              <a:rPr lang="de-DE" dirty="0"/>
+              <a:t>Can </a:t>
+            </a:r>
+            <a:r>
+              <a:rPr lang="de-DE" dirty="0" err="1"/>
+              <a:t>the</a:t>
+            </a:r>
+            <a:r>
+              <a:rPr lang="de-DE" dirty="0"/>
+              <a:t> </a:t>
+            </a:r>
+            <a:r>
+              <a:rPr lang="de-DE" dirty="0" err="1"/>
+              <a:t>cargo</a:t>
+            </a:r>
+            <a:r>
+              <a:rPr lang="de-DE" dirty="0"/>
+              <a:t>- Space </a:t>
+            </a:r>
+            <a:r>
+              <a:rPr lang="de-DE" dirty="0" err="1"/>
+              <a:t>be</a:t>
+            </a:r>
+            <a:r>
+              <a:rPr lang="de-DE" dirty="0"/>
+              <a:t> </a:t>
+            </a:r>
+            <a:r>
+              <a:rPr lang="de-DE" dirty="0" err="1"/>
+              <a:t>filled</a:t>
+            </a:r>
+            <a:r>
+              <a:rPr lang="de-DE" dirty="0"/>
+              <a:t> </a:t>
+            </a:r>
+            <a:r>
+              <a:rPr lang="de-DE" dirty="0" err="1"/>
+              <a:t>completely</a:t>
+            </a:r>
+            <a:r>
+              <a:rPr lang="de-DE" dirty="0"/>
+              <a:t>?</a:t>
+            </a:r>
+          </a:p>
+        </p:txBody>
+      </p:sp>
+      <p:sp>
+        <p:nvSpPr>
+          <p:cNvPr id="3" name="Inhaltsplatzhalter 2">
+            <a:extLst>
+              <a:ext uri="{FF2B5EF4-FFF2-40B4-BE49-F238E27FC236}">
+                <a16:creationId xmlns:a16="http://schemas.microsoft.com/office/drawing/2014/main" id="{7864851A-7376-4042-9DBC-DF5E9C2776C9}"/>
+              </a:ext>
+            </a:extLst>
+          </p:cNvPr>
+          <p:cNvSpPr>
+            <a:spLocks noGrp="1"/>
+          </p:cNvSpPr>
+          <p:nvPr>
+            <p:ph idx="1"/>
+          </p:nvPr>
+        </p:nvSpPr>
+        <p:spPr/>
+        <p:txBody>
+          <a:bodyPr/>
+          <a:lstStyle/>
+          <a:p>
+            <a:endParaRPr lang="de-DE"/>
+          </a:p>
+        </p:txBody>
+      </p:sp>
+    </p:spTree>
+    <p:extLst>
+      <p:ext uri="{BB962C8B-B14F-4D97-AF65-F5344CB8AC3E}">
+        <p14:creationId xmlns:p14="http://schemas.microsoft.com/office/powerpoint/2010/main" val="4105468652"/>
+      </p:ext>
+    </p:extLst>
+  </p:cSld>
+  <p:clrMapOvr>
+    <a:masterClrMapping/>
+  </p:clrMapOvr>
+</p:sld>
+</file>
+
+<file path=ppt/slides/slide15.xml><?xml version="1.0" encoding="utf-8"?>
+<p:sld xmlns:a="http://schemas.openxmlformats.org/drawingml/2006/main" xmlns:r="http://schemas.openxmlformats.org/officeDocument/2006/relationships" xmlns:p="http://schemas.openxmlformats.org/presentationml/2006/main">
+  <p:cSld>
+    <p:spTree>
+      <p:nvGrpSpPr>
+        <p:cNvPr id="1" name=""/>
+        <p:cNvGrpSpPr/>
+        <p:nvPr/>
+      </p:nvGrpSpPr>
+      <p:grpSpPr>
+        <a:xfrm>
+          <a:off x="0" y="0"/>
+          <a:ext cx="0" cy="0"/>
+          <a:chOff x="0" y="0"/>
+          <a:chExt cx="0" cy="0"/>
+        </a:xfrm>
+      </p:grpSpPr>
+      <p:sp>
+        <p:nvSpPr>
+          <p:cNvPr id="2" name="Titel 1">
+            <a:extLst>
+              <a:ext uri="{FF2B5EF4-FFF2-40B4-BE49-F238E27FC236}">
+                <a16:creationId xmlns:a16="http://schemas.microsoft.com/office/drawing/2014/main" id="{2D6D3D92-2EC6-4D37-A02D-0AC5364B2786}"/>
+              </a:ext>
+            </a:extLst>
+          </p:cNvPr>
+          <p:cNvSpPr>
+            <a:spLocks noGrp="1"/>
+          </p:cNvSpPr>
+          <p:nvPr>
+            <p:ph type="title"/>
+          </p:nvPr>
+        </p:nvSpPr>
+        <p:spPr/>
+        <p:txBody>
+          <a:bodyPr/>
+          <a:lstStyle/>
+          <a:p>
+            <a:r>
+              <a:rPr lang="de-DE" dirty="0" err="1"/>
+              <a:t>Results</a:t>
+            </a:r>
+            <a:r>
+              <a:rPr lang="de-DE" dirty="0"/>
+              <a:t> </a:t>
+            </a:r>
+            <a:r>
+              <a:rPr lang="de-DE" dirty="0" err="1"/>
+              <a:t>for</a:t>
+            </a:r>
+            <a:r>
+              <a:rPr lang="de-DE" dirty="0"/>
+              <a:t> </a:t>
+            </a:r>
+            <a:r>
+              <a:rPr lang="de-DE" dirty="0" err="1"/>
+              <a:t>Pentominoes</a:t>
+            </a:r>
+            <a:r>
+              <a:rPr lang="de-DE" dirty="0"/>
+              <a:t>:</a:t>
+            </a:r>
+            <a:br>
+              <a:rPr lang="de-DE" dirty="0"/>
+            </a:br>
+            <a:r>
+              <a:rPr lang="de-DE" dirty="0"/>
+              <a:t>Maximum </a:t>
+            </a:r>
+            <a:r>
+              <a:rPr lang="de-DE" dirty="0" err="1"/>
+              <a:t>value</a:t>
+            </a:r>
+            <a:r>
+              <a:rPr lang="de-DE" dirty="0"/>
+              <a:t> </a:t>
+            </a:r>
+            <a:r>
+              <a:rPr lang="de-DE" dirty="0" err="1"/>
+              <a:t>of</a:t>
+            </a:r>
+            <a:r>
+              <a:rPr lang="de-DE" dirty="0"/>
+              <a:t> Cargo- </a:t>
+            </a:r>
+            <a:r>
+              <a:rPr lang="de-DE" dirty="0" err="1"/>
+              <a:t>space</a:t>
+            </a:r>
+            <a:endParaRPr lang="de-DE" dirty="0"/>
+          </a:p>
+        </p:txBody>
+      </p:sp>
+      <p:sp>
+        <p:nvSpPr>
+          <p:cNvPr id="3" name="Inhaltsplatzhalter 2">
+            <a:extLst>
+              <a:ext uri="{FF2B5EF4-FFF2-40B4-BE49-F238E27FC236}">
+                <a16:creationId xmlns:a16="http://schemas.microsoft.com/office/drawing/2014/main" id="{7E72855E-5CEF-48B0-91EA-BAAB92BB71D5}"/>
+              </a:ext>
+            </a:extLst>
+          </p:cNvPr>
+          <p:cNvSpPr>
+            <a:spLocks noGrp="1"/>
+          </p:cNvSpPr>
+          <p:nvPr>
+            <p:ph idx="1"/>
+          </p:nvPr>
+        </p:nvSpPr>
+        <p:spPr/>
+        <p:txBody>
+          <a:bodyPr/>
+          <a:lstStyle/>
+          <a:p>
+            <a:endParaRPr lang="de-DE"/>
+          </a:p>
+        </p:txBody>
+      </p:sp>
+    </p:spTree>
+    <p:extLst>
+      <p:ext uri="{BB962C8B-B14F-4D97-AF65-F5344CB8AC3E}">
+        <p14:creationId xmlns:p14="http://schemas.microsoft.com/office/powerpoint/2010/main" val="13207312"/>
+      </p:ext>
+    </p:extLst>
+  </p:cSld>
+  <p:clrMapOvr>
+    <a:masterClrMapping/>
+  </p:clrMapOvr>
+</p:sld>
+</file>
+
+<file path=ppt/slides/slide16.xml><?xml version="1.0" encoding="utf-8"?>
+<p:sld xmlns:a="http://schemas.openxmlformats.org/drawingml/2006/main" xmlns:r="http://schemas.openxmlformats.org/officeDocument/2006/relationships" xmlns:p="http://schemas.openxmlformats.org/presentationml/2006/main">
+  <p:cSld>
+    <p:spTree>
+      <p:nvGrpSpPr>
+        <p:cNvPr id="1" name=""/>
+        <p:cNvGrpSpPr/>
+        <p:nvPr/>
+      </p:nvGrpSpPr>
+      <p:grpSpPr>
+        <a:xfrm>
+          <a:off x="0" y="0"/>
+          <a:ext cx="0" cy="0"/>
+          <a:chOff x="0" y="0"/>
+          <a:chExt cx="0" cy="0"/>
+        </a:xfrm>
+      </p:grpSpPr>
+      <p:sp>
+        <p:nvSpPr>
+          <p:cNvPr id="2" name="Titel 1">
+            <a:extLst>
+              <a:ext uri="{FF2B5EF4-FFF2-40B4-BE49-F238E27FC236}">
                 <a16:creationId xmlns:a16="http://schemas.microsoft.com/office/drawing/2014/main" id="{E3D5661A-C2D7-4FF0-AA1A-B1D6B4EF5DBB}"/>
               </a:ext>
             </a:extLst>
@@ -4421,7 +4974,7 @@
 </p:sld>
 </file>
 
-<file path=ppt/slides/slide14.xml><?xml version="1.0" encoding="utf-8"?>
+<file path=ppt/slides/slide17.xml><?xml version="1.0" encoding="utf-8"?>
 <p:sld xmlns:a="http://schemas.openxmlformats.org/drawingml/2006/main" xmlns:r="http://schemas.openxmlformats.org/officeDocument/2006/relationships" xmlns:p="http://schemas.openxmlformats.org/presentationml/2006/main">
   <p:cSld>
     <p:spTree>
@@ -4659,7 +5212,7 @@
           <a:p>
             <a:r>
               <a:rPr lang="de-DE" dirty="0" err="1"/>
-              <a:t>Algorithms</a:t>
+              <a:t>Algorithm</a:t>
             </a:r>
             <a:r>
               <a:rPr lang="de-DE" dirty="0"/>
@@ -5935,7 +6488,7 @@
           <p:cNvPr id="2" name="Titel 1">
             <a:extLst>
               <a:ext uri="{FF2B5EF4-FFF2-40B4-BE49-F238E27FC236}">
-                <a16:creationId xmlns:a16="http://schemas.microsoft.com/office/drawing/2014/main" id="{BACE3AA2-0512-4FF7-BF5B-3A3776742D82}"/>
+                <a16:creationId xmlns:a16="http://schemas.microsoft.com/office/drawing/2014/main" id="{6552A2E9-898B-4A13-A6E7-135ADFD9549F}"/>
               </a:ext>
             </a:extLst>
           </p:cNvPr>
@@ -5953,7 +6506,7 @@
           <a:p>
             <a:r>
               <a:rPr lang="de-DE" dirty="0" err="1"/>
-              <a:t>Algorithms</a:t>
+              <a:t>Algorithm</a:t>
             </a:r>
             <a:r>
               <a:rPr lang="de-DE" dirty="0"/>
@@ -5985,7 +6538,7 @@
             </a:r>
             <a:r>
               <a:rPr lang="de-DE" dirty="0" err="1"/>
-              <a:t>greedy</a:t>
+              <a:t>Greedy</a:t>
             </a:r>
             <a:r>
               <a:rPr lang="de-DE" dirty="0"/>
@@ -5995,6 +6548,13 @@
               <a:rPr lang="de-DE" dirty="0" err="1"/>
               <a:t>algorithm</a:t>
             </a:r>
+            <a:r>
+              <a:rPr lang="de-DE" dirty="0"/>
+              <a:t> </a:t>
+            </a:r>
+            <a:br>
+              <a:rPr lang="de-DE" dirty="0"/>
+            </a:br>
             <a:endParaRPr lang="de-DE" dirty="0"/>
           </a:p>
         </p:txBody>
@@ -6004,7 +6564,7 @@
           <p:cNvPr id="3" name="Inhaltsplatzhalter 2">
             <a:extLst>
               <a:ext uri="{FF2B5EF4-FFF2-40B4-BE49-F238E27FC236}">
-                <a16:creationId xmlns:a16="http://schemas.microsoft.com/office/drawing/2014/main" id="{7028B480-DD39-4061-8912-D0EF7993CCB3}"/>
+                <a16:creationId xmlns:a16="http://schemas.microsoft.com/office/drawing/2014/main" id="{836754B1-F6A2-49B2-AD4B-5630D11A9C9D}"/>
               </a:ext>
             </a:extLst>
           </p:cNvPr>
@@ -6015,722 +6575,152 @@
             <p:ph idx="1"/>
           </p:nvPr>
         </p:nvSpPr>
-        <p:spPr>
-          <a:xfrm>
-            <a:off x="1451579" y="1899981"/>
-            <a:ext cx="9603275" cy="4232522"/>
-          </a:xfrm>
-        </p:spPr>
-        <p:txBody>
-          <a:bodyPr>
-            <a:normAutofit fontScale="85000" lnSpcReduction="20000"/>
-          </a:bodyPr>
+        <p:spPr/>
+        <p:txBody>
+          <a:bodyPr/>
           <a:lstStyle/>
           <a:p>
+            <a:r>
+              <a:rPr lang="de-DE" dirty="0" err="1"/>
+              <a:t>Reason</a:t>
+            </a:r>
+            <a:r>
+              <a:rPr lang="de-DE" dirty="0"/>
+              <a:t> </a:t>
+            </a:r>
+            <a:r>
+              <a:rPr lang="de-DE" dirty="0" err="1"/>
+              <a:t>for</a:t>
+            </a:r>
+            <a:r>
+              <a:rPr lang="de-DE" dirty="0"/>
+              <a:t> </a:t>
+            </a:r>
+            <a:r>
+              <a:rPr lang="de-DE" dirty="0" err="1"/>
+              <a:t>our</a:t>
+            </a:r>
+            <a:r>
+              <a:rPr lang="de-DE" dirty="0"/>
+              <a:t> </a:t>
+            </a:r>
+            <a:r>
+              <a:rPr lang="de-DE" dirty="0" err="1"/>
+              <a:t>choice</a:t>
+            </a:r>
+            <a:r>
+              <a:rPr lang="de-DE" dirty="0"/>
+              <a:t>: </a:t>
+            </a:r>
+          </a:p>
+          <a:p>
+            <a:pPr lvl="1"/>
+            <a:r>
+              <a:rPr lang="de-DE" dirty="0" err="1"/>
+              <a:t>Easier</a:t>
+            </a:r>
+            <a:r>
+              <a:rPr lang="de-DE" dirty="0"/>
+              <a:t> </a:t>
+            </a:r>
+            <a:r>
+              <a:rPr lang="de-DE" dirty="0" err="1"/>
+              <a:t>than</a:t>
+            </a:r>
+            <a:r>
+              <a:rPr lang="de-DE" dirty="0"/>
+              <a:t> </a:t>
+            </a:r>
+            <a:r>
+              <a:rPr lang="de-DE" dirty="0" err="1"/>
+              <a:t>other</a:t>
+            </a:r>
+            <a:r>
+              <a:rPr lang="de-DE" dirty="0"/>
+              <a:t> </a:t>
+            </a:r>
+            <a:r>
+              <a:rPr lang="de-DE" dirty="0" err="1"/>
+              <a:t>algorithms</a:t>
+            </a:r>
+            <a:endParaRPr lang="de-DE" dirty="0"/>
+          </a:p>
+          <a:p>
+            <a:pPr lvl="1"/>
+            <a:r>
+              <a:rPr lang="de-DE" dirty="0"/>
+              <a:t>Fast </a:t>
+            </a:r>
+          </a:p>
+          <a:p>
             <a:pPr marL="0" indent="0">
               <a:buNone/>
             </a:pPr>
-            <a:r>
-              <a:rPr lang="de-DE" dirty="0"/>
-              <a:t> </a:t>
-            </a:r>
-            <a:r>
-              <a:rPr lang="de-DE" dirty="0" err="1"/>
-              <a:t>public</a:t>
-            </a:r>
-            <a:r>
-              <a:rPr lang="de-DE" dirty="0"/>
-              <a:t> </a:t>
-            </a:r>
-            <a:r>
-              <a:rPr lang="de-DE" dirty="0" err="1"/>
-              <a:t>void</a:t>
-            </a:r>
-            <a:r>
-              <a:rPr lang="de-DE" dirty="0"/>
-              <a:t> </a:t>
-            </a:r>
-            <a:r>
-              <a:rPr lang="de-DE" dirty="0" err="1"/>
-              <a:t>solve</a:t>
-            </a:r>
-            <a:r>
-              <a:rPr lang="de-DE" dirty="0"/>
-              <a:t>(){</a:t>
-            </a:r>
-          </a:p>
-          <a:p>
-            <a:pPr marL="0" indent="0">
-              <a:buNone/>
-            </a:pPr>
-            <a:r>
-              <a:rPr lang="de-DE" dirty="0"/>
-              <a:t>    </a:t>
-            </a:r>
-            <a:r>
-              <a:rPr lang="de-DE" dirty="0" err="1"/>
-              <a:t>for</a:t>
-            </a:r>
-            <a:r>
-              <a:rPr lang="de-DE" dirty="0"/>
-              <a:t>( </a:t>
-            </a:r>
-            <a:r>
-              <a:rPr lang="de-DE" dirty="0" err="1"/>
-              <a:t>each</a:t>
-            </a:r>
-            <a:r>
-              <a:rPr lang="de-DE" dirty="0"/>
-              <a:t> </a:t>
-            </a:r>
-            <a:r>
-              <a:rPr lang="de-DE" dirty="0" err="1"/>
-              <a:t>element</a:t>
-            </a:r>
-            <a:r>
-              <a:rPr lang="de-DE" dirty="0"/>
-              <a:t> in </a:t>
-            </a:r>
-            <a:r>
-              <a:rPr lang="de-DE" dirty="0" err="1"/>
-              <a:t>the</a:t>
-            </a:r>
-            <a:r>
-              <a:rPr lang="de-DE" dirty="0"/>
-              <a:t> </a:t>
-            </a:r>
-            <a:r>
-              <a:rPr lang="de-DE" dirty="0" err="1"/>
-              <a:t>array</a:t>
-            </a:r>
-            <a:r>
-              <a:rPr lang="de-DE" dirty="0"/>
-              <a:t> </a:t>
-            </a:r>
-            <a:r>
-              <a:rPr lang="de-DE" dirty="0" err="1"/>
-              <a:t>boxes</a:t>
-            </a:r>
-            <a:r>
-              <a:rPr lang="de-DE" dirty="0"/>
-              <a:t> )</a:t>
-            </a:r>
-          </a:p>
-          <a:p>
-            <a:pPr marL="0" indent="0">
-              <a:buNone/>
-            </a:pPr>
-            <a:r>
-              <a:rPr lang="de-DE" dirty="0"/>
-              <a:t>      </a:t>
-            </a:r>
-            <a:r>
-              <a:rPr lang="de-DE" dirty="0" err="1"/>
-              <a:t>for</a:t>
-            </a:r>
-            <a:r>
-              <a:rPr lang="de-DE" dirty="0"/>
-              <a:t>( </a:t>
-            </a:r>
-            <a:r>
-              <a:rPr lang="de-DE" dirty="0" err="1"/>
-              <a:t>the</a:t>
-            </a:r>
-            <a:r>
-              <a:rPr lang="de-DE" dirty="0"/>
-              <a:t> </a:t>
-            </a:r>
-            <a:r>
-              <a:rPr lang="de-DE" dirty="0" err="1"/>
-              <a:t>next</a:t>
-            </a:r>
-            <a:r>
-              <a:rPr lang="de-DE" dirty="0"/>
-              <a:t> x- </a:t>
-            </a:r>
-            <a:r>
-              <a:rPr lang="de-DE" dirty="0" err="1"/>
-              <a:t>coordiante</a:t>
-            </a:r>
-            <a:r>
-              <a:rPr lang="de-DE" dirty="0"/>
-              <a:t> </a:t>
-            </a:r>
-            <a:r>
-              <a:rPr lang="de-DE" dirty="0" err="1"/>
-              <a:t>which</a:t>
-            </a:r>
-            <a:r>
-              <a:rPr lang="de-DE" dirty="0"/>
-              <a:t> </a:t>
-            </a:r>
-            <a:r>
-              <a:rPr lang="de-DE" dirty="0" err="1"/>
-              <a:t>is</a:t>
-            </a:r>
-            <a:r>
-              <a:rPr lang="de-DE" dirty="0"/>
-              <a:t> still in </a:t>
-            </a:r>
-            <a:r>
-              <a:rPr lang="de-DE" dirty="0" err="1"/>
-              <a:t>the</a:t>
-            </a:r>
-            <a:r>
-              <a:rPr lang="de-DE" dirty="0"/>
-              <a:t> </a:t>
-            </a:r>
-            <a:r>
-              <a:rPr lang="de-DE" dirty="0" err="1"/>
-              <a:t>truck</a:t>
-            </a:r>
-            <a:r>
-              <a:rPr lang="de-DE" dirty="0"/>
-              <a:t> )</a:t>
-            </a:r>
-          </a:p>
-          <a:p>
-            <a:pPr marL="0" indent="0">
-              <a:buNone/>
-            </a:pPr>
-            <a:r>
-              <a:rPr lang="de-DE" dirty="0"/>
-              <a:t>        </a:t>
-            </a:r>
-            <a:r>
-              <a:rPr lang="de-DE" dirty="0" err="1"/>
-              <a:t>for</a:t>
-            </a:r>
-            <a:r>
-              <a:rPr lang="de-DE" dirty="0"/>
-              <a:t>( </a:t>
-            </a:r>
-            <a:r>
-              <a:rPr lang="de-DE" dirty="0" err="1"/>
-              <a:t>the</a:t>
-            </a:r>
-            <a:r>
-              <a:rPr lang="de-DE" dirty="0"/>
-              <a:t> </a:t>
-            </a:r>
-            <a:r>
-              <a:rPr lang="de-DE" dirty="0" err="1"/>
-              <a:t>next</a:t>
-            </a:r>
-            <a:r>
-              <a:rPr lang="de-DE" dirty="0"/>
-              <a:t> y- </a:t>
-            </a:r>
-            <a:r>
-              <a:rPr lang="de-DE" dirty="0" err="1"/>
-              <a:t>coordiante</a:t>
-            </a:r>
-            <a:r>
-              <a:rPr lang="de-DE" dirty="0"/>
-              <a:t> </a:t>
-            </a:r>
-            <a:r>
-              <a:rPr lang="de-DE" dirty="0" err="1"/>
-              <a:t>which</a:t>
-            </a:r>
-            <a:r>
-              <a:rPr lang="de-DE" dirty="0"/>
-              <a:t> </a:t>
-            </a:r>
-            <a:r>
-              <a:rPr lang="de-DE" dirty="0" err="1"/>
-              <a:t>is</a:t>
-            </a:r>
-            <a:r>
-              <a:rPr lang="de-DE" dirty="0"/>
-              <a:t> still in </a:t>
-            </a:r>
-            <a:r>
-              <a:rPr lang="de-DE" dirty="0" err="1"/>
-              <a:t>the</a:t>
-            </a:r>
-            <a:r>
-              <a:rPr lang="de-DE" dirty="0"/>
-              <a:t> </a:t>
-            </a:r>
-            <a:r>
-              <a:rPr lang="de-DE" dirty="0" err="1"/>
-              <a:t>truck</a:t>
-            </a:r>
-            <a:r>
-              <a:rPr lang="de-DE" dirty="0"/>
-              <a:t> )</a:t>
-            </a:r>
-          </a:p>
-          <a:p>
-            <a:pPr marL="0" indent="0">
-              <a:buNone/>
-            </a:pPr>
-            <a:r>
-              <a:rPr lang="de-DE" dirty="0"/>
-              <a:t>          </a:t>
-            </a:r>
-            <a:r>
-              <a:rPr lang="de-DE" dirty="0" err="1"/>
-              <a:t>for</a:t>
-            </a:r>
-            <a:r>
-              <a:rPr lang="de-DE" dirty="0"/>
-              <a:t>( </a:t>
-            </a:r>
-            <a:r>
-              <a:rPr lang="de-DE" dirty="0" err="1"/>
-              <a:t>the</a:t>
-            </a:r>
-            <a:r>
-              <a:rPr lang="de-DE" dirty="0"/>
-              <a:t> </a:t>
-            </a:r>
-            <a:r>
-              <a:rPr lang="de-DE" dirty="0" err="1"/>
-              <a:t>next</a:t>
-            </a:r>
-            <a:r>
-              <a:rPr lang="de-DE" dirty="0"/>
-              <a:t> z- </a:t>
-            </a:r>
-            <a:r>
-              <a:rPr lang="de-DE" dirty="0" err="1"/>
-              <a:t>coordiante</a:t>
-            </a:r>
-            <a:r>
-              <a:rPr lang="de-DE" dirty="0"/>
-              <a:t> </a:t>
-            </a:r>
-            <a:r>
-              <a:rPr lang="de-DE" dirty="0" err="1"/>
-              <a:t>which</a:t>
-            </a:r>
-            <a:r>
-              <a:rPr lang="de-DE" dirty="0"/>
-              <a:t> </a:t>
-            </a:r>
-            <a:r>
-              <a:rPr lang="de-DE" dirty="0" err="1"/>
-              <a:t>is</a:t>
-            </a:r>
-            <a:r>
-              <a:rPr lang="de-DE" dirty="0"/>
-              <a:t> still in </a:t>
-            </a:r>
-            <a:r>
-              <a:rPr lang="de-DE" dirty="0" err="1"/>
-              <a:t>the</a:t>
-            </a:r>
-            <a:r>
-              <a:rPr lang="de-DE" dirty="0"/>
-              <a:t> </a:t>
-            </a:r>
-            <a:r>
-              <a:rPr lang="de-DE" dirty="0" err="1"/>
-              <a:t>truck</a:t>
-            </a:r>
-            <a:r>
-              <a:rPr lang="de-DE" dirty="0"/>
-              <a:t> )</a:t>
-            </a:r>
-          </a:p>
-          <a:p>
-            <a:pPr marL="0" indent="0">
-              <a:buNone/>
-            </a:pPr>
-            <a:r>
-              <a:rPr lang="de-DE" dirty="0"/>
-              <a:t>            </a:t>
-            </a:r>
-            <a:r>
-              <a:rPr lang="de-DE" dirty="0" err="1"/>
-              <a:t>if</a:t>
-            </a:r>
-            <a:r>
-              <a:rPr lang="de-DE" dirty="0"/>
-              <a:t>( </a:t>
-            </a:r>
-            <a:r>
-              <a:rPr lang="de-DE" dirty="0" err="1"/>
-              <a:t>that</a:t>
-            </a:r>
-            <a:r>
-              <a:rPr lang="de-DE" dirty="0"/>
-              <a:t> box </a:t>
-            </a:r>
-            <a:r>
-              <a:rPr lang="de-DE" dirty="0" err="1"/>
-              <a:t>is</a:t>
-            </a:r>
-            <a:r>
-              <a:rPr lang="de-DE" dirty="0"/>
-              <a:t> still </a:t>
-            </a:r>
-            <a:r>
-              <a:rPr lang="de-DE" dirty="0" err="1"/>
-              <a:t>available</a:t>
-            </a:r>
-            <a:r>
-              <a:rPr lang="de-DE" dirty="0"/>
-              <a:t> )</a:t>
-            </a:r>
-          </a:p>
-          <a:p>
-            <a:pPr marL="0" indent="0">
-              <a:buNone/>
-            </a:pPr>
-            <a:r>
-              <a:rPr lang="de-DE" dirty="0"/>
-              <a:t>              </a:t>
-            </a:r>
-            <a:r>
-              <a:rPr lang="de-DE" dirty="0" err="1"/>
-              <a:t>for</a:t>
-            </a:r>
-            <a:r>
-              <a:rPr lang="de-DE" dirty="0"/>
-              <a:t>( </a:t>
-            </a:r>
-            <a:r>
-              <a:rPr lang="de-DE" dirty="0" err="1"/>
-              <a:t>the</a:t>
-            </a:r>
-            <a:r>
-              <a:rPr lang="de-DE" dirty="0"/>
-              <a:t> </a:t>
-            </a:r>
-            <a:r>
-              <a:rPr lang="de-DE" dirty="0" err="1"/>
-              <a:t>current</a:t>
-            </a:r>
-            <a:r>
-              <a:rPr lang="de-DE" dirty="0"/>
-              <a:t> </a:t>
-            </a:r>
-            <a:r>
-              <a:rPr lang="de-DE" dirty="0" err="1"/>
-              <a:t>rotation</a:t>
-            </a:r>
-            <a:r>
-              <a:rPr lang="de-DE" dirty="0"/>
-              <a:t> </a:t>
-            </a:r>
-            <a:r>
-              <a:rPr lang="de-DE" dirty="0" err="1"/>
-              <a:t>we</a:t>
-            </a:r>
-            <a:r>
-              <a:rPr lang="de-DE" dirty="0"/>
-              <a:t> check </a:t>
-            </a:r>
-            <a:r>
-              <a:rPr lang="de-DE" dirty="0" err="1"/>
-              <a:t>if</a:t>
-            </a:r>
-            <a:r>
-              <a:rPr lang="de-DE" dirty="0"/>
-              <a:t> </a:t>
-            </a:r>
-            <a:r>
-              <a:rPr lang="de-DE" dirty="0" err="1"/>
-              <a:t>it</a:t>
-            </a:r>
-            <a:r>
-              <a:rPr lang="de-DE" dirty="0"/>
-              <a:t> </a:t>
-            </a:r>
-            <a:r>
-              <a:rPr lang="de-DE" dirty="0" err="1"/>
-              <a:t>fits</a:t>
-            </a:r>
-            <a:r>
-              <a:rPr lang="de-DE" dirty="0"/>
-              <a:t> ){</a:t>
-            </a:r>
-          </a:p>
-          <a:p>
-            <a:pPr marL="0" indent="0">
-              <a:buNone/>
-            </a:pPr>
-            <a:r>
-              <a:rPr lang="de-DE" dirty="0"/>
-              <a:t>                </a:t>
-            </a:r>
-            <a:r>
-              <a:rPr lang="de-DE" dirty="0" err="1"/>
-              <a:t>if</a:t>
-            </a:r>
-            <a:r>
-              <a:rPr lang="de-DE" dirty="0"/>
-              <a:t>( </a:t>
-            </a:r>
-            <a:r>
-              <a:rPr lang="de-DE" dirty="0" err="1"/>
-              <a:t>it</a:t>
-            </a:r>
-            <a:r>
-              <a:rPr lang="de-DE" dirty="0"/>
-              <a:t> </a:t>
-            </a:r>
-            <a:r>
-              <a:rPr lang="de-DE" dirty="0" err="1"/>
-              <a:t>fits</a:t>
-            </a:r>
-            <a:r>
-              <a:rPr lang="de-DE" dirty="0"/>
-              <a:t> in </a:t>
-            </a:r>
-            <a:r>
-              <a:rPr lang="de-DE" dirty="0" err="1"/>
-              <a:t>the</a:t>
-            </a:r>
-            <a:r>
-              <a:rPr lang="de-DE" dirty="0"/>
-              <a:t> </a:t>
-            </a:r>
-            <a:r>
-              <a:rPr lang="de-DE" dirty="0" err="1"/>
-              <a:t>empty</a:t>
-            </a:r>
-            <a:r>
-              <a:rPr lang="de-DE" dirty="0"/>
-              <a:t> </a:t>
-            </a:r>
-            <a:r>
-              <a:rPr lang="de-DE" dirty="0" err="1"/>
-              <a:t>space</a:t>
-            </a:r>
-            <a:r>
-              <a:rPr lang="de-DE" dirty="0"/>
-              <a:t> </a:t>
-            </a:r>
-            <a:r>
-              <a:rPr lang="de-DE" dirty="0" err="1"/>
-              <a:t>of</a:t>
-            </a:r>
-            <a:r>
-              <a:rPr lang="de-DE" dirty="0"/>
-              <a:t> </a:t>
-            </a:r>
-            <a:r>
-              <a:rPr lang="de-DE" dirty="0" err="1"/>
-              <a:t>the</a:t>
-            </a:r>
-            <a:r>
-              <a:rPr lang="de-DE" dirty="0"/>
-              <a:t> </a:t>
-            </a:r>
-            <a:r>
-              <a:rPr lang="de-DE" dirty="0" err="1"/>
-              <a:t>truck</a:t>
-            </a:r>
-            <a:r>
-              <a:rPr lang="de-DE" dirty="0"/>
-              <a:t> ){  </a:t>
-            </a:r>
-            <a:r>
-              <a:rPr lang="de-DE" dirty="0" err="1"/>
-              <a:t>place</a:t>
-            </a:r>
-            <a:r>
-              <a:rPr lang="de-DE" dirty="0"/>
-              <a:t> </a:t>
-            </a:r>
-            <a:r>
-              <a:rPr lang="de-DE" dirty="0" err="1"/>
-              <a:t>the</a:t>
-            </a:r>
-            <a:r>
-              <a:rPr lang="de-DE" dirty="0"/>
-              <a:t> box;  }</a:t>
-            </a:r>
-          </a:p>
-          <a:p>
-            <a:pPr marL="0" indent="0">
-              <a:buNone/>
-            </a:pPr>
-            <a:r>
-              <a:rPr lang="de-DE" dirty="0"/>
-              <a:t>                </a:t>
-            </a:r>
-            <a:r>
-              <a:rPr lang="de-DE" dirty="0" err="1"/>
-              <a:t>else</a:t>
-            </a:r>
-            <a:r>
-              <a:rPr lang="de-DE" dirty="0"/>
-              <a:t>{  </a:t>
-            </a:r>
-            <a:r>
-              <a:rPr lang="de-DE" dirty="0" err="1"/>
-              <a:t>try</a:t>
-            </a:r>
-            <a:r>
-              <a:rPr lang="de-DE" dirty="0"/>
-              <a:t> </a:t>
-            </a:r>
-            <a:r>
-              <a:rPr lang="de-DE" dirty="0" err="1"/>
-              <a:t>next</a:t>
-            </a:r>
-            <a:r>
-              <a:rPr lang="de-DE" dirty="0"/>
-              <a:t> x- </a:t>
-            </a:r>
-            <a:r>
-              <a:rPr lang="de-DE" dirty="0" err="1"/>
-              <a:t>rotation</a:t>
-            </a:r>
-            <a:r>
-              <a:rPr lang="de-DE" dirty="0"/>
-              <a:t>;</a:t>
-            </a:r>
-          </a:p>
-          <a:p>
-            <a:pPr marL="0" indent="0">
-              <a:buNone/>
-            </a:pPr>
-            <a:r>
-              <a:rPr lang="de-DE" dirty="0"/>
-              <a:t>	         </a:t>
-            </a:r>
-            <a:r>
-              <a:rPr lang="de-DE" dirty="0" err="1"/>
-              <a:t>if</a:t>
-            </a:r>
-            <a:r>
-              <a:rPr lang="de-DE" dirty="0"/>
-              <a:t>(</a:t>
-            </a:r>
-            <a:r>
-              <a:rPr lang="de-DE" dirty="0" err="1"/>
-              <a:t>each</a:t>
-            </a:r>
-            <a:r>
-              <a:rPr lang="de-DE" dirty="0"/>
-              <a:t> x- </a:t>
-            </a:r>
-            <a:r>
-              <a:rPr lang="de-DE" dirty="0" err="1"/>
-              <a:t>rotation</a:t>
-            </a:r>
-            <a:r>
-              <a:rPr lang="de-DE" dirty="0"/>
-              <a:t> </a:t>
-            </a:r>
-            <a:r>
-              <a:rPr lang="de-DE" dirty="0" err="1"/>
-              <a:t>tried</a:t>
-            </a:r>
-            <a:r>
-              <a:rPr lang="de-DE" dirty="0"/>
-              <a:t>, </a:t>
-            </a:r>
-            <a:r>
-              <a:rPr lang="de-DE" dirty="0" err="1"/>
-              <a:t>rotate</a:t>
-            </a:r>
-            <a:r>
-              <a:rPr lang="de-DE" dirty="0"/>
-              <a:t> </a:t>
-            </a:r>
-            <a:r>
-              <a:rPr lang="de-DE" dirty="0" err="1"/>
-              <a:t>once</a:t>
-            </a:r>
-            <a:r>
-              <a:rPr lang="de-DE" dirty="0"/>
-              <a:t> on y- </a:t>
-            </a:r>
-            <a:r>
-              <a:rPr lang="de-DE" dirty="0" err="1"/>
-              <a:t>axes</a:t>
-            </a:r>
-            <a:r>
-              <a:rPr lang="de-DE" dirty="0"/>
-              <a:t>);</a:t>
-            </a:r>
-          </a:p>
-          <a:p>
-            <a:pPr marL="0" indent="0">
-              <a:buNone/>
-            </a:pPr>
-            <a:r>
-              <a:rPr lang="de-DE" dirty="0"/>
-              <a:t>	         </a:t>
-            </a:r>
-            <a:r>
-              <a:rPr lang="de-DE" dirty="0" err="1"/>
-              <a:t>if</a:t>
-            </a:r>
-            <a:r>
-              <a:rPr lang="de-DE" dirty="0"/>
-              <a:t>(</a:t>
-            </a:r>
-            <a:r>
-              <a:rPr lang="de-DE" dirty="0" err="1"/>
-              <a:t>each</a:t>
-            </a:r>
-            <a:r>
-              <a:rPr lang="de-DE" dirty="0"/>
-              <a:t> y- </a:t>
-            </a:r>
-            <a:r>
-              <a:rPr lang="de-DE" dirty="0" err="1"/>
-              <a:t>rotation</a:t>
-            </a:r>
-            <a:r>
-              <a:rPr lang="de-DE" dirty="0"/>
-              <a:t> and all possible x- </a:t>
-            </a:r>
-            <a:r>
-              <a:rPr lang="de-DE" dirty="0" err="1"/>
-              <a:t>rotations</a:t>
-            </a:r>
-            <a:r>
-              <a:rPr lang="de-DE" dirty="0"/>
-              <a:t> </a:t>
-            </a:r>
-            <a:r>
-              <a:rPr lang="de-DE" dirty="0" err="1"/>
-              <a:t>tried</a:t>
-            </a:r>
-            <a:r>
-              <a:rPr lang="de-DE" dirty="0"/>
-              <a:t>, </a:t>
-            </a:r>
-            <a:r>
-              <a:rPr lang="de-DE" dirty="0" err="1"/>
-              <a:t>rotate</a:t>
-            </a:r>
-            <a:r>
-              <a:rPr lang="de-DE" dirty="0"/>
-              <a:t> </a:t>
-            </a:r>
-            <a:r>
-              <a:rPr lang="de-DE" dirty="0" err="1"/>
-              <a:t>once</a:t>
-            </a:r>
-            <a:r>
-              <a:rPr lang="de-DE" dirty="0"/>
-              <a:t> on z- </a:t>
-            </a:r>
-            <a:r>
-              <a:rPr lang="de-DE" dirty="0" err="1"/>
-              <a:t>axes</a:t>
-            </a:r>
-            <a:r>
-              <a:rPr lang="de-DE" dirty="0"/>
-              <a:t>);   }  }</a:t>
-            </a:r>
+            <a:endParaRPr lang="de-DE" dirty="0"/>
+          </a:p>
+          <a:p>
+            <a:r>
+              <a:rPr lang="de-DE" dirty="0" err="1"/>
+              <a:t>Sorting</a:t>
+            </a:r>
+            <a:r>
+              <a:rPr lang="de-DE" dirty="0"/>
+              <a:t> </a:t>
+            </a:r>
+            <a:r>
+              <a:rPr lang="de-DE" dirty="0" err="1"/>
+              <a:t>method</a:t>
+            </a:r>
+            <a:r>
+              <a:rPr lang="de-DE" dirty="0"/>
+              <a:t> 1: </a:t>
+            </a:r>
+            <a:r>
+              <a:rPr lang="de-DE" dirty="0" err="1"/>
+              <a:t>density</a:t>
+            </a:r>
+            <a:endParaRPr lang="de-DE" dirty="0"/>
+          </a:p>
+          <a:p>
+            <a:r>
+              <a:rPr lang="de-DE" dirty="0" err="1"/>
+              <a:t>Sorting</a:t>
+            </a:r>
+            <a:r>
+              <a:rPr lang="de-DE" dirty="0"/>
+              <a:t> </a:t>
+            </a:r>
+            <a:r>
+              <a:rPr lang="de-DE" dirty="0" err="1"/>
+              <a:t>method</a:t>
+            </a:r>
+            <a:r>
+              <a:rPr lang="de-DE" dirty="0"/>
+              <a:t> 2: </a:t>
+            </a:r>
+            <a:r>
+              <a:rPr lang="de-DE" dirty="0" err="1"/>
+              <a:t>insertion</a:t>
+            </a:r>
+            <a:r>
+              <a:rPr lang="de-DE" dirty="0"/>
+              <a:t> </a:t>
+            </a:r>
+            <a:r>
+              <a:rPr lang="de-DE" dirty="0" err="1"/>
+              <a:t>sort</a:t>
+            </a:r>
+            <a:endParaRPr lang="de-DE" dirty="0"/>
+          </a:p>
+          <a:p>
+            <a:endParaRPr lang="de-DE" dirty="0"/>
           </a:p>
         </p:txBody>
       </p:sp>
     </p:spTree>
     <p:extLst>
       <p:ext uri="{BB962C8B-B14F-4D97-AF65-F5344CB8AC3E}">
-        <p14:creationId xmlns:p14="http://schemas.microsoft.com/office/powerpoint/2010/main" val="2063815792"/>
+        <p14:creationId xmlns:p14="http://schemas.microsoft.com/office/powerpoint/2010/main" val="814031099"/>
       </p:ext>
     </p:extLst>
   </p:cSld>
@@ -6762,7 +6752,7 @@
           <p:cNvPr id="2" name="Titel 1">
             <a:extLst>
               <a:ext uri="{FF2B5EF4-FFF2-40B4-BE49-F238E27FC236}">
-                <a16:creationId xmlns:a16="http://schemas.microsoft.com/office/drawing/2014/main" id="{15C81E58-B0FE-4F67-BDB7-C4EB918F3C4F}"/>
+                <a16:creationId xmlns:a16="http://schemas.microsoft.com/office/drawing/2014/main" id="{E9DB12E9-FDD5-4913-AA27-C32C63363F71}"/>
               </a:ext>
             </a:extLst>
           </p:cNvPr>
@@ -6780,49 +6770,306 @@
           <a:p>
             <a:r>
               <a:rPr lang="de-DE" dirty="0"/>
-              <a:t>3D </a:t>
-            </a:r>
-            <a:r>
-              <a:rPr lang="de-DE" dirty="0" err="1"/>
-              <a:t>visualization</a:t>
+              <a:t>Pseudocode </a:t>
+            </a:r>
+            <a:r>
+              <a:rPr lang="de-DE" dirty="0" err="1"/>
+              <a:t>for</a:t>
+            </a:r>
+            <a:r>
+              <a:rPr lang="de-DE" dirty="0"/>
+              <a:t> </a:t>
+            </a:r>
+            <a:r>
+              <a:rPr lang="de-DE" dirty="0" err="1"/>
+              <a:t>the</a:t>
+            </a:r>
+            <a:r>
+              <a:rPr lang="de-DE" dirty="0"/>
+              <a:t> </a:t>
+            </a:r>
+            <a:r>
+              <a:rPr lang="de-DE" dirty="0" err="1"/>
+              <a:t>sorting</a:t>
+            </a:r>
+            <a:r>
+              <a:rPr lang="de-DE" dirty="0"/>
+              <a:t> </a:t>
+            </a:r>
+            <a:r>
+              <a:rPr lang="de-DE" dirty="0" err="1"/>
+              <a:t>method</a:t>
             </a:r>
             <a:endParaRPr lang="de-DE" dirty="0"/>
           </a:p>
         </p:txBody>
       </p:sp>
-      <p:pic>
-        <p:nvPicPr>
-          <p:cNvPr id="5" name="Inhaltsplatzhalter 4">
+      <p:sp>
+        <p:nvSpPr>
+          <p:cNvPr id="3" name="Inhaltsplatzhalter 2">
             <a:extLst>
               <a:ext uri="{FF2B5EF4-FFF2-40B4-BE49-F238E27FC236}">
-                <a16:creationId xmlns:a16="http://schemas.microsoft.com/office/drawing/2014/main" id="{FB9D23C3-05FC-4DF3-B3DC-6FE2031B9AEA}"/>
+                <a16:creationId xmlns:a16="http://schemas.microsoft.com/office/drawing/2014/main" id="{5A0E484D-B4D0-4275-AE07-61A61A757833}"/>
               </a:ext>
             </a:extLst>
           </p:cNvPr>
-          <p:cNvPicPr>
-            <a:picLocks noGrp="1" noChangeAspect="1"/>
-          </p:cNvPicPr>
+          <p:cNvSpPr>
+            <a:spLocks noGrp="1"/>
+          </p:cNvSpPr>
           <p:nvPr>
             <p:ph idx="1"/>
           </p:nvPr>
-        </p:nvPicPr>
-        <p:blipFill>
-          <a:blip r:embed="rId2"/>
-          <a:stretch>
-            <a:fillRect/>
-          </a:stretch>
-        </p:blipFill>
-        <p:spPr>
-          <a:xfrm>
-            <a:off x="3668095" y="2016125"/>
-            <a:ext cx="5170134" cy="3449638"/>
-          </a:xfrm>
-        </p:spPr>
-      </p:pic>
+        </p:nvSpPr>
+        <p:spPr/>
+        <p:txBody>
+          <a:bodyPr>
+            <a:normAutofit/>
+          </a:bodyPr>
+          <a:lstStyle/>
+          <a:p>
+            <a:pPr marL="0" indent="0">
+              <a:buNone/>
+            </a:pPr>
+            <a:r>
+              <a:rPr lang="de-DE" dirty="0"/>
+              <a:t>INPUT: </a:t>
+            </a:r>
+            <a:r>
+              <a:rPr lang="de-DE" dirty="0" err="1"/>
+              <a:t>unsorted</a:t>
+            </a:r>
+            <a:r>
+              <a:rPr lang="de-DE" dirty="0"/>
+              <a:t> </a:t>
+            </a:r>
+            <a:r>
+              <a:rPr lang="de-DE" dirty="0" err="1"/>
+              <a:t>array</a:t>
+            </a:r>
+            <a:endParaRPr lang="de-DE" dirty="0"/>
+          </a:p>
+          <a:p>
+            <a:pPr marL="0" indent="0">
+              <a:buNone/>
+            </a:pPr>
+            <a:r>
+              <a:rPr lang="de-DE" dirty="0"/>
+              <a:t>OUTPUT: </a:t>
+            </a:r>
+            <a:r>
+              <a:rPr lang="de-DE" dirty="0" err="1"/>
+              <a:t>new</a:t>
+            </a:r>
+            <a:r>
+              <a:rPr lang="de-DE" dirty="0"/>
+              <a:t> </a:t>
+            </a:r>
+            <a:r>
+              <a:rPr lang="de-DE" dirty="0" err="1"/>
+              <a:t>sorted</a:t>
+            </a:r>
+            <a:r>
+              <a:rPr lang="de-DE" dirty="0"/>
+              <a:t> </a:t>
+            </a:r>
+            <a:r>
+              <a:rPr lang="de-DE" dirty="0" err="1"/>
+              <a:t>array</a:t>
+            </a:r>
+            <a:endParaRPr lang="de-DE" dirty="0"/>
+          </a:p>
+          <a:p>
+            <a:pPr marL="0" indent="0">
+              <a:buNone/>
+            </a:pPr>
+            <a:r>
+              <a:rPr lang="de-DE" dirty="0"/>
+              <a:t>	FOR (</a:t>
+            </a:r>
+            <a:r>
+              <a:rPr lang="de-DE" dirty="0" err="1"/>
+              <a:t>each</a:t>
+            </a:r>
+            <a:r>
+              <a:rPr lang="de-DE" dirty="0"/>
+              <a:t> box in </a:t>
+            </a:r>
+            <a:r>
+              <a:rPr lang="de-DE" dirty="0" err="1"/>
+              <a:t>the</a:t>
+            </a:r>
+            <a:r>
+              <a:rPr lang="de-DE" dirty="0"/>
+              <a:t> </a:t>
+            </a:r>
+            <a:r>
+              <a:rPr lang="de-DE" dirty="0" err="1"/>
+              <a:t>array</a:t>
+            </a:r>
+            <a:r>
+              <a:rPr lang="de-DE" dirty="0"/>
+              <a:t>)</a:t>
+            </a:r>
+          </a:p>
+          <a:p>
+            <a:pPr marL="0" indent="0">
+              <a:buNone/>
+            </a:pPr>
+            <a:r>
+              <a:rPr lang="de-DE" dirty="0"/>
+              <a:t>		FOR (back </a:t>
+            </a:r>
+            <a:r>
+              <a:rPr lang="de-DE" dirty="0" err="1"/>
+              <a:t>to</a:t>
+            </a:r>
+            <a:r>
+              <a:rPr lang="de-DE" dirty="0"/>
+              <a:t> front)</a:t>
+            </a:r>
+          </a:p>
+          <a:p>
+            <a:pPr marL="0" indent="0">
+              <a:buNone/>
+            </a:pPr>
+            <a:r>
+              <a:rPr lang="de-DE" dirty="0"/>
+              <a:t>			IF (</a:t>
+            </a:r>
+            <a:r>
+              <a:rPr lang="de-DE" dirty="0" err="1"/>
+              <a:t>density</a:t>
+            </a:r>
+            <a:r>
+              <a:rPr lang="de-DE" dirty="0"/>
+              <a:t> </a:t>
+            </a:r>
+            <a:r>
+              <a:rPr lang="de-DE" dirty="0" err="1"/>
+              <a:t>of</a:t>
+            </a:r>
+            <a:r>
+              <a:rPr lang="de-DE" dirty="0"/>
+              <a:t> </a:t>
+            </a:r>
+            <a:r>
+              <a:rPr lang="de-DE" dirty="0" err="1"/>
+              <a:t>current</a:t>
+            </a:r>
+            <a:r>
+              <a:rPr lang="de-DE" dirty="0"/>
+              <a:t> box &gt; </a:t>
+            </a:r>
+            <a:r>
+              <a:rPr lang="de-DE" dirty="0" err="1"/>
+              <a:t>density</a:t>
+            </a:r>
+            <a:r>
+              <a:rPr lang="de-DE" dirty="0"/>
+              <a:t> </a:t>
+            </a:r>
+            <a:r>
+              <a:rPr lang="de-DE" dirty="0" err="1"/>
+              <a:t>of</a:t>
+            </a:r>
+            <a:r>
+              <a:rPr lang="de-DE" dirty="0"/>
+              <a:t> </a:t>
+            </a:r>
+            <a:r>
+              <a:rPr lang="de-DE" dirty="0" err="1"/>
+              <a:t>next</a:t>
+            </a:r>
+            <a:r>
+              <a:rPr lang="de-DE" dirty="0"/>
+              <a:t> box)</a:t>
+            </a:r>
+          </a:p>
+          <a:p>
+            <a:pPr marL="0" indent="0">
+              <a:buNone/>
+            </a:pPr>
+            <a:r>
+              <a:rPr lang="de-DE" dirty="0"/>
+              <a:t>				switch </a:t>
+            </a:r>
+            <a:r>
+              <a:rPr lang="de-DE" dirty="0" err="1"/>
+              <a:t>the</a:t>
+            </a:r>
+            <a:r>
+              <a:rPr lang="de-DE" dirty="0"/>
+              <a:t> </a:t>
+            </a:r>
+            <a:r>
+              <a:rPr lang="de-DE" dirty="0" err="1"/>
+              <a:t>indexes</a:t>
+            </a:r>
+            <a:r>
+              <a:rPr lang="de-DE" dirty="0"/>
+              <a:t> </a:t>
+            </a:r>
+            <a:r>
+              <a:rPr lang="de-DE" dirty="0" err="1"/>
+              <a:t>of</a:t>
+            </a:r>
+            <a:r>
+              <a:rPr lang="de-DE" dirty="0"/>
+              <a:t> </a:t>
+            </a:r>
+            <a:r>
+              <a:rPr lang="de-DE" dirty="0" err="1"/>
+              <a:t>the</a:t>
+            </a:r>
+            <a:r>
+              <a:rPr lang="de-DE" dirty="0"/>
+              <a:t> </a:t>
+            </a:r>
+            <a:r>
+              <a:rPr lang="de-DE" dirty="0" err="1"/>
+              <a:t>boxes</a:t>
+            </a:r>
+            <a:endParaRPr lang="de-DE" dirty="0"/>
+          </a:p>
+          <a:p>
+            <a:pPr marL="0" indent="0">
+              <a:buNone/>
+            </a:pPr>
+            <a:r>
+              <a:rPr lang="de-DE" dirty="0"/>
+              <a:t>	RETURN </a:t>
+            </a:r>
+            <a:r>
+              <a:rPr lang="de-DE" dirty="0" err="1"/>
+              <a:t>the</a:t>
+            </a:r>
+            <a:r>
+              <a:rPr lang="de-DE" dirty="0"/>
+              <a:t> </a:t>
+            </a:r>
+            <a:r>
+              <a:rPr lang="de-DE" dirty="0" err="1"/>
+              <a:t>sorted</a:t>
+            </a:r>
+            <a:r>
+              <a:rPr lang="de-DE" dirty="0"/>
+              <a:t> </a:t>
+            </a:r>
+            <a:r>
+              <a:rPr lang="de-DE" dirty="0" err="1"/>
+              <a:t>array</a:t>
+            </a:r>
+            <a:endParaRPr lang="de-DE" dirty="0"/>
+          </a:p>
+          <a:p>
+            <a:endParaRPr lang="de-DE" dirty="0"/>
+          </a:p>
+        </p:txBody>
+      </p:sp>
     </p:spTree>
     <p:extLst>
       <p:ext uri="{BB962C8B-B14F-4D97-AF65-F5344CB8AC3E}">
-        <p14:creationId xmlns:p14="http://schemas.microsoft.com/office/powerpoint/2010/main" val="1612983768"/>
+        <p14:creationId xmlns:p14="http://schemas.microsoft.com/office/powerpoint/2010/main" val="2574281316"/>
       </p:ext>
     </p:extLst>
   </p:cSld>
@@ -6854,7 +7101,7 @@
           <p:cNvPr id="2" name="Titel 1">
             <a:extLst>
               <a:ext uri="{FF2B5EF4-FFF2-40B4-BE49-F238E27FC236}">
-                <a16:creationId xmlns:a16="http://schemas.microsoft.com/office/drawing/2014/main" id="{5A6B36E8-49BD-4AB9-BA18-926BE0CE2590}"/>
+                <a16:creationId xmlns:a16="http://schemas.microsoft.com/office/drawing/2014/main" id="{BACE3AA2-0512-4FF7-BF5B-3A3776742D82}"/>
               </a:ext>
             </a:extLst>
           </p:cNvPr>
@@ -6871,12 +7118,8 @@
           <a:lstStyle/>
           <a:p>
             <a:r>
-              <a:rPr lang="de-DE" dirty="0" err="1"/>
-              <a:t>results</a:t>
-            </a:r>
-            <a:r>
-              <a:rPr lang="de-DE" dirty="0"/>
-              <a:t> </a:t>
+              <a:rPr lang="de-DE" dirty="0"/>
+              <a:t>Pseudocode </a:t>
             </a:r>
             <a:r>
               <a:rPr lang="de-DE" dirty="0" err="1"/>
@@ -6888,21 +7131,6 @@
             </a:r>
             <a:r>
               <a:rPr lang="de-DE" dirty="0" err="1"/>
-              <a:t>boxes</a:t>
-            </a:r>
-            <a:r>
-              <a:rPr lang="de-DE" dirty="0"/>
-              <a:t>: </a:t>
-            </a:r>
-            <a:br>
-              <a:rPr lang="de-DE" dirty="0"/>
-            </a:br>
-            <a:r>
-              <a:rPr lang="de-DE" dirty="0"/>
-              <a:t>Can </a:t>
-            </a:r>
-            <a:r>
-              <a:rPr lang="de-DE" dirty="0" err="1"/>
               <a:t>the</a:t>
             </a:r>
             <a:r>
@@ -6911,36 +7139,17 @@
             </a:r>
             <a:r>
               <a:rPr lang="de-DE" dirty="0" err="1"/>
-              <a:t>cargo</a:t>
-            </a:r>
-            <a:r>
-              <a:rPr lang="de-DE" dirty="0"/>
-              <a:t>- Space </a:t>
-            </a:r>
-            <a:r>
-              <a:rPr lang="de-DE" dirty="0" err="1"/>
-              <a:t>be</a:t>
-            </a:r>
-            <a:r>
-              <a:rPr lang="de-DE" dirty="0"/>
-              <a:t> </a:t>
-            </a:r>
-            <a:r>
-              <a:rPr lang="de-DE" dirty="0" err="1"/>
-              <a:t>filled</a:t>
-            </a:r>
-            <a:r>
-              <a:rPr lang="de-DE" dirty="0"/>
-              <a:t> </a:t>
-            </a:r>
-            <a:r>
-              <a:rPr lang="de-DE" dirty="0" err="1"/>
-              <a:t>completely</a:t>
-            </a:r>
-            <a:r>
-              <a:rPr lang="de-DE" dirty="0"/>
-              <a:t>?</a:t>
-            </a:r>
+              <a:t>solve</a:t>
+            </a:r>
+            <a:r>
+              <a:rPr lang="de-DE" dirty="0"/>
+              <a:t> </a:t>
+            </a:r>
+            <a:r>
+              <a:rPr lang="de-DE" dirty="0" err="1"/>
+              <a:t>method</a:t>
+            </a:r>
+            <a:endParaRPr lang="de-DE" dirty="0"/>
           </a:p>
         </p:txBody>
       </p:sp>
@@ -6949,7 +7158,7 @@
           <p:cNvPr id="3" name="Inhaltsplatzhalter 2">
             <a:extLst>
               <a:ext uri="{FF2B5EF4-FFF2-40B4-BE49-F238E27FC236}">
-                <a16:creationId xmlns:a16="http://schemas.microsoft.com/office/drawing/2014/main" id="{BEFB92AD-CAC9-4AFE-9347-970DD70C1171}"/>
+                <a16:creationId xmlns:a16="http://schemas.microsoft.com/office/drawing/2014/main" id="{7028B480-DD39-4061-8912-D0EF7993CCB3}"/>
               </a:ext>
             </a:extLst>
           </p:cNvPr>
@@ -6962,31 +7171,50 @@
         </p:nvSpPr>
         <p:spPr>
           <a:xfrm>
-            <a:off x="1451579" y="2529657"/>
-            <a:ext cx="9603275" cy="2936688"/>
+            <a:off x="1451579" y="1899981"/>
+            <a:ext cx="9866173" cy="4298227"/>
           </a:xfrm>
         </p:spPr>
         <p:txBody>
           <a:bodyPr>
-            <a:normAutofit/>
+            <a:normAutofit fontScale="92500" lnSpcReduction="20000"/>
           </a:bodyPr>
           <a:lstStyle/>
           <a:p>
-            <a:r>
-              <a:rPr lang="de-DE" dirty="0"/>
-              <a:t>Not </a:t>
-            </a:r>
-            <a:r>
-              <a:rPr lang="de-DE" dirty="0" err="1"/>
-              <a:t>with</a:t>
-            </a:r>
-            <a:r>
-              <a:rPr lang="de-DE" dirty="0"/>
-              <a:t> </a:t>
-            </a:r>
-            <a:r>
-              <a:rPr lang="de-DE" dirty="0" err="1"/>
-              <a:t>only</a:t>
+            <a:pPr marL="0" indent="0">
+              <a:buNone/>
+            </a:pPr>
+            <a:r>
+              <a:rPr lang="de-DE" dirty="0"/>
+              <a:t>FOR (</a:t>
+            </a:r>
+            <a:r>
+              <a:rPr lang="de-DE" dirty="0" err="1"/>
+              <a:t>each</a:t>
+            </a:r>
+            <a:r>
+              <a:rPr lang="de-DE" dirty="0"/>
+              <a:t> </a:t>
+            </a:r>
+            <a:r>
+              <a:rPr lang="de-DE" dirty="0" err="1"/>
+              <a:t>element</a:t>
+            </a:r>
+            <a:r>
+              <a:rPr lang="de-DE" dirty="0"/>
+              <a:t> in </a:t>
+            </a:r>
+            <a:r>
+              <a:rPr lang="de-DE" dirty="0" err="1"/>
+              <a:t>the</a:t>
+            </a:r>
+            <a:r>
+              <a:rPr lang="de-DE" dirty="0"/>
+              <a:t> </a:t>
+            </a:r>
+            <a:r>
+              <a:rPr lang="de-DE" dirty="0" err="1"/>
+              <a:t>array</a:t>
             </a:r>
             <a:r>
               <a:rPr lang="de-DE" dirty="0"/>
@@ -6998,6 +7226,340 @@
             </a:r>
             <a:r>
               <a:rPr lang="de-DE" dirty="0"/>
+              <a:t>)</a:t>
+            </a:r>
+          </a:p>
+          <a:p>
+            <a:pPr marL="0" indent="0">
+              <a:buNone/>
+            </a:pPr>
+            <a:r>
+              <a:rPr lang="de-DE" dirty="0"/>
+              <a:t>  FOR (</a:t>
+            </a:r>
+            <a:r>
+              <a:rPr lang="de-DE" dirty="0" err="1"/>
+              <a:t>the</a:t>
+            </a:r>
+            <a:r>
+              <a:rPr lang="de-DE" dirty="0"/>
+              <a:t> </a:t>
+            </a:r>
+            <a:r>
+              <a:rPr lang="de-DE" dirty="0" err="1"/>
+              <a:t>next</a:t>
+            </a:r>
+            <a:r>
+              <a:rPr lang="de-DE" dirty="0"/>
+              <a:t> x- </a:t>
+            </a:r>
+            <a:r>
+              <a:rPr lang="de-DE" dirty="0" err="1"/>
+              <a:t>coordiante</a:t>
+            </a:r>
+            <a:r>
+              <a:rPr lang="de-DE" dirty="0"/>
+              <a:t> </a:t>
+            </a:r>
+            <a:r>
+              <a:rPr lang="de-DE" dirty="0" err="1"/>
+              <a:t>which</a:t>
+            </a:r>
+            <a:r>
+              <a:rPr lang="de-DE" dirty="0"/>
+              <a:t> </a:t>
+            </a:r>
+            <a:r>
+              <a:rPr lang="de-DE" dirty="0" err="1"/>
+              <a:t>is</a:t>
+            </a:r>
+            <a:r>
+              <a:rPr lang="de-DE" dirty="0"/>
+              <a:t> still in </a:t>
+            </a:r>
+            <a:r>
+              <a:rPr lang="de-DE" dirty="0" err="1"/>
+              <a:t>the</a:t>
+            </a:r>
+            <a:r>
+              <a:rPr lang="de-DE" dirty="0"/>
+              <a:t> </a:t>
+            </a:r>
+            <a:r>
+              <a:rPr lang="de-DE" dirty="0" err="1"/>
+              <a:t>truck</a:t>
+            </a:r>
+            <a:r>
+              <a:rPr lang="de-DE" dirty="0"/>
+              <a:t>)</a:t>
+            </a:r>
+          </a:p>
+          <a:p>
+            <a:pPr marL="0" indent="0">
+              <a:buNone/>
+            </a:pPr>
+            <a:r>
+              <a:rPr lang="de-DE" dirty="0"/>
+              <a:t>    FOR (</a:t>
+            </a:r>
+            <a:r>
+              <a:rPr lang="de-DE" dirty="0" err="1"/>
+              <a:t>the</a:t>
+            </a:r>
+            <a:r>
+              <a:rPr lang="de-DE" dirty="0"/>
+              <a:t> </a:t>
+            </a:r>
+            <a:r>
+              <a:rPr lang="de-DE" dirty="0" err="1"/>
+              <a:t>next</a:t>
+            </a:r>
+            <a:r>
+              <a:rPr lang="de-DE" dirty="0"/>
+              <a:t> y- </a:t>
+            </a:r>
+            <a:r>
+              <a:rPr lang="de-DE" dirty="0" err="1"/>
+              <a:t>coordiante</a:t>
+            </a:r>
+            <a:r>
+              <a:rPr lang="de-DE" dirty="0"/>
+              <a:t> </a:t>
+            </a:r>
+            <a:r>
+              <a:rPr lang="de-DE" dirty="0" err="1"/>
+              <a:t>which</a:t>
+            </a:r>
+            <a:r>
+              <a:rPr lang="de-DE" dirty="0"/>
+              <a:t> </a:t>
+            </a:r>
+            <a:r>
+              <a:rPr lang="de-DE" dirty="0" err="1"/>
+              <a:t>is</a:t>
+            </a:r>
+            <a:r>
+              <a:rPr lang="de-DE" dirty="0"/>
+              <a:t> still in </a:t>
+            </a:r>
+            <a:r>
+              <a:rPr lang="de-DE" dirty="0" err="1"/>
+              <a:t>the</a:t>
+            </a:r>
+            <a:r>
+              <a:rPr lang="de-DE" dirty="0"/>
+              <a:t> </a:t>
+            </a:r>
+            <a:r>
+              <a:rPr lang="de-DE" dirty="0" err="1"/>
+              <a:t>truck</a:t>
+            </a:r>
+            <a:r>
+              <a:rPr lang="de-DE" dirty="0"/>
+              <a:t>)</a:t>
+            </a:r>
+          </a:p>
+          <a:p>
+            <a:pPr marL="0" indent="0">
+              <a:buNone/>
+            </a:pPr>
+            <a:r>
+              <a:rPr lang="de-DE" dirty="0"/>
+              <a:t>      FOR (</a:t>
+            </a:r>
+            <a:r>
+              <a:rPr lang="de-DE" dirty="0" err="1"/>
+              <a:t>the</a:t>
+            </a:r>
+            <a:r>
+              <a:rPr lang="de-DE" dirty="0"/>
+              <a:t> </a:t>
+            </a:r>
+            <a:r>
+              <a:rPr lang="de-DE" dirty="0" err="1"/>
+              <a:t>next</a:t>
+            </a:r>
+            <a:r>
+              <a:rPr lang="de-DE" dirty="0"/>
+              <a:t> z- </a:t>
+            </a:r>
+            <a:r>
+              <a:rPr lang="de-DE" dirty="0" err="1"/>
+              <a:t>coordiante</a:t>
+            </a:r>
+            <a:r>
+              <a:rPr lang="de-DE" dirty="0"/>
+              <a:t> </a:t>
+            </a:r>
+            <a:r>
+              <a:rPr lang="de-DE" dirty="0" err="1"/>
+              <a:t>which</a:t>
+            </a:r>
+            <a:r>
+              <a:rPr lang="de-DE" dirty="0"/>
+              <a:t> </a:t>
+            </a:r>
+            <a:r>
+              <a:rPr lang="de-DE" dirty="0" err="1"/>
+              <a:t>is</a:t>
+            </a:r>
+            <a:r>
+              <a:rPr lang="de-DE" dirty="0"/>
+              <a:t> still in </a:t>
+            </a:r>
+            <a:r>
+              <a:rPr lang="de-DE" dirty="0" err="1"/>
+              <a:t>the</a:t>
+            </a:r>
+            <a:r>
+              <a:rPr lang="de-DE" dirty="0"/>
+              <a:t> </a:t>
+            </a:r>
+            <a:r>
+              <a:rPr lang="de-DE" dirty="0" err="1"/>
+              <a:t>truck</a:t>
+            </a:r>
+            <a:r>
+              <a:rPr lang="de-DE" dirty="0"/>
+              <a:t>)</a:t>
+            </a:r>
+          </a:p>
+          <a:p>
+            <a:pPr marL="0" indent="0">
+              <a:buNone/>
+            </a:pPr>
+            <a:r>
+              <a:rPr lang="de-DE" dirty="0"/>
+              <a:t>        IF (box </a:t>
+            </a:r>
+            <a:r>
+              <a:rPr lang="de-DE" dirty="0" err="1"/>
+              <a:t>is</a:t>
+            </a:r>
+            <a:r>
+              <a:rPr lang="de-DE" dirty="0"/>
+              <a:t> still </a:t>
+            </a:r>
+            <a:r>
+              <a:rPr lang="de-DE" dirty="0" err="1"/>
+              <a:t>available</a:t>
+            </a:r>
+            <a:r>
+              <a:rPr lang="de-DE" dirty="0"/>
+              <a:t>)</a:t>
+            </a:r>
+          </a:p>
+          <a:p>
+            <a:pPr marL="0" indent="0">
+              <a:buNone/>
+            </a:pPr>
+            <a:r>
+              <a:rPr lang="de-DE" dirty="0"/>
+              <a:t>          FOR (</a:t>
+            </a:r>
+            <a:r>
+              <a:rPr lang="de-DE" dirty="0" err="1"/>
+              <a:t>the</a:t>
+            </a:r>
+            <a:r>
+              <a:rPr lang="de-DE" dirty="0"/>
+              <a:t> </a:t>
+            </a:r>
+            <a:r>
+              <a:rPr lang="de-DE" dirty="0" err="1"/>
+              <a:t>current</a:t>
+            </a:r>
+            <a:r>
+              <a:rPr lang="de-DE" dirty="0"/>
+              <a:t> </a:t>
+            </a:r>
+            <a:r>
+              <a:rPr lang="de-DE" dirty="0" err="1"/>
+              <a:t>rotation</a:t>
+            </a:r>
+            <a:r>
+              <a:rPr lang="de-DE" dirty="0"/>
+              <a:t> </a:t>
+            </a:r>
+            <a:r>
+              <a:rPr lang="de-DE" dirty="0" err="1"/>
+              <a:t>we</a:t>
+            </a:r>
+            <a:r>
+              <a:rPr lang="de-DE" dirty="0"/>
+              <a:t> check </a:t>
+            </a:r>
+            <a:r>
+              <a:rPr lang="de-DE" dirty="0" err="1"/>
+              <a:t>if</a:t>
+            </a:r>
+            <a:r>
+              <a:rPr lang="de-DE" dirty="0"/>
+              <a:t> </a:t>
+            </a:r>
+            <a:r>
+              <a:rPr lang="de-DE" dirty="0" err="1"/>
+              <a:t>it</a:t>
+            </a:r>
+            <a:r>
+              <a:rPr lang="de-DE" dirty="0"/>
+              <a:t> </a:t>
+            </a:r>
+            <a:r>
+              <a:rPr lang="de-DE" dirty="0" err="1"/>
+              <a:t>fits</a:t>
+            </a:r>
+            <a:r>
+              <a:rPr lang="de-DE" dirty="0"/>
+              <a:t> ){</a:t>
+            </a:r>
+          </a:p>
+          <a:p>
+            <a:pPr marL="0" indent="0">
+              <a:buNone/>
+            </a:pPr>
+            <a:r>
+              <a:rPr lang="de-DE" dirty="0"/>
+              <a:t>            IF (</a:t>
+            </a:r>
+            <a:r>
+              <a:rPr lang="de-DE" dirty="0" err="1"/>
+              <a:t>it</a:t>
+            </a:r>
+            <a:r>
+              <a:rPr lang="de-DE" dirty="0"/>
+              <a:t> </a:t>
+            </a:r>
+            <a:r>
+              <a:rPr lang="de-DE" dirty="0" err="1"/>
+              <a:t>fits</a:t>
+            </a:r>
+            <a:r>
+              <a:rPr lang="de-DE" dirty="0"/>
+              <a:t> in </a:t>
+            </a:r>
+            <a:r>
+              <a:rPr lang="de-DE" dirty="0" err="1"/>
+              <a:t>the</a:t>
+            </a:r>
+            <a:r>
+              <a:rPr lang="de-DE" dirty="0"/>
+              <a:t> </a:t>
+            </a:r>
+            <a:r>
+              <a:rPr lang="de-DE" dirty="0" err="1"/>
+              <a:t>empty</a:t>
+            </a:r>
+            <a:r>
+              <a:rPr lang="de-DE" dirty="0"/>
+              <a:t> </a:t>
+            </a:r>
+            <a:r>
+              <a:rPr lang="de-DE" dirty="0" err="1"/>
+              <a:t>space</a:t>
+            </a:r>
+            <a:r>
+              <a:rPr lang="de-DE" dirty="0"/>
               <a:t> </a:t>
             </a:r>
             <a:r>
@@ -7006,64 +7568,203 @@
             </a:r>
             <a:r>
               <a:rPr lang="de-DE" dirty="0"/>
-              <a:t> type A, B </a:t>
-            </a:r>
-            <a:r>
-              <a:rPr lang="de-DE" dirty="0" err="1"/>
-              <a:t>or</a:t>
-            </a:r>
-            <a:r>
-              <a:rPr lang="de-DE" dirty="0"/>
-              <a:t> C </a:t>
-            </a:r>
-            <a:r>
-              <a:rPr lang="en-US" dirty="0"/>
-              <a:t>due to the size of these boxes: </a:t>
-            </a:r>
-          </a:p>
-          <a:p>
-            <a:pPr>
-              <a:buFont typeface="Wingdings" panose="05000000000000000000" pitchFamily="2" charset="2"/>
-              <a:buChar char="à"/>
+              <a:t> </a:t>
+            </a:r>
+            <a:r>
+              <a:rPr lang="de-DE" dirty="0" err="1"/>
+              <a:t>the</a:t>
+            </a:r>
+            <a:r>
+              <a:rPr lang="de-DE" dirty="0"/>
+              <a:t> </a:t>
+            </a:r>
+            <a:r>
+              <a:rPr lang="de-DE" dirty="0" err="1"/>
+              <a:t>truck</a:t>
+            </a:r>
+            <a:r>
+              <a:rPr lang="de-DE" dirty="0"/>
+              <a:t> ){  </a:t>
+            </a:r>
+            <a:r>
+              <a:rPr lang="de-DE" dirty="0" err="1"/>
+              <a:t>place</a:t>
+            </a:r>
+            <a:r>
+              <a:rPr lang="de-DE" dirty="0"/>
+              <a:t> </a:t>
+            </a:r>
+            <a:r>
+              <a:rPr lang="de-DE" dirty="0" err="1"/>
+              <a:t>the</a:t>
+            </a:r>
+            <a:r>
+              <a:rPr lang="de-DE" dirty="0"/>
+              <a:t> box  }</a:t>
+            </a:r>
+          </a:p>
+          <a:p>
+            <a:pPr marL="0" indent="0">
+              <a:buNone/>
             </a:pPr>
             <a:r>
-              <a:rPr lang="en-US" dirty="0">
-                <a:sym typeface="Wingdings" panose="05000000000000000000" pitchFamily="2" charset="2"/>
-              </a:rPr>
-              <a:t>Dimensions of boxes A: 1.0 x 1.0 x 2.0 cannot fill the width of 2.5 m</a:t>
-            </a:r>
-          </a:p>
-          <a:p>
-            <a:pPr>
-              <a:buFont typeface="Wingdings" panose="05000000000000000000" pitchFamily="2" charset="2"/>
-              <a:buChar char="à"/>
+              <a:rPr lang="de-DE" dirty="0"/>
+              <a:t>            ELSE{  </a:t>
+            </a:r>
+            <a:r>
+              <a:rPr lang="de-DE" dirty="0" err="1"/>
+              <a:t>try</a:t>
+            </a:r>
+            <a:r>
+              <a:rPr lang="de-DE" dirty="0"/>
+              <a:t> </a:t>
+            </a:r>
+            <a:r>
+              <a:rPr lang="de-DE" dirty="0" err="1"/>
+              <a:t>next</a:t>
+            </a:r>
+            <a:r>
+              <a:rPr lang="de-DE" dirty="0"/>
+              <a:t> x- </a:t>
+            </a:r>
+            <a:r>
+              <a:rPr lang="de-DE" dirty="0" err="1"/>
+              <a:t>rotation</a:t>
+            </a:r>
+            <a:endParaRPr lang="de-DE" dirty="0"/>
+          </a:p>
+          <a:p>
+            <a:pPr marL="0" indent="0">
+              <a:buNone/>
             </a:pPr>
             <a:r>
-              <a:rPr lang="en-US" dirty="0">
-                <a:sym typeface="Wingdings" panose="05000000000000000000" pitchFamily="2" charset="2"/>
-              </a:rPr>
-              <a:t>Dimensions of boxes B: 1.0 x 1.5 x 2.0 cannot fill the length of 16.5 m at the same time with filling out the 2.5 m width</a:t>
-            </a:r>
-          </a:p>
-          <a:p>
-            <a:pPr>
-              <a:buFont typeface="Wingdings" panose="05000000000000000000" pitchFamily="2" charset="2"/>
-              <a:buChar char="à"/>
+              <a:rPr lang="de-DE" dirty="0"/>
+              <a:t>	         IF (</a:t>
+            </a:r>
+            <a:r>
+              <a:rPr lang="de-DE" dirty="0" err="1"/>
+              <a:t>each</a:t>
+            </a:r>
+            <a:r>
+              <a:rPr lang="de-DE" dirty="0"/>
+              <a:t> x- </a:t>
+            </a:r>
+            <a:r>
+              <a:rPr lang="de-DE" dirty="0" err="1"/>
+              <a:t>rotation</a:t>
+            </a:r>
+            <a:r>
+              <a:rPr lang="de-DE" dirty="0"/>
+              <a:t> </a:t>
+            </a:r>
+            <a:r>
+              <a:rPr lang="de-DE" dirty="0" err="1"/>
+              <a:t>tried</a:t>
+            </a:r>
+            <a:r>
+              <a:rPr lang="de-DE" dirty="0"/>
+              <a:t>, </a:t>
+            </a:r>
+            <a:r>
+              <a:rPr lang="de-DE" dirty="0" err="1"/>
+              <a:t>rotate</a:t>
+            </a:r>
+            <a:r>
+              <a:rPr lang="de-DE" dirty="0"/>
+              <a:t> </a:t>
+            </a:r>
+            <a:r>
+              <a:rPr lang="de-DE" dirty="0" err="1"/>
+              <a:t>once</a:t>
+            </a:r>
+            <a:r>
+              <a:rPr lang="de-DE" dirty="0"/>
+              <a:t> on y- </a:t>
+            </a:r>
+            <a:r>
+              <a:rPr lang="de-DE" dirty="0" err="1"/>
+              <a:t>axes</a:t>
+            </a:r>
+            <a:r>
+              <a:rPr lang="de-DE" dirty="0"/>
+              <a:t>)</a:t>
+            </a:r>
+          </a:p>
+          <a:p>
+            <a:pPr marL="0" indent="0">
+              <a:buNone/>
             </a:pPr>
             <a:r>
-              <a:rPr lang="en-US" dirty="0">
-                <a:sym typeface="Wingdings" panose="05000000000000000000" pitchFamily="2" charset="2"/>
-              </a:rPr>
-              <a:t>Dimensions of box C: 1.5 x 1.5 x 1.5 cannot fill the height of 4.0 m</a:t>
-            </a:r>
-            <a:endParaRPr lang="en-US" dirty="0"/>
+              <a:rPr lang="de-DE" dirty="0"/>
+              <a:t>	</a:t>
+            </a:r>
+            <a:r>
+              <a:rPr lang="de-DE"/>
+              <a:t>         IF (</a:t>
+            </a:r>
+            <a:r>
+              <a:rPr lang="de-DE" dirty="0" err="1"/>
+              <a:t>each</a:t>
+            </a:r>
+            <a:r>
+              <a:rPr lang="de-DE" dirty="0"/>
+              <a:t> y- </a:t>
+            </a:r>
+            <a:r>
+              <a:rPr lang="de-DE" dirty="0" err="1"/>
+              <a:t>rotation</a:t>
+            </a:r>
+            <a:r>
+              <a:rPr lang="de-DE" dirty="0"/>
+              <a:t> and all possible x- </a:t>
+            </a:r>
+            <a:r>
+              <a:rPr lang="de-DE" dirty="0" err="1"/>
+              <a:t>rotations</a:t>
+            </a:r>
+            <a:r>
+              <a:rPr lang="de-DE" dirty="0"/>
+              <a:t> </a:t>
+            </a:r>
+            <a:r>
+              <a:rPr lang="de-DE" dirty="0" err="1"/>
+              <a:t>tried</a:t>
+            </a:r>
+            <a:r>
+              <a:rPr lang="de-DE" dirty="0"/>
+              <a:t>, </a:t>
+            </a:r>
+            <a:r>
+              <a:rPr lang="de-DE" dirty="0" err="1"/>
+              <a:t>rotate</a:t>
+            </a:r>
+            <a:r>
+              <a:rPr lang="de-DE" dirty="0"/>
+              <a:t> </a:t>
+            </a:r>
+            <a:r>
+              <a:rPr lang="de-DE" dirty="0" err="1"/>
+              <a:t>once</a:t>
+            </a:r>
+            <a:r>
+              <a:rPr lang="de-DE" dirty="0"/>
+              <a:t> on z- </a:t>
+            </a:r>
+            <a:r>
+              <a:rPr lang="de-DE" dirty="0" err="1"/>
+              <a:t>axes</a:t>
+            </a:r>
+            <a:r>
+              <a:rPr lang="de-DE" dirty="0"/>
+              <a:t>);  }  }</a:t>
+            </a:r>
           </a:p>
         </p:txBody>
       </p:sp>
     </p:spTree>
     <p:extLst>
       <p:ext uri="{BB962C8B-B14F-4D97-AF65-F5344CB8AC3E}">
-        <p14:creationId xmlns:p14="http://schemas.microsoft.com/office/powerpoint/2010/main" val="3895900210"/>
+        <p14:creationId xmlns:p14="http://schemas.microsoft.com/office/powerpoint/2010/main" val="2063815792"/>
       </p:ext>
     </p:extLst>
   </p:cSld>
@@ -7095,7 +7796,7 @@
           <p:cNvPr id="2" name="Titel 1">
             <a:extLst>
               <a:ext uri="{FF2B5EF4-FFF2-40B4-BE49-F238E27FC236}">
-                <a16:creationId xmlns:a16="http://schemas.microsoft.com/office/drawing/2014/main" id="{5AA0BEA0-4C39-4B80-A23F-DAD6EDC5339F}"/>
+                <a16:creationId xmlns:a16="http://schemas.microsoft.com/office/drawing/2014/main" id="{65FBA475-BBEF-4BEE-BB97-9DB4F48C5D59}"/>
               </a:ext>
             </a:extLst>
           </p:cNvPr>
@@ -7111,77 +7812,7 @@
           <a:bodyPr/>
           <a:lstStyle/>
           <a:p>
-            <a:r>
-              <a:rPr lang="de-DE" dirty="0" err="1"/>
-              <a:t>results</a:t>
-            </a:r>
-            <a:r>
-              <a:rPr lang="de-DE" dirty="0"/>
-              <a:t> </a:t>
-            </a:r>
-            <a:r>
-              <a:rPr lang="de-DE" dirty="0" err="1"/>
-              <a:t>for</a:t>
-            </a:r>
-            <a:r>
-              <a:rPr lang="de-DE" dirty="0"/>
-              <a:t> </a:t>
-            </a:r>
-            <a:r>
-              <a:rPr lang="de-DE" dirty="0" err="1"/>
-              <a:t>boxes</a:t>
-            </a:r>
-            <a:r>
-              <a:rPr lang="de-DE" dirty="0"/>
-              <a:t>: </a:t>
-            </a:r>
-            <a:br>
-              <a:rPr lang="de-DE" dirty="0"/>
-            </a:br>
-            <a:r>
-              <a:rPr lang="de-DE" dirty="0"/>
-              <a:t>Can </a:t>
-            </a:r>
-            <a:r>
-              <a:rPr lang="de-DE" dirty="0" err="1"/>
-              <a:t>the</a:t>
-            </a:r>
-            <a:r>
-              <a:rPr lang="de-DE" dirty="0"/>
-              <a:t> </a:t>
-            </a:r>
-            <a:r>
-              <a:rPr lang="de-DE" dirty="0" err="1"/>
-              <a:t>cargo</a:t>
-            </a:r>
-            <a:r>
-              <a:rPr lang="de-DE" dirty="0"/>
-              <a:t>- Space </a:t>
-            </a:r>
-            <a:r>
-              <a:rPr lang="de-DE" dirty="0" err="1"/>
-              <a:t>be</a:t>
-            </a:r>
-            <a:r>
-              <a:rPr lang="de-DE" dirty="0"/>
-              <a:t> </a:t>
-            </a:r>
-            <a:r>
-              <a:rPr lang="de-DE" dirty="0" err="1"/>
-              <a:t>filled</a:t>
-            </a:r>
-            <a:r>
-              <a:rPr lang="de-DE" dirty="0"/>
-              <a:t> </a:t>
-            </a:r>
-            <a:r>
-              <a:rPr lang="de-DE" dirty="0" err="1"/>
-              <a:t>completely</a:t>
-            </a:r>
-            <a:r>
-              <a:rPr lang="de-DE" dirty="0"/>
-              <a:t>?</a:t>
-            </a:r>
+            <a:endParaRPr lang="de-DE" dirty="0"/>
           </a:p>
         </p:txBody>
       </p:sp>
@@ -7190,7 +7821,7 @@
           <p:cNvPr id="3" name="Inhaltsplatzhalter 2">
             <a:extLst>
               <a:ext uri="{FF2B5EF4-FFF2-40B4-BE49-F238E27FC236}">
-                <a16:creationId xmlns:a16="http://schemas.microsoft.com/office/drawing/2014/main" id="{626E76AD-8031-473F-9FBB-78CDF48E08F3}"/>
+                <a16:creationId xmlns:a16="http://schemas.microsoft.com/office/drawing/2014/main" id="{9080FB4D-AD7E-4663-BFA8-832C9557FC06}"/>
               </a:ext>
             </a:extLst>
           </p:cNvPr>
@@ -7206,41 +7837,14 @@
           <a:bodyPr/>
           <a:lstStyle/>
           <a:p>
-            <a:r>
-              <a:rPr lang="de-DE" dirty="0"/>
-              <a:t>A and B</a:t>
-            </a:r>
-          </a:p>
-          <a:p>
-            <a:r>
-              <a:rPr lang="de-DE" dirty="0"/>
-              <a:t>A and C</a:t>
-            </a:r>
-          </a:p>
-          <a:p>
-            <a:r>
-              <a:rPr lang="de-DE" dirty="0"/>
-              <a:t>B and C</a:t>
-            </a:r>
-          </a:p>
-          <a:p>
-            <a:pPr marL="0" indent="0">
-              <a:buNone/>
-            </a:pPr>
-            <a:endParaRPr lang="de-DE" dirty="0"/>
-          </a:p>
-          <a:p>
-            <a:r>
-              <a:rPr lang="de-DE" dirty="0"/>
-              <a:t>A, B and C</a:t>
-            </a:r>
+            <a:endParaRPr lang="de-DE"/>
           </a:p>
         </p:txBody>
       </p:sp>
     </p:spTree>
     <p:extLst>
       <p:ext uri="{BB962C8B-B14F-4D97-AF65-F5344CB8AC3E}">
-        <p14:creationId xmlns:p14="http://schemas.microsoft.com/office/powerpoint/2010/main" val="2337078074"/>
+        <p14:creationId xmlns:p14="http://schemas.microsoft.com/office/powerpoint/2010/main" val="3519596650"/>
       </p:ext>
     </p:extLst>
   </p:cSld>
@@ -7272,7 +7876,7 @@
           <p:cNvPr id="2" name="Titel 1">
             <a:extLst>
               <a:ext uri="{FF2B5EF4-FFF2-40B4-BE49-F238E27FC236}">
-                <a16:creationId xmlns:a16="http://schemas.microsoft.com/office/drawing/2014/main" id="{FC5FC914-6969-4F0D-8EF6-0716BB630089}"/>
+                <a16:creationId xmlns:a16="http://schemas.microsoft.com/office/drawing/2014/main" id="{15C81E58-B0FE-4F67-BDB7-C4EB918F3C4F}"/>
               </a:ext>
             </a:extLst>
           </p:cNvPr>
@@ -7289,81 +7893,50 @@
           <a:lstStyle/>
           <a:p>
             <a:r>
-              <a:rPr lang="de-DE" dirty="0" err="1"/>
-              <a:t>Results</a:t>
-            </a:r>
-            <a:r>
-              <a:rPr lang="de-DE" dirty="0"/>
-              <a:t> </a:t>
-            </a:r>
-            <a:r>
-              <a:rPr lang="de-DE" dirty="0" err="1"/>
-              <a:t>for</a:t>
-            </a:r>
-            <a:r>
-              <a:rPr lang="de-DE" dirty="0"/>
-              <a:t> Boxes:</a:t>
-            </a:r>
-            <a:br>
-              <a:rPr lang="de-DE" dirty="0"/>
-            </a:br>
-            <a:r>
-              <a:rPr lang="de-DE" dirty="0"/>
-              <a:t>Maximum </a:t>
-            </a:r>
-            <a:r>
-              <a:rPr lang="de-DE" dirty="0" err="1"/>
-              <a:t>value</a:t>
-            </a:r>
-            <a:r>
-              <a:rPr lang="de-DE" dirty="0"/>
-              <a:t> </a:t>
-            </a:r>
-            <a:r>
-              <a:rPr lang="de-DE" dirty="0" err="1"/>
-              <a:t>of</a:t>
-            </a:r>
-            <a:r>
-              <a:rPr lang="de-DE" dirty="0"/>
-              <a:t> Cargo- </a:t>
-            </a:r>
-            <a:r>
-              <a:rPr lang="de-DE" dirty="0" err="1"/>
-              <a:t>space</a:t>
+              <a:rPr lang="de-DE" dirty="0"/>
+              <a:t>3D </a:t>
+            </a:r>
+            <a:r>
+              <a:rPr lang="de-DE" dirty="0" err="1"/>
+              <a:t>visualization</a:t>
             </a:r>
             <a:endParaRPr lang="de-DE" dirty="0"/>
           </a:p>
         </p:txBody>
       </p:sp>
-      <p:sp>
-        <p:nvSpPr>
-          <p:cNvPr id="3" name="Inhaltsplatzhalter 2">
+      <p:pic>
+        <p:nvPicPr>
+          <p:cNvPr id="5" name="Inhaltsplatzhalter 4">
             <a:extLst>
               <a:ext uri="{FF2B5EF4-FFF2-40B4-BE49-F238E27FC236}">
-                <a16:creationId xmlns:a16="http://schemas.microsoft.com/office/drawing/2014/main" id="{DEFCF6F9-95FA-4FEC-BED5-C8F091D6D0D1}"/>
+                <a16:creationId xmlns:a16="http://schemas.microsoft.com/office/drawing/2014/main" id="{FB9D23C3-05FC-4DF3-B3DC-6FE2031B9AEA}"/>
               </a:ext>
             </a:extLst>
           </p:cNvPr>
-          <p:cNvSpPr>
-            <a:spLocks noGrp="1"/>
-          </p:cNvSpPr>
+          <p:cNvPicPr>
+            <a:picLocks noGrp="1" noChangeAspect="1"/>
+          </p:cNvPicPr>
           <p:nvPr>
             <p:ph idx="1"/>
           </p:nvPr>
-        </p:nvSpPr>
-        <p:spPr/>
-        <p:txBody>
-          <a:bodyPr/>
-          <a:lstStyle/>
-          <a:p>
-            <a:endParaRPr lang="de-DE"/>
-          </a:p>
-        </p:txBody>
-      </p:sp>
+        </p:nvPicPr>
+        <p:blipFill>
+          <a:blip r:embed="rId2"/>
+          <a:stretch>
+            <a:fillRect/>
+          </a:stretch>
+        </p:blipFill>
+        <p:spPr>
+          <a:xfrm>
+            <a:off x="3668095" y="2016125"/>
+            <a:ext cx="5170134" cy="3449638"/>
+          </a:xfrm>
+        </p:spPr>
+      </p:pic>
     </p:spTree>
     <p:extLst>
       <p:ext uri="{BB962C8B-B14F-4D97-AF65-F5344CB8AC3E}">
-        <p14:creationId xmlns:p14="http://schemas.microsoft.com/office/powerpoint/2010/main" val="2915510581"/>
+        <p14:creationId xmlns:p14="http://schemas.microsoft.com/office/powerpoint/2010/main" val="1612983768"/>
       </p:ext>
     </p:extLst>
   </p:cSld>

--- a/project 3.pptx
+++ b/project 3.pptx
@@ -12,16 +12,15 @@
     <p:sldId id="273" r:id="rId6"/>
     <p:sldId id="274" r:id="rId7"/>
     <p:sldId id="261" r:id="rId8"/>
-    <p:sldId id="272" r:id="rId9"/>
-    <p:sldId id="270" r:id="rId10"/>
-    <p:sldId id="265" r:id="rId11"/>
-    <p:sldId id="266" r:id="rId12"/>
-    <p:sldId id="269" r:id="rId13"/>
-    <p:sldId id="263" r:id="rId14"/>
-    <p:sldId id="267" r:id="rId15"/>
-    <p:sldId id="268" r:id="rId16"/>
-    <p:sldId id="264" r:id="rId17"/>
-    <p:sldId id="271" r:id="rId18"/>
+    <p:sldId id="270" r:id="rId9"/>
+    <p:sldId id="265" r:id="rId10"/>
+    <p:sldId id="266" r:id="rId11"/>
+    <p:sldId id="269" r:id="rId12"/>
+    <p:sldId id="263" r:id="rId13"/>
+    <p:sldId id="267" r:id="rId14"/>
+    <p:sldId id="268" r:id="rId15"/>
+    <p:sldId id="264" r:id="rId16"/>
+    <p:sldId id="271" r:id="rId17"/>
   </p:sldIdLst>
   <p:sldSz cx="12192000" cy="6858000"/>
   <p:notesSz cx="6858000" cy="9144000"/>
@@ -271,7 +270,7 @@
           <a:p>
             <a:fld id="{48A87A34-81AB-432B-8DAE-1953F412C126}" type="datetimeFigureOut">
               <a:rPr lang="en-US" dirty="0"/>
-              <a:t>1/18/2018</a:t>
+              <a:t>1/19/2018</a:t>
             </a:fld>
             <a:endParaRPr lang="en-US" dirty="0"/>
           </a:p>
@@ -477,7 +476,7 @@
           <a:p>
             <a:fld id="{48A87A34-81AB-432B-8DAE-1953F412C126}" type="datetimeFigureOut">
               <a:rPr lang="en-US" dirty="0"/>
-              <a:t>1/18/2018</a:t>
+              <a:t>1/19/2018</a:t>
             </a:fld>
             <a:endParaRPr lang="en-US" dirty="0"/>
           </a:p>
@@ -687,7 +686,7 @@
           <a:p>
             <a:fld id="{48A87A34-81AB-432B-8DAE-1953F412C126}" type="datetimeFigureOut">
               <a:rPr lang="en-US" dirty="0"/>
-              <a:t>1/18/2018</a:t>
+              <a:t>1/19/2018</a:t>
             </a:fld>
             <a:endParaRPr lang="en-US" dirty="0"/>
           </a:p>
@@ -883,7 +882,7 @@
           <a:p>
             <a:fld id="{48A87A34-81AB-432B-8DAE-1953F412C126}" type="datetimeFigureOut">
               <a:rPr lang="en-US" dirty="0"/>
-              <a:t>1/18/2018</a:t>
+              <a:t>1/19/2018</a:t>
             </a:fld>
             <a:endParaRPr lang="en-US" dirty="0"/>
           </a:p>
@@ -1157,7 +1156,7 @@
           <a:p>
             <a:fld id="{48A87A34-81AB-432B-8DAE-1953F412C126}" type="datetimeFigureOut">
               <a:rPr lang="en-US" dirty="0"/>
-              <a:t>1/18/2018</a:t>
+              <a:t>1/19/2018</a:t>
             </a:fld>
             <a:endParaRPr lang="en-US" dirty="0"/>
           </a:p>
@@ -1420,7 +1419,7 @@
           <a:p>
             <a:fld id="{48A87A34-81AB-432B-8DAE-1953F412C126}" type="datetimeFigureOut">
               <a:rPr lang="en-US" dirty="0"/>
-              <a:t>1/18/2018</a:t>
+              <a:t>1/19/2018</a:t>
             </a:fld>
             <a:endParaRPr lang="en-US" dirty="0"/>
           </a:p>
@@ -1831,7 +1830,7 @@
           <a:p>
             <a:fld id="{48A87A34-81AB-432B-8DAE-1953F412C126}" type="datetimeFigureOut">
               <a:rPr lang="en-US" dirty="0"/>
-              <a:t>1/18/2018</a:t>
+              <a:t>1/19/2018</a:t>
             </a:fld>
             <a:endParaRPr lang="en-US" dirty="0"/>
           </a:p>
@@ -1975,7 +1974,7 @@
           <a:p>
             <a:fld id="{48A87A34-81AB-432B-8DAE-1953F412C126}" type="datetimeFigureOut">
               <a:rPr lang="en-US" dirty="0"/>
-              <a:t>1/18/2018</a:t>
+              <a:t>1/19/2018</a:t>
             </a:fld>
             <a:endParaRPr lang="en-US" dirty="0"/>
           </a:p>
@@ -2096,7 +2095,7 @@
           <a:p>
             <a:fld id="{48A87A34-81AB-432B-8DAE-1953F412C126}" type="datetimeFigureOut">
               <a:rPr lang="en-US" dirty="0"/>
-              <a:t>1/18/2018</a:t>
+              <a:t>1/19/2018</a:t>
             </a:fld>
             <a:endParaRPr lang="en-US" dirty="0"/>
           </a:p>
@@ -2342,7 +2341,7 @@
           <a:p>
             <a:fld id="{48A87A34-81AB-432B-8DAE-1953F412C126}" type="datetimeFigureOut">
               <a:rPr lang="en-US" dirty="0"/>
-              <a:t>1/18/2018</a:t>
+              <a:t>1/19/2018</a:t>
             </a:fld>
             <a:endParaRPr lang="en-US" dirty="0"/>
           </a:p>
@@ -2783,7 +2782,7 @@
             <a:fld id="{48A87A34-81AB-432B-8DAE-1953F412C126}" type="datetimeFigureOut">
               <a:rPr lang="en-US" dirty="0"/>
               <a:pPr/>
-              <a:t>1/18/2018</a:t>
+              <a:t>1/19/2018</a:t>
             </a:fld>
             <a:endParaRPr lang="en-US" dirty="0"/>
           </a:p>
@@ -3105,7 +3104,7 @@
             <a:fld id="{48A87A34-81AB-432B-8DAE-1953F412C126}" type="datetimeFigureOut">
               <a:rPr lang="en-US" dirty="0"/>
               <a:pPr/>
-              <a:t>1/18/2018</a:t>
+              <a:t>1/19/2018</a:t>
             </a:fld>
             <a:endParaRPr lang="en-US" dirty="0"/>
           </a:p>
@@ -3713,7 +3712,7 @@
           <p:cNvPr id="2" name="Titel 1">
             <a:extLst>
               <a:ext uri="{FF2B5EF4-FFF2-40B4-BE49-F238E27FC236}">
-                <a16:creationId xmlns:a16="http://schemas.microsoft.com/office/drawing/2014/main" id="{5A6B36E8-49BD-4AB9-BA18-926BE0CE2590}"/>
+                <a16:creationId xmlns:a16="http://schemas.microsoft.com/office/drawing/2014/main" id="{5AA0BEA0-4C39-4B80-A23F-DAD6EDC5339F}"/>
               </a:ext>
             </a:extLst>
           </p:cNvPr>
@@ -3808,7 +3807,7 @@
           <p:cNvPr id="3" name="Inhaltsplatzhalter 2">
             <a:extLst>
               <a:ext uri="{FF2B5EF4-FFF2-40B4-BE49-F238E27FC236}">
-                <a16:creationId xmlns:a16="http://schemas.microsoft.com/office/drawing/2014/main" id="{BEFB92AD-CAC9-4AFE-9347-970DD70C1171}"/>
+                <a16:creationId xmlns:a16="http://schemas.microsoft.com/office/drawing/2014/main" id="{626E76AD-8031-473F-9FBB-78CDF48E08F3}"/>
               </a:ext>
             </a:extLst>
           </p:cNvPr>
@@ -3819,110 +3818,46 @@
             <p:ph idx="1"/>
           </p:nvPr>
         </p:nvSpPr>
-        <p:spPr>
-          <a:xfrm>
-            <a:off x="1451579" y="2529657"/>
-            <a:ext cx="9603275" cy="2936688"/>
-          </a:xfrm>
-        </p:spPr>
-        <p:txBody>
-          <a:bodyPr>
-            <a:normAutofit/>
-          </a:bodyPr>
+        <p:spPr/>
+        <p:txBody>
+          <a:bodyPr/>
           <a:lstStyle/>
           <a:p>
             <a:r>
               <a:rPr lang="de-DE" dirty="0"/>
-              <a:t>Not </a:t>
-            </a:r>
-            <a:r>
-              <a:rPr lang="de-DE" dirty="0" err="1"/>
-              <a:t>with</a:t>
-            </a:r>
-            <a:r>
-              <a:rPr lang="de-DE" dirty="0"/>
-              <a:t> </a:t>
-            </a:r>
-            <a:r>
-              <a:rPr lang="de-DE" dirty="0" err="1"/>
-              <a:t>only</a:t>
-            </a:r>
-            <a:r>
-              <a:rPr lang="de-DE" dirty="0"/>
-              <a:t> </a:t>
-            </a:r>
-            <a:r>
-              <a:rPr lang="de-DE" dirty="0" err="1"/>
-              <a:t>boxes</a:t>
-            </a:r>
-            <a:r>
-              <a:rPr lang="de-DE" dirty="0"/>
-              <a:t> </a:t>
-            </a:r>
-            <a:r>
-              <a:rPr lang="de-DE" dirty="0" err="1"/>
-              <a:t>of</a:t>
-            </a:r>
-            <a:r>
-              <a:rPr lang="de-DE" dirty="0"/>
-              <a:t> type A, B </a:t>
-            </a:r>
-            <a:r>
-              <a:rPr lang="de-DE" dirty="0" err="1"/>
-              <a:t>or</a:t>
-            </a:r>
-            <a:r>
-              <a:rPr lang="de-DE" dirty="0"/>
-              <a:t> C </a:t>
-            </a:r>
-            <a:r>
-              <a:rPr lang="en-US" dirty="0"/>
-              <a:t>due to the size of these boxes: </a:t>
-            </a:r>
-          </a:p>
-          <a:p>
-            <a:pPr>
-              <a:buFont typeface="Wingdings" panose="05000000000000000000" pitchFamily="2" charset="2"/>
-              <a:buChar char="à"/>
+              <a:t>A and B</a:t>
+            </a:r>
+          </a:p>
+          <a:p>
+            <a:r>
+              <a:rPr lang="de-DE" dirty="0"/>
+              <a:t>A and C</a:t>
+            </a:r>
+          </a:p>
+          <a:p>
+            <a:r>
+              <a:rPr lang="de-DE" dirty="0"/>
+              <a:t>B and C</a:t>
+            </a:r>
+          </a:p>
+          <a:p>
+            <a:pPr marL="0" indent="0">
+              <a:buNone/>
             </a:pPr>
-            <a:r>
-              <a:rPr lang="en-US" dirty="0">
-                <a:sym typeface="Wingdings" panose="05000000000000000000" pitchFamily="2" charset="2"/>
-              </a:rPr>
-              <a:t>Dimensions of boxes A: 1.0 x 1.0 x 2.0 cannot fill the width of 2.5 m</a:t>
-            </a:r>
-          </a:p>
-          <a:p>
-            <a:pPr>
-              <a:buFont typeface="Wingdings" panose="05000000000000000000" pitchFamily="2" charset="2"/>
-              <a:buChar char="à"/>
-            </a:pPr>
-            <a:r>
-              <a:rPr lang="en-US" dirty="0">
-                <a:sym typeface="Wingdings" panose="05000000000000000000" pitchFamily="2" charset="2"/>
-              </a:rPr>
-              <a:t>Dimensions of boxes B: 1.0 x 1.5 x 2.0 cannot fill the length of 16.5 m at the same time with filling out the 2.5 m width</a:t>
-            </a:r>
-          </a:p>
-          <a:p>
-            <a:pPr>
-              <a:buFont typeface="Wingdings" panose="05000000000000000000" pitchFamily="2" charset="2"/>
-              <a:buChar char="à"/>
-            </a:pPr>
-            <a:r>
-              <a:rPr lang="en-US" dirty="0">
-                <a:sym typeface="Wingdings" panose="05000000000000000000" pitchFamily="2" charset="2"/>
-              </a:rPr>
-              <a:t>Dimensions of box C: 1.5 x 1.5 x 1.5 cannot fill the height of 4.0 m</a:t>
-            </a:r>
-            <a:endParaRPr lang="en-US" dirty="0"/>
+            <a:endParaRPr lang="de-DE" dirty="0"/>
+          </a:p>
+          <a:p>
+            <a:r>
+              <a:rPr lang="de-DE" dirty="0"/>
+              <a:t>A, B and C</a:t>
+            </a:r>
           </a:p>
         </p:txBody>
       </p:sp>
     </p:spTree>
     <p:extLst>
       <p:ext uri="{BB962C8B-B14F-4D97-AF65-F5344CB8AC3E}">
-        <p14:creationId xmlns:p14="http://schemas.microsoft.com/office/powerpoint/2010/main" val="3895900210"/>
+        <p14:creationId xmlns:p14="http://schemas.microsoft.com/office/powerpoint/2010/main" val="2337078074"/>
       </p:ext>
     </p:extLst>
   </p:cSld>
@@ -3954,7 +3889,7 @@
           <p:cNvPr id="2" name="Titel 1">
             <a:extLst>
               <a:ext uri="{FF2B5EF4-FFF2-40B4-BE49-F238E27FC236}">
-                <a16:creationId xmlns:a16="http://schemas.microsoft.com/office/drawing/2014/main" id="{5AA0BEA0-4C39-4B80-A23F-DAD6EDC5339F}"/>
+                <a16:creationId xmlns:a16="http://schemas.microsoft.com/office/drawing/2014/main" id="{FC5FC914-6969-4F0D-8EF6-0716BB630089}"/>
               </a:ext>
             </a:extLst>
           </p:cNvPr>
@@ -3972,7 +3907,7 @@
           <a:p>
             <a:r>
               <a:rPr lang="de-DE" dirty="0" err="1"/>
-              <a:t>results</a:t>
+              <a:t>Results</a:t>
             </a:r>
             <a:r>
               <a:rPr lang="de-DE" dirty="0"/>
@@ -3984,63 +3919,36 @@
             </a:r>
             <a:r>
               <a:rPr lang="de-DE" dirty="0"/>
-              <a:t> </a:t>
-            </a:r>
-            <a:r>
-              <a:rPr lang="de-DE" dirty="0" err="1"/>
-              <a:t>boxes</a:t>
-            </a:r>
-            <a:r>
-              <a:rPr lang="de-DE" dirty="0"/>
-              <a:t>: </a:t>
+              <a:t> Boxes:</a:t>
             </a:r>
             <a:br>
               <a:rPr lang="de-DE" dirty="0"/>
             </a:br>
             <a:r>
               <a:rPr lang="de-DE" dirty="0"/>
-              <a:t>Can </a:t>
-            </a:r>
-            <a:r>
-              <a:rPr lang="de-DE" dirty="0" err="1"/>
-              <a:t>the</a:t>
-            </a:r>
-            <a:r>
-              <a:rPr lang="de-DE" dirty="0"/>
-              <a:t> </a:t>
-            </a:r>
-            <a:r>
-              <a:rPr lang="de-DE" dirty="0" err="1"/>
-              <a:t>cargo</a:t>
-            </a:r>
-            <a:r>
-              <a:rPr lang="de-DE" dirty="0"/>
-              <a:t>- Space </a:t>
-            </a:r>
-            <a:r>
-              <a:rPr lang="de-DE" dirty="0" err="1"/>
-              <a:t>be</a:t>
-            </a:r>
-            <a:r>
-              <a:rPr lang="de-DE" dirty="0"/>
-              <a:t> </a:t>
-            </a:r>
-            <a:r>
-              <a:rPr lang="de-DE" dirty="0" err="1"/>
-              <a:t>filled</a:t>
-            </a:r>
-            <a:r>
-              <a:rPr lang="de-DE" dirty="0"/>
-              <a:t> </a:t>
-            </a:r>
-            <a:r>
-              <a:rPr lang="de-DE" dirty="0" err="1"/>
-              <a:t>completely</a:t>
-            </a:r>
-            <a:r>
-              <a:rPr lang="de-DE" dirty="0"/>
-              <a:t>?</a:t>
-            </a:r>
+              <a:t>Maximum </a:t>
+            </a:r>
+            <a:r>
+              <a:rPr lang="de-DE" dirty="0" err="1"/>
+              <a:t>value</a:t>
+            </a:r>
+            <a:r>
+              <a:rPr lang="de-DE" dirty="0"/>
+              <a:t> </a:t>
+            </a:r>
+            <a:r>
+              <a:rPr lang="de-DE" dirty="0" err="1"/>
+              <a:t>of</a:t>
+            </a:r>
+            <a:r>
+              <a:rPr lang="de-DE" dirty="0"/>
+              <a:t> Cargo- </a:t>
+            </a:r>
+            <a:r>
+              <a:rPr lang="de-DE" dirty="0" err="1"/>
+              <a:t>space</a:t>
+            </a:r>
+            <a:endParaRPr lang="de-DE" dirty="0"/>
           </a:p>
         </p:txBody>
       </p:sp>
@@ -4049,7 +3957,7 @@
           <p:cNvPr id="3" name="Inhaltsplatzhalter 2">
             <a:extLst>
               <a:ext uri="{FF2B5EF4-FFF2-40B4-BE49-F238E27FC236}">
-                <a16:creationId xmlns:a16="http://schemas.microsoft.com/office/drawing/2014/main" id="{626E76AD-8031-473F-9FBB-78CDF48E08F3}"/>
+                <a16:creationId xmlns:a16="http://schemas.microsoft.com/office/drawing/2014/main" id="{DEFCF6F9-95FA-4FEC-BED5-C8F091D6D0D1}"/>
               </a:ext>
             </a:extLst>
           </p:cNvPr>
@@ -4067,39 +3975,504 @@
           <a:p>
             <a:r>
               <a:rPr lang="de-DE" dirty="0"/>
-              <a:t>A and B</a:t>
-            </a:r>
-          </a:p>
-          <a:p>
-            <a:r>
-              <a:rPr lang="de-DE" dirty="0"/>
-              <a:t>A and C</a:t>
-            </a:r>
-          </a:p>
-          <a:p>
-            <a:r>
-              <a:rPr lang="de-DE" dirty="0"/>
-              <a:t>B and C</a:t>
-            </a:r>
-          </a:p>
-          <a:p>
-            <a:pPr marL="0" indent="0">
-              <a:buNone/>
+              <a:t>Maximum </a:t>
+            </a:r>
+            <a:r>
+              <a:rPr lang="de-DE" dirty="0" err="1"/>
+              <a:t>value</a:t>
+            </a:r>
+            <a:r>
+              <a:rPr lang="de-DE" dirty="0"/>
+              <a:t>: 230 </a:t>
+            </a:r>
+            <a:r>
+              <a:rPr lang="de-DE" dirty="0" err="1"/>
+              <a:t>units</a:t>
+            </a:r>
+            <a:r>
+              <a:rPr lang="de-DE" dirty="0"/>
+              <a:t>,  </a:t>
+            </a:r>
+            <a:r>
+              <a:rPr lang="de-DE" dirty="0" err="1"/>
+              <a:t>achieved</a:t>
+            </a:r>
+            <a:r>
+              <a:rPr lang="de-DE" dirty="0"/>
+              <a:t> </a:t>
+            </a:r>
+            <a:r>
+              <a:rPr lang="de-DE" dirty="0" err="1"/>
+              <a:t>with</a:t>
+            </a:r>
+            <a:r>
+              <a:rPr lang="de-DE" dirty="0"/>
+              <a:t> </a:t>
+            </a:r>
+          </a:p>
+          <a:p>
+            <a:pPr lvl="1"/>
+            <a:r>
+              <a:rPr lang="de-DE" dirty="0"/>
+              <a:t>0 </a:t>
+            </a:r>
+            <a:r>
+              <a:rPr lang="de-DE" dirty="0" err="1"/>
+              <a:t>boxes</a:t>
+            </a:r>
+            <a:r>
+              <a:rPr lang="de-DE" dirty="0"/>
+              <a:t> </a:t>
+            </a:r>
+            <a:r>
+              <a:rPr lang="de-DE" dirty="0" err="1"/>
+              <a:t>of</a:t>
+            </a:r>
+            <a:r>
+              <a:rPr lang="de-DE" dirty="0"/>
+              <a:t> type A</a:t>
+            </a:r>
+          </a:p>
+          <a:p>
+            <a:pPr lvl="1"/>
+            <a:r>
+              <a:rPr lang="de-DE" dirty="0"/>
+              <a:t>26 </a:t>
+            </a:r>
+            <a:r>
+              <a:rPr lang="de-DE" dirty="0" err="1"/>
+              <a:t>boxes</a:t>
+            </a:r>
+            <a:r>
+              <a:rPr lang="de-DE" dirty="0"/>
+              <a:t> </a:t>
+            </a:r>
+            <a:r>
+              <a:rPr lang="de-DE" dirty="0" err="1"/>
+              <a:t>of</a:t>
+            </a:r>
+            <a:r>
+              <a:rPr lang="de-DE" dirty="0"/>
+              <a:t> type B</a:t>
+            </a:r>
+          </a:p>
+          <a:p>
+            <a:pPr lvl="1"/>
+            <a:r>
+              <a:rPr lang="de-DE" dirty="0"/>
+              <a:t>22 </a:t>
+            </a:r>
+            <a:r>
+              <a:rPr lang="de-DE" dirty="0" err="1"/>
+              <a:t>boxes</a:t>
+            </a:r>
+            <a:r>
+              <a:rPr lang="de-DE" dirty="0"/>
+              <a:t> </a:t>
+            </a:r>
+            <a:r>
+              <a:rPr lang="de-DE" dirty="0" err="1"/>
+              <a:t>of</a:t>
+            </a:r>
+            <a:r>
+              <a:rPr lang="de-DE" dirty="0"/>
+              <a:t> type C</a:t>
+            </a:r>
+          </a:p>
+          <a:p>
+            <a:pPr lvl="1">
+              <a:buFont typeface="Wingdings" panose="05000000000000000000" pitchFamily="2" charset="2"/>
+              <a:buChar char="à"/>
             </a:pPr>
+            <a:r>
+              <a:rPr lang="de-DE" dirty="0">
+                <a:sym typeface="Wingdings" panose="05000000000000000000" pitchFamily="2" charset="2"/>
+              </a:rPr>
+              <a:t> due </a:t>
+            </a:r>
+            <a:r>
+              <a:rPr lang="de-DE" dirty="0" err="1">
+                <a:sym typeface="Wingdings" panose="05000000000000000000" pitchFamily="2" charset="2"/>
+              </a:rPr>
+              <a:t>to</a:t>
+            </a:r>
+            <a:r>
+              <a:rPr lang="de-DE" dirty="0">
+                <a:sym typeface="Wingdings" panose="05000000000000000000" pitchFamily="2" charset="2"/>
+              </a:rPr>
+              <a:t> </a:t>
+            </a:r>
+            <a:r>
+              <a:rPr lang="de-DE" dirty="0" err="1">
+                <a:sym typeface="Wingdings" panose="05000000000000000000" pitchFamily="2" charset="2"/>
+              </a:rPr>
+              <a:t>the</a:t>
+            </a:r>
+            <a:r>
+              <a:rPr lang="de-DE" dirty="0">
+                <a:sym typeface="Wingdings" panose="05000000000000000000" pitchFamily="2" charset="2"/>
+              </a:rPr>
+              <a:t> </a:t>
+            </a:r>
+            <a:r>
+              <a:rPr lang="de-DE" dirty="0" err="1">
+                <a:sym typeface="Wingdings" panose="05000000000000000000" pitchFamily="2" charset="2"/>
+              </a:rPr>
+              <a:t>greedy</a:t>
+            </a:r>
+            <a:r>
+              <a:rPr lang="de-DE" dirty="0">
+                <a:sym typeface="Wingdings" panose="05000000000000000000" pitchFamily="2" charset="2"/>
+              </a:rPr>
+              <a:t> </a:t>
+            </a:r>
+            <a:r>
+              <a:rPr lang="de-DE" dirty="0" err="1">
+                <a:sym typeface="Wingdings" panose="05000000000000000000" pitchFamily="2" charset="2"/>
+              </a:rPr>
+              <a:t>algorithm</a:t>
+            </a:r>
+            <a:r>
+              <a:rPr lang="de-DE" dirty="0">
+                <a:sym typeface="Wingdings" panose="05000000000000000000" pitchFamily="2" charset="2"/>
+              </a:rPr>
+              <a:t> </a:t>
+            </a:r>
+            <a:r>
+              <a:rPr lang="de-DE" dirty="0" err="1">
+                <a:sym typeface="Wingdings" panose="05000000000000000000" pitchFamily="2" charset="2"/>
+              </a:rPr>
+              <a:t>the</a:t>
+            </a:r>
+            <a:r>
+              <a:rPr lang="de-DE" dirty="0">
+                <a:sym typeface="Wingdings" panose="05000000000000000000" pitchFamily="2" charset="2"/>
+              </a:rPr>
+              <a:t> </a:t>
+            </a:r>
+            <a:r>
+              <a:rPr lang="de-DE" dirty="0" err="1">
+                <a:sym typeface="Wingdings" panose="05000000000000000000" pitchFamily="2" charset="2"/>
+              </a:rPr>
+              <a:t>only</a:t>
+            </a:r>
+            <a:r>
+              <a:rPr lang="de-DE" dirty="0">
+                <a:sym typeface="Wingdings" panose="05000000000000000000" pitchFamily="2" charset="2"/>
+              </a:rPr>
+              <a:t> box </a:t>
+            </a:r>
+            <a:r>
+              <a:rPr lang="de-DE" dirty="0" err="1">
+                <a:sym typeface="Wingdings" panose="05000000000000000000" pitchFamily="2" charset="2"/>
+              </a:rPr>
+              <a:t>chosen</a:t>
+            </a:r>
+            <a:r>
+              <a:rPr lang="de-DE" dirty="0">
+                <a:sym typeface="Wingdings" panose="05000000000000000000" pitchFamily="2" charset="2"/>
+              </a:rPr>
+              <a:t> </a:t>
+            </a:r>
+            <a:r>
+              <a:rPr lang="de-DE" dirty="0" err="1">
+                <a:sym typeface="Wingdings" panose="05000000000000000000" pitchFamily="2" charset="2"/>
+              </a:rPr>
+              <a:t>would</a:t>
+            </a:r>
+            <a:r>
+              <a:rPr lang="de-DE" dirty="0">
+                <a:sym typeface="Wingdings" panose="05000000000000000000" pitchFamily="2" charset="2"/>
+              </a:rPr>
+              <a:t> </a:t>
+            </a:r>
+            <a:r>
+              <a:rPr lang="de-DE" dirty="0" err="1">
+                <a:sym typeface="Wingdings" panose="05000000000000000000" pitchFamily="2" charset="2"/>
+              </a:rPr>
+              <a:t>be</a:t>
+            </a:r>
+            <a:r>
+              <a:rPr lang="de-DE" dirty="0">
+                <a:sym typeface="Wingdings" panose="05000000000000000000" pitchFamily="2" charset="2"/>
+              </a:rPr>
+              <a:t> type A, </a:t>
+            </a:r>
+            <a:r>
+              <a:rPr lang="de-DE" dirty="0" err="1">
+                <a:sym typeface="Wingdings" panose="05000000000000000000" pitchFamily="2" charset="2"/>
+              </a:rPr>
+              <a:t>if</a:t>
+            </a:r>
+            <a:r>
+              <a:rPr lang="de-DE" dirty="0">
+                <a:sym typeface="Wingdings" panose="05000000000000000000" pitchFamily="2" charset="2"/>
+              </a:rPr>
+              <a:t> </a:t>
+            </a:r>
+            <a:r>
+              <a:rPr lang="de-DE" dirty="0" err="1">
+                <a:sym typeface="Wingdings" panose="05000000000000000000" pitchFamily="2" charset="2"/>
+              </a:rPr>
+              <a:t>there</a:t>
+            </a:r>
+            <a:r>
+              <a:rPr lang="de-DE" dirty="0">
+                <a:sym typeface="Wingdings" panose="05000000000000000000" pitchFamily="2" charset="2"/>
+              </a:rPr>
+              <a:t> </a:t>
+            </a:r>
+            <a:r>
+              <a:rPr lang="de-DE" dirty="0" err="1">
+                <a:sym typeface="Wingdings" panose="05000000000000000000" pitchFamily="2" charset="2"/>
+              </a:rPr>
+              <a:t>would</a:t>
+            </a:r>
+            <a:r>
+              <a:rPr lang="de-DE" dirty="0">
+                <a:sym typeface="Wingdings" panose="05000000000000000000" pitchFamily="2" charset="2"/>
+              </a:rPr>
+              <a:t> </a:t>
+            </a:r>
+            <a:r>
+              <a:rPr lang="de-DE" dirty="0" err="1">
+                <a:sym typeface="Wingdings" panose="05000000000000000000" pitchFamily="2" charset="2"/>
+              </a:rPr>
+              <a:t>enough</a:t>
+            </a:r>
+            <a:r>
+              <a:rPr lang="de-DE" dirty="0">
+                <a:sym typeface="Wingdings" panose="05000000000000000000" pitchFamily="2" charset="2"/>
+              </a:rPr>
+              <a:t> </a:t>
+            </a:r>
+            <a:r>
+              <a:rPr lang="de-DE" dirty="0" err="1">
+                <a:sym typeface="Wingdings" panose="05000000000000000000" pitchFamily="2" charset="2"/>
+              </a:rPr>
+              <a:t>boxes</a:t>
+            </a:r>
+            <a:r>
+              <a:rPr lang="de-DE" dirty="0">
+                <a:sym typeface="Wingdings" panose="05000000000000000000" pitchFamily="2" charset="2"/>
+              </a:rPr>
+              <a:t> </a:t>
+            </a:r>
+            <a:r>
+              <a:rPr lang="de-DE" dirty="0" err="1">
+                <a:sym typeface="Wingdings" panose="05000000000000000000" pitchFamily="2" charset="2"/>
+              </a:rPr>
+              <a:t>of</a:t>
+            </a:r>
+            <a:r>
+              <a:rPr lang="de-DE" dirty="0">
+                <a:sym typeface="Wingdings" panose="05000000000000000000" pitchFamily="2" charset="2"/>
+              </a:rPr>
+              <a:t> </a:t>
+            </a:r>
+            <a:r>
+              <a:rPr lang="de-DE" dirty="0" err="1">
+                <a:sym typeface="Wingdings" panose="05000000000000000000" pitchFamily="2" charset="2"/>
+              </a:rPr>
+              <a:t>it</a:t>
+            </a:r>
+            <a:endParaRPr lang="de-DE" dirty="0">
+              <a:sym typeface="Wingdings" panose="05000000000000000000" pitchFamily="2" charset="2"/>
+            </a:endParaRPr>
+          </a:p>
+          <a:p>
+            <a:pPr lvl="1">
+              <a:buFont typeface="Wingdings" panose="05000000000000000000" pitchFamily="2" charset="2"/>
+              <a:buChar char="à"/>
+            </a:pPr>
+            <a:r>
+              <a:rPr lang="de-DE" dirty="0">
+                <a:sym typeface="Wingdings" panose="05000000000000000000" pitchFamily="2" charset="2"/>
+              </a:rPr>
+              <a:t> </a:t>
+            </a:r>
+            <a:r>
+              <a:rPr lang="de-DE" dirty="0" err="1">
+                <a:sym typeface="Wingdings" panose="05000000000000000000" pitchFamily="2" charset="2"/>
+              </a:rPr>
+              <a:t>this</a:t>
+            </a:r>
+            <a:r>
+              <a:rPr lang="de-DE" dirty="0">
+                <a:sym typeface="Wingdings" panose="05000000000000000000" pitchFamily="2" charset="2"/>
+              </a:rPr>
+              <a:t> </a:t>
+            </a:r>
+            <a:r>
+              <a:rPr lang="de-DE" dirty="0" err="1">
+                <a:sym typeface="Wingdings" panose="05000000000000000000" pitchFamily="2" charset="2"/>
+              </a:rPr>
+              <a:t>can</a:t>
+            </a:r>
+            <a:r>
+              <a:rPr lang="de-DE" dirty="0">
+                <a:sym typeface="Wingdings" panose="05000000000000000000" pitchFamily="2" charset="2"/>
+              </a:rPr>
+              <a:t> </a:t>
+            </a:r>
+            <a:r>
+              <a:rPr lang="de-DE" dirty="0" err="1">
+                <a:sym typeface="Wingdings" panose="05000000000000000000" pitchFamily="2" charset="2"/>
+              </a:rPr>
+              <a:t>be</a:t>
+            </a:r>
+            <a:r>
+              <a:rPr lang="de-DE" dirty="0">
+                <a:sym typeface="Wingdings" panose="05000000000000000000" pitchFamily="2" charset="2"/>
+              </a:rPr>
+              <a:t> </a:t>
+            </a:r>
+            <a:r>
+              <a:rPr lang="de-DE" dirty="0" err="1">
+                <a:sym typeface="Wingdings" panose="05000000000000000000" pitchFamily="2" charset="2"/>
+              </a:rPr>
+              <a:t>achieved</a:t>
+            </a:r>
+            <a:r>
+              <a:rPr lang="de-DE" dirty="0">
+                <a:sym typeface="Wingdings" panose="05000000000000000000" pitchFamily="2" charset="2"/>
+              </a:rPr>
+              <a:t> </a:t>
+            </a:r>
+            <a:r>
+              <a:rPr lang="de-DE" dirty="0" err="1">
+                <a:sym typeface="Wingdings" panose="05000000000000000000" pitchFamily="2" charset="2"/>
+              </a:rPr>
+              <a:t>by</a:t>
+            </a:r>
+            <a:r>
+              <a:rPr lang="de-DE" dirty="0">
+                <a:sym typeface="Wingdings" panose="05000000000000000000" pitchFamily="2" charset="2"/>
+              </a:rPr>
+              <a:t> </a:t>
+            </a:r>
+            <a:r>
+              <a:rPr lang="de-DE" dirty="0" err="1">
+                <a:sym typeface="Wingdings" panose="05000000000000000000" pitchFamily="2" charset="2"/>
+              </a:rPr>
+              <a:t>using</a:t>
+            </a:r>
+            <a:r>
+              <a:rPr lang="de-DE" dirty="0">
+                <a:sym typeface="Wingdings" panose="05000000000000000000" pitchFamily="2" charset="2"/>
+              </a:rPr>
+              <a:t> 4m </a:t>
+            </a:r>
+            <a:r>
+              <a:rPr lang="de-DE" dirty="0" err="1">
+                <a:sym typeface="Wingdings" panose="05000000000000000000" pitchFamily="2" charset="2"/>
+              </a:rPr>
+              <a:t>as</a:t>
+            </a:r>
+            <a:r>
+              <a:rPr lang="de-DE" dirty="0">
+                <a:sym typeface="Wingdings" panose="05000000000000000000" pitchFamily="2" charset="2"/>
+              </a:rPr>
+              <a:t> </a:t>
+            </a:r>
+            <a:r>
+              <a:rPr lang="de-DE" dirty="0" err="1">
+                <a:sym typeface="Wingdings" panose="05000000000000000000" pitchFamily="2" charset="2"/>
+              </a:rPr>
+              <a:t>the</a:t>
+            </a:r>
+            <a:r>
+              <a:rPr lang="de-DE" dirty="0">
+                <a:sym typeface="Wingdings" panose="05000000000000000000" pitchFamily="2" charset="2"/>
+              </a:rPr>
+              <a:t> </a:t>
+            </a:r>
+            <a:r>
+              <a:rPr lang="de-DE" dirty="0" err="1">
+                <a:sym typeface="Wingdings" panose="05000000000000000000" pitchFamily="2" charset="2"/>
+              </a:rPr>
+              <a:t>depth</a:t>
+            </a:r>
+            <a:r>
+              <a:rPr lang="de-DE" dirty="0">
+                <a:sym typeface="Wingdings" panose="05000000000000000000" pitchFamily="2" charset="2"/>
+              </a:rPr>
+              <a:t>, 2.5m </a:t>
+            </a:r>
+            <a:r>
+              <a:rPr lang="de-DE" dirty="0" err="1">
+                <a:sym typeface="Wingdings" panose="05000000000000000000" pitchFamily="2" charset="2"/>
+              </a:rPr>
+              <a:t>as</a:t>
+            </a:r>
+            <a:r>
+              <a:rPr lang="de-DE" dirty="0">
+                <a:sym typeface="Wingdings" panose="05000000000000000000" pitchFamily="2" charset="2"/>
+              </a:rPr>
+              <a:t> </a:t>
+            </a:r>
+            <a:r>
+              <a:rPr lang="de-DE" dirty="0" err="1">
+                <a:sym typeface="Wingdings" panose="05000000000000000000" pitchFamily="2" charset="2"/>
+              </a:rPr>
+              <a:t>the</a:t>
+            </a:r>
+            <a:r>
+              <a:rPr lang="de-DE" dirty="0">
+                <a:sym typeface="Wingdings" panose="05000000000000000000" pitchFamily="2" charset="2"/>
+              </a:rPr>
+              <a:t> </a:t>
+            </a:r>
+            <a:r>
+              <a:rPr lang="de-DE" dirty="0" err="1">
+                <a:sym typeface="Wingdings" panose="05000000000000000000" pitchFamily="2" charset="2"/>
+              </a:rPr>
+              <a:t>height</a:t>
+            </a:r>
+            <a:r>
+              <a:rPr lang="de-DE" dirty="0">
+                <a:sym typeface="Wingdings" panose="05000000000000000000" pitchFamily="2" charset="2"/>
+              </a:rPr>
+              <a:t> and 16.5m </a:t>
+            </a:r>
+            <a:r>
+              <a:rPr lang="de-DE" dirty="0" err="1">
+                <a:sym typeface="Wingdings" panose="05000000000000000000" pitchFamily="2" charset="2"/>
+              </a:rPr>
+              <a:t>as</a:t>
+            </a:r>
+            <a:r>
+              <a:rPr lang="de-DE" dirty="0">
+                <a:sym typeface="Wingdings" panose="05000000000000000000" pitchFamily="2" charset="2"/>
+              </a:rPr>
+              <a:t> </a:t>
+            </a:r>
+            <a:r>
+              <a:rPr lang="de-DE" dirty="0" err="1">
+                <a:sym typeface="Wingdings" panose="05000000000000000000" pitchFamily="2" charset="2"/>
+              </a:rPr>
+              <a:t>the</a:t>
+            </a:r>
+            <a:r>
+              <a:rPr lang="de-DE" dirty="0">
+                <a:sym typeface="Wingdings" panose="05000000000000000000" pitchFamily="2" charset="2"/>
+              </a:rPr>
+              <a:t> </a:t>
+            </a:r>
+            <a:r>
+              <a:rPr lang="de-DE" dirty="0" err="1">
+                <a:sym typeface="Wingdings" panose="05000000000000000000" pitchFamily="2" charset="2"/>
+              </a:rPr>
+              <a:t>width</a:t>
+            </a:r>
             <a:endParaRPr lang="de-DE" dirty="0"/>
-          </a:p>
-          <a:p>
-            <a:r>
-              <a:rPr lang="de-DE" dirty="0"/>
-              <a:t>A, B and C</a:t>
-            </a:r>
           </a:p>
         </p:txBody>
       </p:sp>
     </p:spTree>
     <p:extLst>
       <p:ext uri="{BB962C8B-B14F-4D97-AF65-F5344CB8AC3E}">
-        <p14:creationId xmlns:p14="http://schemas.microsoft.com/office/powerpoint/2010/main" val="2337078074"/>
+        <p14:creationId xmlns:p14="http://schemas.microsoft.com/office/powerpoint/2010/main" val="2915510581"/>
       </p:ext>
     </p:extLst>
   </p:cSld>
@@ -4131,7 +4504,7 @@
           <p:cNvPr id="2" name="Titel 1">
             <a:extLst>
               <a:ext uri="{FF2B5EF4-FFF2-40B4-BE49-F238E27FC236}">
-                <a16:creationId xmlns:a16="http://schemas.microsoft.com/office/drawing/2014/main" id="{FC5FC914-6969-4F0D-8EF6-0716BB630089}"/>
+                <a16:creationId xmlns:a16="http://schemas.microsoft.com/office/drawing/2014/main" id="{11459672-3BE7-401D-99FE-C34BE82D6A4C}"/>
               </a:ext>
             </a:extLst>
           </p:cNvPr>
@@ -4149,7 +4522,7 @@
           <a:p>
             <a:r>
               <a:rPr lang="de-DE" dirty="0" err="1"/>
-              <a:t>Results</a:t>
+              <a:t>results</a:t>
             </a:r>
             <a:r>
               <a:rPr lang="de-DE" dirty="0"/>
@@ -4161,36 +4534,63 @@
             </a:r>
             <a:r>
               <a:rPr lang="de-DE" dirty="0"/>
-              <a:t> Boxes:</a:t>
+              <a:t> </a:t>
+            </a:r>
+            <a:r>
+              <a:rPr lang="de-DE" dirty="0" err="1"/>
+              <a:t>pentominoes</a:t>
+            </a:r>
+            <a:r>
+              <a:rPr lang="de-DE" dirty="0"/>
+              <a:t>:</a:t>
             </a:r>
             <a:br>
               <a:rPr lang="de-DE" dirty="0"/>
             </a:br>
             <a:r>
               <a:rPr lang="de-DE" dirty="0"/>
-              <a:t>Maximum </a:t>
-            </a:r>
-            <a:r>
-              <a:rPr lang="de-DE" dirty="0" err="1"/>
-              <a:t>value</a:t>
-            </a:r>
-            <a:r>
-              <a:rPr lang="de-DE" dirty="0"/>
-              <a:t> </a:t>
-            </a:r>
-            <a:r>
-              <a:rPr lang="de-DE" dirty="0" err="1"/>
-              <a:t>of</a:t>
-            </a:r>
-            <a:r>
-              <a:rPr lang="de-DE" dirty="0"/>
-              <a:t> Cargo- </a:t>
-            </a:r>
-            <a:r>
-              <a:rPr lang="de-DE" dirty="0" err="1"/>
-              <a:t>space</a:t>
-            </a:r>
-            <a:endParaRPr lang="de-DE" dirty="0"/>
+              <a:t>Can </a:t>
+            </a:r>
+            <a:r>
+              <a:rPr lang="de-DE" dirty="0" err="1"/>
+              <a:t>the</a:t>
+            </a:r>
+            <a:r>
+              <a:rPr lang="de-DE" dirty="0"/>
+              <a:t> </a:t>
+            </a:r>
+            <a:r>
+              <a:rPr lang="de-DE" dirty="0" err="1"/>
+              <a:t>cargo</a:t>
+            </a:r>
+            <a:r>
+              <a:rPr lang="de-DE" dirty="0"/>
+              <a:t>- Space </a:t>
+            </a:r>
+            <a:r>
+              <a:rPr lang="de-DE" dirty="0" err="1"/>
+              <a:t>be</a:t>
+            </a:r>
+            <a:r>
+              <a:rPr lang="de-DE" dirty="0"/>
+              <a:t> </a:t>
+            </a:r>
+            <a:r>
+              <a:rPr lang="de-DE" dirty="0" err="1"/>
+              <a:t>filled</a:t>
+            </a:r>
+            <a:r>
+              <a:rPr lang="de-DE" dirty="0"/>
+              <a:t> </a:t>
+            </a:r>
+            <a:r>
+              <a:rPr lang="de-DE" dirty="0" err="1"/>
+              <a:t>completely</a:t>
+            </a:r>
+            <a:r>
+              <a:rPr lang="de-DE" dirty="0"/>
+              <a:t>?</a:t>
+            </a:r>
           </a:p>
         </p:txBody>
       </p:sp>
@@ -4199,7 +4599,7 @@
           <p:cNvPr id="3" name="Inhaltsplatzhalter 2">
             <a:extLst>
               <a:ext uri="{FF2B5EF4-FFF2-40B4-BE49-F238E27FC236}">
-                <a16:creationId xmlns:a16="http://schemas.microsoft.com/office/drawing/2014/main" id="{DEFCF6F9-95FA-4FEC-BED5-C8F091D6D0D1}"/>
+                <a16:creationId xmlns:a16="http://schemas.microsoft.com/office/drawing/2014/main" id="{21488D5E-563E-4715-8AF5-0017693DF30B}"/>
               </a:ext>
             </a:extLst>
           </p:cNvPr>
@@ -4222,7 +4622,7 @@
     </p:spTree>
     <p:extLst>
       <p:ext uri="{BB962C8B-B14F-4D97-AF65-F5344CB8AC3E}">
-        <p14:creationId xmlns:p14="http://schemas.microsoft.com/office/powerpoint/2010/main" val="2915510581"/>
+        <p14:creationId xmlns:p14="http://schemas.microsoft.com/office/powerpoint/2010/main" val="2631434198"/>
       </p:ext>
     </p:extLst>
   </p:cSld>
@@ -4254,7 +4654,7 @@
           <p:cNvPr id="2" name="Titel 1">
             <a:extLst>
               <a:ext uri="{FF2B5EF4-FFF2-40B4-BE49-F238E27FC236}">
-                <a16:creationId xmlns:a16="http://schemas.microsoft.com/office/drawing/2014/main" id="{11459672-3BE7-401D-99FE-C34BE82D6A4C}"/>
+                <a16:creationId xmlns:a16="http://schemas.microsoft.com/office/drawing/2014/main" id="{3EE42273-3049-440C-B626-3053A07ADE12}"/>
               </a:ext>
             </a:extLst>
           </p:cNvPr>
@@ -4349,7 +4749,7 @@
           <p:cNvPr id="3" name="Inhaltsplatzhalter 2">
             <a:extLst>
               <a:ext uri="{FF2B5EF4-FFF2-40B4-BE49-F238E27FC236}">
-                <a16:creationId xmlns:a16="http://schemas.microsoft.com/office/drawing/2014/main" id="{21488D5E-563E-4715-8AF5-0017693DF30B}"/>
+                <a16:creationId xmlns:a16="http://schemas.microsoft.com/office/drawing/2014/main" id="{7864851A-7376-4042-9DBC-DF5E9C2776C9}"/>
               </a:ext>
             </a:extLst>
           </p:cNvPr>
@@ -4372,7 +4772,7 @@
     </p:spTree>
     <p:extLst>
       <p:ext uri="{BB962C8B-B14F-4D97-AF65-F5344CB8AC3E}">
-        <p14:creationId xmlns:p14="http://schemas.microsoft.com/office/powerpoint/2010/main" val="2631434198"/>
+        <p14:creationId xmlns:p14="http://schemas.microsoft.com/office/powerpoint/2010/main" val="4105468652"/>
       </p:ext>
     </p:extLst>
   </p:cSld>
@@ -4404,7 +4804,7 @@
           <p:cNvPr id="2" name="Titel 1">
             <a:extLst>
               <a:ext uri="{FF2B5EF4-FFF2-40B4-BE49-F238E27FC236}">
-                <a16:creationId xmlns:a16="http://schemas.microsoft.com/office/drawing/2014/main" id="{3EE42273-3049-440C-B626-3053A07ADE12}"/>
+                <a16:creationId xmlns:a16="http://schemas.microsoft.com/office/drawing/2014/main" id="{2D6D3D92-2EC6-4D37-A02D-0AC5364B2786}"/>
               </a:ext>
             </a:extLst>
           </p:cNvPr>
@@ -4422,7 +4822,7 @@
           <a:p>
             <a:r>
               <a:rPr lang="de-DE" dirty="0" err="1"/>
-              <a:t>results</a:t>
+              <a:t>Results</a:t>
             </a:r>
             <a:r>
               <a:rPr lang="de-DE" dirty="0"/>
@@ -4438,7 +4838,7 @@
             </a:r>
             <a:r>
               <a:rPr lang="de-DE" dirty="0" err="1"/>
-              <a:t>pentominoes</a:t>
+              <a:t>Pentominoes</a:t>
             </a:r>
             <a:r>
               <a:rPr lang="de-DE" dirty="0"/>
@@ -4449,48 +4849,29 @@
             </a:br>
             <a:r>
               <a:rPr lang="de-DE" dirty="0"/>
-              <a:t>Can </a:t>
-            </a:r>
-            <a:r>
-              <a:rPr lang="de-DE" dirty="0" err="1"/>
-              <a:t>the</a:t>
-            </a:r>
-            <a:r>
-              <a:rPr lang="de-DE" dirty="0"/>
-              <a:t> </a:t>
-            </a:r>
-            <a:r>
-              <a:rPr lang="de-DE" dirty="0" err="1"/>
-              <a:t>cargo</a:t>
-            </a:r>
-            <a:r>
-              <a:rPr lang="de-DE" dirty="0"/>
-              <a:t>- Space </a:t>
-            </a:r>
-            <a:r>
-              <a:rPr lang="de-DE" dirty="0" err="1"/>
-              <a:t>be</a:t>
-            </a:r>
-            <a:r>
-              <a:rPr lang="de-DE" dirty="0"/>
-              <a:t> </a:t>
-            </a:r>
-            <a:r>
-              <a:rPr lang="de-DE" dirty="0" err="1"/>
-              <a:t>filled</a:t>
-            </a:r>
-            <a:r>
-              <a:rPr lang="de-DE" dirty="0"/>
-              <a:t> </a:t>
-            </a:r>
-            <a:r>
-              <a:rPr lang="de-DE" dirty="0" err="1"/>
-              <a:t>completely</a:t>
-            </a:r>
-            <a:r>
-              <a:rPr lang="de-DE" dirty="0"/>
-              <a:t>?</a:t>
-            </a:r>
+              <a:t>Maximum </a:t>
+            </a:r>
+            <a:r>
+              <a:rPr lang="de-DE" dirty="0" err="1"/>
+              <a:t>value</a:t>
+            </a:r>
+            <a:r>
+              <a:rPr lang="de-DE" dirty="0"/>
+              <a:t> </a:t>
+            </a:r>
+            <a:r>
+              <a:rPr lang="de-DE" dirty="0" err="1"/>
+              <a:t>of</a:t>
+            </a:r>
+            <a:r>
+              <a:rPr lang="de-DE" dirty="0"/>
+              <a:t> Cargo- </a:t>
+            </a:r>
+            <a:r>
+              <a:rPr lang="de-DE" dirty="0" err="1"/>
+              <a:t>space</a:t>
+            </a:r>
+            <a:endParaRPr lang="de-DE" dirty="0"/>
           </a:p>
         </p:txBody>
       </p:sp>
@@ -4499,7 +4880,7 @@
           <p:cNvPr id="3" name="Inhaltsplatzhalter 2">
             <a:extLst>
               <a:ext uri="{FF2B5EF4-FFF2-40B4-BE49-F238E27FC236}">
-                <a16:creationId xmlns:a16="http://schemas.microsoft.com/office/drawing/2014/main" id="{7864851A-7376-4042-9DBC-DF5E9C2776C9}"/>
+                <a16:creationId xmlns:a16="http://schemas.microsoft.com/office/drawing/2014/main" id="{7E72855E-5CEF-48B0-91EA-BAAB92BB71D5}"/>
               </a:ext>
             </a:extLst>
           </p:cNvPr>
@@ -4522,7 +4903,7 @@
     </p:spTree>
     <p:extLst>
       <p:ext uri="{BB962C8B-B14F-4D97-AF65-F5344CB8AC3E}">
-        <p14:creationId xmlns:p14="http://schemas.microsoft.com/office/powerpoint/2010/main" val="4105468652"/>
+        <p14:creationId xmlns:p14="http://schemas.microsoft.com/office/powerpoint/2010/main" val="13207312"/>
       </p:ext>
     </p:extLst>
   </p:cSld>
@@ -4554,137 +4935,6 @@
           <p:cNvPr id="2" name="Titel 1">
             <a:extLst>
               <a:ext uri="{FF2B5EF4-FFF2-40B4-BE49-F238E27FC236}">
-                <a16:creationId xmlns:a16="http://schemas.microsoft.com/office/drawing/2014/main" id="{2D6D3D92-2EC6-4D37-A02D-0AC5364B2786}"/>
-              </a:ext>
-            </a:extLst>
-          </p:cNvPr>
-          <p:cNvSpPr>
-            <a:spLocks noGrp="1"/>
-          </p:cNvSpPr>
-          <p:nvPr>
-            <p:ph type="title"/>
-          </p:nvPr>
-        </p:nvSpPr>
-        <p:spPr/>
-        <p:txBody>
-          <a:bodyPr/>
-          <a:lstStyle/>
-          <a:p>
-            <a:r>
-              <a:rPr lang="de-DE" dirty="0" err="1"/>
-              <a:t>Results</a:t>
-            </a:r>
-            <a:r>
-              <a:rPr lang="de-DE" dirty="0"/>
-              <a:t> </a:t>
-            </a:r>
-            <a:r>
-              <a:rPr lang="de-DE" dirty="0" err="1"/>
-              <a:t>for</a:t>
-            </a:r>
-            <a:r>
-              <a:rPr lang="de-DE" dirty="0"/>
-              <a:t> </a:t>
-            </a:r>
-            <a:r>
-              <a:rPr lang="de-DE" dirty="0" err="1"/>
-              <a:t>Pentominoes</a:t>
-            </a:r>
-            <a:r>
-              <a:rPr lang="de-DE" dirty="0"/>
-              <a:t>:</a:t>
-            </a:r>
-            <a:br>
-              <a:rPr lang="de-DE" dirty="0"/>
-            </a:br>
-            <a:r>
-              <a:rPr lang="de-DE" dirty="0"/>
-              <a:t>Maximum </a:t>
-            </a:r>
-            <a:r>
-              <a:rPr lang="de-DE" dirty="0" err="1"/>
-              <a:t>value</a:t>
-            </a:r>
-            <a:r>
-              <a:rPr lang="de-DE" dirty="0"/>
-              <a:t> </a:t>
-            </a:r>
-            <a:r>
-              <a:rPr lang="de-DE" dirty="0" err="1"/>
-              <a:t>of</a:t>
-            </a:r>
-            <a:r>
-              <a:rPr lang="de-DE" dirty="0"/>
-              <a:t> Cargo- </a:t>
-            </a:r>
-            <a:r>
-              <a:rPr lang="de-DE" dirty="0" err="1"/>
-              <a:t>space</a:t>
-            </a:r>
-            <a:endParaRPr lang="de-DE" dirty="0"/>
-          </a:p>
-        </p:txBody>
-      </p:sp>
-      <p:sp>
-        <p:nvSpPr>
-          <p:cNvPr id="3" name="Inhaltsplatzhalter 2">
-            <a:extLst>
-              <a:ext uri="{FF2B5EF4-FFF2-40B4-BE49-F238E27FC236}">
-                <a16:creationId xmlns:a16="http://schemas.microsoft.com/office/drawing/2014/main" id="{7E72855E-5CEF-48B0-91EA-BAAB92BB71D5}"/>
-              </a:ext>
-            </a:extLst>
-          </p:cNvPr>
-          <p:cNvSpPr>
-            <a:spLocks noGrp="1"/>
-          </p:cNvSpPr>
-          <p:nvPr>
-            <p:ph idx="1"/>
-          </p:nvPr>
-        </p:nvSpPr>
-        <p:spPr/>
-        <p:txBody>
-          <a:bodyPr/>
-          <a:lstStyle/>
-          <a:p>
-            <a:endParaRPr lang="de-DE"/>
-          </a:p>
-        </p:txBody>
-      </p:sp>
-    </p:spTree>
-    <p:extLst>
-      <p:ext uri="{BB962C8B-B14F-4D97-AF65-F5344CB8AC3E}">
-        <p14:creationId xmlns:p14="http://schemas.microsoft.com/office/powerpoint/2010/main" val="13207312"/>
-      </p:ext>
-    </p:extLst>
-  </p:cSld>
-  <p:clrMapOvr>
-    <a:masterClrMapping/>
-  </p:clrMapOvr>
-</p:sld>
-</file>
-
-<file path=ppt/slides/slide16.xml><?xml version="1.0" encoding="utf-8"?>
-<p:sld xmlns:a="http://schemas.openxmlformats.org/drawingml/2006/main" xmlns:r="http://schemas.openxmlformats.org/officeDocument/2006/relationships" xmlns:p="http://schemas.openxmlformats.org/presentationml/2006/main">
-  <p:cSld>
-    <p:spTree>
-      <p:nvGrpSpPr>
-        <p:cNvPr id="1" name=""/>
-        <p:cNvGrpSpPr/>
-        <p:nvPr/>
-      </p:nvGrpSpPr>
-      <p:grpSpPr>
-        <a:xfrm>
-          <a:off x="0" y="0"/>
-          <a:ext cx="0" cy="0"/>
-          <a:chOff x="0" y="0"/>
-          <a:chExt cx="0" cy="0"/>
-        </a:xfrm>
-      </p:grpSpPr>
-      <p:sp>
-        <p:nvSpPr>
-          <p:cNvPr id="2" name="Titel 1">
-            <a:extLst>
-              <a:ext uri="{FF2B5EF4-FFF2-40B4-BE49-F238E27FC236}">
                 <a16:creationId xmlns:a16="http://schemas.microsoft.com/office/drawing/2014/main" id="{E3D5661A-C2D7-4FF0-AA1A-B1D6B4EF5DBB}"/>
               </a:ext>
             </a:extLst>
@@ -4974,7 +5224,7 @@
 </p:sld>
 </file>
 
-<file path=ppt/slides/slide17.xml><?xml version="1.0" encoding="utf-8"?>
+<file path=ppt/slides/slide16.xml><?xml version="1.0" encoding="utf-8"?>
 <p:sld xmlns:a="http://schemas.openxmlformats.org/drawingml/2006/main" xmlns:r="http://schemas.openxmlformats.org/officeDocument/2006/relationships" xmlns:p="http://schemas.openxmlformats.org/presentationml/2006/main">
   <p:cSld>
     <p:spTree>
@@ -5249,10 +5499,7 @@
               <a:rPr lang="de-DE" dirty="0" err="1"/>
               <a:t>visualization</a:t>
             </a:r>
-            <a:r>
-              <a:rPr lang="de-DE" dirty="0"/>
-              <a:t> (a and b)</a:t>
-            </a:r>
+            <a:endParaRPr lang="de-DE" dirty="0"/>
           </a:p>
           <a:p>
             <a:r>
@@ -6580,6 +6827,9 @@
           <a:bodyPr/>
           <a:lstStyle/>
           <a:p>
+            <a:endParaRPr lang="de-DE" dirty="0"/>
+          </a:p>
+          <a:p>
             <a:r>
               <a:rPr lang="de-DE" dirty="0" err="1"/>
               <a:t>Reason</a:t>
@@ -6653,9 +6903,7 @@
             </a:r>
           </a:p>
           <a:p>
-            <a:pPr marL="0" indent="0">
-              <a:buNone/>
-            </a:pPr>
+            <a:pPr lvl="1"/>
             <a:endParaRPr lang="de-DE" dirty="0"/>
           </a:p>
           <a:p>
@@ -6679,7 +6927,50 @@
               <a:rPr lang="de-DE" dirty="0" err="1"/>
               <a:t>density</a:t>
             </a:r>
-            <a:endParaRPr lang="de-DE" dirty="0"/>
+            <a:r>
+              <a:rPr lang="de-DE" dirty="0"/>
+              <a:t> </a:t>
+            </a:r>
+            <a:r>
+              <a:rPr lang="de-DE" dirty="0" err="1"/>
+              <a:t>of</a:t>
+            </a:r>
+            <a:r>
+              <a:rPr lang="de-DE" dirty="0"/>
+              <a:t> </a:t>
+            </a:r>
+            <a:r>
+              <a:rPr lang="de-DE" dirty="0" err="1"/>
+              <a:t>boxes</a:t>
+            </a:r>
+            <a:r>
+              <a:rPr lang="de-DE" dirty="0"/>
+              <a:t> (</a:t>
+            </a:r>
+            <a:r>
+              <a:rPr lang="de-DE" dirty="0" err="1"/>
+              <a:t>density</a:t>
+            </a:r>
+            <a:r>
+              <a:rPr lang="de-DE" dirty="0"/>
+              <a:t> = </a:t>
+            </a:r>
+            <a:r>
+              <a:rPr lang="de-DE" dirty="0" err="1"/>
+              <a:t>value</a:t>
+            </a:r>
+            <a:r>
+              <a:rPr lang="de-DE" dirty="0"/>
+              <a:t> * 100 / </a:t>
+            </a:r>
+            <a:r>
+              <a:rPr lang="de-DE" dirty="0" err="1"/>
+              <a:t>volume</a:t>
+            </a:r>
+            <a:r>
+              <a:rPr lang="de-DE" dirty="0"/>
+              <a:t>)</a:t>
+            </a:r>
           </a:p>
           <a:p>
             <a:r>
@@ -6710,9 +7001,30 @@
               <a:rPr lang="de-DE" dirty="0" err="1"/>
               <a:t>sort</a:t>
             </a:r>
-            <a:endParaRPr lang="de-DE" dirty="0"/>
-          </a:p>
-          <a:p>
+            <a:r>
+              <a:rPr lang="de-DE" dirty="0"/>
+              <a:t> </a:t>
+            </a:r>
+            <a:r>
+              <a:rPr lang="de-DE" dirty="0" err="1"/>
+              <a:t>according</a:t>
+            </a:r>
+            <a:r>
+              <a:rPr lang="de-DE" dirty="0"/>
+              <a:t> </a:t>
+            </a:r>
+            <a:r>
+              <a:rPr lang="de-DE" dirty="0" err="1"/>
+              <a:t>to</a:t>
+            </a:r>
+            <a:r>
+              <a:rPr lang="de-DE" dirty="0"/>
+              <a:t> </a:t>
+            </a:r>
+            <a:r>
+              <a:rPr lang="de-DE" dirty="0" err="1"/>
+              <a:t>density</a:t>
+            </a:r>
             <a:endParaRPr lang="de-DE" dirty="0"/>
           </a:p>
         </p:txBody>
@@ -6820,7 +7132,12 @@
             <p:ph idx="1"/>
           </p:nvPr>
         </p:nvSpPr>
-        <p:spPr/>
+        <p:spPr>
+          <a:xfrm>
+            <a:off x="1451579" y="2015732"/>
+            <a:ext cx="9800469" cy="3908704"/>
+          </a:xfrm>
+        </p:spPr>
         <p:txBody>
           <a:bodyPr>
             <a:normAutofit/>
@@ -6884,7 +7201,7 @@
             </a:pPr>
             <a:r>
               <a:rPr lang="de-DE" dirty="0"/>
-              <a:t>	FOR (</a:t>
+              <a:t>      FOR (</a:t>
             </a:r>
             <a:r>
               <a:rPr lang="de-DE" dirty="0" err="1"/>
@@ -6908,7 +7225,23 @@
             </a:r>
             <a:r>
               <a:rPr lang="de-DE" dirty="0"/>
-              <a:t>)</a:t>
+              <a:t> </a:t>
+            </a:r>
+            <a:r>
+              <a:rPr lang="de-DE" dirty="0" err="1"/>
+              <a:t>from</a:t>
+            </a:r>
+            <a:r>
+              <a:rPr lang="de-DE" dirty="0"/>
+              <a:t> front </a:t>
+            </a:r>
+            <a:r>
+              <a:rPr lang="de-DE" dirty="0" err="1"/>
+              <a:t>to</a:t>
+            </a:r>
+            <a:r>
+              <a:rPr lang="de-DE" dirty="0"/>
+              <a:t> back)</a:t>
             </a:r>
           </a:p>
           <a:p>
@@ -6917,7 +7250,31 @@
             </a:pPr>
             <a:r>
               <a:rPr lang="de-DE" dirty="0"/>
-              <a:t>		FOR (back </a:t>
+              <a:t>         FOR (</a:t>
+            </a:r>
+            <a:r>
+              <a:rPr lang="de-DE" dirty="0" err="1"/>
+              <a:t>the</a:t>
+            </a:r>
+            <a:r>
+              <a:rPr lang="de-DE" dirty="0"/>
+              <a:t> </a:t>
+            </a:r>
+            <a:r>
+              <a:rPr lang="de-DE" dirty="0" err="1"/>
+              <a:t>current</a:t>
+            </a:r>
+            <a:r>
+              <a:rPr lang="de-DE" dirty="0"/>
+              <a:t> box check </a:t>
+            </a:r>
+            <a:r>
+              <a:rPr lang="de-DE" dirty="0" err="1"/>
+              <a:t>from</a:t>
+            </a:r>
+            <a:r>
+              <a:rPr lang="de-DE" dirty="0"/>
+              <a:t> back </a:t>
             </a:r>
             <a:r>
               <a:rPr lang="de-DE" dirty="0" err="1"/>
@@ -6925,7 +7282,47 @@
             </a:r>
             <a:r>
               <a:rPr lang="de-DE" dirty="0"/>
-              <a:t> front)</a:t>
+              <a:t> front (</a:t>
+            </a:r>
+            <a:r>
+              <a:rPr lang="de-DE" dirty="0" err="1"/>
+              <a:t>because</a:t>
+            </a:r>
+            <a:r>
+              <a:rPr lang="de-DE" dirty="0"/>
+              <a:t> </a:t>
+            </a:r>
+            <a:r>
+              <a:rPr lang="de-DE" dirty="0" err="1"/>
+              <a:t>it</a:t>
+            </a:r>
+            <a:r>
+              <a:rPr lang="de-DE" dirty="0"/>
+              <a:t> still </a:t>
+            </a:r>
+            <a:r>
+              <a:rPr lang="de-DE" dirty="0" err="1"/>
+              <a:t>might</a:t>
+            </a:r>
+            <a:r>
+              <a:rPr lang="de-DE" dirty="0"/>
+              <a:t> not </a:t>
+            </a:r>
+            <a:r>
+              <a:rPr lang="de-DE" dirty="0" err="1"/>
+              <a:t>be</a:t>
+            </a:r>
+            <a:r>
+              <a:rPr lang="de-DE" dirty="0"/>
+              <a:t> in </a:t>
+            </a:r>
+            <a:r>
+              <a:rPr lang="de-DE" dirty="0" err="1"/>
+              <a:t>order</a:t>
+            </a:r>
+            <a:r>
+              <a:rPr lang="de-DE" dirty="0"/>
+              <a:t>))</a:t>
             </a:r>
           </a:p>
           <a:p>
@@ -6934,7 +7331,7 @@
             </a:pPr>
             <a:r>
               <a:rPr lang="de-DE" dirty="0"/>
-              <a:t>			IF (</a:t>
+              <a:t>            IF (</a:t>
             </a:r>
             <a:r>
               <a:rPr lang="de-DE" dirty="0" err="1"/>
@@ -6991,7 +7388,7 @@
             </a:pPr>
             <a:r>
               <a:rPr lang="de-DE" dirty="0"/>
-              <a:t>				switch </a:t>
+              <a:t>               switch </a:t>
             </a:r>
             <a:r>
               <a:rPr lang="de-DE" dirty="0" err="1"/>
@@ -7037,7 +7434,7 @@
             </a:pPr>
             <a:r>
               <a:rPr lang="de-DE" dirty="0"/>
-              <a:t>	RETURN </a:t>
+              <a:t>      RETURN </a:t>
             </a:r>
             <a:r>
               <a:rPr lang="de-DE" dirty="0" err="1"/>
@@ -7479,39 +7876,7 @@
             </a:r>
             <a:r>
               <a:rPr lang="de-DE" dirty="0"/>
-              <a:t> </a:t>
-            </a:r>
-            <a:r>
-              <a:rPr lang="de-DE" dirty="0" err="1"/>
-              <a:t>we</a:t>
-            </a:r>
-            <a:r>
-              <a:rPr lang="de-DE" dirty="0"/>
-              <a:t> check </a:t>
-            </a:r>
-            <a:r>
-              <a:rPr lang="de-DE" dirty="0" err="1"/>
-              <a:t>if</a:t>
-            </a:r>
-            <a:r>
-              <a:rPr lang="de-DE" dirty="0"/>
-              <a:t> </a:t>
-            </a:r>
-            <a:r>
-              <a:rPr lang="de-DE" dirty="0" err="1"/>
-              <a:t>it</a:t>
-            </a:r>
-            <a:r>
-              <a:rPr lang="de-DE" dirty="0"/>
-              <a:t> </a:t>
-            </a:r>
-            <a:r>
-              <a:rPr lang="de-DE" dirty="0" err="1"/>
-              <a:t>fits</a:t>
-            </a:r>
-            <a:r>
-              <a:rPr lang="de-DE" dirty="0"/>
-              <a:t> ){</a:t>
+              <a:t>)</a:t>
             </a:r>
           </a:p>
           <a:p>
@@ -7584,7 +7949,7 @@
             </a:r>
             <a:r>
               <a:rPr lang="de-DE" dirty="0"/>
-              <a:t> ){  </a:t>
+              <a:t>)  </a:t>
             </a:r>
             <a:r>
               <a:rPr lang="de-DE" dirty="0" err="1"/>
@@ -7600,7 +7965,7 @@
             </a:r>
             <a:r>
               <a:rPr lang="de-DE" dirty="0"/>
-              <a:t> box  }</a:t>
+              <a:t> box  </a:t>
             </a:r>
           </a:p>
           <a:p>
@@ -7609,7 +7974,7 @@
             </a:pPr>
             <a:r>
               <a:rPr lang="de-DE" dirty="0"/>
-              <a:t>            ELSE{  </a:t>
+              <a:t>            ELSE   </a:t>
             </a:r>
             <a:r>
               <a:rPr lang="de-DE" dirty="0" err="1"/>
@@ -7663,7 +8028,7 @@
             </a:r>
             <a:r>
               <a:rPr lang="de-DE" dirty="0"/>
-              <a:t>, </a:t>
+              <a:t>) </a:t>
             </a:r>
             <a:r>
               <a:rPr lang="de-DE" dirty="0" err="1"/>
@@ -7685,10 +8050,7 @@
               <a:rPr lang="de-DE" dirty="0" err="1"/>
               <a:t>axes</a:t>
             </a:r>
-            <a:r>
-              <a:rPr lang="de-DE" dirty="0"/>
-              <a:t>)</a:t>
-            </a:r>
+            <a:endParaRPr lang="de-DE" dirty="0"/>
           </a:p>
           <a:p>
             <a:pPr marL="0" indent="0">
@@ -7696,11 +8058,7 @@
             </a:pPr>
             <a:r>
               <a:rPr lang="de-DE" dirty="0"/>
-              <a:t>	</a:t>
-            </a:r>
-            <a:r>
-              <a:rPr lang="de-DE"/>
-              <a:t>         IF (</a:t>
+              <a:t>	         IF (</a:t>
             </a:r>
             <a:r>
               <a:rPr lang="de-DE" dirty="0" err="1"/>
@@ -7732,7 +8090,7 @@
             </a:r>
             <a:r>
               <a:rPr lang="de-DE" dirty="0"/>
-              <a:t>, </a:t>
+              <a:t>) </a:t>
             </a:r>
             <a:r>
               <a:rPr lang="de-DE" dirty="0" err="1"/>
@@ -7754,10 +8112,7 @@
               <a:rPr lang="de-DE" dirty="0" err="1"/>
               <a:t>axes</a:t>
             </a:r>
-            <a:r>
-              <a:rPr lang="de-DE" dirty="0"/>
-              <a:t>);  }  }</a:t>
-            </a:r>
+            <a:endParaRPr lang="de-DE" dirty="0"/>
           </a:p>
         </p:txBody>
       </p:sp>
@@ -7796,7 +8151,7 @@
           <p:cNvPr id="2" name="Titel 1">
             <a:extLst>
               <a:ext uri="{FF2B5EF4-FFF2-40B4-BE49-F238E27FC236}">
-                <a16:creationId xmlns:a16="http://schemas.microsoft.com/office/drawing/2014/main" id="{65FBA475-BBEF-4BEE-BB97-9DB4F48C5D59}"/>
+                <a16:creationId xmlns:a16="http://schemas.microsoft.com/office/drawing/2014/main" id="{15C81E58-B0FE-4F67-BDB7-C4EB918F3C4F}"/>
               </a:ext>
             </a:extLst>
           </p:cNvPr>
@@ -7812,39 +8167,51 @@
           <a:bodyPr/>
           <a:lstStyle/>
           <a:p>
+            <a:r>
+              <a:rPr lang="de-DE" dirty="0"/>
+              <a:t>3D </a:t>
+            </a:r>
+            <a:r>
+              <a:rPr lang="de-DE" dirty="0" err="1"/>
+              <a:t>visualization</a:t>
+            </a:r>
             <a:endParaRPr lang="de-DE" dirty="0"/>
           </a:p>
         </p:txBody>
       </p:sp>
-      <p:sp>
-        <p:nvSpPr>
-          <p:cNvPr id="3" name="Inhaltsplatzhalter 2">
+      <p:pic>
+        <p:nvPicPr>
+          <p:cNvPr id="5" name="Inhaltsplatzhalter 4">
             <a:extLst>
               <a:ext uri="{FF2B5EF4-FFF2-40B4-BE49-F238E27FC236}">
-                <a16:creationId xmlns:a16="http://schemas.microsoft.com/office/drawing/2014/main" id="{9080FB4D-AD7E-4663-BFA8-832C9557FC06}"/>
+                <a16:creationId xmlns:a16="http://schemas.microsoft.com/office/drawing/2014/main" id="{FB9D23C3-05FC-4DF3-B3DC-6FE2031B9AEA}"/>
               </a:ext>
             </a:extLst>
           </p:cNvPr>
-          <p:cNvSpPr>
-            <a:spLocks noGrp="1"/>
-          </p:cNvSpPr>
+          <p:cNvPicPr>
+            <a:picLocks noGrp="1" noChangeAspect="1"/>
+          </p:cNvPicPr>
           <p:nvPr>
             <p:ph idx="1"/>
           </p:nvPr>
-        </p:nvSpPr>
-        <p:spPr/>
-        <p:txBody>
-          <a:bodyPr/>
-          <a:lstStyle/>
-          <a:p>
-            <a:endParaRPr lang="de-DE"/>
-          </a:p>
-        </p:txBody>
-      </p:sp>
+        </p:nvPicPr>
+        <p:blipFill>
+          <a:blip r:embed="rId2"/>
+          <a:stretch>
+            <a:fillRect/>
+          </a:stretch>
+        </p:blipFill>
+        <p:spPr>
+          <a:xfrm>
+            <a:off x="3668095" y="2016125"/>
+            <a:ext cx="5170134" cy="3449638"/>
+          </a:xfrm>
+        </p:spPr>
+      </p:pic>
     </p:spTree>
     <p:extLst>
       <p:ext uri="{BB962C8B-B14F-4D97-AF65-F5344CB8AC3E}">
-        <p14:creationId xmlns:p14="http://schemas.microsoft.com/office/powerpoint/2010/main" val="3519596650"/>
+        <p14:creationId xmlns:p14="http://schemas.microsoft.com/office/powerpoint/2010/main" val="1612983768"/>
       </p:ext>
     </p:extLst>
   </p:cSld>
@@ -7876,7 +8243,7 @@
           <p:cNvPr id="2" name="Titel 1">
             <a:extLst>
               <a:ext uri="{FF2B5EF4-FFF2-40B4-BE49-F238E27FC236}">
-                <a16:creationId xmlns:a16="http://schemas.microsoft.com/office/drawing/2014/main" id="{15C81E58-B0FE-4F67-BDB7-C4EB918F3C4F}"/>
+                <a16:creationId xmlns:a16="http://schemas.microsoft.com/office/drawing/2014/main" id="{5A6B36E8-49BD-4AB9-BA18-926BE0CE2590}"/>
               </a:ext>
             </a:extLst>
           </p:cNvPr>
@@ -7893,50 +8260,219 @@
           <a:lstStyle/>
           <a:p>
             <a:r>
-              <a:rPr lang="de-DE" dirty="0"/>
-              <a:t>3D </a:t>
-            </a:r>
-            <a:r>
-              <a:rPr lang="de-DE" dirty="0" err="1"/>
-              <a:t>visualization</a:t>
-            </a:r>
-            <a:endParaRPr lang="de-DE" dirty="0"/>
-          </a:p>
-        </p:txBody>
-      </p:sp>
-      <p:pic>
-        <p:nvPicPr>
-          <p:cNvPr id="5" name="Inhaltsplatzhalter 4">
+              <a:rPr lang="de-DE" dirty="0" err="1"/>
+              <a:t>results</a:t>
+            </a:r>
+            <a:r>
+              <a:rPr lang="de-DE" dirty="0"/>
+              <a:t> </a:t>
+            </a:r>
+            <a:r>
+              <a:rPr lang="de-DE" dirty="0" err="1"/>
+              <a:t>for</a:t>
+            </a:r>
+            <a:r>
+              <a:rPr lang="de-DE" dirty="0"/>
+              <a:t> </a:t>
+            </a:r>
+            <a:r>
+              <a:rPr lang="de-DE" dirty="0" err="1"/>
+              <a:t>boxes</a:t>
+            </a:r>
+            <a:r>
+              <a:rPr lang="de-DE" dirty="0"/>
+              <a:t>: </a:t>
+            </a:r>
+            <a:br>
+              <a:rPr lang="de-DE" dirty="0"/>
+            </a:br>
+            <a:r>
+              <a:rPr lang="de-DE" dirty="0"/>
+              <a:t>Can </a:t>
+            </a:r>
+            <a:r>
+              <a:rPr lang="de-DE" dirty="0" err="1"/>
+              <a:t>the</a:t>
+            </a:r>
+            <a:r>
+              <a:rPr lang="de-DE" dirty="0"/>
+              <a:t> </a:t>
+            </a:r>
+            <a:r>
+              <a:rPr lang="de-DE" dirty="0" err="1"/>
+              <a:t>cargo</a:t>
+            </a:r>
+            <a:r>
+              <a:rPr lang="de-DE" dirty="0"/>
+              <a:t>- Space </a:t>
+            </a:r>
+            <a:r>
+              <a:rPr lang="de-DE" dirty="0" err="1"/>
+              <a:t>be</a:t>
+            </a:r>
+            <a:r>
+              <a:rPr lang="de-DE" dirty="0"/>
+              <a:t> </a:t>
+            </a:r>
+            <a:r>
+              <a:rPr lang="de-DE" dirty="0" err="1"/>
+              <a:t>filled</a:t>
+            </a:r>
+            <a:r>
+              <a:rPr lang="de-DE" dirty="0"/>
+              <a:t> </a:t>
+            </a:r>
+            <a:r>
+              <a:rPr lang="de-DE" dirty="0" err="1"/>
+              <a:t>completely</a:t>
+            </a:r>
+            <a:r>
+              <a:rPr lang="de-DE" dirty="0"/>
+              <a:t>?</a:t>
+            </a:r>
+          </a:p>
+        </p:txBody>
+      </p:sp>
+      <p:sp>
+        <p:nvSpPr>
+          <p:cNvPr id="3" name="Inhaltsplatzhalter 2">
             <a:extLst>
               <a:ext uri="{FF2B5EF4-FFF2-40B4-BE49-F238E27FC236}">
-                <a16:creationId xmlns:a16="http://schemas.microsoft.com/office/drawing/2014/main" id="{FB9D23C3-05FC-4DF3-B3DC-6FE2031B9AEA}"/>
+                <a16:creationId xmlns:a16="http://schemas.microsoft.com/office/drawing/2014/main" id="{BEFB92AD-CAC9-4AFE-9347-970DD70C1171}"/>
               </a:ext>
             </a:extLst>
           </p:cNvPr>
-          <p:cNvPicPr>
-            <a:picLocks noGrp="1" noChangeAspect="1"/>
-          </p:cNvPicPr>
+          <p:cNvSpPr>
+            <a:spLocks noGrp="1"/>
+          </p:cNvSpPr>
           <p:nvPr>
             <p:ph idx="1"/>
           </p:nvPr>
-        </p:nvPicPr>
-        <p:blipFill>
-          <a:blip r:embed="rId2"/>
-          <a:stretch>
-            <a:fillRect/>
-          </a:stretch>
-        </p:blipFill>
+        </p:nvSpPr>
         <p:spPr>
           <a:xfrm>
-            <a:off x="3668095" y="2016125"/>
-            <a:ext cx="5170134" cy="3449638"/>
+            <a:off x="1451579" y="2529657"/>
+            <a:ext cx="9603275" cy="2936688"/>
           </a:xfrm>
         </p:spPr>
-      </p:pic>
+        <p:txBody>
+          <a:bodyPr>
+            <a:normAutofit/>
+          </a:bodyPr>
+          <a:lstStyle/>
+          <a:p>
+            <a:r>
+              <a:rPr lang="de-DE" dirty="0" err="1"/>
+              <a:t>Only</a:t>
+            </a:r>
+            <a:r>
+              <a:rPr lang="de-DE" dirty="0"/>
+              <a:t> </a:t>
+            </a:r>
+            <a:r>
+              <a:rPr lang="de-DE" dirty="0" err="1"/>
+              <a:t>boxes</a:t>
+            </a:r>
+            <a:r>
+              <a:rPr lang="de-DE" dirty="0"/>
+              <a:t> </a:t>
+            </a:r>
+            <a:r>
+              <a:rPr lang="de-DE" dirty="0" err="1"/>
+              <a:t>of</a:t>
+            </a:r>
+            <a:r>
+              <a:rPr lang="de-DE" dirty="0"/>
+              <a:t> type A, B </a:t>
+            </a:r>
+            <a:r>
+              <a:rPr lang="de-DE" dirty="0" err="1"/>
+              <a:t>or</a:t>
+            </a:r>
+            <a:r>
+              <a:rPr lang="de-DE" dirty="0"/>
+              <a:t> C </a:t>
+            </a:r>
+            <a:r>
+              <a:rPr lang="de-DE" dirty="0" err="1"/>
+              <a:t>can</a:t>
+            </a:r>
+            <a:r>
+              <a:rPr lang="de-DE" dirty="0"/>
+              <a:t> not </a:t>
+            </a:r>
+            <a:r>
+              <a:rPr lang="de-DE" dirty="0" err="1"/>
+              <a:t>fill</a:t>
+            </a:r>
+            <a:r>
+              <a:rPr lang="de-DE" dirty="0"/>
+              <a:t> </a:t>
+            </a:r>
+            <a:r>
+              <a:rPr lang="de-DE" dirty="0" err="1"/>
+              <a:t>the</a:t>
+            </a:r>
+            <a:r>
+              <a:rPr lang="de-DE" dirty="0"/>
+              <a:t> </a:t>
+            </a:r>
+            <a:r>
+              <a:rPr lang="de-DE" dirty="0" err="1"/>
+              <a:t>space</a:t>
+            </a:r>
+            <a:r>
+              <a:rPr lang="de-DE" dirty="0"/>
+              <a:t> </a:t>
+            </a:r>
+            <a:r>
+              <a:rPr lang="en-US" dirty="0"/>
+              <a:t>due to the size of these boxes: </a:t>
+            </a:r>
+          </a:p>
+          <a:p>
+            <a:pPr>
+              <a:buFont typeface="Wingdings" panose="05000000000000000000" pitchFamily="2" charset="2"/>
+              <a:buChar char="à"/>
+            </a:pPr>
+            <a:r>
+              <a:rPr lang="en-US" dirty="0">
+                <a:sym typeface="Wingdings" panose="05000000000000000000" pitchFamily="2" charset="2"/>
+              </a:rPr>
+              <a:t>Dimensions of boxes A: 1.0 x 1.0 x 2.0 cannot fill the width of 2.5 m</a:t>
+            </a:r>
+          </a:p>
+          <a:p>
+            <a:pPr>
+              <a:buFont typeface="Wingdings" panose="05000000000000000000" pitchFamily="2" charset="2"/>
+              <a:buChar char="à"/>
+            </a:pPr>
+            <a:r>
+              <a:rPr lang="en-US" dirty="0">
+                <a:sym typeface="Wingdings" panose="05000000000000000000" pitchFamily="2" charset="2"/>
+              </a:rPr>
+              <a:t>Dimensions of boxes B: 1.0 x 1.5 x 2.0 cannot fill the length of 16.5 m at the same time with filling out the 2.5 m width</a:t>
+            </a:r>
+          </a:p>
+          <a:p>
+            <a:pPr>
+              <a:buFont typeface="Wingdings" panose="05000000000000000000" pitchFamily="2" charset="2"/>
+              <a:buChar char="à"/>
+            </a:pPr>
+            <a:r>
+              <a:rPr lang="en-US" dirty="0">
+                <a:sym typeface="Wingdings" panose="05000000000000000000" pitchFamily="2" charset="2"/>
+              </a:rPr>
+              <a:t>Dimensions of box C: 1.5 x 1.5 x 1.5 cannot fill the height of 4.0 m</a:t>
+            </a:r>
+            <a:endParaRPr lang="en-US" dirty="0"/>
+          </a:p>
+        </p:txBody>
+      </p:sp>
     </p:spTree>
     <p:extLst>
       <p:ext uri="{BB962C8B-B14F-4D97-AF65-F5344CB8AC3E}">
-        <p14:creationId xmlns:p14="http://schemas.microsoft.com/office/powerpoint/2010/main" val="1612983768"/>
+        <p14:creationId xmlns:p14="http://schemas.microsoft.com/office/powerpoint/2010/main" val="3895900210"/>
       </p:ext>
     </p:extLst>
   </p:cSld>

--- a/project 3.pptx
+++ b/project 3.pptx
@@ -12,15 +12,23 @@
     <p:sldId id="273" r:id="rId6"/>
     <p:sldId id="274" r:id="rId7"/>
     <p:sldId id="261" r:id="rId8"/>
-    <p:sldId id="270" r:id="rId9"/>
+    <p:sldId id="287" r:id="rId9"/>
     <p:sldId id="265" r:id="rId10"/>
     <p:sldId id="266" r:id="rId11"/>
-    <p:sldId id="269" r:id="rId12"/>
-    <p:sldId id="263" r:id="rId13"/>
-    <p:sldId id="267" r:id="rId14"/>
-    <p:sldId id="268" r:id="rId15"/>
-    <p:sldId id="264" r:id="rId16"/>
-    <p:sldId id="271" r:id="rId17"/>
+    <p:sldId id="285" r:id="rId12"/>
+    <p:sldId id="270" r:id="rId13"/>
+    <p:sldId id="286" r:id="rId14"/>
+    <p:sldId id="269" r:id="rId15"/>
+    <p:sldId id="275" r:id="rId16"/>
+    <p:sldId id="276" r:id="rId17"/>
+    <p:sldId id="277" r:id="rId18"/>
+    <p:sldId id="280" r:id="rId19"/>
+    <p:sldId id="281" r:id="rId20"/>
+    <p:sldId id="282" r:id="rId21"/>
+    <p:sldId id="283" r:id="rId22"/>
+    <p:sldId id="284" r:id="rId23"/>
+    <p:sldId id="264" r:id="rId24"/>
+    <p:sldId id="271" r:id="rId25"/>
   </p:sldIdLst>
   <p:sldSz cx="12192000" cy="6858000"/>
   <p:notesSz cx="6858000" cy="9144000"/>
@@ -270,7 +278,7 @@
           <a:p>
             <a:fld id="{48A87A34-81AB-432B-8DAE-1953F412C126}" type="datetimeFigureOut">
               <a:rPr lang="en-US" dirty="0"/>
-              <a:t>1/19/2018</a:t>
+              <a:t>1/24/2018</a:t>
             </a:fld>
             <a:endParaRPr lang="en-US" dirty="0"/>
           </a:p>
@@ -476,7 +484,7 @@
           <a:p>
             <a:fld id="{48A87A34-81AB-432B-8DAE-1953F412C126}" type="datetimeFigureOut">
               <a:rPr lang="en-US" dirty="0"/>
-              <a:t>1/19/2018</a:t>
+              <a:t>1/24/2018</a:t>
             </a:fld>
             <a:endParaRPr lang="en-US" dirty="0"/>
           </a:p>
@@ -686,7 +694,7 @@
           <a:p>
             <a:fld id="{48A87A34-81AB-432B-8DAE-1953F412C126}" type="datetimeFigureOut">
               <a:rPr lang="en-US" dirty="0"/>
-              <a:t>1/19/2018</a:t>
+              <a:t>1/24/2018</a:t>
             </a:fld>
             <a:endParaRPr lang="en-US" dirty="0"/>
           </a:p>
@@ -882,7 +890,7 @@
           <a:p>
             <a:fld id="{48A87A34-81AB-432B-8DAE-1953F412C126}" type="datetimeFigureOut">
               <a:rPr lang="en-US" dirty="0"/>
-              <a:t>1/19/2018</a:t>
+              <a:t>1/24/2018</a:t>
             </a:fld>
             <a:endParaRPr lang="en-US" dirty="0"/>
           </a:p>
@@ -1156,7 +1164,7 @@
           <a:p>
             <a:fld id="{48A87A34-81AB-432B-8DAE-1953F412C126}" type="datetimeFigureOut">
               <a:rPr lang="en-US" dirty="0"/>
-              <a:t>1/19/2018</a:t>
+              <a:t>1/24/2018</a:t>
             </a:fld>
             <a:endParaRPr lang="en-US" dirty="0"/>
           </a:p>
@@ -1419,7 +1427,7 @@
           <a:p>
             <a:fld id="{48A87A34-81AB-432B-8DAE-1953F412C126}" type="datetimeFigureOut">
               <a:rPr lang="en-US" dirty="0"/>
-              <a:t>1/19/2018</a:t>
+              <a:t>1/24/2018</a:t>
             </a:fld>
             <a:endParaRPr lang="en-US" dirty="0"/>
           </a:p>
@@ -1830,7 +1838,7 @@
           <a:p>
             <a:fld id="{48A87A34-81AB-432B-8DAE-1953F412C126}" type="datetimeFigureOut">
               <a:rPr lang="en-US" dirty="0"/>
-              <a:t>1/19/2018</a:t>
+              <a:t>1/24/2018</a:t>
             </a:fld>
             <a:endParaRPr lang="en-US" dirty="0"/>
           </a:p>
@@ -1974,7 +1982,7 @@
           <a:p>
             <a:fld id="{48A87A34-81AB-432B-8DAE-1953F412C126}" type="datetimeFigureOut">
               <a:rPr lang="en-US" dirty="0"/>
-              <a:t>1/19/2018</a:t>
+              <a:t>1/24/2018</a:t>
             </a:fld>
             <a:endParaRPr lang="en-US" dirty="0"/>
           </a:p>
@@ -2095,7 +2103,7 @@
           <a:p>
             <a:fld id="{48A87A34-81AB-432B-8DAE-1953F412C126}" type="datetimeFigureOut">
               <a:rPr lang="en-US" dirty="0"/>
-              <a:t>1/19/2018</a:t>
+              <a:t>1/24/2018</a:t>
             </a:fld>
             <a:endParaRPr lang="en-US" dirty="0"/>
           </a:p>
@@ -2341,7 +2349,7 @@
           <a:p>
             <a:fld id="{48A87A34-81AB-432B-8DAE-1953F412C126}" type="datetimeFigureOut">
               <a:rPr lang="en-US" dirty="0"/>
-              <a:t>1/19/2018</a:t>
+              <a:t>1/24/2018</a:t>
             </a:fld>
             <a:endParaRPr lang="en-US" dirty="0"/>
           </a:p>
@@ -2782,7 +2790,7 @@
             <a:fld id="{48A87A34-81AB-432B-8DAE-1953F412C126}" type="datetimeFigureOut">
               <a:rPr lang="en-US" dirty="0"/>
               <a:pPr/>
-              <a:t>1/19/2018</a:t>
+              <a:t>1/24/2018</a:t>
             </a:fld>
             <a:endParaRPr lang="en-US" dirty="0"/>
           </a:p>
@@ -3104,7 +3112,7 @@
             <a:fld id="{48A87A34-81AB-432B-8DAE-1953F412C126}" type="datetimeFigureOut">
               <a:rPr lang="en-US" dirty="0"/>
               <a:pPr/>
-              <a:t>1/19/2018</a:t>
+              <a:t>1/24/2018</a:t>
             </a:fld>
             <a:endParaRPr lang="en-US" dirty="0"/>
           </a:p>
@@ -3820,37 +3828,628 @@
         </p:nvSpPr>
         <p:spPr/>
         <p:txBody>
-          <a:bodyPr/>
+          <a:bodyPr>
+            <a:normAutofit fontScale="92500" lnSpcReduction="10000"/>
+          </a:bodyPr>
           <a:lstStyle/>
           <a:p>
             <a:r>
               <a:rPr lang="de-DE" dirty="0"/>
-              <a:t>A and B</a:t>
-            </a:r>
-          </a:p>
-          <a:p>
-            <a:r>
-              <a:rPr lang="de-DE" dirty="0"/>
-              <a:t>A and C</a:t>
-            </a:r>
-          </a:p>
-          <a:p>
-            <a:r>
-              <a:rPr lang="de-DE" dirty="0"/>
-              <a:t>B and C</a:t>
-            </a:r>
-          </a:p>
-          <a:p>
-            <a:pPr marL="0" indent="0">
-              <a:buNone/>
+              <a:t>In </a:t>
+            </a:r>
+            <a:r>
+              <a:rPr lang="de-DE" dirty="0" err="1"/>
+              <a:t>the</a:t>
+            </a:r>
+            <a:r>
+              <a:rPr lang="de-DE" dirty="0"/>
+              <a:t> </a:t>
+            </a:r>
+            <a:r>
+              <a:rPr lang="de-DE" dirty="0" err="1"/>
+              <a:t>experiments</a:t>
+            </a:r>
+            <a:r>
+              <a:rPr lang="de-DE" dirty="0"/>
+              <a:t> </a:t>
+            </a:r>
+            <a:r>
+              <a:rPr lang="de-DE" dirty="0" err="1"/>
+              <a:t>done</a:t>
+            </a:r>
+            <a:r>
+              <a:rPr lang="de-DE" dirty="0"/>
+              <a:t>:</a:t>
+            </a:r>
+          </a:p>
+          <a:p>
+            <a:pPr lvl="1">
+              <a:buFont typeface="Wingdings" panose="05000000000000000000" pitchFamily="2" charset="2"/>
+              <a:buChar char="à"/>
             </a:pPr>
+            <a:r>
+              <a:rPr lang="de-DE" dirty="0"/>
+              <a:t>Not </a:t>
+            </a:r>
+            <a:r>
+              <a:rPr lang="de-DE" dirty="0" err="1"/>
+              <a:t>with</a:t>
+            </a:r>
+            <a:r>
+              <a:rPr lang="de-DE" dirty="0"/>
+              <a:t> </a:t>
+            </a:r>
+            <a:r>
+              <a:rPr lang="de-DE" dirty="0" err="1"/>
+              <a:t>the</a:t>
+            </a:r>
+            <a:r>
+              <a:rPr lang="de-DE" dirty="0"/>
+              <a:t> </a:t>
+            </a:r>
+            <a:r>
+              <a:rPr lang="de-DE" dirty="0" err="1"/>
+              <a:t>random</a:t>
+            </a:r>
+            <a:r>
+              <a:rPr lang="de-DE" dirty="0"/>
+              <a:t> </a:t>
+            </a:r>
+            <a:r>
+              <a:rPr lang="de-DE" dirty="0" err="1"/>
+              <a:t>algorithm</a:t>
+            </a:r>
             <a:endParaRPr lang="de-DE" dirty="0"/>
           </a:p>
           <a:p>
-            <a:r>
-              <a:rPr lang="de-DE" dirty="0"/>
-              <a:t>A, B and C</a:t>
-            </a:r>
+            <a:pPr lvl="1">
+              <a:buFont typeface="Wingdings" panose="05000000000000000000" pitchFamily="2" charset="2"/>
+              <a:buChar char="à"/>
+            </a:pPr>
+            <a:r>
+              <a:rPr lang="de-DE" dirty="0"/>
+              <a:t>Not </a:t>
+            </a:r>
+            <a:r>
+              <a:rPr lang="de-DE" dirty="0" err="1"/>
+              <a:t>with</a:t>
+            </a:r>
+            <a:r>
+              <a:rPr lang="de-DE" dirty="0"/>
+              <a:t> </a:t>
+            </a:r>
+            <a:r>
+              <a:rPr lang="de-DE" dirty="0" err="1"/>
+              <a:t>the</a:t>
+            </a:r>
+            <a:r>
+              <a:rPr lang="de-DE" dirty="0"/>
+              <a:t> </a:t>
+            </a:r>
+            <a:r>
+              <a:rPr lang="de-DE" dirty="0" err="1"/>
+              <a:t>greedy</a:t>
+            </a:r>
+            <a:r>
+              <a:rPr lang="de-DE" dirty="0"/>
+              <a:t> </a:t>
+            </a:r>
+            <a:r>
+              <a:rPr lang="de-DE" dirty="0" err="1"/>
+              <a:t>algorithm</a:t>
+            </a:r>
+            <a:r>
+              <a:rPr lang="de-DE" dirty="0"/>
+              <a:t> </a:t>
+            </a:r>
+            <a:r>
+              <a:rPr lang="de-DE" dirty="0" err="1"/>
+              <a:t>if</a:t>
+            </a:r>
+            <a:r>
+              <a:rPr lang="de-DE" dirty="0"/>
+              <a:t> all </a:t>
+            </a:r>
+            <a:r>
+              <a:rPr lang="de-DE" dirty="0" err="1"/>
+              <a:t>boxes</a:t>
+            </a:r>
+            <a:r>
+              <a:rPr lang="de-DE" dirty="0"/>
+              <a:t> </a:t>
+            </a:r>
+            <a:r>
+              <a:rPr lang="de-DE" dirty="0" err="1"/>
+              <a:t>are</a:t>
+            </a:r>
+            <a:r>
+              <a:rPr lang="de-DE" dirty="0"/>
+              <a:t> </a:t>
+            </a:r>
+            <a:r>
+              <a:rPr lang="de-DE" dirty="0" err="1"/>
+              <a:t>used</a:t>
+            </a:r>
+            <a:endParaRPr lang="de-DE" dirty="0"/>
+          </a:p>
+          <a:p>
+            <a:r>
+              <a:rPr lang="de-DE" dirty="0" err="1"/>
+              <a:t>Only</a:t>
+            </a:r>
+            <a:r>
+              <a:rPr lang="de-DE" dirty="0"/>
+              <a:t> </a:t>
+            </a:r>
+            <a:r>
+              <a:rPr lang="de-DE" dirty="0" err="1"/>
+              <a:t>using</a:t>
+            </a:r>
+            <a:r>
+              <a:rPr lang="de-DE" dirty="0"/>
+              <a:t> </a:t>
+            </a:r>
+            <a:r>
+              <a:rPr lang="de-DE" dirty="0" err="1"/>
+              <a:t>two</a:t>
+            </a:r>
+            <a:r>
+              <a:rPr lang="de-DE" dirty="0"/>
+              <a:t> box </a:t>
+            </a:r>
+            <a:r>
+              <a:rPr lang="de-DE" dirty="0" err="1"/>
+              <a:t>types</a:t>
+            </a:r>
+            <a:r>
+              <a:rPr lang="de-DE" dirty="0"/>
+              <a:t>:</a:t>
+            </a:r>
+          </a:p>
+          <a:p>
+            <a:pPr lvl="1"/>
+            <a:r>
+              <a:rPr lang="de-DE" dirty="0"/>
+              <a:t>0 </a:t>
+            </a:r>
+            <a:r>
+              <a:rPr lang="de-DE" dirty="0" err="1"/>
+              <a:t>boxes</a:t>
+            </a:r>
+            <a:r>
+              <a:rPr lang="de-DE" dirty="0"/>
+              <a:t> </a:t>
+            </a:r>
+            <a:r>
+              <a:rPr lang="de-DE" dirty="0" err="1"/>
+              <a:t>of</a:t>
+            </a:r>
+            <a:r>
+              <a:rPr lang="de-DE" dirty="0"/>
+              <a:t> type A</a:t>
+            </a:r>
+          </a:p>
+          <a:p>
+            <a:pPr lvl="1"/>
+            <a:r>
+              <a:rPr lang="de-DE" dirty="0"/>
+              <a:t>26 </a:t>
+            </a:r>
+            <a:r>
+              <a:rPr lang="de-DE" dirty="0" err="1"/>
+              <a:t>boxes</a:t>
+            </a:r>
+            <a:r>
+              <a:rPr lang="de-DE" dirty="0"/>
+              <a:t> </a:t>
+            </a:r>
+            <a:r>
+              <a:rPr lang="de-DE" dirty="0" err="1"/>
+              <a:t>of</a:t>
+            </a:r>
+            <a:r>
+              <a:rPr lang="de-DE" dirty="0"/>
+              <a:t> type B</a:t>
+            </a:r>
+          </a:p>
+          <a:p>
+            <a:pPr lvl="1"/>
+            <a:r>
+              <a:rPr lang="de-DE" dirty="0"/>
+              <a:t>22 </a:t>
+            </a:r>
+            <a:r>
+              <a:rPr lang="de-DE" dirty="0" err="1"/>
+              <a:t>boxes</a:t>
+            </a:r>
+            <a:r>
+              <a:rPr lang="de-DE" dirty="0"/>
+              <a:t> </a:t>
+            </a:r>
+            <a:r>
+              <a:rPr lang="de-DE" dirty="0" err="1"/>
+              <a:t>of</a:t>
+            </a:r>
+            <a:r>
+              <a:rPr lang="de-DE" dirty="0"/>
+              <a:t> type C</a:t>
+            </a:r>
+          </a:p>
+          <a:p>
+            <a:pPr lvl="1">
+              <a:buFont typeface="Wingdings" panose="05000000000000000000" pitchFamily="2" charset="2"/>
+              <a:buChar char="à"/>
+            </a:pPr>
+            <a:r>
+              <a:rPr lang="de-DE" dirty="0">
+                <a:sym typeface="Wingdings" panose="05000000000000000000" pitchFamily="2" charset="2"/>
+              </a:rPr>
+              <a:t> due </a:t>
+            </a:r>
+            <a:r>
+              <a:rPr lang="de-DE" dirty="0" err="1">
+                <a:sym typeface="Wingdings" panose="05000000000000000000" pitchFamily="2" charset="2"/>
+              </a:rPr>
+              <a:t>to</a:t>
+            </a:r>
+            <a:r>
+              <a:rPr lang="de-DE" dirty="0">
+                <a:sym typeface="Wingdings" panose="05000000000000000000" pitchFamily="2" charset="2"/>
+              </a:rPr>
+              <a:t> </a:t>
+            </a:r>
+            <a:r>
+              <a:rPr lang="de-DE" dirty="0" err="1">
+                <a:sym typeface="Wingdings" panose="05000000000000000000" pitchFamily="2" charset="2"/>
+              </a:rPr>
+              <a:t>the</a:t>
+            </a:r>
+            <a:r>
+              <a:rPr lang="de-DE" dirty="0">
+                <a:sym typeface="Wingdings" panose="05000000000000000000" pitchFamily="2" charset="2"/>
+              </a:rPr>
+              <a:t> </a:t>
+            </a:r>
+            <a:r>
+              <a:rPr lang="de-DE" dirty="0" err="1">
+                <a:sym typeface="Wingdings" panose="05000000000000000000" pitchFamily="2" charset="2"/>
+              </a:rPr>
+              <a:t>greedy</a:t>
+            </a:r>
+            <a:r>
+              <a:rPr lang="de-DE" dirty="0">
+                <a:sym typeface="Wingdings" panose="05000000000000000000" pitchFamily="2" charset="2"/>
+              </a:rPr>
+              <a:t> </a:t>
+            </a:r>
+            <a:r>
+              <a:rPr lang="de-DE" dirty="0" err="1">
+                <a:sym typeface="Wingdings" panose="05000000000000000000" pitchFamily="2" charset="2"/>
+              </a:rPr>
+              <a:t>algorithm</a:t>
+            </a:r>
+            <a:r>
+              <a:rPr lang="de-DE" dirty="0">
+                <a:sym typeface="Wingdings" panose="05000000000000000000" pitchFamily="2" charset="2"/>
+              </a:rPr>
+              <a:t> </a:t>
+            </a:r>
+            <a:r>
+              <a:rPr lang="de-DE" dirty="0" err="1">
+                <a:sym typeface="Wingdings" panose="05000000000000000000" pitchFamily="2" charset="2"/>
+              </a:rPr>
+              <a:t>the</a:t>
+            </a:r>
+            <a:r>
+              <a:rPr lang="de-DE" dirty="0">
+                <a:sym typeface="Wingdings" panose="05000000000000000000" pitchFamily="2" charset="2"/>
+              </a:rPr>
+              <a:t> </a:t>
+            </a:r>
+            <a:r>
+              <a:rPr lang="de-DE" dirty="0" err="1">
+                <a:sym typeface="Wingdings" panose="05000000000000000000" pitchFamily="2" charset="2"/>
+              </a:rPr>
+              <a:t>only</a:t>
+            </a:r>
+            <a:r>
+              <a:rPr lang="de-DE" dirty="0">
+                <a:sym typeface="Wingdings" panose="05000000000000000000" pitchFamily="2" charset="2"/>
+              </a:rPr>
+              <a:t> box </a:t>
+            </a:r>
+            <a:r>
+              <a:rPr lang="de-DE" dirty="0" err="1">
+                <a:sym typeface="Wingdings" panose="05000000000000000000" pitchFamily="2" charset="2"/>
+              </a:rPr>
+              <a:t>chosen</a:t>
+            </a:r>
+            <a:r>
+              <a:rPr lang="de-DE" dirty="0">
+                <a:sym typeface="Wingdings" panose="05000000000000000000" pitchFamily="2" charset="2"/>
+              </a:rPr>
+              <a:t> </a:t>
+            </a:r>
+            <a:r>
+              <a:rPr lang="de-DE" dirty="0" err="1">
+                <a:sym typeface="Wingdings" panose="05000000000000000000" pitchFamily="2" charset="2"/>
+              </a:rPr>
+              <a:t>is</a:t>
+            </a:r>
+            <a:r>
+              <a:rPr lang="de-DE" dirty="0">
+                <a:sym typeface="Wingdings" panose="05000000000000000000" pitchFamily="2" charset="2"/>
+              </a:rPr>
+              <a:t> box type A, </a:t>
+            </a:r>
+            <a:r>
+              <a:rPr lang="de-DE" dirty="0" err="1">
+                <a:sym typeface="Wingdings" panose="05000000000000000000" pitchFamily="2" charset="2"/>
+              </a:rPr>
+              <a:t>if</a:t>
+            </a:r>
+            <a:r>
+              <a:rPr lang="de-DE" dirty="0">
+                <a:sym typeface="Wingdings" panose="05000000000000000000" pitchFamily="2" charset="2"/>
+              </a:rPr>
+              <a:t> </a:t>
+            </a:r>
+            <a:r>
+              <a:rPr lang="de-DE" dirty="0" err="1">
+                <a:sym typeface="Wingdings" panose="05000000000000000000" pitchFamily="2" charset="2"/>
+              </a:rPr>
+              <a:t>there</a:t>
+            </a:r>
+            <a:r>
+              <a:rPr lang="de-DE" dirty="0">
+                <a:sym typeface="Wingdings" panose="05000000000000000000" pitchFamily="2" charset="2"/>
+              </a:rPr>
+              <a:t> </a:t>
+            </a:r>
+            <a:r>
+              <a:rPr lang="de-DE" dirty="0" err="1">
+                <a:sym typeface="Wingdings" panose="05000000000000000000" pitchFamily="2" charset="2"/>
+              </a:rPr>
+              <a:t>are</a:t>
+            </a:r>
+            <a:r>
+              <a:rPr lang="de-DE" dirty="0">
+                <a:sym typeface="Wingdings" panose="05000000000000000000" pitchFamily="2" charset="2"/>
+              </a:rPr>
+              <a:t> </a:t>
+            </a:r>
+            <a:r>
+              <a:rPr lang="de-DE" dirty="0" err="1">
+                <a:sym typeface="Wingdings" panose="05000000000000000000" pitchFamily="2" charset="2"/>
+              </a:rPr>
+              <a:t>enough</a:t>
+            </a:r>
+            <a:r>
+              <a:rPr lang="de-DE" dirty="0">
+                <a:sym typeface="Wingdings" panose="05000000000000000000" pitchFamily="2" charset="2"/>
+              </a:rPr>
+              <a:t> </a:t>
+            </a:r>
+            <a:r>
+              <a:rPr lang="de-DE" dirty="0" err="1">
+                <a:sym typeface="Wingdings" panose="05000000000000000000" pitchFamily="2" charset="2"/>
+              </a:rPr>
+              <a:t>boxes</a:t>
+            </a:r>
+            <a:r>
+              <a:rPr lang="de-DE" dirty="0">
+                <a:sym typeface="Wingdings" panose="05000000000000000000" pitchFamily="2" charset="2"/>
+              </a:rPr>
+              <a:t> </a:t>
+            </a:r>
+            <a:r>
+              <a:rPr lang="de-DE" dirty="0" err="1">
+                <a:sym typeface="Wingdings" panose="05000000000000000000" pitchFamily="2" charset="2"/>
+              </a:rPr>
+              <a:t>of</a:t>
+            </a:r>
+            <a:r>
+              <a:rPr lang="de-DE" dirty="0">
+                <a:sym typeface="Wingdings" panose="05000000000000000000" pitchFamily="2" charset="2"/>
+              </a:rPr>
+              <a:t> </a:t>
+            </a:r>
+            <a:r>
+              <a:rPr lang="de-DE" dirty="0" err="1">
+                <a:sym typeface="Wingdings" panose="05000000000000000000" pitchFamily="2" charset="2"/>
+              </a:rPr>
+              <a:t>it</a:t>
+            </a:r>
+            <a:endParaRPr lang="de-DE" dirty="0">
+              <a:sym typeface="Wingdings" panose="05000000000000000000" pitchFamily="2" charset="2"/>
+            </a:endParaRPr>
+          </a:p>
+          <a:p>
+            <a:pPr lvl="1">
+              <a:buFont typeface="Wingdings" panose="05000000000000000000" pitchFamily="2" charset="2"/>
+              <a:buChar char="à"/>
+            </a:pPr>
+            <a:r>
+              <a:rPr lang="de-DE" dirty="0">
+                <a:sym typeface="Wingdings" panose="05000000000000000000" pitchFamily="2" charset="2"/>
+              </a:rPr>
+              <a:t> </a:t>
+            </a:r>
+            <a:r>
+              <a:rPr lang="de-DE" dirty="0" err="1">
+                <a:sym typeface="Wingdings" panose="05000000000000000000" pitchFamily="2" charset="2"/>
+              </a:rPr>
+              <a:t>this</a:t>
+            </a:r>
+            <a:r>
+              <a:rPr lang="de-DE" dirty="0">
+                <a:sym typeface="Wingdings" panose="05000000000000000000" pitchFamily="2" charset="2"/>
+              </a:rPr>
+              <a:t> </a:t>
+            </a:r>
+            <a:r>
+              <a:rPr lang="de-DE" dirty="0" err="1">
+                <a:sym typeface="Wingdings" panose="05000000000000000000" pitchFamily="2" charset="2"/>
+              </a:rPr>
+              <a:t>can</a:t>
+            </a:r>
+            <a:r>
+              <a:rPr lang="de-DE" dirty="0">
+                <a:sym typeface="Wingdings" panose="05000000000000000000" pitchFamily="2" charset="2"/>
+              </a:rPr>
+              <a:t> </a:t>
+            </a:r>
+            <a:r>
+              <a:rPr lang="de-DE" dirty="0" err="1">
+                <a:sym typeface="Wingdings" panose="05000000000000000000" pitchFamily="2" charset="2"/>
+              </a:rPr>
+              <a:t>be</a:t>
+            </a:r>
+            <a:r>
+              <a:rPr lang="de-DE" dirty="0">
+                <a:sym typeface="Wingdings" panose="05000000000000000000" pitchFamily="2" charset="2"/>
+              </a:rPr>
+              <a:t> </a:t>
+            </a:r>
+            <a:r>
+              <a:rPr lang="de-DE" dirty="0" err="1">
+                <a:sym typeface="Wingdings" panose="05000000000000000000" pitchFamily="2" charset="2"/>
+              </a:rPr>
+              <a:t>achieved</a:t>
+            </a:r>
+            <a:r>
+              <a:rPr lang="de-DE" dirty="0">
+                <a:sym typeface="Wingdings" panose="05000000000000000000" pitchFamily="2" charset="2"/>
+              </a:rPr>
+              <a:t> </a:t>
+            </a:r>
+            <a:r>
+              <a:rPr lang="de-DE" dirty="0" err="1">
+                <a:sym typeface="Wingdings" panose="05000000000000000000" pitchFamily="2" charset="2"/>
+              </a:rPr>
+              <a:t>by</a:t>
+            </a:r>
+            <a:r>
+              <a:rPr lang="de-DE" dirty="0">
+                <a:sym typeface="Wingdings" panose="05000000000000000000" pitchFamily="2" charset="2"/>
+              </a:rPr>
+              <a:t> </a:t>
+            </a:r>
+            <a:r>
+              <a:rPr lang="de-DE" dirty="0" err="1">
+                <a:sym typeface="Wingdings" panose="05000000000000000000" pitchFamily="2" charset="2"/>
+              </a:rPr>
+              <a:t>using</a:t>
+            </a:r>
+            <a:r>
+              <a:rPr lang="de-DE" dirty="0">
+                <a:sym typeface="Wingdings" panose="05000000000000000000" pitchFamily="2" charset="2"/>
+              </a:rPr>
+              <a:t> 4m </a:t>
+            </a:r>
+            <a:r>
+              <a:rPr lang="de-DE" dirty="0" err="1">
+                <a:sym typeface="Wingdings" panose="05000000000000000000" pitchFamily="2" charset="2"/>
+              </a:rPr>
+              <a:t>as</a:t>
+            </a:r>
+            <a:r>
+              <a:rPr lang="de-DE" dirty="0">
+                <a:sym typeface="Wingdings" panose="05000000000000000000" pitchFamily="2" charset="2"/>
+              </a:rPr>
+              <a:t> </a:t>
+            </a:r>
+            <a:r>
+              <a:rPr lang="de-DE" dirty="0" err="1">
+                <a:sym typeface="Wingdings" panose="05000000000000000000" pitchFamily="2" charset="2"/>
+              </a:rPr>
+              <a:t>the</a:t>
+            </a:r>
+            <a:r>
+              <a:rPr lang="de-DE" dirty="0">
+                <a:sym typeface="Wingdings" panose="05000000000000000000" pitchFamily="2" charset="2"/>
+              </a:rPr>
+              <a:t> </a:t>
+            </a:r>
+            <a:r>
+              <a:rPr lang="de-DE" dirty="0" err="1">
+                <a:sym typeface="Wingdings" panose="05000000000000000000" pitchFamily="2" charset="2"/>
+              </a:rPr>
+              <a:t>depth</a:t>
+            </a:r>
+            <a:r>
+              <a:rPr lang="de-DE" dirty="0">
+                <a:sym typeface="Wingdings" panose="05000000000000000000" pitchFamily="2" charset="2"/>
+              </a:rPr>
+              <a:t>, 2.5m </a:t>
+            </a:r>
+            <a:r>
+              <a:rPr lang="de-DE" dirty="0" err="1">
+                <a:sym typeface="Wingdings" panose="05000000000000000000" pitchFamily="2" charset="2"/>
+              </a:rPr>
+              <a:t>as</a:t>
+            </a:r>
+            <a:r>
+              <a:rPr lang="de-DE" dirty="0">
+                <a:sym typeface="Wingdings" panose="05000000000000000000" pitchFamily="2" charset="2"/>
+              </a:rPr>
+              <a:t> </a:t>
+            </a:r>
+            <a:r>
+              <a:rPr lang="de-DE" dirty="0" err="1">
+                <a:sym typeface="Wingdings" panose="05000000000000000000" pitchFamily="2" charset="2"/>
+              </a:rPr>
+              <a:t>the</a:t>
+            </a:r>
+            <a:r>
+              <a:rPr lang="de-DE" dirty="0">
+                <a:sym typeface="Wingdings" panose="05000000000000000000" pitchFamily="2" charset="2"/>
+              </a:rPr>
+              <a:t> </a:t>
+            </a:r>
+            <a:r>
+              <a:rPr lang="de-DE" dirty="0" err="1">
+                <a:sym typeface="Wingdings" panose="05000000000000000000" pitchFamily="2" charset="2"/>
+              </a:rPr>
+              <a:t>height</a:t>
+            </a:r>
+            <a:r>
+              <a:rPr lang="de-DE" dirty="0">
+                <a:sym typeface="Wingdings" panose="05000000000000000000" pitchFamily="2" charset="2"/>
+              </a:rPr>
+              <a:t> and 16.5m </a:t>
+            </a:r>
+            <a:r>
+              <a:rPr lang="de-DE" dirty="0" err="1">
+                <a:sym typeface="Wingdings" panose="05000000000000000000" pitchFamily="2" charset="2"/>
+              </a:rPr>
+              <a:t>as</a:t>
+            </a:r>
+            <a:r>
+              <a:rPr lang="de-DE" dirty="0">
+                <a:sym typeface="Wingdings" panose="05000000000000000000" pitchFamily="2" charset="2"/>
+              </a:rPr>
+              <a:t> </a:t>
+            </a:r>
+            <a:r>
+              <a:rPr lang="de-DE" dirty="0" err="1">
+                <a:sym typeface="Wingdings" panose="05000000000000000000" pitchFamily="2" charset="2"/>
+              </a:rPr>
+              <a:t>the</a:t>
+            </a:r>
+            <a:r>
+              <a:rPr lang="de-DE" dirty="0">
+                <a:sym typeface="Wingdings" panose="05000000000000000000" pitchFamily="2" charset="2"/>
+              </a:rPr>
+              <a:t> </a:t>
+            </a:r>
+            <a:r>
+              <a:rPr lang="de-DE" dirty="0" err="1">
+                <a:sym typeface="Wingdings" panose="05000000000000000000" pitchFamily="2" charset="2"/>
+              </a:rPr>
+              <a:t>width</a:t>
+            </a:r>
+            <a:endParaRPr lang="de-DE" dirty="0"/>
           </a:p>
         </p:txBody>
       </p:sp>
@@ -3870,6 +4469,30 @@
 <file path=ppt/slides/slide11.xml><?xml version="1.0" encoding="utf-8"?>
 <p:sld xmlns:a="http://schemas.openxmlformats.org/drawingml/2006/main" xmlns:r="http://schemas.openxmlformats.org/officeDocument/2006/relationships" xmlns:p="http://schemas.openxmlformats.org/presentationml/2006/main">
   <p:cSld>
+    <p:bg>
+      <p:bgPr>
+        <a:gradFill rotWithShape="1">
+          <a:gsLst>
+            <a:gs pos="0">
+              <a:schemeClr val="bg2">
+                <a:tint val="94000"/>
+                <a:satMod val="80000"/>
+                <a:lumMod val="106000"/>
+              </a:schemeClr>
+            </a:gs>
+            <a:gs pos="100000">
+              <a:schemeClr val="bg2">
+                <a:shade val="80000"/>
+              </a:schemeClr>
+            </a:gs>
+          </a:gsLst>
+          <a:path path="circle">
+            <a:fillToRect l="43000" r="43000" b="100000"/>
+          </a:path>
+        </a:gradFill>
+        <a:effectLst/>
+      </p:bgPr>
+    </p:bg>
     <p:spTree>
       <p:nvGrpSpPr>
         <p:cNvPr id="1" name=""/>
@@ -3886,10 +4509,508 @@
       </p:grpSpPr>
       <p:sp>
         <p:nvSpPr>
+          <p:cNvPr id="10" name="Rectangle 9">
+            <a:extLst>
+              <a:ext uri="{FF2B5EF4-FFF2-40B4-BE49-F238E27FC236}">
+                <a16:creationId xmlns:a16="http://schemas.microsoft.com/office/drawing/2014/main" id="{0CABCAE3-64FC-4149-819F-2C1812824154}"/>
+              </a:ext>
+            </a:extLst>
+          </p:cNvPr>
+          <p:cNvSpPr>
+            <a:spLocks noGrp="1" noRot="1" noChangeAspect="1" noMove="1" noResize="1" noEditPoints="1" noAdjustHandles="1" noChangeArrowheads="1" noChangeShapeType="1" noTextEdit="1"/>
+          </p:cNvSpPr>
+          <p:nvPr>
+            <p:extLst>
+              <p:ext uri="{386F3935-93C4-4BCD-93E2-E3B085C9AB24}">
+                <p16:designElem xmlns:p16="http://schemas.microsoft.com/office/powerpoint/2015/main" val="1"/>
+              </p:ext>
+            </p:extLst>
+          </p:nvPr>
+        </p:nvSpPr>
+        <p:spPr>
+          <a:xfrm>
+            <a:off x="0" y="2019476"/>
+            <a:ext cx="12192000" cy="4105941"/>
+          </a:xfrm>
+          <a:prstGeom prst="rect">
+            <a:avLst/>
+          </a:prstGeom>
+          <a:gradFill flip="none" rotWithShape="1">
+            <a:gsLst>
+              <a:gs pos="0">
+                <a:schemeClr val="bg2">
+                  <a:alpha val="0"/>
+                </a:schemeClr>
+              </a:gs>
+              <a:gs pos="100000">
+                <a:schemeClr val="bg2"/>
+              </a:gs>
+            </a:gsLst>
+            <a:lin ang="5400000" scaled="0"/>
+            <a:tileRect/>
+          </a:gradFill>
+          <a:ln>
+            <a:noFill/>
+          </a:ln>
+        </p:spPr>
+        <p:style>
+          <a:lnRef idx="2">
+            <a:schemeClr val="accent1">
+              <a:shade val="50000"/>
+            </a:schemeClr>
+          </a:lnRef>
+          <a:fillRef idx="1">
+            <a:schemeClr val="accent1"/>
+          </a:fillRef>
+          <a:effectRef idx="0">
+            <a:schemeClr val="accent1"/>
+          </a:effectRef>
+          <a:fontRef idx="minor">
+            <a:schemeClr val="lt1"/>
+          </a:fontRef>
+        </p:style>
+      </p:sp>
+      <p:pic>
+        <p:nvPicPr>
+          <p:cNvPr id="12" name="Picture 11" descr="Ein Bild, das drinnen, Möbel enthält.&#10;&#10;Mit hoher Zuverlässigkeit generierte Beschreibung">
+            <a:extLst>
+              <a:ext uri="{FF2B5EF4-FFF2-40B4-BE49-F238E27FC236}">
+                <a16:creationId xmlns:a16="http://schemas.microsoft.com/office/drawing/2014/main" id="{012FDCFE-9AD2-4D8A-8CBF-B3AA37EBF6DD}"/>
+              </a:ext>
+            </a:extLst>
+          </p:cNvPr>
+          <p:cNvPicPr>
+            <a:picLocks noGrp="1" noRot="1" noChangeAspect="1" noMove="1" noResize="1" noEditPoints="1" noAdjustHandles="1" noChangeArrowheads="1" noChangeShapeType="1" noCrop="1"/>
+          </p:cNvPicPr>
+          <p:nvPr>
+            <p:extLst>
+              <p:ext uri="{386F3935-93C4-4BCD-93E2-E3B085C9AB24}">
+                <p16:designElem xmlns:p16="http://schemas.microsoft.com/office/powerpoint/2015/main" val="1"/>
+              </p:ext>
+            </p:extLst>
+          </p:nvPr>
+        </p:nvPicPr>
+        <p:blipFill rotWithShape="1">
+          <a:blip r:embed="rId2">
+            <a:extLst>
+              <a:ext uri="{28A0092B-C50C-407E-A947-70E740481C1C}">
+                <a14:useLocalDpi xmlns:a14="http://schemas.microsoft.com/office/drawing/2010/main" val="0"/>
+              </a:ext>
+            </a:extLst>
+          </a:blip>
+          <a:srcRect t="1538" b="-1538"/>
+          <a:stretch/>
+        </p:blipFill>
+        <p:spPr bwMode="black">
+          <a:xfrm>
+            <a:off x="0" y="6126480"/>
+            <a:ext cx="12192000" cy="742950"/>
+          </a:xfrm>
+          <a:prstGeom prst="rect">
+            <a:avLst/>
+          </a:prstGeom>
+        </p:spPr>
+      </p:pic>
+      <p:cxnSp>
+        <p:nvCxnSpPr>
+          <p:cNvPr id="14" name="Straight Connector 13">
+            <a:extLst>
+              <a:ext uri="{FF2B5EF4-FFF2-40B4-BE49-F238E27FC236}">
+                <a16:creationId xmlns:a16="http://schemas.microsoft.com/office/drawing/2014/main" id="{FBD463FC-4CA8-4FF4-85A3-AF9F4B98D210}"/>
+              </a:ext>
+            </a:extLst>
+          </p:cNvPr>
+          <p:cNvCxnSpPr>
+            <a:cxnSpLocks noGrp="1" noRot="1" noChangeAspect="1" noMove="1" noResize="1" noEditPoints="1" noAdjustHandles="1" noChangeArrowheads="1" noChangeShapeType="1"/>
+          </p:cNvCxnSpPr>
+          <p:nvPr>
+            <p:extLst>
+              <p:ext uri="{386F3935-93C4-4BCD-93E2-E3B085C9AB24}">
+                <p16:designElem xmlns:p16="http://schemas.microsoft.com/office/powerpoint/2015/main" val="1"/>
+              </p:ext>
+            </p:extLst>
+          </p:nvPr>
+        </p:nvCxnSpPr>
+        <p:spPr>
+          <a:xfrm>
+            <a:off x="0" y="6128413"/>
+            <a:ext cx="12192000" cy="0"/>
+          </a:xfrm>
+          <a:prstGeom prst="line">
+            <a:avLst/>
+          </a:prstGeom>
+          <a:ln w="12700">
+            <a:solidFill>
+              <a:srgbClr val="000001">
+                <a:alpha val="20000"/>
+              </a:srgbClr>
+            </a:solidFill>
+          </a:ln>
+        </p:spPr>
+        <p:style>
+          <a:lnRef idx="1">
+            <a:schemeClr val="accent1"/>
+          </a:lnRef>
+          <a:fillRef idx="0">
+            <a:schemeClr val="accent1"/>
+          </a:fillRef>
+          <a:effectRef idx="0">
+            <a:schemeClr val="accent1"/>
+          </a:effectRef>
+          <a:fontRef idx="minor">
+            <a:schemeClr val="tx1"/>
+          </a:fontRef>
+        </p:style>
+      </p:cxnSp>
+      <p:cxnSp>
+        <p:nvCxnSpPr>
+          <p:cNvPr id="16" name="Straight Connector 15">
+            <a:extLst>
+              <a:ext uri="{FF2B5EF4-FFF2-40B4-BE49-F238E27FC236}">
+                <a16:creationId xmlns:a16="http://schemas.microsoft.com/office/drawing/2014/main" id="{A56012FD-74A8-4C91-B318-435CF2B71927}"/>
+              </a:ext>
+            </a:extLst>
+          </p:cNvPr>
+          <p:cNvCxnSpPr>
+            <a:cxnSpLocks noGrp="1" noRot="1" noChangeAspect="1" noMove="1" noResize="1" noEditPoints="1" noAdjustHandles="1" noChangeArrowheads="1" noChangeShapeType="1"/>
+          </p:cNvCxnSpPr>
+          <p:nvPr>
+            <p:extLst>
+              <p:ext uri="{386F3935-93C4-4BCD-93E2-E3B085C9AB24}">
+                <p16:designElem xmlns:p16="http://schemas.microsoft.com/office/powerpoint/2015/main" val="1"/>
+              </p:ext>
+            </p:extLst>
+          </p:nvPr>
+        </p:nvCxnSpPr>
+        <p:spPr>
+          <a:xfrm>
+            <a:off x="1453896" y="1847088"/>
+            <a:ext cx="9607522" cy="0"/>
+          </a:xfrm>
+          <a:prstGeom prst="line">
+            <a:avLst/>
+          </a:prstGeom>
+          <a:ln w="31750"/>
+        </p:spPr>
+        <p:style>
+          <a:lnRef idx="3">
+            <a:schemeClr val="accent1"/>
+          </a:lnRef>
+          <a:fillRef idx="0">
+            <a:schemeClr val="accent1"/>
+          </a:fillRef>
+          <a:effectRef idx="2">
+            <a:schemeClr val="accent1"/>
+          </a:effectRef>
+          <a:fontRef idx="minor">
+            <a:schemeClr val="tx1"/>
+          </a:fontRef>
+        </p:style>
+      </p:cxnSp>
+      <p:sp useBgFill="1">
+        <p:nvSpPr>
+          <p:cNvPr id="18" name="Rectangle 17">
+            <a:extLst>
+              <a:ext uri="{FF2B5EF4-FFF2-40B4-BE49-F238E27FC236}">
+                <a16:creationId xmlns:a16="http://schemas.microsoft.com/office/drawing/2014/main" id="{45C76AC0-BB6B-419E-A327-AFA29750080A}"/>
+              </a:ext>
+            </a:extLst>
+          </p:cNvPr>
+          <p:cNvSpPr>
+            <a:spLocks noGrp="1" noRot="1" noChangeAspect="1" noMove="1" noResize="1" noEditPoints="1" noAdjustHandles="1" noChangeArrowheads="1" noChangeShapeType="1" noTextEdit="1"/>
+          </p:cNvSpPr>
+          <p:nvPr>
+            <p:extLst>
+              <p:ext uri="{386F3935-93C4-4BCD-93E2-E3B085C9AB24}">
+                <p16:designElem xmlns:p16="http://schemas.microsoft.com/office/powerpoint/2015/main" val="1"/>
+              </p:ext>
+            </p:extLst>
+          </p:nvPr>
+        </p:nvSpPr>
+        <p:spPr>
+          <a:xfrm>
+            <a:off x="2" y="0"/>
+            <a:ext cx="12191695" cy="6858000"/>
+          </a:xfrm>
+          <a:prstGeom prst="rect">
+            <a:avLst/>
+          </a:prstGeom>
+          <a:ln>
+            <a:noFill/>
+          </a:ln>
+        </p:spPr>
+        <p:style>
+          <a:lnRef idx="2">
+            <a:schemeClr val="accent1">
+              <a:shade val="50000"/>
+            </a:schemeClr>
+          </a:lnRef>
+          <a:fillRef idx="1">
+            <a:schemeClr val="accent1"/>
+          </a:fillRef>
+          <a:effectRef idx="0">
+            <a:schemeClr val="accent1"/>
+          </a:effectRef>
+          <a:fontRef idx="minor">
+            <a:schemeClr val="lt1"/>
+          </a:fontRef>
+        </p:style>
+        <p:txBody>
+          <a:bodyPr rtlCol="0" anchor="ctr"/>
+          <a:lstStyle/>
+          <a:p>
+            <a:pPr algn="ctr"/>
+            <a:endParaRPr lang="en-US"/>
+          </a:p>
+        </p:txBody>
+      </p:sp>
+      <p:sp>
+        <p:nvSpPr>
+          <p:cNvPr id="20" name="Rectangle 19">
+            <a:extLst>
+              <a:ext uri="{FF2B5EF4-FFF2-40B4-BE49-F238E27FC236}">
+                <a16:creationId xmlns:a16="http://schemas.microsoft.com/office/drawing/2014/main" id="{8B0E4246-09B8-46D7-A0D2-4D264863AD39}"/>
+              </a:ext>
+            </a:extLst>
+          </p:cNvPr>
+          <p:cNvSpPr>
+            <a:spLocks noGrp="1" noRot="1" noChangeAspect="1" noMove="1" noResize="1" noEditPoints="1" noAdjustHandles="1" noChangeArrowheads="1" noChangeShapeType="1" noTextEdit="1"/>
+          </p:cNvSpPr>
+          <p:nvPr>
+            <p:extLst>
+              <p:ext uri="{386F3935-93C4-4BCD-93E2-E3B085C9AB24}">
+                <p16:designElem xmlns:p16="http://schemas.microsoft.com/office/powerpoint/2015/main" val="1"/>
+              </p:ext>
+            </p:extLst>
+          </p:nvPr>
+        </p:nvSpPr>
+        <p:spPr>
+          <a:xfrm>
+            <a:off x="0" y="2019476"/>
+            <a:ext cx="12192000" cy="4105941"/>
+          </a:xfrm>
+          <a:prstGeom prst="rect">
+            <a:avLst/>
+          </a:prstGeom>
+          <a:gradFill flip="none" rotWithShape="1">
+            <a:gsLst>
+              <a:gs pos="0">
+                <a:schemeClr val="bg2">
+                  <a:alpha val="0"/>
+                </a:schemeClr>
+              </a:gs>
+              <a:gs pos="100000">
+                <a:schemeClr val="bg2"/>
+              </a:gs>
+            </a:gsLst>
+            <a:lin ang="5400000" scaled="0"/>
+            <a:tileRect/>
+          </a:gradFill>
+          <a:ln>
+            <a:noFill/>
+          </a:ln>
+        </p:spPr>
+        <p:style>
+          <a:lnRef idx="2">
+            <a:schemeClr val="accent1">
+              <a:shade val="50000"/>
+            </a:schemeClr>
+          </a:lnRef>
+          <a:fillRef idx="1">
+            <a:schemeClr val="accent1"/>
+          </a:fillRef>
+          <a:effectRef idx="0">
+            <a:schemeClr val="accent1"/>
+          </a:effectRef>
+          <a:fontRef idx="minor">
+            <a:schemeClr val="lt1"/>
+          </a:fontRef>
+        </p:style>
+        <p:txBody>
+          <a:bodyPr rtlCol="0" anchor="ctr"/>
+          <a:lstStyle/>
+          <a:p>
+            <a:pPr lvl="0" algn="ctr"/>
+            <a:endParaRPr lang="en-US"/>
+          </a:p>
+        </p:txBody>
+      </p:sp>
+      <p:pic>
+        <p:nvPicPr>
+          <p:cNvPr id="22" name="Picture 21" descr="Ein Bild, das drinnen, Möbel enthält.&#10;&#10;Mit hoher Zuverlässigkeit generierte Beschreibung">
+            <a:extLst>
+              <a:ext uri="{FF2B5EF4-FFF2-40B4-BE49-F238E27FC236}">
+                <a16:creationId xmlns:a16="http://schemas.microsoft.com/office/drawing/2014/main" id="{F50C8D8D-B32F-4194-8321-164EC442750E}"/>
+              </a:ext>
+            </a:extLst>
+          </p:cNvPr>
+          <p:cNvPicPr>
+            <a:picLocks noGrp="1" noRot="1" noChangeAspect="1" noMove="1" noResize="1" noEditPoints="1" noAdjustHandles="1" noChangeArrowheads="1" noChangeShapeType="1" noCrop="1"/>
+          </p:cNvPicPr>
+          <p:nvPr>
+            <p:extLst>
+              <p:ext uri="{386F3935-93C4-4BCD-93E2-E3B085C9AB24}">
+                <p16:designElem xmlns:p16="http://schemas.microsoft.com/office/powerpoint/2015/main" val="1"/>
+              </p:ext>
+            </p:extLst>
+          </p:nvPr>
+        </p:nvPicPr>
+        <p:blipFill rotWithShape="1">
+          <a:blip r:embed="rId2">
+            <a:extLst>
+              <a:ext uri="{28A0092B-C50C-407E-A947-70E740481C1C}">
+                <a14:useLocalDpi xmlns:a14="http://schemas.microsoft.com/office/drawing/2010/main" val="0"/>
+              </a:ext>
+            </a:extLst>
+          </a:blip>
+          <a:srcRect t="1538" b="-1538"/>
+          <a:stretch/>
+        </p:blipFill>
+        <p:spPr bwMode="black">
+          <a:xfrm>
+            <a:off x="0" y="6126480"/>
+            <a:ext cx="12192000" cy="742950"/>
+          </a:xfrm>
+          <a:prstGeom prst="rect">
+            <a:avLst/>
+          </a:prstGeom>
+        </p:spPr>
+      </p:pic>
+      <p:cxnSp>
+        <p:nvCxnSpPr>
+          <p:cNvPr id="24" name="Straight Connector 23">
+            <a:extLst>
+              <a:ext uri="{FF2B5EF4-FFF2-40B4-BE49-F238E27FC236}">
+                <a16:creationId xmlns:a16="http://schemas.microsoft.com/office/drawing/2014/main" id="{5BD24D8B-8573-4260-B700-E860AD6D2A8E}"/>
+              </a:ext>
+            </a:extLst>
+          </p:cNvPr>
+          <p:cNvCxnSpPr>
+            <a:cxnSpLocks noGrp="1" noRot="1" noChangeAspect="1" noMove="1" noResize="1" noEditPoints="1" noAdjustHandles="1" noChangeArrowheads="1" noChangeShapeType="1"/>
+          </p:cNvCxnSpPr>
+          <p:nvPr>
+            <p:extLst>
+              <p:ext uri="{386F3935-93C4-4BCD-93E2-E3B085C9AB24}">
+                <p16:designElem xmlns:p16="http://schemas.microsoft.com/office/powerpoint/2015/main" val="1"/>
+              </p:ext>
+            </p:extLst>
+          </p:nvPr>
+        </p:nvCxnSpPr>
+        <p:spPr>
+          <a:xfrm>
+            <a:off x="0" y="6128413"/>
+            <a:ext cx="12192000" cy="0"/>
+          </a:xfrm>
+          <a:prstGeom prst="line">
+            <a:avLst/>
+          </a:prstGeom>
+          <a:ln w="12700">
+            <a:solidFill>
+              <a:srgbClr val="000001">
+                <a:alpha val="20000"/>
+              </a:srgbClr>
+            </a:solidFill>
+          </a:ln>
+        </p:spPr>
+        <p:style>
+          <a:lnRef idx="1">
+            <a:schemeClr val="accent1"/>
+          </a:lnRef>
+          <a:fillRef idx="0">
+            <a:schemeClr val="accent1"/>
+          </a:fillRef>
+          <a:effectRef idx="0">
+            <a:schemeClr val="accent1"/>
+          </a:effectRef>
+          <a:fontRef idx="minor">
+            <a:schemeClr val="tx1"/>
+          </a:fontRef>
+        </p:style>
+      </p:cxnSp>
+      <p:cxnSp>
+        <p:nvCxnSpPr>
+          <p:cNvPr id="26" name="Straight Connector 25">
+            <a:extLst>
+              <a:ext uri="{FF2B5EF4-FFF2-40B4-BE49-F238E27FC236}">
+                <a16:creationId xmlns:a16="http://schemas.microsoft.com/office/drawing/2014/main" id="{B3E0B6A3-E197-43D6-82D5-7455DAB1A746}"/>
+              </a:ext>
+            </a:extLst>
+          </p:cNvPr>
+          <p:cNvCxnSpPr>
+            <a:cxnSpLocks noGrp="1" noRot="1" noChangeAspect="1" noMove="1" noResize="1" noEditPoints="1" noAdjustHandles="1" noChangeArrowheads="1" noChangeShapeType="1"/>
+          </p:cNvCxnSpPr>
+          <p:nvPr>
+            <p:extLst>
+              <p:ext uri="{386F3935-93C4-4BCD-93E2-E3B085C9AB24}">
+                <p16:designElem xmlns:p16="http://schemas.microsoft.com/office/powerpoint/2015/main" val="1"/>
+              </p:ext>
+            </p:extLst>
+          </p:nvPr>
+        </p:nvCxnSpPr>
+        <p:spPr>
+          <a:xfrm>
+            <a:off x="6579647" y="1847088"/>
+            <a:ext cx="4158750" cy="0"/>
+          </a:xfrm>
+          <a:prstGeom prst="line">
+            <a:avLst/>
+          </a:prstGeom>
+          <a:ln w="31750"/>
+        </p:spPr>
+        <p:style>
+          <a:lnRef idx="3">
+            <a:schemeClr val="accent1"/>
+          </a:lnRef>
+          <a:fillRef idx="0">
+            <a:schemeClr val="accent1"/>
+          </a:fillRef>
+          <a:effectRef idx="2">
+            <a:schemeClr val="accent1"/>
+          </a:effectRef>
+          <a:fontRef idx="minor">
+            <a:schemeClr val="tx1"/>
+          </a:fontRef>
+        </p:style>
+      </p:cxnSp>
+      <p:pic>
+        <p:nvPicPr>
+          <p:cNvPr id="5" name="Bildplatzhalter 4" descr="Ein Bild, das Person enthält.&#10;&#10;Mit sehr hoher Zuverlässigkeit generierte Beschreibung">
+            <a:extLst>
+              <a:ext uri="{FF2B5EF4-FFF2-40B4-BE49-F238E27FC236}">
+                <a16:creationId xmlns:a16="http://schemas.microsoft.com/office/drawing/2014/main" id="{8ECAB67B-FA09-4F9A-834A-394B0203EE41}"/>
+              </a:ext>
+            </a:extLst>
+          </p:cNvPr>
+          <p:cNvPicPr>
+            <a:picLocks noGrp="1" noChangeAspect="1"/>
+          </p:cNvPicPr>
+          <p:nvPr>
+            <p:ph type="pic" idx="1"/>
+          </p:nvPr>
+        </p:nvPicPr>
+        <p:blipFill>
+          <a:blip r:embed="rId3"/>
+          <a:srcRect l="23757" r="23757"/>
+          <a:stretch>
+            <a:fillRect/>
+          </a:stretch>
+        </p:blipFill>
+        <p:spPr>
+          <a:xfrm>
+            <a:off x="1928980" y="805583"/>
+            <a:ext cx="3362540" cy="4660762"/>
+          </a:xfrm>
+          <a:prstGeom prst="rect">
+            <a:avLst/>
+          </a:prstGeom>
+        </p:spPr>
+      </p:pic>
+      <p:sp>
+        <p:nvSpPr>
           <p:cNvPr id="2" name="Titel 1">
             <a:extLst>
               <a:ext uri="{FF2B5EF4-FFF2-40B4-BE49-F238E27FC236}">
-                <a16:creationId xmlns:a16="http://schemas.microsoft.com/office/drawing/2014/main" id="{FC5FC914-6969-4F0D-8EF6-0716BB630089}"/>
+                <a16:creationId xmlns:a16="http://schemas.microsoft.com/office/drawing/2014/main" id="{92CED7CB-A2D8-45CC-9A98-8715760A6B2F}"/>
               </a:ext>
             </a:extLst>
           </p:cNvPr>
@@ -3900,64 +5021,38 @@
             <p:ph type="title"/>
           </p:nvPr>
         </p:nvSpPr>
-        <p:spPr/>
+        <p:spPr>
+          <a:xfrm>
+            <a:off x="6579648" y="804520"/>
+            <a:ext cx="4158749" cy="1049235"/>
+          </a:xfrm>
+        </p:spPr>
         <p:txBody>
-          <a:bodyPr/>
+          <a:bodyPr vert="horz" lIns="91440" tIns="45720" rIns="91440" bIns="45720" rtlCol="0" anchor="t">
+            <a:normAutofit/>
+          </a:bodyPr>
           <a:lstStyle/>
           <a:p>
             <a:r>
-              <a:rPr lang="de-DE" dirty="0" err="1"/>
-              <a:t>Results</a:t>
-            </a:r>
-            <a:r>
-              <a:rPr lang="de-DE" dirty="0"/>
-              <a:t> </a:t>
-            </a:r>
-            <a:r>
-              <a:rPr lang="de-DE" dirty="0" err="1"/>
-              <a:t>for</a:t>
-            </a:r>
-            <a:r>
-              <a:rPr lang="de-DE" dirty="0"/>
-              <a:t> Boxes:</a:t>
+              <a:rPr lang="en-US" dirty="0"/>
+              <a:t>3D </a:t>
             </a:r>
             <a:br>
-              <a:rPr lang="de-DE" dirty="0"/>
+              <a:rPr lang="en-US" dirty="0"/>
             </a:br>
             <a:r>
-              <a:rPr lang="de-DE" dirty="0"/>
-              <a:t>Maximum </a:t>
-            </a:r>
-            <a:r>
-              <a:rPr lang="de-DE" dirty="0" err="1"/>
-              <a:t>value</a:t>
-            </a:r>
-            <a:r>
-              <a:rPr lang="de-DE" dirty="0"/>
-              <a:t> </a:t>
-            </a:r>
-            <a:r>
-              <a:rPr lang="de-DE" dirty="0" err="1"/>
-              <a:t>of</a:t>
-            </a:r>
-            <a:r>
-              <a:rPr lang="de-DE" dirty="0"/>
-              <a:t> Cargo- </a:t>
-            </a:r>
-            <a:r>
-              <a:rPr lang="de-DE" dirty="0" err="1"/>
-              <a:t>space</a:t>
-            </a:r>
-            <a:endParaRPr lang="de-DE" dirty="0"/>
+              <a:rPr lang="en-US" dirty="0"/>
+              <a:t>visualization</a:t>
+            </a:r>
           </a:p>
         </p:txBody>
       </p:sp>
       <p:sp>
         <p:nvSpPr>
-          <p:cNvPr id="3" name="Inhaltsplatzhalter 2">
+          <p:cNvPr id="4" name="Textplatzhalter 3">
             <a:extLst>
               <a:ext uri="{FF2B5EF4-FFF2-40B4-BE49-F238E27FC236}">
-                <a16:creationId xmlns:a16="http://schemas.microsoft.com/office/drawing/2014/main" id="{DEFCF6F9-95FA-4FEC-BED5-C8F091D6D0D1}"/>
+                <a16:creationId xmlns:a16="http://schemas.microsoft.com/office/drawing/2014/main" id="{FF650D93-51CD-489E-9E69-724A0A755E44}"/>
               </a:ext>
             </a:extLst>
           </p:cNvPr>
@@ -3965,514 +5060,41 @@
             <a:spLocks noGrp="1"/>
           </p:cNvSpPr>
           <p:nvPr>
-            <p:ph idx="1"/>
+            <p:ph type="body" sz="half" idx="2"/>
           </p:nvPr>
         </p:nvSpPr>
-        <p:spPr/>
+        <p:spPr>
+          <a:xfrm>
+            <a:off x="6579647" y="2015732"/>
+            <a:ext cx="4158750" cy="3450613"/>
+          </a:xfrm>
+        </p:spPr>
         <p:txBody>
-          <a:bodyPr/>
+          <a:bodyPr vert="horz" lIns="91440" tIns="45720" rIns="91440" bIns="45720" rtlCol="0" anchor="t">
+            <a:normAutofit/>
+          </a:bodyPr>
           <a:lstStyle/>
           <a:p>
-            <a:r>
-              <a:rPr lang="de-DE" dirty="0"/>
-              <a:t>Maximum </a:t>
-            </a:r>
-            <a:r>
-              <a:rPr lang="de-DE" dirty="0" err="1"/>
-              <a:t>value</a:t>
-            </a:r>
-            <a:r>
-              <a:rPr lang="de-DE" dirty="0"/>
-              <a:t>: 230 </a:t>
-            </a:r>
-            <a:r>
-              <a:rPr lang="de-DE" dirty="0" err="1"/>
-              <a:t>units</a:t>
-            </a:r>
-            <a:r>
-              <a:rPr lang="de-DE" dirty="0"/>
-              <a:t>,  </a:t>
-            </a:r>
-            <a:r>
-              <a:rPr lang="de-DE" dirty="0" err="1"/>
-              <a:t>achieved</a:t>
-            </a:r>
-            <a:r>
-              <a:rPr lang="de-DE" dirty="0"/>
-              <a:t> </a:t>
-            </a:r>
-            <a:r>
-              <a:rPr lang="de-DE" dirty="0" err="1"/>
-              <a:t>with</a:t>
-            </a:r>
-            <a:r>
-              <a:rPr lang="de-DE" dirty="0"/>
-              <a:t> </a:t>
-            </a:r>
-          </a:p>
-          <a:p>
-            <a:pPr lvl="1"/>
-            <a:r>
-              <a:rPr lang="de-DE" dirty="0"/>
-              <a:t>0 </a:t>
-            </a:r>
-            <a:r>
-              <a:rPr lang="de-DE" dirty="0" err="1"/>
-              <a:t>boxes</a:t>
-            </a:r>
-            <a:r>
-              <a:rPr lang="de-DE" dirty="0"/>
-              <a:t> </a:t>
-            </a:r>
-            <a:r>
-              <a:rPr lang="de-DE" dirty="0" err="1"/>
-              <a:t>of</a:t>
-            </a:r>
-            <a:r>
-              <a:rPr lang="de-DE" dirty="0"/>
-              <a:t> type A</a:t>
-            </a:r>
-          </a:p>
-          <a:p>
-            <a:pPr lvl="1"/>
-            <a:r>
-              <a:rPr lang="de-DE" dirty="0"/>
-              <a:t>26 </a:t>
-            </a:r>
-            <a:r>
-              <a:rPr lang="de-DE" dirty="0" err="1"/>
-              <a:t>boxes</a:t>
-            </a:r>
-            <a:r>
-              <a:rPr lang="de-DE" dirty="0"/>
-              <a:t> </a:t>
-            </a:r>
-            <a:r>
-              <a:rPr lang="de-DE" dirty="0" err="1"/>
-              <a:t>of</a:t>
-            </a:r>
-            <a:r>
-              <a:rPr lang="de-DE" dirty="0"/>
-              <a:t> type B</a:t>
-            </a:r>
-          </a:p>
-          <a:p>
-            <a:pPr lvl="1"/>
-            <a:r>
-              <a:rPr lang="de-DE" dirty="0"/>
-              <a:t>22 </a:t>
-            </a:r>
-            <a:r>
-              <a:rPr lang="de-DE" dirty="0" err="1"/>
-              <a:t>boxes</a:t>
-            </a:r>
-            <a:r>
-              <a:rPr lang="de-DE" dirty="0"/>
-              <a:t> </a:t>
-            </a:r>
-            <a:r>
-              <a:rPr lang="de-DE" dirty="0" err="1"/>
-              <a:t>of</a:t>
-            </a:r>
-            <a:r>
-              <a:rPr lang="de-DE" dirty="0"/>
-              <a:t> type C</a:t>
-            </a:r>
-          </a:p>
-          <a:p>
-            <a:pPr lvl="1">
-              <a:buFont typeface="Wingdings" panose="05000000000000000000" pitchFamily="2" charset="2"/>
-              <a:buChar char="à"/>
-            </a:pPr>
-            <a:r>
-              <a:rPr lang="de-DE" dirty="0">
-                <a:sym typeface="Wingdings" panose="05000000000000000000" pitchFamily="2" charset="2"/>
-              </a:rPr>
-              <a:t> due </a:t>
-            </a:r>
-            <a:r>
-              <a:rPr lang="de-DE" dirty="0" err="1">
-                <a:sym typeface="Wingdings" panose="05000000000000000000" pitchFamily="2" charset="2"/>
-              </a:rPr>
-              <a:t>to</a:t>
-            </a:r>
-            <a:r>
-              <a:rPr lang="de-DE" dirty="0">
-                <a:sym typeface="Wingdings" panose="05000000000000000000" pitchFamily="2" charset="2"/>
-              </a:rPr>
-              <a:t> </a:t>
-            </a:r>
-            <a:r>
-              <a:rPr lang="de-DE" dirty="0" err="1">
-                <a:sym typeface="Wingdings" panose="05000000000000000000" pitchFamily="2" charset="2"/>
-              </a:rPr>
-              <a:t>the</a:t>
-            </a:r>
-            <a:r>
-              <a:rPr lang="de-DE" dirty="0">
-                <a:sym typeface="Wingdings" panose="05000000000000000000" pitchFamily="2" charset="2"/>
-              </a:rPr>
-              <a:t> </a:t>
-            </a:r>
-            <a:r>
-              <a:rPr lang="de-DE" dirty="0" err="1">
-                <a:sym typeface="Wingdings" panose="05000000000000000000" pitchFamily="2" charset="2"/>
-              </a:rPr>
-              <a:t>greedy</a:t>
-            </a:r>
-            <a:r>
-              <a:rPr lang="de-DE" dirty="0">
-                <a:sym typeface="Wingdings" panose="05000000000000000000" pitchFamily="2" charset="2"/>
-              </a:rPr>
-              <a:t> </a:t>
-            </a:r>
-            <a:r>
-              <a:rPr lang="de-DE" dirty="0" err="1">
-                <a:sym typeface="Wingdings" panose="05000000000000000000" pitchFamily="2" charset="2"/>
-              </a:rPr>
-              <a:t>algorithm</a:t>
-            </a:r>
-            <a:r>
-              <a:rPr lang="de-DE" dirty="0">
-                <a:sym typeface="Wingdings" panose="05000000000000000000" pitchFamily="2" charset="2"/>
-              </a:rPr>
-              <a:t> </a:t>
-            </a:r>
-            <a:r>
-              <a:rPr lang="de-DE" dirty="0" err="1">
-                <a:sym typeface="Wingdings" panose="05000000000000000000" pitchFamily="2" charset="2"/>
-              </a:rPr>
-              <a:t>the</a:t>
-            </a:r>
-            <a:r>
-              <a:rPr lang="de-DE" dirty="0">
-                <a:sym typeface="Wingdings" panose="05000000000000000000" pitchFamily="2" charset="2"/>
-              </a:rPr>
-              <a:t> </a:t>
-            </a:r>
-            <a:r>
-              <a:rPr lang="de-DE" dirty="0" err="1">
-                <a:sym typeface="Wingdings" panose="05000000000000000000" pitchFamily="2" charset="2"/>
-              </a:rPr>
-              <a:t>only</a:t>
-            </a:r>
-            <a:r>
-              <a:rPr lang="de-DE" dirty="0">
-                <a:sym typeface="Wingdings" panose="05000000000000000000" pitchFamily="2" charset="2"/>
-              </a:rPr>
-              <a:t> box </a:t>
-            </a:r>
-            <a:r>
-              <a:rPr lang="de-DE" dirty="0" err="1">
-                <a:sym typeface="Wingdings" panose="05000000000000000000" pitchFamily="2" charset="2"/>
-              </a:rPr>
-              <a:t>chosen</a:t>
-            </a:r>
-            <a:r>
-              <a:rPr lang="de-DE" dirty="0">
-                <a:sym typeface="Wingdings" panose="05000000000000000000" pitchFamily="2" charset="2"/>
-              </a:rPr>
-              <a:t> </a:t>
-            </a:r>
-            <a:r>
-              <a:rPr lang="de-DE" dirty="0" err="1">
-                <a:sym typeface="Wingdings" panose="05000000000000000000" pitchFamily="2" charset="2"/>
-              </a:rPr>
-              <a:t>would</a:t>
-            </a:r>
-            <a:r>
-              <a:rPr lang="de-DE" dirty="0">
-                <a:sym typeface="Wingdings" panose="05000000000000000000" pitchFamily="2" charset="2"/>
-              </a:rPr>
-              <a:t> </a:t>
-            </a:r>
-            <a:r>
-              <a:rPr lang="de-DE" dirty="0" err="1">
-                <a:sym typeface="Wingdings" panose="05000000000000000000" pitchFamily="2" charset="2"/>
-              </a:rPr>
-              <a:t>be</a:t>
-            </a:r>
-            <a:r>
-              <a:rPr lang="de-DE" dirty="0">
-                <a:sym typeface="Wingdings" panose="05000000000000000000" pitchFamily="2" charset="2"/>
-              </a:rPr>
-              <a:t> type A, </a:t>
-            </a:r>
-            <a:r>
-              <a:rPr lang="de-DE" dirty="0" err="1">
-                <a:sym typeface="Wingdings" panose="05000000000000000000" pitchFamily="2" charset="2"/>
-              </a:rPr>
-              <a:t>if</a:t>
-            </a:r>
-            <a:r>
-              <a:rPr lang="de-DE" dirty="0">
-                <a:sym typeface="Wingdings" panose="05000000000000000000" pitchFamily="2" charset="2"/>
-              </a:rPr>
-              <a:t> </a:t>
-            </a:r>
-            <a:r>
-              <a:rPr lang="de-DE" dirty="0" err="1">
-                <a:sym typeface="Wingdings" panose="05000000000000000000" pitchFamily="2" charset="2"/>
-              </a:rPr>
-              <a:t>there</a:t>
-            </a:r>
-            <a:r>
-              <a:rPr lang="de-DE" dirty="0">
-                <a:sym typeface="Wingdings" panose="05000000000000000000" pitchFamily="2" charset="2"/>
-              </a:rPr>
-              <a:t> </a:t>
-            </a:r>
-            <a:r>
-              <a:rPr lang="de-DE" dirty="0" err="1">
-                <a:sym typeface="Wingdings" panose="05000000000000000000" pitchFamily="2" charset="2"/>
-              </a:rPr>
-              <a:t>would</a:t>
-            </a:r>
-            <a:r>
-              <a:rPr lang="de-DE" dirty="0">
-                <a:sym typeface="Wingdings" panose="05000000000000000000" pitchFamily="2" charset="2"/>
-              </a:rPr>
-              <a:t> </a:t>
-            </a:r>
-            <a:r>
-              <a:rPr lang="de-DE" dirty="0" err="1">
-                <a:sym typeface="Wingdings" panose="05000000000000000000" pitchFamily="2" charset="2"/>
-              </a:rPr>
-              <a:t>enough</a:t>
-            </a:r>
-            <a:r>
-              <a:rPr lang="de-DE" dirty="0">
-                <a:sym typeface="Wingdings" panose="05000000000000000000" pitchFamily="2" charset="2"/>
-              </a:rPr>
-              <a:t> </a:t>
-            </a:r>
-            <a:r>
-              <a:rPr lang="de-DE" dirty="0" err="1">
-                <a:sym typeface="Wingdings" panose="05000000000000000000" pitchFamily="2" charset="2"/>
-              </a:rPr>
-              <a:t>boxes</a:t>
-            </a:r>
-            <a:r>
-              <a:rPr lang="de-DE" dirty="0">
-                <a:sym typeface="Wingdings" panose="05000000000000000000" pitchFamily="2" charset="2"/>
-              </a:rPr>
-              <a:t> </a:t>
-            </a:r>
-            <a:r>
-              <a:rPr lang="de-DE" dirty="0" err="1">
-                <a:sym typeface="Wingdings" panose="05000000000000000000" pitchFamily="2" charset="2"/>
-              </a:rPr>
-              <a:t>of</a:t>
-            </a:r>
-            <a:r>
-              <a:rPr lang="de-DE" dirty="0">
-                <a:sym typeface="Wingdings" panose="05000000000000000000" pitchFamily="2" charset="2"/>
-              </a:rPr>
-              <a:t> </a:t>
-            </a:r>
-            <a:r>
-              <a:rPr lang="de-DE" dirty="0" err="1">
-                <a:sym typeface="Wingdings" panose="05000000000000000000" pitchFamily="2" charset="2"/>
-              </a:rPr>
-              <a:t>it</a:t>
-            </a:r>
-            <a:endParaRPr lang="de-DE" dirty="0">
-              <a:sym typeface="Wingdings" panose="05000000000000000000" pitchFamily="2" charset="2"/>
-            </a:endParaRPr>
-          </a:p>
-          <a:p>
-            <a:pPr lvl="1">
-              <a:buFont typeface="Wingdings" panose="05000000000000000000" pitchFamily="2" charset="2"/>
-              <a:buChar char="à"/>
-            </a:pPr>
-            <a:r>
-              <a:rPr lang="de-DE" dirty="0">
-                <a:sym typeface="Wingdings" panose="05000000000000000000" pitchFamily="2" charset="2"/>
-              </a:rPr>
-              <a:t> </a:t>
-            </a:r>
-            <a:r>
-              <a:rPr lang="de-DE" dirty="0" err="1">
-                <a:sym typeface="Wingdings" panose="05000000000000000000" pitchFamily="2" charset="2"/>
-              </a:rPr>
-              <a:t>this</a:t>
-            </a:r>
-            <a:r>
-              <a:rPr lang="de-DE" dirty="0">
-                <a:sym typeface="Wingdings" panose="05000000000000000000" pitchFamily="2" charset="2"/>
-              </a:rPr>
-              <a:t> </a:t>
-            </a:r>
-            <a:r>
-              <a:rPr lang="de-DE" dirty="0" err="1">
-                <a:sym typeface="Wingdings" panose="05000000000000000000" pitchFamily="2" charset="2"/>
-              </a:rPr>
-              <a:t>can</a:t>
-            </a:r>
-            <a:r>
-              <a:rPr lang="de-DE" dirty="0">
-                <a:sym typeface="Wingdings" panose="05000000000000000000" pitchFamily="2" charset="2"/>
-              </a:rPr>
-              <a:t> </a:t>
-            </a:r>
-            <a:r>
-              <a:rPr lang="de-DE" dirty="0" err="1">
-                <a:sym typeface="Wingdings" panose="05000000000000000000" pitchFamily="2" charset="2"/>
-              </a:rPr>
-              <a:t>be</a:t>
-            </a:r>
-            <a:r>
-              <a:rPr lang="de-DE" dirty="0">
-                <a:sym typeface="Wingdings" panose="05000000000000000000" pitchFamily="2" charset="2"/>
-              </a:rPr>
-              <a:t> </a:t>
-            </a:r>
-            <a:r>
-              <a:rPr lang="de-DE" dirty="0" err="1">
-                <a:sym typeface="Wingdings" panose="05000000000000000000" pitchFamily="2" charset="2"/>
-              </a:rPr>
-              <a:t>achieved</a:t>
-            </a:r>
-            <a:r>
-              <a:rPr lang="de-DE" dirty="0">
-                <a:sym typeface="Wingdings" panose="05000000000000000000" pitchFamily="2" charset="2"/>
-              </a:rPr>
-              <a:t> </a:t>
-            </a:r>
-            <a:r>
-              <a:rPr lang="de-DE" dirty="0" err="1">
-                <a:sym typeface="Wingdings" panose="05000000000000000000" pitchFamily="2" charset="2"/>
-              </a:rPr>
-              <a:t>by</a:t>
-            </a:r>
-            <a:r>
-              <a:rPr lang="de-DE" dirty="0">
-                <a:sym typeface="Wingdings" panose="05000000000000000000" pitchFamily="2" charset="2"/>
-              </a:rPr>
-              <a:t> </a:t>
-            </a:r>
-            <a:r>
-              <a:rPr lang="de-DE" dirty="0" err="1">
-                <a:sym typeface="Wingdings" panose="05000000000000000000" pitchFamily="2" charset="2"/>
-              </a:rPr>
-              <a:t>using</a:t>
-            </a:r>
-            <a:r>
-              <a:rPr lang="de-DE" dirty="0">
-                <a:sym typeface="Wingdings" panose="05000000000000000000" pitchFamily="2" charset="2"/>
-              </a:rPr>
-              <a:t> 4m </a:t>
-            </a:r>
-            <a:r>
-              <a:rPr lang="de-DE" dirty="0" err="1">
-                <a:sym typeface="Wingdings" panose="05000000000000000000" pitchFamily="2" charset="2"/>
-              </a:rPr>
-              <a:t>as</a:t>
-            </a:r>
-            <a:r>
-              <a:rPr lang="de-DE" dirty="0">
-                <a:sym typeface="Wingdings" panose="05000000000000000000" pitchFamily="2" charset="2"/>
-              </a:rPr>
-              <a:t> </a:t>
-            </a:r>
-            <a:r>
-              <a:rPr lang="de-DE" dirty="0" err="1">
-                <a:sym typeface="Wingdings" panose="05000000000000000000" pitchFamily="2" charset="2"/>
-              </a:rPr>
-              <a:t>the</a:t>
-            </a:r>
-            <a:r>
-              <a:rPr lang="de-DE" dirty="0">
-                <a:sym typeface="Wingdings" panose="05000000000000000000" pitchFamily="2" charset="2"/>
-              </a:rPr>
-              <a:t> </a:t>
-            </a:r>
-            <a:r>
-              <a:rPr lang="de-DE" dirty="0" err="1">
-                <a:sym typeface="Wingdings" panose="05000000000000000000" pitchFamily="2" charset="2"/>
-              </a:rPr>
-              <a:t>depth</a:t>
-            </a:r>
-            <a:r>
-              <a:rPr lang="de-DE" dirty="0">
-                <a:sym typeface="Wingdings" panose="05000000000000000000" pitchFamily="2" charset="2"/>
-              </a:rPr>
-              <a:t>, 2.5m </a:t>
-            </a:r>
-            <a:r>
-              <a:rPr lang="de-DE" dirty="0" err="1">
-                <a:sym typeface="Wingdings" panose="05000000000000000000" pitchFamily="2" charset="2"/>
-              </a:rPr>
-              <a:t>as</a:t>
-            </a:r>
-            <a:r>
-              <a:rPr lang="de-DE" dirty="0">
-                <a:sym typeface="Wingdings" panose="05000000000000000000" pitchFamily="2" charset="2"/>
-              </a:rPr>
-              <a:t> </a:t>
-            </a:r>
-            <a:r>
-              <a:rPr lang="de-DE" dirty="0" err="1">
-                <a:sym typeface="Wingdings" panose="05000000000000000000" pitchFamily="2" charset="2"/>
-              </a:rPr>
-              <a:t>the</a:t>
-            </a:r>
-            <a:r>
-              <a:rPr lang="de-DE" dirty="0">
-                <a:sym typeface="Wingdings" panose="05000000000000000000" pitchFamily="2" charset="2"/>
-              </a:rPr>
-              <a:t> </a:t>
-            </a:r>
-            <a:r>
-              <a:rPr lang="de-DE" dirty="0" err="1">
-                <a:sym typeface="Wingdings" panose="05000000000000000000" pitchFamily="2" charset="2"/>
-              </a:rPr>
-              <a:t>height</a:t>
-            </a:r>
-            <a:r>
-              <a:rPr lang="de-DE" dirty="0">
-                <a:sym typeface="Wingdings" panose="05000000000000000000" pitchFamily="2" charset="2"/>
-              </a:rPr>
-              <a:t> and 16.5m </a:t>
-            </a:r>
-            <a:r>
-              <a:rPr lang="de-DE" dirty="0" err="1">
-                <a:sym typeface="Wingdings" panose="05000000000000000000" pitchFamily="2" charset="2"/>
-              </a:rPr>
-              <a:t>as</a:t>
-            </a:r>
-            <a:r>
-              <a:rPr lang="de-DE" dirty="0">
-                <a:sym typeface="Wingdings" panose="05000000000000000000" pitchFamily="2" charset="2"/>
-              </a:rPr>
-              <a:t> </a:t>
-            </a:r>
-            <a:r>
-              <a:rPr lang="de-DE" dirty="0" err="1">
-                <a:sym typeface="Wingdings" panose="05000000000000000000" pitchFamily="2" charset="2"/>
-              </a:rPr>
-              <a:t>the</a:t>
-            </a:r>
-            <a:r>
-              <a:rPr lang="de-DE" dirty="0">
-                <a:sym typeface="Wingdings" panose="05000000000000000000" pitchFamily="2" charset="2"/>
-              </a:rPr>
-              <a:t> </a:t>
-            </a:r>
-            <a:r>
-              <a:rPr lang="de-DE" dirty="0" err="1">
-                <a:sym typeface="Wingdings" panose="05000000000000000000" pitchFamily="2" charset="2"/>
-              </a:rPr>
-              <a:t>width</a:t>
-            </a:r>
-            <a:endParaRPr lang="de-DE" dirty="0"/>
+            <a:endParaRPr lang="en-US" dirty="0"/>
+          </a:p>
+          <a:p>
+            <a:r>
+              <a:rPr lang="en-US" dirty="0"/>
+              <a:t>3D visualization of the best result </a:t>
+            </a:r>
+          </a:p>
+          <a:p>
+            <a:r>
+              <a:rPr lang="en-US" dirty="0"/>
+              <a:t>of the random algorithm</a:t>
+            </a:r>
           </a:p>
         </p:txBody>
       </p:sp>
     </p:spTree>
     <p:extLst>
       <p:ext uri="{BB962C8B-B14F-4D97-AF65-F5344CB8AC3E}">
-        <p14:creationId xmlns:p14="http://schemas.microsoft.com/office/powerpoint/2010/main" val="2915510581"/>
+        <p14:creationId xmlns:p14="http://schemas.microsoft.com/office/powerpoint/2010/main" val="2872134549"/>
       </p:ext>
     </p:extLst>
   </p:cSld>
@@ -4485,6 +5107,30 @@
 <file path=ppt/slides/slide12.xml><?xml version="1.0" encoding="utf-8"?>
 <p:sld xmlns:a="http://schemas.openxmlformats.org/drawingml/2006/main" xmlns:r="http://schemas.openxmlformats.org/officeDocument/2006/relationships" xmlns:p="http://schemas.openxmlformats.org/presentationml/2006/main">
   <p:cSld>
+    <p:bg>
+      <p:bgPr>
+        <a:gradFill rotWithShape="1">
+          <a:gsLst>
+            <a:gs pos="0">
+              <a:schemeClr val="bg2">
+                <a:tint val="94000"/>
+                <a:satMod val="80000"/>
+                <a:lumMod val="106000"/>
+              </a:schemeClr>
+            </a:gs>
+            <a:gs pos="100000">
+              <a:schemeClr val="bg2">
+                <a:shade val="80000"/>
+              </a:schemeClr>
+            </a:gs>
+          </a:gsLst>
+          <a:path path="circle">
+            <a:fillToRect l="43000" r="43000" b="100000"/>
+          </a:path>
+        </a:gradFill>
+        <a:effectLst/>
+      </p:bgPr>
+    </p:bg>
     <p:spTree>
       <p:nvGrpSpPr>
         <p:cNvPr id="1" name=""/>
@@ -4501,10 +5147,536 @@
       </p:grpSpPr>
       <p:sp>
         <p:nvSpPr>
+          <p:cNvPr id="64" name="Rectangle 35">
+            <a:extLst>
+              <a:ext uri="{FF2B5EF4-FFF2-40B4-BE49-F238E27FC236}">
+                <a16:creationId xmlns:a16="http://schemas.microsoft.com/office/drawing/2014/main" id="{EEA869E1-F851-4A52-92F5-77E592B76A5B}"/>
+              </a:ext>
+            </a:extLst>
+          </p:cNvPr>
+          <p:cNvSpPr>
+            <a:spLocks noGrp="1" noRot="1" noChangeAspect="1" noMove="1" noResize="1" noEditPoints="1" noAdjustHandles="1" noChangeArrowheads="1" noChangeShapeType="1" noTextEdit="1"/>
+          </p:cNvSpPr>
+          <p:nvPr>
+            <p:extLst>
+              <p:ext uri="{386F3935-93C4-4BCD-93E2-E3B085C9AB24}">
+                <p16:designElem xmlns:p16="http://schemas.microsoft.com/office/powerpoint/2015/main" val="1"/>
+              </p:ext>
+            </p:extLst>
+          </p:nvPr>
+        </p:nvSpPr>
+        <p:spPr>
+          <a:xfrm>
+            <a:off x="0" y="2019476"/>
+            <a:ext cx="12192000" cy="4105941"/>
+          </a:xfrm>
+          <a:prstGeom prst="rect">
+            <a:avLst/>
+          </a:prstGeom>
+          <a:gradFill flip="none" rotWithShape="1">
+            <a:gsLst>
+              <a:gs pos="0">
+                <a:schemeClr val="bg2">
+                  <a:alpha val="0"/>
+                </a:schemeClr>
+              </a:gs>
+              <a:gs pos="100000">
+                <a:schemeClr val="bg2"/>
+              </a:gs>
+            </a:gsLst>
+            <a:lin ang="5400000" scaled="0"/>
+            <a:tileRect/>
+          </a:gradFill>
+          <a:ln>
+            <a:noFill/>
+          </a:ln>
+        </p:spPr>
+        <p:style>
+          <a:lnRef idx="2">
+            <a:schemeClr val="accent1">
+              <a:shade val="50000"/>
+            </a:schemeClr>
+          </a:lnRef>
+          <a:fillRef idx="1">
+            <a:schemeClr val="accent1"/>
+          </a:fillRef>
+          <a:effectRef idx="0">
+            <a:schemeClr val="accent1"/>
+          </a:effectRef>
+          <a:fontRef idx="minor">
+            <a:schemeClr val="lt1"/>
+          </a:fontRef>
+        </p:style>
+      </p:sp>
+      <p:pic>
+        <p:nvPicPr>
+          <p:cNvPr id="65" name="Picture 37">
+            <a:extLst>
+              <a:ext uri="{FF2B5EF4-FFF2-40B4-BE49-F238E27FC236}">
+                <a16:creationId xmlns:a16="http://schemas.microsoft.com/office/drawing/2014/main" id="{B083AD55-8296-44BD-8E14-DD2DDBC351B0}"/>
+              </a:ext>
+            </a:extLst>
+          </p:cNvPr>
+          <p:cNvPicPr>
+            <a:picLocks noGrp="1" noRot="1" noChangeAspect="1" noMove="1" noResize="1" noEditPoints="1" noAdjustHandles="1" noChangeArrowheads="1" noChangeShapeType="1" noCrop="1"/>
+          </p:cNvPicPr>
+          <p:nvPr>
+            <p:extLst>
+              <p:ext uri="{386F3935-93C4-4BCD-93E2-E3B085C9AB24}">
+                <p16:designElem xmlns:p16="http://schemas.microsoft.com/office/powerpoint/2015/main" val="1"/>
+              </p:ext>
+            </p:extLst>
+          </p:nvPr>
+        </p:nvPicPr>
+        <p:blipFill rotWithShape="1">
+          <a:blip r:embed="rId2">
+            <a:extLst>
+              <a:ext uri="{28A0092B-C50C-407E-A947-70E740481C1C}">
+                <a14:useLocalDpi xmlns:a14="http://schemas.microsoft.com/office/drawing/2010/main" val="0"/>
+              </a:ext>
+            </a:extLst>
+          </a:blip>
+          <a:srcRect t="1538" b="-1538"/>
+          <a:stretch/>
+        </p:blipFill>
+        <p:spPr bwMode="black">
+          <a:xfrm>
+            <a:off x="0" y="6126480"/>
+            <a:ext cx="12192000" cy="742950"/>
+          </a:xfrm>
+          <a:prstGeom prst="rect">
+            <a:avLst/>
+          </a:prstGeom>
+        </p:spPr>
+      </p:pic>
+      <p:cxnSp>
+        <p:nvCxnSpPr>
+          <p:cNvPr id="66" name="Straight Connector 39">
+            <a:extLst>
+              <a:ext uri="{FF2B5EF4-FFF2-40B4-BE49-F238E27FC236}">
+                <a16:creationId xmlns:a16="http://schemas.microsoft.com/office/drawing/2014/main" id="{2BF46B26-15FC-4C5A-94FA-AE9ED64B5C20}"/>
+              </a:ext>
+            </a:extLst>
+          </p:cNvPr>
+          <p:cNvCxnSpPr>
+            <a:cxnSpLocks noGrp="1" noRot="1" noChangeAspect="1" noMove="1" noResize="1" noEditPoints="1" noAdjustHandles="1" noChangeArrowheads="1" noChangeShapeType="1"/>
+          </p:cNvCxnSpPr>
+          <p:nvPr>
+            <p:extLst>
+              <p:ext uri="{386F3935-93C4-4BCD-93E2-E3B085C9AB24}">
+                <p16:designElem xmlns:p16="http://schemas.microsoft.com/office/powerpoint/2015/main" val="1"/>
+              </p:ext>
+            </p:extLst>
+          </p:nvPr>
+        </p:nvCxnSpPr>
+        <p:spPr>
+          <a:xfrm>
+            <a:off x="0" y="6128413"/>
+            <a:ext cx="12192000" cy="0"/>
+          </a:xfrm>
+          <a:prstGeom prst="line">
+            <a:avLst/>
+          </a:prstGeom>
+          <a:ln w="12700">
+            <a:solidFill>
+              <a:srgbClr val="000001">
+                <a:alpha val="20000"/>
+              </a:srgbClr>
+            </a:solidFill>
+          </a:ln>
+        </p:spPr>
+        <p:style>
+          <a:lnRef idx="1">
+            <a:schemeClr val="accent1"/>
+          </a:lnRef>
+          <a:fillRef idx="0">
+            <a:schemeClr val="accent1"/>
+          </a:fillRef>
+          <a:effectRef idx="0">
+            <a:schemeClr val="accent1"/>
+          </a:effectRef>
+          <a:fontRef idx="minor">
+            <a:schemeClr val="tx1"/>
+          </a:fontRef>
+        </p:style>
+      </p:cxnSp>
+      <p:cxnSp>
+        <p:nvCxnSpPr>
+          <p:cNvPr id="67" name="Straight Connector 41">
+            <a:extLst>
+              <a:ext uri="{FF2B5EF4-FFF2-40B4-BE49-F238E27FC236}">
+                <a16:creationId xmlns:a16="http://schemas.microsoft.com/office/drawing/2014/main" id="{BADF1045-FC61-45F9-B214-2286C9675985}"/>
+              </a:ext>
+            </a:extLst>
+          </p:cNvPr>
+          <p:cNvCxnSpPr>
+            <a:cxnSpLocks noGrp="1" noRot="1" noChangeAspect="1" noMove="1" noResize="1" noEditPoints="1" noAdjustHandles="1" noChangeArrowheads="1" noChangeShapeType="1"/>
+          </p:cNvCxnSpPr>
+          <p:nvPr>
+            <p:extLst>
+              <p:ext uri="{386F3935-93C4-4BCD-93E2-E3B085C9AB24}">
+                <p16:designElem xmlns:p16="http://schemas.microsoft.com/office/powerpoint/2015/main" val="1"/>
+              </p:ext>
+            </p:extLst>
+          </p:nvPr>
+        </p:nvCxnSpPr>
+        <p:spPr>
+          <a:xfrm>
+            <a:off x="1453896" y="1847088"/>
+            <a:ext cx="9607522" cy="0"/>
+          </a:xfrm>
+          <a:prstGeom prst="line">
+            <a:avLst/>
+          </a:prstGeom>
+          <a:ln w="31750"/>
+        </p:spPr>
+        <p:style>
+          <a:lnRef idx="3">
+            <a:schemeClr val="accent1"/>
+          </a:lnRef>
+          <a:fillRef idx="0">
+            <a:schemeClr val="accent1"/>
+          </a:fillRef>
+          <a:effectRef idx="2">
+            <a:schemeClr val="accent1"/>
+          </a:effectRef>
+          <a:fontRef idx="minor">
+            <a:schemeClr val="tx1"/>
+          </a:fontRef>
+        </p:style>
+      </p:cxnSp>
+      <p:sp useBgFill="1">
+        <p:nvSpPr>
+          <p:cNvPr id="68" name="Rectangle 43">
+            <a:extLst>
+              <a:ext uri="{FF2B5EF4-FFF2-40B4-BE49-F238E27FC236}">
+                <a16:creationId xmlns:a16="http://schemas.microsoft.com/office/drawing/2014/main" id="{00F178E2-AACB-4EFE-A67A-5327512E4004}"/>
+              </a:ext>
+            </a:extLst>
+          </p:cNvPr>
+          <p:cNvSpPr>
+            <a:spLocks noGrp="1" noRot="1" noChangeAspect="1" noMove="1" noResize="1" noEditPoints="1" noAdjustHandles="1" noChangeArrowheads="1" noChangeShapeType="1" noTextEdit="1"/>
+          </p:cNvSpPr>
+          <p:nvPr>
+            <p:extLst>
+              <p:ext uri="{386F3935-93C4-4BCD-93E2-E3B085C9AB24}">
+                <p16:designElem xmlns:p16="http://schemas.microsoft.com/office/powerpoint/2015/main" val="1"/>
+              </p:ext>
+            </p:extLst>
+          </p:nvPr>
+        </p:nvSpPr>
+        <p:spPr>
+          <a:xfrm>
+            <a:off x="2" y="0"/>
+            <a:ext cx="12191695" cy="6858000"/>
+          </a:xfrm>
+          <a:prstGeom prst="rect">
+            <a:avLst/>
+          </a:prstGeom>
+          <a:ln>
+            <a:noFill/>
+          </a:ln>
+        </p:spPr>
+        <p:style>
+          <a:lnRef idx="2">
+            <a:schemeClr val="accent1">
+              <a:shade val="50000"/>
+            </a:schemeClr>
+          </a:lnRef>
+          <a:fillRef idx="1">
+            <a:schemeClr val="accent1"/>
+          </a:fillRef>
+          <a:effectRef idx="0">
+            <a:schemeClr val="accent1"/>
+          </a:effectRef>
+          <a:fontRef idx="minor">
+            <a:schemeClr val="lt1"/>
+          </a:fontRef>
+        </p:style>
+        <p:txBody>
+          <a:bodyPr rtlCol="0" anchor="ctr"/>
+          <a:lstStyle/>
+          <a:p>
+            <a:pPr algn="ctr"/>
+            <a:endParaRPr lang="en-US"/>
+          </a:p>
+        </p:txBody>
+      </p:sp>
+      <p:sp>
+        <p:nvSpPr>
+          <p:cNvPr id="69" name="Rectangle 45">
+            <a:extLst>
+              <a:ext uri="{FF2B5EF4-FFF2-40B4-BE49-F238E27FC236}">
+                <a16:creationId xmlns:a16="http://schemas.microsoft.com/office/drawing/2014/main" id="{EE282A56-24D8-489E-AC37-6EA78E071FB9}"/>
+              </a:ext>
+            </a:extLst>
+          </p:cNvPr>
+          <p:cNvSpPr>
+            <a:spLocks noGrp="1" noRot="1" noChangeAspect="1" noMove="1" noResize="1" noEditPoints="1" noAdjustHandles="1" noChangeArrowheads="1" noChangeShapeType="1" noTextEdit="1"/>
+          </p:cNvSpPr>
+          <p:nvPr>
+            <p:extLst>
+              <p:ext uri="{386F3935-93C4-4BCD-93E2-E3B085C9AB24}">
+                <p16:designElem xmlns:p16="http://schemas.microsoft.com/office/powerpoint/2015/main" val="1"/>
+              </p:ext>
+            </p:extLst>
+          </p:nvPr>
+        </p:nvSpPr>
+        <p:spPr>
+          <a:xfrm>
+            <a:off x="0" y="2019476"/>
+            <a:ext cx="12192000" cy="4105941"/>
+          </a:xfrm>
+          <a:prstGeom prst="rect">
+            <a:avLst/>
+          </a:prstGeom>
+          <a:gradFill flip="none" rotWithShape="1">
+            <a:gsLst>
+              <a:gs pos="0">
+                <a:schemeClr val="bg2">
+                  <a:alpha val="0"/>
+                </a:schemeClr>
+              </a:gs>
+              <a:gs pos="100000">
+                <a:schemeClr val="bg2"/>
+              </a:gs>
+            </a:gsLst>
+            <a:lin ang="5400000" scaled="0"/>
+            <a:tileRect/>
+          </a:gradFill>
+          <a:ln>
+            <a:noFill/>
+          </a:ln>
+        </p:spPr>
+        <p:style>
+          <a:lnRef idx="2">
+            <a:schemeClr val="accent1">
+              <a:shade val="50000"/>
+            </a:schemeClr>
+          </a:lnRef>
+          <a:fillRef idx="1">
+            <a:schemeClr val="accent1"/>
+          </a:fillRef>
+          <a:effectRef idx="0">
+            <a:schemeClr val="accent1"/>
+          </a:effectRef>
+          <a:fontRef idx="minor">
+            <a:schemeClr val="lt1"/>
+          </a:fontRef>
+        </p:style>
+        <p:txBody>
+          <a:bodyPr rtlCol="0" anchor="ctr"/>
+          <a:lstStyle/>
+          <a:p>
+            <a:pPr lvl="0" algn="ctr"/>
+            <a:endParaRPr lang="en-US"/>
+          </a:p>
+        </p:txBody>
+      </p:sp>
+      <p:pic>
+        <p:nvPicPr>
+          <p:cNvPr id="70" name="Picture 47">
+            <a:extLst>
+              <a:ext uri="{FF2B5EF4-FFF2-40B4-BE49-F238E27FC236}">
+                <a16:creationId xmlns:a16="http://schemas.microsoft.com/office/drawing/2014/main" id="{A21A879E-4440-4322-879E-91929B1414B3}"/>
+              </a:ext>
+            </a:extLst>
+          </p:cNvPr>
+          <p:cNvPicPr>
+            <a:picLocks noGrp="1" noRot="1" noChangeAspect="1" noMove="1" noResize="1" noEditPoints="1" noAdjustHandles="1" noChangeArrowheads="1" noChangeShapeType="1" noCrop="1"/>
+          </p:cNvPicPr>
+          <p:nvPr>
+            <p:extLst>
+              <p:ext uri="{386F3935-93C4-4BCD-93E2-E3B085C9AB24}">
+                <p16:designElem xmlns:p16="http://schemas.microsoft.com/office/powerpoint/2015/main" val="1"/>
+              </p:ext>
+            </p:extLst>
+          </p:nvPr>
+        </p:nvPicPr>
+        <p:blipFill rotWithShape="1">
+          <a:blip r:embed="rId2">
+            <a:extLst>
+              <a:ext uri="{28A0092B-C50C-407E-A947-70E740481C1C}">
+                <a14:useLocalDpi xmlns:a14="http://schemas.microsoft.com/office/drawing/2010/main" val="0"/>
+              </a:ext>
+            </a:extLst>
+          </a:blip>
+          <a:srcRect t="1538" b="-1538"/>
+          <a:stretch/>
+        </p:blipFill>
+        <p:spPr bwMode="black">
+          <a:xfrm>
+            <a:off x="0" y="6126480"/>
+            <a:ext cx="12192000" cy="742950"/>
+          </a:xfrm>
+          <a:prstGeom prst="rect">
+            <a:avLst/>
+          </a:prstGeom>
+        </p:spPr>
+      </p:pic>
+      <p:cxnSp>
+        <p:nvCxnSpPr>
+          <p:cNvPr id="71" name="Straight Connector 49">
+            <a:extLst>
+              <a:ext uri="{FF2B5EF4-FFF2-40B4-BE49-F238E27FC236}">
+                <a16:creationId xmlns:a16="http://schemas.microsoft.com/office/drawing/2014/main" id="{02B8CEF1-AE40-447A-B7A4-2024DDCDFD37}"/>
+              </a:ext>
+            </a:extLst>
+          </p:cNvPr>
+          <p:cNvCxnSpPr>
+            <a:cxnSpLocks noGrp="1" noRot="1" noChangeAspect="1" noMove="1" noResize="1" noEditPoints="1" noAdjustHandles="1" noChangeArrowheads="1" noChangeShapeType="1"/>
+          </p:cNvCxnSpPr>
+          <p:nvPr>
+            <p:extLst>
+              <p:ext uri="{386F3935-93C4-4BCD-93E2-E3B085C9AB24}">
+                <p16:designElem xmlns:p16="http://schemas.microsoft.com/office/powerpoint/2015/main" val="1"/>
+              </p:ext>
+            </p:extLst>
+          </p:nvPr>
+        </p:nvCxnSpPr>
+        <p:spPr>
+          <a:xfrm>
+            <a:off x="0" y="6128413"/>
+            <a:ext cx="12192000" cy="0"/>
+          </a:xfrm>
+          <a:prstGeom prst="line">
+            <a:avLst/>
+          </a:prstGeom>
+          <a:ln w="12700">
+            <a:solidFill>
+              <a:srgbClr val="000001">
+                <a:alpha val="20000"/>
+              </a:srgbClr>
+            </a:solidFill>
+          </a:ln>
+        </p:spPr>
+        <p:style>
+          <a:lnRef idx="1">
+            <a:schemeClr val="accent1"/>
+          </a:lnRef>
+          <a:fillRef idx="0">
+            <a:schemeClr val="accent1"/>
+          </a:fillRef>
+          <a:effectRef idx="0">
+            <a:schemeClr val="accent1"/>
+          </a:effectRef>
+          <a:fontRef idx="minor">
+            <a:schemeClr val="tx1"/>
+          </a:fontRef>
+        </p:style>
+      </p:cxnSp>
+      <p:cxnSp>
+        <p:nvCxnSpPr>
+          <p:cNvPr id="72" name="Straight Connector 51">
+            <a:extLst>
+              <a:ext uri="{FF2B5EF4-FFF2-40B4-BE49-F238E27FC236}">
+                <a16:creationId xmlns:a16="http://schemas.microsoft.com/office/drawing/2014/main" id="{F8F31E2E-F25D-43B0-9B21-1DE46FC6DC70}"/>
+              </a:ext>
+            </a:extLst>
+          </p:cNvPr>
+          <p:cNvCxnSpPr>
+            <a:cxnSpLocks noGrp="1" noRot="1" noChangeAspect="1" noMove="1" noResize="1" noEditPoints="1" noAdjustHandles="1" noChangeArrowheads="1" noChangeShapeType="1"/>
+          </p:cNvCxnSpPr>
+          <p:nvPr>
+            <p:extLst>
+              <p:ext uri="{386F3935-93C4-4BCD-93E2-E3B085C9AB24}">
+                <p16:designElem xmlns:p16="http://schemas.microsoft.com/office/powerpoint/2015/main" val="1"/>
+              </p:ext>
+            </p:extLst>
+          </p:nvPr>
+        </p:nvCxnSpPr>
+        <p:spPr>
+          <a:xfrm>
+            <a:off x="7204301" y="1847088"/>
+            <a:ext cx="3542513" cy="0"/>
+          </a:xfrm>
+          <a:prstGeom prst="line">
+            <a:avLst/>
+          </a:prstGeom>
+          <a:ln w="31750"/>
+        </p:spPr>
+        <p:style>
+          <a:lnRef idx="3">
+            <a:schemeClr val="accent1"/>
+          </a:lnRef>
+          <a:fillRef idx="0">
+            <a:schemeClr val="accent1"/>
+          </a:fillRef>
+          <a:effectRef idx="2">
+            <a:schemeClr val="accent1"/>
+          </a:effectRef>
+          <a:fontRef idx="minor">
+            <a:schemeClr val="tx1"/>
+          </a:fontRef>
+        </p:style>
+      </p:cxnSp>
+      <p:pic>
+        <p:nvPicPr>
+          <p:cNvPr id="9" name="Grafik 8">
+            <a:extLst>
+              <a:ext uri="{FF2B5EF4-FFF2-40B4-BE49-F238E27FC236}">
+                <a16:creationId xmlns:a16="http://schemas.microsoft.com/office/drawing/2014/main" id="{B7B11E9B-750C-4BFE-8887-7DE3B3E6DABA}"/>
+              </a:ext>
+            </a:extLst>
+          </p:cNvPr>
+          <p:cNvPicPr>
+            <a:picLocks noChangeAspect="1"/>
+          </p:cNvPicPr>
+          <p:nvPr/>
+        </p:nvPicPr>
+        <p:blipFill>
+          <a:blip r:embed="rId3"/>
+          <a:stretch>
+            <a:fillRect/>
+          </a:stretch>
+        </p:blipFill>
+        <p:spPr>
+          <a:xfrm>
+            <a:off x="632239" y="2085031"/>
+            <a:ext cx="2964032" cy="1941440"/>
+          </a:xfrm>
+          <a:prstGeom prst="rect">
+            <a:avLst/>
+          </a:prstGeom>
+        </p:spPr>
+      </p:pic>
+      <p:pic>
+        <p:nvPicPr>
+          <p:cNvPr id="7" name="Inhaltsplatzhalter 6" descr="Ein Bild, das Text enthält.&#10;&#10;Mit hoher Zuverlässigkeit generierte Beschreibung">
+            <a:extLst>
+              <a:ext uri="{FF2B5EF4-FFF2-40B4-BE49-F238E27FC236}">
+                <a16:creationId xmlns:a16="http://schemas.microsoft.com/office/drawing/2014/main" id="{7110A31E-C9AD-442D-A69F-24812356EB5B}"/>
+              </a:ext>
+            </a:extLst>
+          </p:cNvPr>
+          <p:cNvPicPr>
+            <a:picLocks noGrp="1" noChangeAspect="1"/>
+          </p:cNvPicPr>
+          <p:nvPr>
+            <p:ph type="pic" idx="1"/>
+          </p:nvPr>
+        </p:nvPicPr>
+        <p:blipFill rotWithShape="1">
+          <a:blip r:embed="rId4"/>
+          <a:srcRect/>
+          <a:stretch/>
+        </p:blipFill>
+        <p:spPr>
+          <a:xfrm rot="5400000">
+            <a:off x="3046431" y="1573203"/>
+            <a:ext cx="4391160" cy="2964033"/>
+          </a:xfrm>
+          <a:prstGeom prst="rect">
+            <a:avLst/>
+          </a:prstGeom>
+        </p:spPr>
+      </p:pic>
+      <p:sp>
+        <p:nvSpPr>
           <p:cNvPr id="2" name="Titel 1">
             <a:extLst>
               <a:ext uri="{FF2B5EF4-FFF2-40B4-BE49-F238E27FC236}">
-                <a16:creationId xmlns:a16="http://schemas.microsoft.com/office/drawing/2014/main" id="{11459672-3BE7-401D-99FE-C34BE82D6A4C}"/>
+                <a16:creationId xmlns:a16="http://schemas.microsoft.com/office/drawing/2014/main" id="{15C81E58-B0FE-4F67-BDB7-C4EB918F3C4F}"/>
               </a:ext>
             </a:extLst>
           </p:cNvPr>
@@ -4515,91 +5687,31 @@
             <p:ph type="title"/>
           </p:nvPr>
         </p:nvSpPr>
-        <p:spPr/>
+        <p:spPr>
+          <a:xfrm>
+            <a:off x="7202821" y="804519"/>
+            <a:ext cx="3543993" cy="1049235"/>
+          </a:xfrm>
+        </p:spPr>
         <p:txBody>
-          <a:bodyPr/>
+          <a:bodyPr vert="horz" lIns="91440" tIns="45720" rIns="91440" bIns="45720" rtlCol="0" anchor="t">
+            <a:normAutofit/>
+          </a:bodyPr>
           <a:lstStyle/>
           <a:p>
             <a:r>
-              <a:rPr lang="de-DE" dirty="0" err="1"/>
-              <a:t>results</a:t>
-            </a:r>
-            <a:r>
-              <a:rPr lang="de-DE" dirty="0"/>
-              <a:t> </a:t>
-            </a:r>
-            <a:r>
-              <a:rPr lang="de-DE" dirty="0" err="1"/>
-              <a:t>for</a:t>
-            </a:r>
-            <a:r>
-              <a:rPr lang="de-DE" dirty="0"/>
-              <a:t> </a:t>
-            </a:r>
-            <a:r>
-              <a:rPr lang="de-DE" dirty="0" err="1"/>
-              <a:t>pentominoes</a:t>
-            </a:r>
-            <a:r>
-              <a:rPr lang="de-DE" dirty="0"/>
-              <a:t>:</a:t>
-            </a:r>
-            <a:br>
-              <a:rPr lang="de-DE" dirty="0"/>
-            </a:br>
-            <a:r>
-              <a:rPr lang="de-DE" dirty="0"/>
-              <a:t>Can </a:t>
-            </a:r>
-            <a:r>
-              <a:rPr lang="de-DE" dirty="0" err="1"/>
-              <a:t>the</a:t>
-            </a:r>
-            <a:r>
-              <a:rPr lang="de-DE" dirty="0"/>
-              <a:t> </a:t>
-            </a:r>
-            <a:r>
-              <a:rPr lang="de-DE" dirty="0" err="1"/>
-              <a:t>cargo</a:t>
-            </a:r>
-            <a:r>
-              <a:rPr lang="de-DE" dirty="0"/>
-              <a:t>- Space </a:t>
-            </a:r>
-            <a:r>
-              <a:rPr lang="de-DE" dirty="0" err="1"/>
-              <a:t>be</a:t>
-            </a:r>
-            <a:r>
-              <a:rPr lang="de-DE" dirty="0"/>
-              <a:t> </a:t>
-            </a:r>
-            <a:r>
-              <a:rPr lang="de-DE" dirty="0" err="1"/>
-              <a:t>filled</a:t>
-            </a:r>
-            <a:r>
-              <a:rPr lang="de-DE" dirty="0"/>
-              <a:t> </a:t>
-            </a:r>
-            <a:r>
-              <a:rPr lang="de-DE" dirty="0" err="1"/>
-              <a:t>completely</a:t>
-            </a:r>
-            <a:r>
-              <a:rPr lang="de-DE" dirty="0"/>
-              <a:t>?</a:t>
+              <a:rPr lang="en-US" dirty="0"/>
+              <a:t>3D visualization</a:t>
             </a:r>
           </a:p>
         </p:txBody>
       </p:sp>
       <p:sp>
         <p:nvSpPr>
-          <p:cNvPr id="3" name="Inhaltsplatzhalter 2">
+          <p:cNvPr id="10" name="Textplatzhalter 9">
             <a:extLst>
               <a:ext uri="{FF2B5EF4-FFF2-40B4-BE49-F238E27FC236}">
-                <a16:creationId xmlns:a16="http://schemas.microsoft.com/office/drawing/2014/main" id="{21488D5E-563E-4715-8AF5-0017693DF30B}"/>
+                <a16:creationId xmlns:a16="http://schemas.microsoft.com/office/drawing/2014/main" id="{0742F459-C8A2-4BC4-B6CC-5CD9A76DA337}"/>
               </a:ext>
             </a:extLst>
           </p:cNvPr>
@@ -4607,22 +5719,54 @@
             <a:spLocks noGrp="1"/>
           </p:cNvSpPr>
           <p:nvPr>
-            <p:ph idx="1"/>
+            <p:ph type="body" sz="half" idx="2"/>
           </p:nvPr>
         </p:nvSpPr>
-        <p:spPr/>
+        <p:spPr>
+          <a:xfrm>
+            <a:off x="7202821" y="2015732"/>
+            <a:ext cx="3543993" cy="3450613"/>
+          </a:xfrm>
+        </p:spPr>
         <p:txBody>
-          <a:bodyPr/>
+          <a:bodyPr vert="horz" lIns="91440" tIns="45720" rIns="91440" bIns="45720" rtlCol="0" anchor="t">
+            <a:normAutofit/>
+          </a:bodyPr>
           <a:lstStyle/>
           <a:p>
-            <a:endParaRPr lang="de-DE"/>
+            <a:endParaRPr lang="en-US" dirty="0"/>
+          </a:p>
+          <a:p>
+            <a:r>
+              <a:rPr lang="en-US" dirty="0"/>
+              <a:t>3D visualization of the result </a:t>
+            </a:r>
+          </a:p>
+          <a:p>
+            <a:r>
+              <a:rPr lang="en-US" dirty="0"/>
+              <a:t>for values A=3, B=4, C=5</a:t>
+            </a:r>
+          </a:p>
+          <a:p>
+            <a:r>
+              <a:rPr lang="en-US" dirty="0"/>
+              <a:t>(greedy algorithm)</a:t>
+            </a:r>
+          </a:p>
+          <a:p>
+            <a:pPr indent="-228600">
+              <a:buFont typeface="Arial" panose="020B0604020202020204" pitchFamily="34" charset="0"/>
+              <a:buChar char="•"/>
+            </a:pPr>
+            <a:endParaRPr lang="en-US" dirty="0"/>
           </a:p>
         </p:txBody>
       </p:sp>
     </p:spTree>
     <p:extLst>
       <p:ext uri="{BB962C8B-B14F-4D97-AF65-F5344CB8AC3E}">
-        <p14:creationId xmlns:p14="http://schemas.microsoft.com/office/powerpoint/2010/main" val="2631434198"/>
+        <p14:creationId xmlns:p14="http://schemas.microsoft.com/office/powerpoint/2010/main" val="1612983768"/>
       </p:ext>
     </p:extLst>
   </p:cSld>
@@ -4635,6 +5779,30 @@
 <file path=ppt/slides/slide13.xml><?xml version="1.0" encoding="utf-8"?>
 <p:sld xmlns:a="http://schemas.openxmlformats.org/drawingml/2006/main" xmlns:r="http://schemas.openxmlformats.org/officeDocument/2006/relationships" xmlns:p="http://schemas.openxmlformats.org/presentationml/2006/main">
   <p:cSld>
+    <p:bg>
+      <p:bgPr>
+        <a:gradFill rotWithShape="1">
+          <a:gsLst>
+            <a:gs pos="0">
+              <a:schemeClr val="bg2">
+                <a:tint val="94000"/>
+                <a:satMod val="80000"/>
+                <a:lumMod val="106000"/>
+              </a:schemeClr>
+            </a:gs>
+            <a:gs pos="100000">
+              <a:schemeClr val="bg2">
+                <a:shade val="80000"/>
+              </a:schemeClr>
+            </a:gs>
+          </a:gsLst>
+          <a:path path="circle">
+            <a:fillToRect l="43000" r="43000" b="100000"/>
+          </a:path>
+        </a:gradFill>
+        <a:effectLst/>
+      </p:bgPr>
+    </p:bg>
     <p:spTree>
       <p:nvGrpSpPr>
         <p:cNvPr id="1" name=""/>
@@ -4649,12 +5817,307 @@
           <a:chExt cx="0" cy="0"/>
         </a:xfrm>
       </p:grpSpPr>
+      <p:sp useBgFill="1">
+        <p:nvSpPr>
+          <p:cNvPr id="13" name="Rectangle 12">
+            <a:extLst>
+              <a:ext uri="{FF2B5EF4-FFF2-40B4-BE49-F238E27FC236}">
+                <a16:creationId xmlns:a16="http://schemas.microsoft.com/office/drawing/2014/main" id="{45C76AC0-BB6B-419E-A327-AFA29750080A}"/>
+              </a:ext>
+            </a:extLst>
+          </p:cNvPr>
+          <p:cNvSpPr>
+            <a:spLocks noGrp="1" noRot="1" noChangeAspect="1" noMove="1" noResize="1" noEditPoints="1" noAdjustHandles="1" noChangeArrowheads="1" noChangeShapeType="1" noTextEdit="1"/>
+          </p:cNvSpPr>
+          <p:nvPr>
+            <p:extLst>
+              <p:ext uri="{386F3935-93C4-4BCD-93E2-E3B085C9AB24}">
+                <p16:designElem xmlns:p16="http://schemas.microsoft.com/office/powerpoint/2015/main" val="1"/>
+              </p:ext>
+            </p:extLst>
+          </p:nvPr>
+        </p:nvSpPr>
+        <p:spPr>
+          <a:xfrm>
+            <a:off x="2" y="0"/>
+            <a:ext cx="12191695" cy="6858000"/>
+          </a:xfrm>
+          <a:prstGeom prst="rect">
+            <a:avLst/>
+          </a:prstGeom>
+          <a:ln>
+            <a:noFill/>
+          </a:ln>
+        </p:spPr>
+        <p:style>
+          <a:lnRef idx="2">
+            <a:schemeClr val="accent1">
+              <a:shade val="50000"/>
+            </a:schemeClr>
+          </a:lnRef>
+          <a:fillRef idx="1">
+            <a:schemeClr val="accent1"/>
+          </a:fillRef>
+          <a:effectRef idx="0">
+            <a:schemeClr val="accent1"/>
+          </a:effectRef>
+          <a:fontRef idx="minor">
+            <a:schemeClr val="lt1"/>
+          </a:fontRef>
+        </p:style>
+        <p:txBody>
+          <a:bodyPr rtlCol="0" anchor="ctr"/>
+          <a:lstStyle/>
+          <a:p>
+            <a:pPr algn="ctr"/>
+            <a:endParaRPr lang="en-US"/>
+          </a:p>
+        </p:txBody>
+      </p:sp>
+      <p:sp>
+        <p:nvSpPr>
+          <p:cNvPr id="15" name="Rectangle 14">
+            <a:extLst>
+              <a:ext uri="{FF2B5EF4-FFF2-40B4-BE49-F238E27FC236}">
+                <a16:creationId xmlns:a16="http://schemas.microsoft.com/office/drawing/2014/main" id="{8B0E4246-09B8-46D7-A0D2-4D264863AD39}"/>
+              </a:ext>
+            </a:extLst>
+          </p:cNvPr>
+          <p:cNvSpPr>
+            <a:spLocks noGrp="1" noRot="1" noChangeAspect="1" noMove="1" noResize="1" noEditPoints="1" noAdjustHandles="1" noChangeArrowheads="1" noChangeShapeType="1" noTextEdit="1"/>
+          </p:cNvSpPr>
+          <p:nvPr>
+            <p:extLst>
+              <p:ext uri="{386F3935-93C4-4BCD-93E2-E3B085C9AB24}">
+                <p16:designElem xmlns:p16="http://schemas.microsoft.com/office/powerpoint/2015/main" val="1"/>
+              </p:ext>
+            </p:extLst>
+          </p:nvPr>
+        </p:nvSpPr>
+        <p:spPr>
+          <a:xfrm>
+            <a:off x="0" y="2019476"/>
+            <a:ext cx="12192000" cy="4105941"/>
+          </a:xfrm>
+          <a:prstGeom prst="rect">
+            <a:avLst/>
+          </a:prstGeom>
+          <a:gradFill flip="none" rotWithShape="1">
+            <a:gsLst>
+              <a:gs pos="0">
+                <a:schemeClr val="bg2">
+                  <a:alpha val="0"/>
+                </a:schemeClr>
+              </a:gs>
+              <a:gs pos="100000">
+                <a:schemeClr val="bg2"/>
+              </a:gs>
+            </a:gsLst>
+            <a:lin ang="5400000" scaled="0"/>
+            <a:tileRect/>
+          </a:gradFill>
+          <a:ln>
+            <a:noFill/>
+          </a:ln>
+        </p:spPr>
+        <p:style>
+          <a:lnRef idx="2">
+            <a:schemeClr val="accent1">
+              <a:shade val="50000"/>
+            </a:schemeClr>
+          </a:lnRef>
+          <a:fillRef idx="1">
+            <a:schemeClr val="accent1"/>
+          </a:fillRef>
+          <a:effectRef idx="0">
+            <a:schemeClr val="accent1"/>
+          </a:effectRef>
+          <a:fontRef idx="minor">
+            <a:schemeClr val="lt1"/>
+          </a:fontRef>
+        </p:style>
+        <p:txBody>
+          <a:bodyPr rtlCol="0" anchor="ctr"/>
+          <a:lstStyle/>
+          <a:p>
+            <a:pPr lvl="0" algn="ctr"/>
+            <a:endParaRPr lang="en-US"/>
+          </a:p>
+        </p:txBody>
+      </p:sp>
+      <p:pic>
+        <p:nvPicPr>
+          <p:cNvPr id="17" name="Picture 16">
+            <a:extLst>
+              <a:ext uri="{FF2B5EF4-FFF2-40B4-BE49-F238E27FC236}">
+                <a16:creationId xmlns:a16="http://schemas.microsoft.com/office/drawing/2014/main" id="{F50C8D8D-B32F-4194-8321-164EC442750E}"/>
+              </a:ext>
+            </a:extLst>
+          </p:cNvPr>
+          <p:cNvPicPr>
+            <a:picLocks noGrp="1" noRot="1" noChangeAspect="1" noMove="1" noResize="1" noEditPoints="1" noAdjustHandles="1" noChangeArrowheads="1" noChangeShapeType="1" noCrop="1"/>
+          </p:cNvPicPr>
+          <p:nvPr>
+            <p:extLst>
+              <p:ext uri="{386F3935-93C4-4BCD-93E2-E3B085C9AB24}">
+                <p16:designElem xmlns:p16="http://schemas.microsoft.com/office/powerpoint/2015/main" val="1"/>
+              </p:ext>
+            </p:extLst>
+          </p:nvPr>
+        </p:nvPicPr>
+        <p:blipFill rotWithShape="1">
+          <a:blip r:embed="rId2">
+            <a:extLst>
+              <a:ext uri="{28A0092B-C50C-407E-A947-70E740481C1C}">
+                <a14:useLocalDpi xmlns:a14="http://schemas.microsoft.com/office/drawing/2010/main" val="0"/>
+              </a:ext>
+            </a:extLst>
+          </a:blip>
+          <a:srcRect t="1538" b="-1538"/>
+          <a:stretch/>
+        </p:blipFill>
+        <p:spPr bwMode="black">
+          <a:xfrm>
+            <a:off x="0" y="6126480"/>
+            <a:ext cx="12192000" cy="742950"/>
+          </a:xfrm>
+          <a:prstGeom prst="rect">
+            <a:avLst/>
+          </a:prstGeom>
+        </p:spPr>
+      </p:pic>
+      <p:cxnSp>
+        <p:nvCxnSpPr>
+          <p:cNvPr id="19" name="Straight Connector 18">
+            <a:extLst>
+              <a:ext uri="{FF2B5EF4-FFF2-40B4-BE49-F238E27FC236}">
+                <a16:creationId xmlns:a16="http://schemas.microsoft.com/office/drawing/2014/main" id="{5BD24D8B-8573-4260-B700-E860AD6D2A8E}"/>
+              </a:ext>
+            </a:extLst>
+          </p:cNvPr>
+          <p:cNvCxnSpPr>
+            <a:cxnSpLocks noGrp="1" noRot="1" noChangeAspect="1" noMove="1" noResize="1" noEditPoints="1" noAdjustHandles="1" noChangeArrowheads="1" noChangeShapeType="1"/>
+          </p:cNvCxnSpPr>
+          <p:nvPr>
+            <p:extLst>
+              <p:ext uri="{386F3935-93C4-4BCD-93E2-E3B085C9AB24}">
+                <p16:designElem xmlns:p16="http://schemas.microsoft.com/office/powerpoint/2015/main" val="1"/>
+              </p:ext>
+            </p:extLst>
+          </p:nvPr>
+        </p:nvCxnSpPr>
+        <p:spPr>
+          <a:xfrm>
+            <a:off x="0" y="6128413"/>
+            <a:ext cx="12192000" cy="0"/>
+          </a:xfrm>
+          <a:prstGeom prst="line">
+            <a:avLst/>
+          </a:prstGeom>
+          <a:ln w="12700">
+            <a:solidFill>
+              <a:srgbClr val="000001">
+                <a:alpha val="20000"/>
+              </a:srgbClr>
+            </a:solidFill>
+          </a:ln>
+        </p:spPr>
+        <p:style>
+          <a:lnRef idx="1">
+            <a:schemeClr val="accent1"/>
+          </a:lnRef>
+          <a:fillRef idx="0">
+            <a:schemeClr val="accent1"/>
+          </a:fillRef>
+          <a:effectRef idx="0">
+            <a:schemeClr val="accent1"/>
+          </a:effectRef>
+          <a:fontRef idx="minor">
+            <a:schemeClr val="tx1"/>
+          </a:fontRef>
+        </p:style>
+      </p:cxnSp>
+      <p:cxnSp>
+        <p:nvCxnSpPr>
+          <p:cNvPr id="21" name="Straight Connector 20">
+            <a:extLst>
+              <a:ext uri="{FF2B5EF4-FFF2-40B4-BE49-F238E27FC236}">
+                <a16:creationId xmlns:a16="http://schemas.microsoft.com/office/drawing/2014/main" id="{B3E0B6A3-E197-43D6-82D5-7455DAB1A746}"/>
+              </a:ext>
+            </a:extLst>
+          </p:cNvPr>
+          <p:cNvCxnSpPr>
+            <a:cxnSpLocks noGrp="1" noRot="1" noChangeAspect="1" noMove="1" noResize="1" noEditPoints="1" noAdjustHandles="1" noChangeArrowheads="1" noChangeShapeType="1"/>
+          </p:cNvCxnSpPr>
+          <p:nvPr>
+            <p:extLst>
+              <p:ext uri="{386F3935-93C4-4BCD-93E2-E3B085C9AB24}">
+                <p16:designElem xmlns:p16="http://schemas.microsoft.com/office/powerpoint/2015/main" val="1"/>
+              </p:ext>
+            </p:extLst>
+          </p:nvPr>
+        </p:nvCxnSpPr>
+        <p:spPr>
+          <a:xfrm>
+            <a:off x="6579647" y="1847088"/>
+            <a:ext cx="4158750" cy="0"/>
+          </a:xfrm>
+          <a:prstGeom prst="line">
+            <a:avLst/>
+          </a:prstGeom>
+          <a:ln w="31750"/>
+        </p:spPr>
+        <p:style>
+          <a:lnRef idx="3">
+            <a:schemeClr val="accent1"/>
+          </a:lnRef>
+          <a:fillRef idx="0">
+            <a:schemeClr val="accent1"/>
+          </a:fillRef>
+          <a:effectRef idx="2">
+            <a:schemeClr val="accent1"/>
+          </a:effectRef>
+          <a:fontRef idx="minor">
+            <a:schemeClr val="tx1"/>
+          </a:fontRef>
+        </p:style>
+      </p:cxnSp>
+      <p:pic>
+        <p:nvPicPr>
+          <p:cNvPr id="8" name="Inhaltsplatzhalter 4">
+            <a:extLst>
+              <a:ext uri="{FF2B5EF4-FFF2-40B4-BE49-F238E27FC236}">
+                <a16:creationId xmlns:a16="http://schemas.microsoft.com/office/drawing/2014/main" id="{4C2569DB-F52A-4466-BCFB-250E69B1DE26}"/>
+              </a:ext>
+            </a:extLst>
+          </p:cNvPr>
+          <p:cNvPicPr>
+            <a:picLocks noChangeAspect="1"/>
+          </p:cNvPicPr>
+          <p:nvPr/>
+        </p:nvPicPr>
+        <p:blipFill>
+          <a:blip r:embed="rId3"/>
+          <a:stretch>
+            <a:fillRect/>
+          </a:stretch>
+        </p:blipFill>
+        <p:spPr>
+          <a:xfrm>
+            <a:off x="1130029" y="1375007"/>
+            <a:ext cx="4960442" cy="3521913"/>
+          </a:xfrm>
+          <a:prstGeom prst="rect">
+            <a:avLst/>
+          </a:prstGeom>
+        </p:spPr>
+      </p:pic>
       <p:sp>
         <p:nvSpPr>
           <p:cNvPr id="2" name="Titel 1">
             <a:extLst>
               <a:ext uri="{FF2B5EF4-FFF2-40B4-BE49-F238E27FC236}">
-                <a16:creationId xmlns:a16="http://schemas.microsoft.com/office/drawing/2014/main" id="{3EE42273-3049-440C-B626-3053A07ADE12}"/>
+                <a16:creationId xmlns:a16="http://schemas.microsoft.com/office/drawing/2014/main" id="{53750890-FFBB-41AF-A54A-827EEBCCDF98}"/>
               </a:ext>
             </a:extLst>
           </p:cNvPr>
@@ -4665,94 +6128,36 @@
             <p:ph type="title"/>
           </p:nvPr>
         </p:nvSpPr>
-        <p:spPr/>
+        <p:spPr>
+          <a:xfrm>
+            <a:off x="6579648" y="804520"/>
+            <a:ext cx="4158749" cy="1049235"/>
+          </a:xfrm>
+        </p:spPr>
         <p:txBody>
-          <a:bodyPr/>
+          <a:bodyPr>
+            <a:normAutofit/>
+          </a:bodyPr>
           <a:lstStyle/>
           <a:p>
             <a:r>
-              <a:rPr lang="de-DE" dirty="0" err="1"/>
-              <a:t>results</a:t>
-            </a:r>
-            <a:r>
-              <a:rPr lang="de-DE" dirty="0"/>
-              <a:t> </a:t>
-            </a:r>
-            <a:r>
-              <a:rPr lang="de-DE" dirty="0" err="1"/>
-              <a:t>for</a:t>
-            </a:r>
-            <a:r>
-              <a:rPr lang="de-DE" dirty="0"/>
-              <a:t> </a:t>
-            </a:r>
-            <a:r>
-              <a:rPr lang="de-DE" dirty="0" err="1"/>
-              <a:t>pentominoes</a:t>
-            </a:r>
-            <a:r>
-              <a:rPr lang="de-DE" dirty="0"/>
-              <a:t>:</a:t>
+              <a:rPr lang="en-US" dirty="0"/>
+              <a:t>3D </a:t>
             </a:r>
             <a:br>
-              <a:rPr lang="de-DE" dirty="0"/>
+              <a:rPr lang="en-US" dirty="0"/>
             </a:br>
             <a:r>
-              <a:rPr lang="de-DE" dirty="0"/>
-              <a:t>Can </a:t>
-            </a:r>
-            <a:r>
-              <a:rPr lang="de-DE" dirty="0" err="1"/>
-              <a:t>the</a:t>
-            </a:r>
-            <a:r>
-              <a:rPr lang="de-DE" dirty="0"/>
-              <a:t> </a:t>
-            </a:r>
-            <a:r>
-              <a:rPr lang="de-DE" dirty="0" err="1"/>
-              <a:t>cargo</a:t>
-            </a:r>
-            <a:r>
-              <a:rPr lang="de-DE" dirty="0"/>
-              <a:t>- Space </a:t>
-            </a:r>
-            <a:r>
-              <a:rPr lang="de-DE" dirty="0" err="1"/>
-              <a:t>be</a:t>
-            </a:r>
-            <a:r>
-              <a:rPr lang="de-DE" dirty="0"/>
-              <a:t> </a:t>
-            </a:r>
-            <a:r>
-              <a:rPr lang="de-DE" dirty="0" err="1"/>
-              <a:t>filled</a:t>
-            </a:r>
-            <a:r>
-              <a:rPr lang="de-DE" dirty="0"/>
-              <a:t> </a:t>
-            </a:r>
-            <a:r>
-              <a:rPr lang="de-DE" dirty="0" err="1"/>
-              <a:t>completely</a:t>
-            </a:r>
-            <a:r>
-              <a:rPr lang="de-DE" dirty="0"/>
-              <a:t>?</a:t>
-            </a:r>
+              <a:rPr lang="en-US" dirty="0" err="1"/>
+              <a:t>visualisation</a:t>
+            </a:r>
+            <a:endParaRPr lang="de-DE" dirty="0"/>
           </a:p>
         </p:txBody>
       </p:sp>
       <p:sp>
         <p:nvSpPr>
-          <p:cNvPr id="3" name="Inhaltsplatzhalter 2">
-            <a:extLst>
-              <a:ext uri="{FF2B5EF4-FFF2-40B4-BE49-F238E27FC236}">
-                <a16:creationId xmlns:a16="http://schemas.microsoft.com/office/drawing/2014/main" id="{7864851A-7376-4042-9DBC-DF5E9C2776C9}"/>
-              </a:ext>
-            </a:extLst>
-          </p:cNvPr>
+          <p:cNvPr id="10" name="Content Placeholder 9"/>
           <p:cNvSpPr>
             <a:spLocks noGrp="1"/>
           </p:cNvSpPr>
@@ -4760,19 +6165,64 @@
             <p:ph idx="1"/>
           </p:nvPr>
         </p:nvSpPr>
-        <p:spPr/>
+        <p:spPr>
+          <a:xfrm>
+            <a:off x="6579647" y="2015732"/>
+            <a:ext cx="4158750" cy="3450613"/>
+          </a:xfrm>
+        </p:spPr>
         <p:txBody>
-          <a:bodyPr/>
+          <a:bodyPr>
+            <a:normAutofit/>
+          </a:bodyPr>
           <a:lstStyle/>
           <a:p>
-            <a:endParaRPr lang="de-DE"/>
+            <a:endParaRPr lang="en-US" dirty="0"/>
+          </a:p>
+          <a:p>
+            <a:pPr marL="0" indent="0">
+              <a:buNone/>
+            </a:pPr>
+            <a:r>
+              <a:rPr lang="en-US" dirty="0"/>
+              <a:t>3D </a:t>
+            </a:r>
+            <a:r>
+              <a:rPr lang="en-US" dirty="0" err="1"/>
+              <a:t>visualisation</a:t>
+            </a:r>
+            <a:r>
+              <a:rPr lang="en-US" dirty="0"/>
+              <a:t> of a completely filled cargo </a:t>
+            </a:r>
+          </a:p>
+          <a:p>
+            <a:pPr marL="0" indent="0">
+              <a:buNone/>
+            </a:pPr>
+            <a:r>
+              <a:rPr lang="en-US" dirty="0"/>
+              <a:t>for the values B=4, C=5</a:t>
+            </a:r>
+          </a:p>
+          <a:p>
+            <a:pPr marL="0" indent="0">
+              <a:buNone/>
+            </a:pPr>
+            <a:r>
+              <a:rPr lang="en-US" dirty="0"/>
+              <a:t>(greedy algorithm)</a:t>
+            </a:r>
+          </a:p>
+          <a:p>
+            <a:endParaRPr lang="en-US" dirty="0"/>
           </a:p>
         </p:txBody>
       </p:sp>
     </p:spTree>
     <p:extLst>
       <p:ext uri="{BB962C8B-B14F-4D97-AF65-F5344CB8AC3E}">
-        <p14:creationId xmlns:p14="http://schemas.microsoft.com/office/powerpoint/2010/main" val="4105468652"/>
+        <p14:creationId xmlns:p14="http://schemas.microsoft.com/office/powerpoint/2010/main" val="512729830"/>
       </p:ext>
     </p:extLst>
   </p:cSld>
@@ -4804,7 +6254,7 @@
           <p:cNvPr id="2" name="Titel 1">
             <a:extLst>
               <a:ext uri="{FF2B5EF4-FFF2-40B4-BE49-F238E27FC236}">
-                <a16:creationId xmlns:a16="http://schemas.microsoft.com/office/drawing/2014/main" id="{2D6D3D92-2EC6-4D37-A02D-0AC5364B2786}"/>
+                <a16:creationId xmlns:a16="http://schemas.microsoft.com/office/drawing/2014/main" id="{FC5FC914-6969-4F0D-8EF6-0716BB630089}"/>
               </a:ext>
             </a:extLst>
           </p:cNvPr>
@@ -4834,15 +6284,7 @@
             </a:r>
             <a:r>
               <a:rPr lang="de-DE" dirty="0"/>
-              <a:t> </a:t>
-            </a:r>
-            <a:r>
-              <a:rPr lang="de-DE" dirty="0" err="1"/>
-              <a:t>Pentominoes</a:t>
-            </a:r>
-            <a:r>
-              <a:rPr lang="de-DE" dirty="0"/>
-              <a:t>:</a:t>
+              <a:t> Boxes:</a:t>
             </a:r>
             <a:br>
               <a:rPr lang="de-DE" dirty="0"/>
@@ -4880,7 +6322,7 @@
           <p:cNvPr id="3" name="Inhaltsplatzhalter 2">
             <a:extLst>
               <a:ext uri="{FF2B5EF4-FFF2-40B4-BE49-F238E27FC236}">
-                <a16:creationId xmlns:a16="http://schemas.microsoft.com/office/drawing/2014/main" id="{7E72855E-5CEF-48B0-91EA-BAAB92BB71D5}"/>
+                <a16:creationId xmlns:a16="http://schemas.microsoft.com/office/drawing/2014/main" id="{DEFCF6F9-95FA-4FEC-BED5-C8F091D6D0D1}"/>
               </a:ext>
             </a:extLst>
           </p:cNvPr>
@@ -4893,17 +6335,373 @@
         </p:nvSpPr>
         <p:spPr/>
         <p:txBody>
-          <a:bodyPr/>
+          <a:bodyPr>
+            <a:normAutofit/>
+          </a:bodyPr>
           <a:lstStyle/>
           <a:p>
-            <a:endParaRPr lang="de-DE"/>
+            <a:r>
+              <a:rPr lang="de-DE" dirty="0" err="1"/>
+              <a:t>For</a:t>
+            </a:r>
+            <a:r>
+              <a:rPr lang="de-DE" dirty="0"/>
+              <a:t> </a:t>
+            </a:r>
+            <a:r>
+              <a:rPr lang="de-DE" dirty="0" err="1"/>
+              <a:t>the</a:t>
+            </a:r>
+            <a:r>
+              <a:rPr lang="de-DE" dirty="0"/>
+              <a:t> </a:t>
+            </a:r>
+            <a:r>
+              <a:rPr lang="de-DE" dirty="0" err="1"/>
+              <a:t>given</a:t>
+            </a:r>
+            <a:r>
+              <a:rPr lang="de-DE" dirty="0"/>
+              <a:t> </a:t>
+            </a:r>
+            <a:r>
+              <a:rPr lang="de-DE" dirty="0" err="1"/>
+              <a:t>cargo</a:t>
+            </a:r>
+            <a:r>
+              <a:rPr lang="de-DE" dirty="0"/>
+              <a:t>- </a:t>
+            </a:r>
+            <a:r>
+              <a:rPr lang="de-DE" dirty="0" err="1"/>
+              <a:t>space</a:t>
+            </a:r>
+            <a:r>
+              <a:rPr lang="de-DE" dirty="0"/>
+              <a:t> and </a:t>
+            </a:r>
+            <a:r>
+              <a:rPr lang="de-DE" dirty="0" err="1"/>
+              <a:t>the</a:t>
+            </a:r>
+            <a:r>
+              <a:rPr lang="de-DE" dirty="0"/>
+              <a:t> </a:t>
+            </a:r>
+            <a:r>
+              <a:rPr lang="de-DE" dirty="0" err="1"/>
+              <a:t>values</a:t>
+            </a:r>
+            <a:r>
+              <a:rPr lang="de-DE" dirty="0"/>
+              <a:t> A=3, B=4, C=5 </a:t>
+            </a:r>
+            <a:r>
+              <a:rPr lang="de-DE" dirty="0" err="1"/>
+              <a:t>the</a:t>
+            </a:r>
+            <a:r>
+              <a:rPr lang="de-DE" dirty="0"/>
+              <a:t> maximum </a:t>
+            </a:r>
+            <a:r>
+              <a:rPr lang="de-DE" dirty="0" err="1"/>
+              <a:t>value</a:t>
+            </a:r>
+            <a:r>
+              <a:rPr lang="de-DE" dirty="0"/>
+              <a:t> </a:t>
+            </a:r>
+            <a:r>
+              <a:rPr lang="de-DE" dirty="0" err="1"/>
+              <a:t>of</a:t>
+            </a:r>
+            <a:r>
+              <a:rPr lang="de-DE" dirty="0"/>
+              <a:t> </a:t>
+            </a:r>
+            <a:r>
+              <a:rPr lang="de-DE" dirty="0" err="1"/>
+              <a:t>the</a:t>
+            </a:r>
+            <a:r>
+              <a:rPr lang="de-DE" dirty="0"/>
+              <a:t> </a:t>
+            </a:r>
+            <a:r>
+              <a:rPr lang="de-DE" dirty="0" err="1"/>
+              <a:t>greedy</a:t>
+            </a:r>
+            <a:r>
+              <a:rPr lang="de-DE" dirty="0"/>
+              <a:t> </a:t>
+            </a:r>
+            <a:r>
+              <a:rPr lang="de-DE" dirty="0" err="1"/>
+              <a:t>algorithm</a:t>
+            </a:r>
+            <a:r>
+              <a:rPr lang="de-DE" dirty="0"/>
+              <a:t> </a:t>
+            </a:r>
+            <a:r>
+              <a:rPr lang="de-DE" dirty="0" err="1"/>
+              <a:t>is</a:t>
+            </a:r>
+            <a:r>
+              <a:rPr lang="de-DE" dirty="0"/>
+              <a:t> 192 </a:t>
+            </a:r>
+            <a:r>
+              <a:rPr lang="de-DE" dirty="0" err="1"/>
+              <a:t>units</a:t>
+            </a:r>
+            <a:endParaRPr lang="de-DE" dirty="0"/>
+          </a:p>
+          <a:p>
+            <a:pPr marL="0" indent="0">
+              <a:buNone/>
+            </a:pPr>
+            <a:r>
+              <a:rPr lang="de-DE" dirty="0">
+                <a:sym typeface="Wingdings" panose="05000000000000000000" pitchFamily="2" charset="2"/>
+              </a:rPr>
+              <a:t>	 </a:t>
+            </a:r>
+            <a:r>
+              <a:rPr lang="de-DE" dirty="0" err="1">
+                <a:sym typeface="Wingdings" panose="05000000000000000000" pitchFamily="2" charset="2"/>
+              </a:rPr>
+              <a:t>the</a:t>
+            </a:r>
+            <a:r>
+              <a:rPr lang="de-DE" dirty="0">
+                <a:sym typeface="Wingdings" panose="05000000000000000000" pitchFamily="2" charset="2"/>
+              </a:rPr>
+              <a:t> </a:t>
+            </a:r>
+            <a:r>
+              <a:rPr lang="de-DE" dirty="0" err="1">
+                <a:sym typeface="Wingdings" panose="05000000000000000000" pitchFamily="2" charset="2"/>
+              </a:rPr>
+              <a:t>random</a:t>
+            </a:r>
+            <a:r>
+              <a:rPr lang="de-DE" dirty="0">
+                <a:sym typeface="Wingdings" panose="05000000000000000000" pitchFamily="2" charset="2"/>
+              </a:rPr>
+              <a:t> </a:t>
+            </a:r>
+            <a:r>
+              <a:rPr lang="de-DE" dirty="0" err="1">
+                <a:sym typeface="Wingdings" panose="05000000000000000000" pitchFamily="2" charset="2"/>
+              </a:rPr>
+              <a:t>algorithm</a:t>
+            </a:r>
+            <a:r>
+              <a:rPr lang="de-DE" dirty="0">
+                <a:sym typeface="Wingdings" panose="05000000000000000000" pitchFamily="2" charset="2"/>
+              </a:rPr>
+              <a:t> </a:t>
+            </a:r>
+            <a:r>
+              <a:rPr lang="de-DE" dirty="0" err="1">
+                <a:sym typeface="Wingdings" panose="05000000000000000000" pitchFamily="2" charset="2"/>
+              </a:rPr>
+              <a:t>reaches</a:t>
+            </a:r>
+            <a:r>
+              <a:rPr lang="de-DE" dirty="0">
+                <a:sym typeface="Wingdings" panose="05000000000000000000" pitchFamily="2" charset="2"/>
+              </a:rPr>
+              <a:t> 210 </a:t>
+            </a:r>
+            <a:r>
+              <a:rPr lang="de-DE" dirty="0" err="1">
+                <a:sym typeface="Wingdings" panose="05000000000000000000" pitchFamily="2" charset="2"/>
+              </a:rPr>
+              <a:t>units</a:t>
+            </a:r>
+            <a:endParaRPr lang="de-DE" dirty="0">
+              <a:sym typeface="Wingdings" panose="05000000000000000000" pitchFamily="2" charset="2"/>
+            </a:endParaRPr>
+          </a:p>
+          <a:p>
+            <a:r>
+              <a:rPr lang="de-DE" dirty="0"/>
+              <a:t>Higher </a:t>
+            </a:r>
+            <a:r>
+              <a:rPr lang="de-DE" dirty="0" err="1"/>
+              <a:t>value</a:t>
+            </a:r>
+            <a:r>
+              <a:rPr lang="de-DE" dirty="0"/>
+              <a:t> </a:t>
+            </a:r>
+            <a:r>
+              <a:rPr lang="de-DE" dirty="0" err="1"/>
+              <a:t>with</a:t>
+            </a:r>
+            <a:r>
+              <a:rPr lang="de-DE" dirty="0"/>
+              <a:t> </a:t>
+            </a:r>
+            <a:r>
+              <a:rPr lang="de-DE" dirty="0" err="1"/>
+              <a:t>greedy</a:t>
+            </a:r>
+            <a:r>
+              <a:rPr lang="de-DE" dirty="0"/>
+              <a:t> </a:t>
+            </a:r>
+            <a:r>
+              <a:rPr lang="de-DE" dirty="0" err="1"/>
+              <a:t>algorithm</a:t>
+            </a:r>
+            <a:r>
+              <a:rPr lang="de-DE" dirty="0"/>
+              <a:t> </a:t>
+            </a:r>
+            <a:r>
+              <a:rPr lang="de-DE" dirty="0" err="1"/>
+              <a:t>only</a:t>
+            </a:r>
+            <a:r>
+              <a:rPr lang="de-DE" dirty="0"/>
+              <a:t> possible </a:t>
+            </a:r>
+            <a:r>
+              <a:rPr lang="de-DE" dirty="0" err="1"/>
+              <a:t>when</a:t>
+            </a:r>
+            <a:r>
+              <a:rPr lang="de-DE" dirty="0"/>
+              <a:t> </a:t>
+            </a:r>
+            <a:r>
+              <a:rPr lang="de-DE" dirty="0" err="1"/>
+              <a:t>switching</a:t>
+            </a:r>
+            <a:r>
+              <a:rPr lang="de-DE" dirty="0"/>
+              <a:t> </a:t>
+            </a:r>
+            <a:r>
+              <a:rPr lang="de-DE" dirty="0" err="1"/>
+              <a:t>the</a:t>
+            </a:r>
+            <a:r>
+              <a:rPr lang="de-DE" dirty="0"/>
+              <a:t> </a:t>
+            </a:r>
+            <a:r>
+              <a:rPr lang="de-DE" dirty="0" err="1"/>
+              <a:t>values</a:t>
+            </a:r>
+            <a:r>
+              <a:rPr lang="de-DE" dirty="0"/>
+              <a:t>:</a:t>
+            </a:r>
+          </a:p>
+          <a:p>
+            <a:pPr marL="0" indent="0">
+              <a:buNone/>
+            </a:pPr>
+            <a:r>
+              <a:rPr lang="de-DE" dirty="0">
+                <a:sym typeface="Wingdings" panose="05000000000000000000" pitchFamily="2" charset="2"/>
+              </a:rPr>
+              <a:t>	 320 </a:t>
+            </a:r>
+            <a:r>
+              <a:rPr lang="de-DE" dirty="0" err="1">
+                <a:sym typeface="Wingdings" panose="05000000000000000000" pitchFamily="2" charset="2"/>
+              </a:rPr>
+              <a:t>units</a:t>
+            </a:r>
+            <a:r>
+              <a:rPr lang="de-DE" dirty="0">
+                <a:sym typeface="Wingdings" panose="05000000000000000000" pitchFamily="2" charset="2"/>
+              </a:rPr>
+              <a:t> </a:t>
+            </a:r>
+            <a:r>
+              <a:rPr lang="de-DE" dirty="0" err="1">
+                <a:sym typeface="Wingdings" panose="05000000000000000000" pitchFamily="2" charset="2"/>
+              </a:rPr>
+              <a:t>using</a:t>
+            </a:r>
+            <a:r>
+              <a:rPr lang="de-DE" dirty="0">
+                <a:sym typeface="Wingdings" panose="05000000000000000000" pitchFamily="2" charset="2"/>
+              </a:rPr>
+              <a:t> </a:t>
+            </a:r>
+            <a:r>
+              <a:rPr lang="de-DE" dirty="0" err="1">
+                <a:sym typeface="Wingdings" panose="05000000000000000000" pitchFamily="2" charset="2"/>
+              </a:rPr>
+              <a:t>only</a:t>
+            </a:r>
+            <a:r>
+              <a:rPr lang="de-DE" dirty="0">
+                <a:sym typeface="Wingdings" panose="05000000000000000000" pitchFamily="2" charset="2"/>
+              </a:rPr>
+              <a:t> box A=5</a:t>
+            </a:r>
+          </a:p>
+          <a:p>
+            <a:pPr marL="0" indent="0">
+              <a:buNone/>
+            </a:pPr>
+            <a:r>
+              <a:rPr lang="de-DE" dirty="0">
+                <a:sym typeface="Wingdings" panose="05000000000000000000" pitchFamily="2" charset="2"/>
+              </a:rPr>
+              <a:t>	 251 </a:t>
+            </a:r>
+            <a:r>
+              <a:rPr lang="de-DE" dirty="0" err="1">
+                <a:sym typeface="Wingdings" panose="05000000000000000000" pitchFamily="2" charset="2"/>
+              </a:rPr>
+              <a:t>units</a:t>
+            </a:r>
+            <a:r>
+              <a:rPr lang="de-DE" dirty="0">
+                <a:sym typeface="Wingdings" panose="05000000000000000000" pitchFamily="2" charset="2"/>
+              </a:rPr>
+              <a:t> </a:t>
+            </a:r>
+            <a:r>
+              <a:rPr lang="de-DE" dirty="0" err="1">
+                <a:sym typeface="Wingdings" panose="05000000000000000000" pitchFamily="2" charset="2"/>
+              </a:rPr>
+              <a:t>using</a:t>
+            </a:r>
+            <a:r>
+              <a:rPr lang="de-DE" dirty="0">
+                <a:sym typeface="Wingdings" panose="05000000000000000000" pitchFamily="2" charset="2"/>
+              </a:rPr>
+              <a:t> B=5 and A=4</a:t>
+            </a:r>
+            <a:endParaRPr lang="de-DE" dirty="0"/>
+          </a:p>
+          <a:p>
+            <a:pPr marL="0" indent="0">
+              <a:buNone/>
+            </a:pPr>
+            <a:endParaRPr lang="de-DE" dirty="0"/>
+          </a:p>
+          <a:p>
+            <a:endParaRPr lang="de-DE" dirty="0"/>
           </a:p>
         </p:txBody>
       </p:sp>
     </p:spTree>
     <p:extLst>
       <p:ext uri="{BB962C8B-B14F-4D97-AF65-F5344CB8AC3E}">
-        <p14:creationId xmlns:p14="http://schemas.microsoft.com/office/powerpoint/2010/main" val="13207312"/>
+        <p14:creationId xmlns:p14="http://schemas.microsoft.com/office/powerpoint/2010/main" val="2915510581"/>
       </p:ext>
     </p:extLst>
   </p:cSld>
@@ -4935,7 +6733,7 @@
           <p:cNvPr id="2" name="Titel 1">
             <a:extLst>
               <a:ext uri="{FF2B5EF4-FFF2-40B4-BE49-F238E27FC236}">
-                <a16:creationId xmlns:a16="http://schemas.microsoft.com/office/drawing/2014/main" id="{E3D5661A-C2D7-4FF0-AA1A-B1D6B4EF5DBB}"/>
+                <a16:creationId xmlns:a16="http://schemas.microsoft.com/office/drawing/2014/main" id="{46E756AB-0150-4D93-AFDD-445AFFB3CFE6}"/>
               </a:ext>
             </a:extLst>
           </p:cNvPr>
@@ -4953,7 +6751,46 @@
           <a:p>
             <a:r>
               <a:rPr lang="de-DE" dirty="0" err="1"/>
-              <a:t>conclusions</a:t>
+              <a:t>Results</a:t>
+            </a:r>
+            <a:r>
+              <a:rPr lang="de-DE" dirty="0"/>
+              <a:t> </a:t>
+            </a:r>
+            <a:r>
+              <a:rPr lang="de-DE" dirty="0" err="1"/>
+              <a:t>for</a:t>
+            </a:r>
+            <a:r>
+              <a:rPr lang="de-DE" dirty="0"/>
+              <a:t> Boxes:</a:t>
+            </a:r>
+            <a:br>
+              <a:rPr lang="de-DE" dirty="0"/>
+            </a:br>
+            <a:r>
+              <a:rPr lang="de-DE" dirty="0"/>
+              <a:t>Maximum </a:t>
+            </a:r>
+            <a:r>
+              <a:rPr lang="de-DE" dirty="0" err="1"/>
+              <a:t>value</a:t>
+            </a:r>
+            <a:r>
+              <a:rPr lang="de-DE" dirty="0"/>
+              <a:t> </a:t>
+            </a:r>
+            <a:r>
+              <a:rPr lang="de-DE" dirty="0" err="1"/>
+              <a:t>of</a:t>
+            </a:r>
+            <a:r>
+              <a:rPr lang="de-DE" dirty="0"/>
+              <a:t> Cargo- </a:t>
+            </a:r>
+            <a:r>
+              <a:rPr lang="de-DE" dirty="0" err="1"/>
+              <a:t>space</a:t>
             </a:r>
             <a:endParaRPr lang="de-DE" dirty="0"/>
           </a:p>
@@ -4964,7 +6801,7 @@
           <p:cNvPr id="3" name="Inhaltsplatzhalter 2">
             <a:extLst>
               <a:ext uri="{FF2B5EF4-FFF2-40B4-BE49-F238E27FC236}">
-                <a16:creationId xmlns:a16="http://schemas.microsoft.com/office/drawing/2014/main" id="{DE19E387-93F6-4E01-81CB-234586DF5A90}"/>
+                <a16:creationId xmlns:a16="http://schemas.microsoft.com/office/drawing/2014/main" id="{BAD64B6F-44E7-4830-8AD6-BB9E3024F8B3}"/>
               </a:ext>
             </a:extLst>
           </p:cNvPr>
@@ -4985,6 +6822,81 @@
           <a:p>
             <a:r>
               <a:rPr lang="de-DE" dirty="0" err="1"/>
+              <a:t>Gaining</a:t>
+            </a:r>
+            <a:r>
+              <a:rPr lang="de-DE" dirty="0"/>
+              <a:t> </a:t>
+            </a:r>
+            <a:r>
+              <a:rPr lang="de-DE" dirty="0" err="1"/>
+              <a:t>insight</a:t>
+            </a:r>
+            <a:r>
+              <a:rPr lang="de-DE" dirty="0"/>
+              <a:t> on </a:t>
+            </a:r>
+            <a:r>
+              <a:rPr lang="de-DE" dirty="0" err="1"/>
+              <a:t>the</a:t>
+            </a:r>
+            <a:r>
+              <a:rPr lang="de-DE" dirty="0"/>
+              <a:t> </a:t>
+            </a:r>
+            <a:r>
+              <a:rPr lang="de-DE" dirty="0" err="1"/>
+              <a:t>accuracy</a:t>
+            </a:r>
+            <a:r>
+              <a:rPr lang="de-DE" dirty="0"/>
+              <a:t> </a:t>
+            </a:r>
+            <a:r>
+              <a:rPr lang="de-DE" dirty="0" err="1"/>
+              <a:t>of</a:t>
+            </a:r>
+            <a:r>
+              <a:rPr lang="de-DE" dirty="0"/>
+              <a:t> </a:t>
+            </a:r>
+            <a:r>
+              <a:rPr lang="de-DE" dirty="0" err="1"/>
+              <a:t>the</a:t>
+            </a:r>
+            <a:r>
+              <a:rPr lang="de-DE" dirty="0"/>
+              <a:t> </a:t>
+            </a:r>
+            <a:r>
+              <a:rPr lang="de-DE" dirty="0" err="1"/>
+              <a:t>algorithms</a:t>
+            </a:r>
+            <a:r>
+              <a:rPr lang="de-DE" dirty="0"/>
+              <a:t> </a:t>
+            </a:r>
+            <a:r>
+              <a:rPr lang="de-DE" dirty="0" err="1"/>
+              <a:t>with</a:t>
+            </a:r>
+            <a:r>
+              <a:rPr lang="de-DE" dirty="0"/>
+              <a:t> </a:t>
+            </a:r>
+            <a:r>
+              <a:rPr lang="de-DE" dirty="0" err="1"/>
+              <a:t>experiments</a:t>
+            </a:r>
+            <a:r>
+              <a:rPr lang="de-DE" dirty="0"/>
+              <a:t>:</a:t>
+            </a:r>
+          </a:p>
+          <a:p>
+            <a:pPr lvl="1"/>
+            <a:r>
+              <a:rPr lang="de-DE" dirty="0" err="1"/>
               <a:t>Changing</a:t>
             </a:r>
             <a:r>
@@ -5001,7 +6913,7 @@
             </a:r>
             <a:r>
               <a:rPr lang="de-DE" dirty="0" err="1"/>
-              <a:t>order</a:t>
+              <a:t>size</a:t>
             </a:r>
             <a:r>
               <a:rPr lang="de-DE" dirty="0"/>
@@ -5027,21 +6939,13 @@
               <a:rPr lang="de-DE" dirty="0" err="1"/>
               <a:t>cargo</a:t>
             </a:r>
-            <a:r>
-              <a:rPr lang="de-DE" dirty="0"/>
-              <a:t>- </a:t>
-            </a:r>
-            <a:r>
-              <a:rPr lang="de-DE" dirty="0" err="1"/>
-              <a:t>space</a:t>
-            </a:r>
-            <a:r>
-              <a:rPr lang="de-DE" dirty="0"/>
-              <a:t> </a:t>
-            </a:r>
-            <a:r>
-              <a:rPr lang="de-DE" dirty="0" err="1"/>
-              <a:t>changes</a:t>
+            <a:endParaRPr lang="de-DE" dirty="0"/>
+          </a:p>
+          <a:p>
+            <a:pPr lvl="1"/>
+            <a:r>
+              <a:rPr lang="de-DE" dirty="0" err="1"/>
+              <a:t>Changing</a:t>
             </a:r>
             <a:r>
               <a:rPr lang="de-DE" dirty="0"/>
@@ -5057,164 +6961,16 @@
             </a:r>
             <a:r>
               <a:rPr lang="de-DE" dirty="0" err="1"/>
-              <a:t>amount</a:t>
-            </a:r>
-            <a:r>
-              <a:rPr lang="de-DE" dirty="0"/>
-              <a:t> </a:t>
-            </a:r>
-            <a:r>
-              <a:rPr lang="de-DE" dirty="0" err="1"/>
-              <a:t>of</a:t>
-            </a:r>
-            <a:r>
-              <a:rPr lang="de-DE" dirty="0"/>
-              <a:t> </a:t>
-            </a:r>
-            <a:r>
-              <a:rPr lang="de-DE" dirty="0" err="1"/>
-              <a:t>boxes</a:t>
-            </a:r>
-            <a:r>
-              <a:rPr lang="de-DE" dirty="0"/>
-              <a:t> </a:t>
-            </a:r>
-            <a:r>
-              <a:rPr lang="de-DE" dirty="0" err="1"/>
-              <a:t>which</a:t>
-            </a:r>
-            <a:r>
-              <a:rPr lang="de-DE" dirty="0"/>
-              <a:t> fit in </a:t>
-            </a:r>
-            <a:r>
-              <a:rPr lang="de-DE" dirty="0" err="1"/>
-              <a:t>it</a:t>
+              <a:t>values</a:t>
             </a:r>
             <a:endParaRPr lang="de-DE" dirty="0"/>
-          </a:p>
-          <a:p>
-            <a:pPr marL="0" indent="0">
-              <a:buNone/>
-            </a:pPr>
-            <a:r>
-              <a:rPr lang="de-DE" dirty="0">
-                <a:sym typeface="Wingdings" panose="05000000000000000000" pitchFamily="2" charset="2"/>
-              </a:rPr>
-              <a:t>	 </a:t>
-            </a:r>
-            <a:r>
-              <a:rPr lang="de-DE" dirty="0" err="1">
-                <a:sym typeface="Wingdings" panose="05000000000000000000" pitchFamily="2" charset="2"/>
-              </a:rPr>
-              <a:t>changes</a:t>
-            </a:r>
-            <a:r>
-              <a:rPr lang="de-DE" dirty="0">
-                <a:sym typeface="Wingdings" panose="05000000000000000000" pitchFamily="2" charset="2"/>
-              </a:rPr>
-              <a:t> </a:t>
-            </a:r>
-            <a:r>
-              <a:rPr lang="de-DE" dirty="0" err="1">
-                <a:sym typeface="Wingdings" panose="05000000000000000000" pitchFamily="2" charset="2"/>
-              </a:rPr>
-              <a:t>the</a:t>
-            </a:r>
-            <a:r>
-              <a:rPr lang="de-DE" dirty="0">
-                <a:sym typeface="Wingdings" panose="05000000000000000000" pitchFamily="2" charset="2"/>
-              </a:rPr>
-              <a:t> total </a:t>
-            </a:r>
-            <a:r>
-              <a:rPr lang="de-DE" dirty="0" err="1">
-                <a:sym typeface="Wingdings" panose="05000000000000000000" pitchFamily="2" charset="2"/>
-              </a:rPr>
-              <a:t>value</a:t>
-            </a:r>
-            <a:r>
-              <a:rPr lang="de-DE" dirty="0">
-                <a:sym typeface="Wingdings" panose="05000000000000000000" pitchFamily="2" charset="2"/>
-              </a:rPr>
-              <a:t> </a:t>
-            </a:r>
-            <a:r>
-              <a:rPr lang="de-DE" dirty="0" err="1">
-                <a:sym typeface="Wingdings" panose="05000000000000000000" pitchFamily="2" charset="2"/>
-              </a:rPr>
-              <a:t>of</a:t>
-            </a:r>
-            <a:r>
-              <a:rPr lang="de-DE" dirty="0">
-                <a:sym typeface="Wingdings" panose="05000000000000000000" pitchFamily="2" charset="2"/>
-              </a:rPr>
-              <a:t> </a:t>
-            </a:r>
-            <a:r>
-              <a:rPr lang="de-DE" dirty="0" err="1">
-                <a:sym typeface="Wingdings" panose="05000000000000000000" pitchFamily="2" charset="2"/>
-              </a:rPr>
-              <a:t>the</a:t>
-            </a:r>
-            <a:r>
-              <a:rPr lang="de-DE" dirty="0">
-                <a:sym typeface="Wingdings" panose="05000000000000000000" pitchFamily="2" charset="2"/>
-              </a:rPr>
-              <a:t> </a:t>
-            </a:r>
-            <a:r>
-              <a:rPr lang="de-DE" dirty="0" err="1">
-                <a:sym typeface="Wingdings" panose="05000000000000000000" pitchFamily="2" charset="2"/>
-              </a:rPr>
-              <a:t>content</a:t>
-            </a:r>
-            <a:r>
-              <a:rPr lang="de-DE" dirty="0">
-                <a:sym typeface="Wingdings" panose="05000000000000000000" pitchFamily="2" charset="2"/>
-              </a:rPr>
-              <a:t> </a:t>
-            </a:r>
-            <a:r>
-              <a:rPr lang="de-DE" dirty="0" err="1">
-                <a:sym typeface="Wingdings" panose="05000000000000000000" pitchFamily="2" charset="2"/>
-              </a:rPr>
-              <a:t>of</a:t>
-            </a:r>
-            <a:r>
-              <a:rPr lang="de-DE" dirty="0">
-                <a:sym typeface="Wingdings" panose="05000000000000000000" pitchFamily="2" charset="2"/>
-              </a:rPr>
-              <a:t> </a:t>
-            </a:r>
-            <a:r>
-              <a:rPr lang="de-DE" dirty="0" err="1">
-                <a:sym typeface="Wingdings" panose="05000000000000000000" pitchFamily="2" charset="2"/>
-              </a:rPr>
-              <a:t>the</a:t>
-            </a:r>
-            <a:r>
-              <a:rPr lang="de-DE" dirty="0">
-                <a:sym typeface="Wingdings" panose="05000000000000000000" pitchFamily="2" charset="2"/>
-              </a:rPr>
-              <a:t> </a:t>
-            </a:r>
-            <a:r>
-              <a:rPr lang="de-DE" dirty="0" err="1">
-                <a:sym typeface="Wingdings" panose="05000000000000000000" pitchFamily="2" charset="2"/>
-              </a:rPr>
-              <a:t>space</a:t>
-            </a:r>
-            <a:endParaRPr lang="de-DE" dirty="0">
-              <a:sym typeface="Wingdings" panose="05000000000000000000" pitchFamily="2" charset="2"/>
-            </a:endParaRPr>
           </a:p>
         </p:txBody>
       </p:sp>
     </p:spTree>
     <p:extLst>
       <p:ext uri="{BB962C8B-B14F-4D97-AF65-F5344CB8AC3E}">
-        <p14:creationId xmlns:p14="http://schemas.microsoft.com/office/powerpoint/2010/main" val="4141700449"/>
+        <p14:creationId xmlns:p14="http://schemas.microsoft.com/office/powerpoint/2010/main" val="377418496"/>
       </p:ext>
     </p:extLst>
   </p:cSld>
@@ -5246,7 +7002,7 @@
           <p:cNvPr id="2" name="Titel 1">
             <a:extLst>
               <a:ext uri="{FF2B5EF4-FFF2-40B4-BE49-F238E27FC236}">
-                <a16:creationId xmlns:a16="http://schemas.microsoft.com/office/drawing/2014/main" id="{7F97EDAF-BB56-40DC-B237-4D0F5D76D8D2}"/>
+                <a16:creationId xmlns:a16="http://schemas.microsoft.com/office/drawing/2014/main" id="{BC8E7656-CC9E-4947-B9D6-E1CD261D0E0A}"/>
               </a:ext>
             </a:extLst>
           </p:cNvPr>
@@ -5254,7 +7010,7 @@
             <a:spLocks noGrp="1"/>
           </p:cNvSpPr>
           <p:nvPr>
-            <p:ph type="ctrTitle"/>
+            <p:ph type="title"/>
           </p:nvPr>
         </p:nvSpPr>
         <p:spPr/>
@@ -5262,16 +7018,59 @@
           <a:bodyPr/>
           <a:lstStyle/>
           <a:p>
+            <a:r>
+              <a:rPr lang="de-DE" dirty="0" err="1"/>
+              <a:t>Results</a:t>
+            </a:r>
+            <a:r>
+              <a:rPr lang="de-DE" dirty="0"/>
+              <a:t> </a:t>
+            </a:r>
+            <a:r>
+              <a:rPr lang="de-DE" dirty="0" err="1"/>
+              <a:t>for</a:t>
+            </a:r>
+            <a:r>
+              <a:rPr lang="de-DE" dirty="0"/>
+              <a:t> Boxes:</a:t>
+            </a:r>
+            <a:br>
+              <a:rPr lang="de-DE" dirty="0"/>
+            </a:br>
+            <a:r>
+              <a:rPr lang="de-DE" dirty="0"/>
+              <a:t>Maximum </a:t>
+            </a:r>
+            <a:r>
+              <a:rPr lang="de-DE" dirty="0" err="1"/>
+              <a:t>value</a:t>
+            </a:r>
+            <a:r>
+              <a:rPr lang="de-DE" dirty="0"/>
+              <a:t> </a:t>
+            </a:r>
+            <a:r>
+              <a:rPr lang="de-DE" dirty="0" err="1"/>
+              <a:t>of</a:t>
+            </a:r>
+            <a:r>
+              <a:rPr lang="de-DE" dirty="0"/>
+              <a:t> Cargo- </a:t>
+            </a:r>
+            <a:r>
+              <a:rPr lang="de-DE" dirty="0" err="1"/>
+              <a:t>space</a:t>
+            </a:r>
             <a:endParaRPr lang="de-DE" dirty="0"/>
           </a:p>
         </p:txBody>
       </p:sp>
       <p:sp>
         <p:nvSpPr>
-          <p:cNvPr id="3" name="Untertitel 2">
+          <p:cNvPr id="3" name="Inhaltsplatzhalter 2">
             <a:extLst>
               <a:ext uri="{FF2B5EF4-FFF2-40B4-BE49-F238E27FC236}">
-                <a16:creationId xmlns:a16="http://schemas.microsoft.com/office/drawing/2014/main" id="{B8C0AA3D-3CCF-48D5-A150-2F40A76527AD}"/>
+                <a16:creationId xmlns:a16="http://schemas.microsoft.com/office/drawing/2014/main" id="{83BCB72E-E5F1-48EB-9754-894FDC1B36E6}"/>
               </a:ext>
             </a:extLst>
           </p:cNvPr>
@@ -5279,7 +7078,7 @@
             <a:spLocks noGrp="1"/>
           </p:cNvSpPr>
           <p:nvPr>
-            <p:ph type="subTitle" idx="1"/>
+            <p:ph idx="1"/>
           </p:nvPr>
         </p:nvSpPr>
         <p:spPr/>
@@ -5288,72 +7087,296 @@
           <a:lstStyle/>
           <a:p>
             <a:r>
-              <a:rPr lang="de-DE" dirty="0"/>
-              <a:t>Group 2:  </a:t>
-            </a:r>
-            <a:r>
-              <a:rPr lang="de-DE" dirty="0" err="1"/>
-              <a:t>wouter</a:t>
-            </a:r>
-            <a:r>
-              <a:rPr lang="de-DE" dirty="0"/>
-              <a:t> van </a:t>
-            </a:r>
-            <a:r>
-              <a:rPr lang="de-DE" dirty="0" err="1"/>
-              <a:t>elteren</a:t>
-            </a:r>
-            <a:r>
-              <a:rPr lang="de-DE" dirty="0"/>
-              <a:t>, </a:t>
-            </a:r>
-            <a:r>
-              <a:rPr lang="de-DE" dirty="0" err="1"/>
-              <a:t>kim</a:t>
-            </a:r>
-            <a:r>
-              <a:rPr lang="de-DE" dirty="0"/>
-              <a:t> </a:t>
-            </a:r>
-            <a:r>
-              <a:rPr lang="de-DE" dirty="0" err="1"/>
-              <a:t>roggenbuck</a:t>
-            </a:r>
-            <a:r>
-              <a:rPr lang="de-DE" dirty="0"/>
-              <a:t>, </a:t>
-            </a:r>
-            <a:r>
-              <a:rPr lang="de-DE" dirty="0" err="1"/>
-              <a:t>tobias</a:t>
-            </a:r>
-            <a:r>
-              <a:rPr lang="de-DE" dirty="0"/>
-              <a:t> </a:t>
-            </a:r>
-            <a:r>
-              <a:rPr lang="de-DE" dirty="0" err="1"/>
-              <a:t>mersch</a:t>
-            </a:r>
-            <a:r>
-              <a:rPr lang="de-DE" dirty="0"/>
-              <a:t>, </a:t>
-            </a:r>
-            <a:r>
-              <a:rPr lang="de-DE" dirty="0" err="1"/>
-              <a:t>hao</a:t>
-            </a:r>
-            <a:r>
-              <a:rPr lang="de-DE" dirty="0"/>
-              <a:t> </a:t>
-            </a:r>
-            <a:r>
-              <a:rPr lang="de-DE" dirty="0" err="1"/>
-              <a:t>yun</a:t>
+              <a:rPr lang="de-DE" dirty="0" err="1"/>
+              <a:t>Changing</a:t>
+            </a:r>
+            <a:r>
+              <a:rPr lang="de-DE" dirty="0"/>
+              <a:t> </a:t>
+            </a:r>
+            <a:r>
+              <a:rPr lang="de-DE" dirty="0" err="1"/>
+              <a:t>the</a:t>
+            </a:r>
+            <a:r>
+              <a:rPr lang="de-DE" dirty="0"/>
+              <a:t> </a:t>
+            </a:r>
+            <a:r>
+              <a:rPr lang="de-DE" dirty="0" err="1"/>
+              <a:t>size</a:t>
+            </a:r>
+            <a:r>
+              <a:rPr lang="de-DE" dirty="0"/>
+              <a:t> </a:t>
+            </a:r>
+            <a:r>
+              <a:rPr lang="de-DE" dirty="0" err="1"/>
+              <a:t>of</a:t>
+            </a:r>
+            <a:r>
+              <a:rPr lang="de-DE" dirty="0"/>
+              <a:t> </a:t>
+            </a:r>
+            <a:r>
+              <a:rPr lang="de-DE" dirty="0" err="1"/>
+              <a:t>the</a:t>
+            </a:r>
+            <a:r>
+              <a:rPr lang="de-DE" dirty="0"/>
+              <a:t> </a:t>
+            </a:r>
+            <a:r>
+              <a:rPr lang="de-DE" dirty="0" err="1"/>
+              <a:t>cargo</a:t>
+            </a:r>
+            <a:r>
+              <a:rPr lang="de-DE" dirty="0"/>
+              <a:t>- </a:t>
+            </a:r>
+            <a:r>
+              <a:rPr lang="de-DE" dirty="0" err="1"/>
+              <a:t>space</a:t>
+            </a:r>
+            <a:r>
+              <a:rPr lang="de-DE" dirty="0"/>
+              <a:t>:</a:t>
+            </a:r>
+          </a:p>
+          <a:p>
+            <a:pPr lvl="1"/>
+            <a:r>
+              <a:rPr lang="de-DE" dirty="0" err="1"/>
+              <a:t>Bigger</a:t>
+            </a:r>
+            <a:r>
+              <a:rPr lang="de-DE" dirty="0"/>
+              <a:t> </a:t>
+            </a:r>
+            <a:r>
+              <a:rPr lang="de-DE" dirty="0" err="1"/>
+              <a:t>cargo</a:t>
+            </a:r>
+            <a:r>
+              <a:rPr lang="de-DE" dirty="0"/>
+              <a:t>- </a:t>
+            </a:r>
+            <a:r>
+              <a:rPr lang="de-DE" dirty="0" err="1"/>
+              <a:t>space</a:t>
+            </a:r>
+            <a:r>
+              <a:rPr lang="de-DE" dirty="0"/>
+              <a:t> (33mx5mx8m): </a:t>
+            </a:r>
+            <a:r>
+              <a:rPr lang="de-DE" dirty="0" err="1"/>
+              <a:t>greedy</a:t>
+            </a:r>
+            <a:r>
+              <a:rPr lang="de-DE" dirty="0"/>
+              <a:t> </a:t>
+            </a:r>
+            <a:r>
+              <a:rPr lang="de-DE" dirty="0" err="1"/>
+              <a:t>algorithm</a:t>
+            </a:r>
+            <a:r>
+              <a:rPr lang="de-DE" dirty="0"/>
+              <a:t> </a:t>
+            </a:r>
+            <a:r>
+              <a:rPr lang="de-DE" dirty="0" err="1"/>
+              <a:t>is</a:t>
+            </a:r>
+            <a:r>
+              <a:rPr lang="de-DE" dirty="0"/>
+              <a:t> </a:t>
+            </a:r>
+            <a:r>
+              <a:rPr lang="de-DE" dirty="0" err="1"/>
+              <a:t>much</a:t>
+            </a:r>
+            <a:r>
+              <a:rPr lang="de-DE" dirty="0"/>
+              <a:t> </a:t>
+            </a:r>
+            <a:r>
+              <a:rPr lang="de-DE" dirty="0" err="1"/>
+              <a:t>better</a:t>
+            </a:r>
+            <a:r>
+              <a:rPr lang="de-DE" dirty="0"/>
+              <a:t> </a:t>
+            </a:r>
+            <a:r>
+              <a:rPr lang="de-DE" dirty="0" err="1"/>
+              <a:t>than</a:t>
+            </a:r>
+            <a:r>
+              <a:rPr lang="de-DE" dirty="0"/>
+              <a:t> </a:t>
+            </a:r>
+            <a:r>
+              <a:rPr lang="de-DE" dirty="0" err="1"/>
+              <a:t>random</a:t>
+            </a:r>
+            <a:r>
+              <a:rPr lang="de-DE" dirty="0"/>
+              <a:t> </a:t>
+            </a:r>
+            <a:r>
+              <a:rPr lang="de-DE" dirty="0" err="1"/>
+              <a:t>algorithm</a:t>
             </a:r>
             <a:endParaRPr lang="de-DE" dirty="0"/>
           </a:p>
           <a:p>
+            <a:pPr lvl="1"/>
+            <a:r>
+              <a:rPr lang="de-DE" dirty="0" err="1"/>
+              <a:t>Cubic</a:t>
+            </a:r>
+            <a:r>
+              <a:rPr lang="de-DE" dirty="0"/>
+              <a:t> </a:t>
+            </a:r>
+            <a:r>
+              <a:rPr lang="de-DE" dirty="0" err="1"/>
+              <a:t>cargo</a:t>
+            </a:r>
+            <a:r>
+              <a:rPr lang="de-DE" dirty="0"/>
+              <a:t>- </a:t>
+            </a:r>
+            <a:r>
+              <a:rPr lang="de-DE" dirty="0" err="1"/>
+              <a:t>space</a:t>
+            </a:r>
+            <a:r>
+              <a:rPr lang="de-DE" dirty="0"/>
+              <a:t> (5mx5mx5m): </a:t>
+            </a:r>
+            <a:r>
+              <a:rPr lang="de-DE" dirty="0" err="1"/>
+              <a:t>greedy</a:t>
+            </a:r>
+            <a:r>
+              <a:rPr lang="de-DE" dirty="0"/>
+              <a:t> </a:t>
+            </a:r>
+            <a:r>
+              <a:rPr lang="de-DE" dirty="0" err="1"/>
+              <a:t>algorithm</a:t>
+            </a:r>
+            <a:r>
+              <a:rPr lang="de-DE" dirty="0"/>
+              <a:t> </a:t>
+            </a:r>
+            <a:r>
+              <a:rPr lang="de-DE" dirty="0" err="1"/>
+              <a:t>is</a:t>
+            </a:r>
+            <a:r>
+              <a:rPr lang="de-DE" dirty="0"/>
+              <a:t> </a:t>
+            </a:r>
+            <a:r>
+              <a:rPr lang="de-DE" dirty="0" err="1"/>
+              <a:t>better</a:t>
+            </a:r>
+            <a:r>
+              <a:rPr lang="de-DE" dirty="0"/>
+              <a:t> </a:t>
+            </a:r>
+            <a:r>
+              <a:rPr lang="de-DE" dirty="0" err="1"/>
+              <a:t>than</a:t>
+            </a:r>
+            <a:r>
+              <a:rPr lang="de-DE" dirty="0"/>
+              <a:t> </a:t>
+            </a:r>
+            <a:r>
+              <a:rPr lang="de-DE" dirty="0" err="1"/>
+              <a:t>random</a:t>
+            </a:r>
+            <a:r>
+              <a:rPr lang="de-DE" dirty="0"/>
+              <a:t> </a:t>
+            </a:r>
+            <a:r>
+              <a:rPr lang="de-DE" dirty="0" err="1"/>
+              <a:t>algorithm</a:t>
+            </a:r>
+            <a:endParaRPr lang="de-DE" dirty="0"/>
+          </a:p>
+          <a:p>
+            <a:pPr lvl="1"/>
+            <a:r>
+              <a:rPr lang="de-DE" dirty="0"/>
+              <a:t>Tiny </a:t>
+            </a:r>
+            <a:r>
+              <a:rPr lang="de-DE" dirty="0" err="1"/>
+              <a:t>cargo</a:t>
+            </a:r>
+            <a:r>
+              <a:rPr lang="de-DE" dirty="0"/>
+              <a:t>- </a:t>
+            </a:r>
+            <a:r>
+              <a:rPr lang="de-DE" dirty="0" err="1"/>
+              <a:t>space</a:t>
+            </a:r>
+            <a:r>
+              <a:rPr lang="de-DE" dirty="0"/>
+              <a:t> (8mx1mx2m):  </a:t>
+            </a:r>
+            <a:r>
+              <a:rPr lang="de-DE" dirty="0" err="1"/>
+              <a:t>both</a:t>
+            </a:r>
+            <a:r>
+              <a:rPr lang="de-DE" dirty="0"/>
+              <a:t> </a:t>
+            </a:r>
+            <a:r>
+              <a:rPr lang="de-DE" dirty="0" err="1"/>
+              <a:t>algorithms</a:t>
+            </a:r>
+            <a:r>
+              <a:rPr lang="de-DE" dirty="0"/>
+              <a:t> </a:t>
+            </a:r>
+            <a:r>
+              <a:rPr lang="de-DE" dirty="0" err="1"/>
+              <a:t>have</a:t>
+            </a:r>
+            <a:r>
+              <a:rPr lang="de-DE" dirty="0"/>
+              <a:t> </a:t>
+            </a:r>
+            <a:r>
+              <a:rPr lang="de-DE" dirty="0" err="1"/>
+              <a:t>the</a:t>
+            </a:r>
+            <a:r>
+              <a:rPr lang="de-DE" dirty="0"/>
+              <a:t> same maximum </a:t>
+            </a:r>
+            <a:r>
+              <a:rPr lang="de-DE" dirty="0" err="1"/>
+              <a:t>value</a:t>
+            </a:r>
+            <a:endParaRPr lang="de-DE" dirty="0"/>
+          </a:p>
+          <a:p>
+            <a:pPr lvl="1"/>
+            <a:endParaRPr lang="de-DE" dirty="0"/>
+          </a:p>
+          <a:p>
+            <a:pPr lvl="1"/>
             <a:endParaRPr lang="de-DE" dirty="0"/>
           </a:p>
         </p:txBody>
@@ -5361,7 +7384,1073 @@
     </p:spTree>
     <p:extLst>
       <p:ext uri="{BB962C8B-B14F-4D97-AF65-F5344CB8AC3E}">
-        <p14:creationId xmlns:p14="http://schemas.microsoft.com/office/powerpoint/2010/main" val="927674628"/>
+        <p14:creationId xmlns:p14="http://schemas.microsoft.com/office/powerpoint/2010/main" val="3147120763"/>
+      </p:ext>
+    </p:extLst>
+  </p:cSld>
+  <p:clrMapOvr>
+    <a:masterClrMapping/>
+  </p:clrMapOvr>
+</p:sld>
+</file>
+
+<file path=ppt/slides/slide17.xml><?xml version="1.0" encoding="utf-8"?>
+<p:sld xmlns:a="http://schemas.openxmlformats.org/drawingml/2006/main" xmlns:r="http://schemas.openxmlformats.org/officeDocument/2006/relationships" xmlns:p="http://schemas.openxmlformats.org/presentationml/2006/main">
+  <p:cSld>
+    <p:spTree>
+      <p:nvGrpSpPr>
+        <p:cNvPr id="1" name=""/>
+        <p:cNvGrpSpPr/>
+        <p:nvPr/>
+      </p:nvGrpSpPr>
+      <p:grpSpPr>
+        <a:xfrm>
+          <a:off x="0" y="0"/>
+          <a:ext cx="0" cy="0"/>
+          <a:chOff x="0" y="0"/>
+          <a:chExt cx="0" cy="0"/>
+        </a:xfrm>
+      </p:grpSpPr>
+      <p:sp>
+        <p:nvSpPr>
+          <p:cNvPr id="2" name="Titel 1">
+            <a:extLst>
+              <a:ext uri="{FF2B5EF4-FFF2-40B4-BE49-F238E27FC236}">
+                <a16:creationId xmlns:a16="http://schemas.microsoft.com/office/drawing/2014/main" id="{A8481663-123E-4BAF-8413-D0BE0CA64E98}"/>
+              </a:ext>
+            </a:extLst>
+          </p:cNvPr>
+          <p:cNvSpPr>
+            <a:spLocks noGrp="1"/>
+          </p:cNvSpPr>
+          <p:nvPr>
+            <p:ph type="title"/>
+          </p:nvPr>
+        </p:nvSpPr>
+        <p:spPr>
+          <a:xfrm>
+            <a:off x="1451578" y="713079"/>
+            <a:ext cx="9603275" cy="1049235"/>
+          </a:xfrm>
+        </p:spPr>
+        <p:txBody>
+          <a:bodyPr/>
+          <a:lstStyle/>
+          <a:p>
+            <a:r>
+              <a:rPr lang="de-DE" dirty="0" err="1"/>
+              <a:t>Results</a:t>
+            </a:r>
+            <a:r>
+              <a:rPr lang="de-DE" dirty="0"/>
+              <a:t> </a:t>
+            </a:r>
+            <a:r>
+              <a:rPr lang="de-DE" dirty="0" err="1"/>
+              <a:t>for</a:t>
+            </a:r>
+            <a:r>
+              <a:rPr lang="de-DE" dirty="0"/>
+              <a:t> Boxes:</a:t>
+            </a:r>
+            <a:br>
+              <a:rPr lang="de-DE" dirty="0"/>
+            </a:br>
+            <a:r>
+              <a:rPr lang="de-DE" dirty="0"/>
+              <a:t>Maximum </a:t>
+            </a:r>
+            <a:r>
+              <a:rPr lang="de-DE" dirty="0" err="1"/>
+              <a:t>value</a:t>
+            </a:r>
+            <a:r>
+              <a:rPr lang="de-DE" dirty="0"/>
+              <a:t> </a:t>
+            </a:r>
+            <a:r>
+              <a:rPr lang="de-DE" dirty="0" err="1"/>
+              <a:t>of</a:t>
+            </a:r>
+            <a:r>
+              <a:rPr lang="de-DE" dirty="0"/>
+              <a:t> Cargo- </a:t>
+            </a:r>
+            <a:r>
+              <a:rPr lang="de-DE" dirty="0" err="1"/>
+              <a:t>space</a:t>
+            </a:r>
+            <a:endParaRPr lang="de-DE" dirty="0"/>
+          </a:p>
+        </p:txBody>
+      </p:sp>
+      <p:sp>
+        <p:nvSpPr>
+          <p:cNvPr id="3" name="Inhaltsplatzhalter 2">
+            <a:extLst>
+              <a:ext uri="{FF2B5EF4-FFF2-40B4-BE49-F238E27FC236}">
+                <a16:creationId xmlns:a16="http://schemas.microsoft.com/office/drawing/2014/main" id="{579A6E3E-919C-409C-B7CC-818DB1D09301}"/>
+              </a:ext>
+            </a:extLst>
+          </p:cNvPr>
+          <p:cNvSpPr>
+            <a:spLocks noGrp="1"/>
+          </p:cNvSpPr>
+          <p:nvPr>
+            <p:ph idx="1"/>
+          </p:nvPr>
+        </p:nvSpPr>
+        <p:spPr/>
+        <p:txBody>
+          <a:bodyPr/>
+          <a:lstStyle/>
+          <a:p>
+            <a:r>
+              <a:rPr lang="de-DE" dirty="0" err="1"/>
+              <a:t>Increasing</a:t>
+            </a:r>
+            <a:r>
+              <a:rPr lang="de-DE" dirty="0"/>
+              <a:t> </a:t>
+            </a:r>
+            <a:r>
+              <a:rPr lang="de-DE" dirty="0" err="1"/>
+              <a:t>values</a:t>
+            </a:r>
+            <a:r>
+              <a:rPr lang="de-DE" dirty="0"/>
+              <a:t> </a:t>
+            </a:r>
+            <a:r>
+              <a:rPr lang="de-DE" dirty="0" err="1"/>
+              <a:t>to</a:t>
+            </a:r>
+            <a:r>
+              <a:rPr lang="de-DE" dirty="0"/>
+              <a:t> 30, 40, 50:</a:t>
+            </a:r>
+          </a:p>
+          <a:p>
+            <a:r>
+              <a:rPr lang="de-DE" dirty="0" err="1"/>
+              <a:t>For</a:t>
+            </a:r>
+            <a:r>
+              <a:rPr lang="de-DE" dirty="0"/>
+              <a:t> </a:t>
+            </a:r>
+            <a:r>
+              <a:rPr lang="de-DE" dirty="0" err="1"/>
+              <a:t>the</a:t>
+            </a:r>
+            <a:r>
+              <a:rPr lang="de-DE" dirty="0"/>
+              <a:t> different </a:t>
+            </a:r>
+            <a:r>
+              <a:rPr lang="de-DE" dirty="0" err="1"/>
+              <a:t>sizes</a:t>
+            </a:r>
+            <a:r>
+              <a:rPr lang="de-DE" dirty="0"/>
+              <a:t> </a:t>
+            </a:r>
+            <a:r>
+              <a:rPr lang="de-DE" dirty="0" err="1"/>
+              <a:t>of</a:t>
+            </a:r>
+            <a:r>
+              <a:rPr lang="de-DE" dirty="0"/>
+              <a:t> </a:t>
+            </a:r>
+            <a:r>
+              <a:rPr lang="de-DE" dirty="0" err="1"/>
+              <a:t>cargo</a:t>
+            </a:r>
+            <a:r>
+              <a:rPr lang="de-DE" dirty="0"/>
+              <a:t>- </a:t>
+            </a:r>
+            <a:r>
+              <a:rPr lang="de-DE" dirty="0" err="1"/>
+              <a:t>space</a:t>
+            </a:r>
+            <a:r>
+              <a:rPr lang="de-DE" dirty="0"/>
+              <a:t> </a:t>
+            </a:r>
+            <a:r>
+              <a:rPr lang="de-DE" dirty="0" err="1"/>
+              <a:t>there</a:t>
+            </a:r>
+            <a:r>
+              <a:rPr lang="de-DE" dirty="0"/>
+              <a:t> </a:t>
+            </a:r>
+            <a:r>
+              <a:rPr lang="de-DE" dirty="0" err="1"/>
+              <a:t>the</a:t>
+            </a:r>
+            <a:r>
+              <a:rPr lang="de-DE" dirty="0"/>
+              <a:t> </a:t>
+            </a:r>
+            <a:r>
+              <a:rPr lang="de-DE" dirty="0" err="1"/>
+              <a:t>values</a:t>
+            </a:r>
+            <a:r>
+              <a:rPr lang="de-DE" dirty="0"/>
+              <a:t> </a:t>
+            </a:r>
+            <a:r>
+              <a:rPr lang="de-DE" dirty="0" err="1"/>
+              <a:t>are</a:t>
+            </a:r>
+            <a:r>
+              <a:rPr lang="de-DE" dirty="0"/>
+              <a:t> proportional </a:t>
+            </a:r>
+          </a:p>
+          <a:p>
+            <a:r>
+              <a:rPr lang="de-DE" dirty="0" err="1"/>
+              <a:t>It</a:t>
+            </a:r>
+            <a:r>
+              <a:rPr lang="de-DE" dirty="0"/>
+              <a:t> </a:t>
+            </a:r>
+            <a:r>
+              <a:rPr lang="de-DE" dirty="0" err="1"/>
+              <a:t>would</a:t>
+            </a:r>
+            <a:r>
+              <a:rPr lang="de-DE" dirty="0"/>
+              <a:t> </a:t>
+            </a:r>
+            <a:r>
+              <a:rPr lang="de-DE" dirty="0" err="1"/>
+              <a:t>have</a:t>
+            </a:r>
+            <a:r>
+              <a:rPr lang="de-DE" dirty="0"/>
+              <a:t> </a:t>
+            </a:r>
+            <a:r>
+              <a:rPr lang="de-DE" dirty="0" err="1"/>
+              <a:t>been</a:t>
+            </a:r>
+            <a:r>
+              <a:rPr lang="de-DE" dirty="0"/>
+              <a:t> </a:t>
+            </a:r>
+            <a:r>
+              <a:rPr lang="de-DE" dirty="0" err="1"/>
+              <a:t>better</a:t>
+            </a:r>
+            <a:r>
+              <a:rPr lang="de-DE" dirty="0"/>
+              <a:t> </a:t>
+            </a:r>
+            <a:r>
+              <a:rPr lang="de-DE" dirty="0" err="1"/>
+              <a:t>to</a:t>
+            </a:r>
+            <a:r>
+              <a:rPr lang="de-DE" dirty="0"/>
+              <a:t> </a:t>
+            </a:r>
+            <a:r>
+              <a:rPr lang="de-DE" dirty="0" err="1"/>
+              <a:t>combine</a:t>
+            </a:r>
+            <a:r>
+              <a:rPr lang="de-DE" dirty="0"/>
+              <a:t> </a:t>
+            </a:r>
+            <a:r>
+              <a:rPr lang="de-DE" dirty="0" err="1"/>
+              <a:t>really</a:t>
+            </a:r>
+            <a:r>
+              <a:rPr lang="de-DE" dirty="0"/>
+              <a:t> </a:t>
+            </a:r>
+            <a:r>
+              <a:rPr lang="de-DE" dirty="0" err="1"/>
+              <a:t>small</a:t>
+            </a:r>
+            <a:r>
+              <a:rPr lang="de-DE" dirty="0"/>
+              <a:t> and </a:t>
+            </a:r>
+            <a:r>
+              <a:rPr lang="de-DE" dirty="0" err="1"/>
+              <a:t>really</a:t>
+            </a:r>
+            <a:r>
+              <a:rPr lang="de-DE" dirty="0"/>
+              <a:t> high </a:t>
+            </a:r>
+            <a:r>
+              <a:rPr lang="de-DE" dirty="0" err="1"/>
+              <a:t>values</a:t>
+            </a:r>
+            <a:endParaRPr lang="de-DE" dirty="0"/>
+          </a:p>
+          <a:p>
+            <a:pPr marL="0" indent="0">
+              <a:buNone/>
+            </a:pPr>
+            <a:r>
+              <a:rPr lang="de-DE" dirty="0">
+                <a:sym typeface="Wingdings" panose="05000000000000000000" pitchFamily="2" charset="2"/>
+              </a:rPr>
+              <a:t>	 </a:t>
+            </a:r>
+            <a:r>
+              <a:rPr lang="de-DE" dirty="0" err="1">
+                <a:sym typeface="Wingdings" panose="05000000000000000000" pitchFamily="2" charset="2"/>
+              </a:rPr>
+              <a:t>this</a:t>
+            </a:r>
+            <a:r>
+              <a:rPr lang="de-DE" dirty="0">
+                <a:sym typeface="Wingdings" panose="05000000000000000000" pitchFamily="2" charset="2"/>
+              </a:rPr>
+              <a:t> </a:t>
+            </a:r>
+            <a:r>
+              <a:rPr lang="de-DE" dirty="0" err="1">
+                <a:sym typeface="Wingdings" panose="05000000000000000000" pitchFamily="2" charset="2"/>
+              </a:rPr>
+              <a:t>might</a:t>
+            </a:r>
+            <a:r>
+              <a:rPr lang="de-DE" dirty="0">
+                <a:sym typeface="Wingdings" panose="05000000000000000000" pitchFamily="2" charset="2"/>
+              </a:rPr>
+              <a:t> </a:t>
+            </a:r>
+            <a:r>
+              <a:rPr lang="de-DE" dirty="0" err="1">
+                <a:sym typeface="Wingdings" panose="05000000000000000000" pitchFamily="2" charset="2"/>
+              </a:rPr>
+              <a:t>have</a:t>
+            </a:r>
+            <a:r>
+              <a:rPr lang="de-DE" dirty="0">
+                <a:sym typeface="Wingdings" panose="05000000000000000000" pitchFamily="2" charset="2"/>
+              </a:rPr>
+              <a:t> </a:t>
+            </a:r>
+            <a:r>
+              <a:rPr lang="de-DE" dirty="0" err="1">
+                <a:sym typeface="Wingdings" panose="05000000000000000000" pitchFamily="2" charset="2"/>
+              </a:rPr>
+              <a:t>shown</a:t>
+            </a:r>
+            <a:r>
+              <a:rPr lang="de-DE" dirty="0">
+                <a:sym typeface="Wingdings" panose="05000000000000000000" pitchFamily="2" charset="2"/>
+              </a:rPr>
+              <a:t> </a:t>
+            </a:r>
+            <a:r>
+              <a:rPr lang="de-DE" dirty="0" err="1">
+                <a:sym typeface="Wingdings" panose="05000000000000000000" pitchFamily="2" charset="2"/>
+              </a:rPr>
+              <a:t>that</a:t>
+            </a:r>
+            <a:r>
+              <a:rPr lang="de-DE" dirty="0">
+                <a:sym typeface="Wingdings" panose="05000000000000000000" pitchFamily="2" charset="2"/>
+              </a:rPr>
+              <a:t> </a:t>
+            </a:r>
+            <a:r>
+              <a:rPr lang="de-DE" dirty="0" err="1">
+                <a:sym typeface="Wingdings" panose="05000000000000000000" pitchFamily="2" charset="2"/>
+              </a:rPr>
+              <a:t>the</a:t>
+            </a:r>
+            <a:r>
+              <a:rPr lang="de-DE" dirty="0">
+                <a:sym typeface="Wingdings" panose="05000000000000000000" pitchFamily="2" charset="2"/>
+              </a:rPr>
+              <a:t> </a:t>
+            </a:r>
+            <a:r>
+              <a:rPr lang="de-DE" dirty="0" err="1">
+                <a:sym typeface="Wingdings" panose="05000000000000000000" pitchFamily="2" charset="2"/>
+              </a:rPr>
+              <a:t>greedy</a:t>
+            </a:r>
+            <a:r>
+              <a:rPr lang="de-DE" dirty="0">
+                <a:sym typeface="Wingdings" panose="05000000000000000000" pitchFamily="2" charset="2"/>
+              </a:rPr>
+              <a:t> </a:t>
+            </a:r>
+            <a:r>
+              <a:rPr lang="de-DE" dirty="0" err="1">
+                <a:sym typeface="Wingdings" panose="05000000000000000000" pitchFamily="2" charset="2"/>
+              </a:rPr>
+              <a:t>algorithm</a:t>
+            </a:r>
+            <a:r>
+              <a:rPr lang="de-DE" dirty="0">
+                <a:sym typeface="Wingdings" panose="05000000000000000000" pitchFamily="2" charset="2"/>
+              </a:rPr>
+              <a:t> </a:t>
+            </a:r>
+            <a:r>
+              <a:rPr lang="de-DE" dirty="0" err="1">
+                <a:sym typeface="Wingdings" panose="05000000000000000000" pitchFamily="2" charset="2"/>
+              </a:rPr>
+              <a:t>works</a:t>
+            </a:r>
+            <a:r>
+              <a:rPr lang="de-DE" dirty="0">
+                <a:sym typeface="Wingdings" panose="05000000000000000000" pitchFamily="2" charset="2"/>
+              </a:rPr>
+              <a:t> </a:t>
+            </a:r>
+            <a:r>
+              <a:rPr lang="de-DE" dirty="0" err="1">
+                <a:sym typeface="Wingdings" panose="05000000000000000000" pitchFamily="2" charset="2"/>
+              </a:rPr>
+              <a:t>much</a:t>
+            </a:r>
+            <a:r>
+              <a:rPr lang="de-DE" dirty="0">
+                <a:sym typeface="Wingdings" panose="05000000000000000000" pitchFamily="2" charset="2"/>
+              </a:rPr>
+              <a:t> </a:t>
+            </a:r>
+            <a:r>
+              <a:rPr lang="de-DE" dirty="0" err="1">
+                <a:sym typeface="Wingdings" panose="05000000000000000000" pitchFamily="2" charset="2"/>
+              </a:rPr>
+              <a:t>better</a:t>
+            </a:r>
+            <a:r>
+              <a:rPr lang="de-DE" dirty="0">
+                <a:sym typeface="Wingdings" panose="05000000000000000000" pitchFamily="2" charset="2"/>
+              </a:rPr>
+              <a:t> in such a 	</a:t>
+            </a:r>
+            <a:r>
+              <a:rPr lang="de-DE" dirty="0" err="1">
+                <a:sym typeface="Wingdings" panose="05000000000000000000" pitchFamily="2" charset="2"/>
+              </a:rPr>
+              <a:t>situation</a:t>
+            </a:r>
+            <a:r>
+              <a:rPr lang="de-DE" dirty="0">
+                <a:sym typeface="Wingdings" panose="05000000000000000000" pitchFamily="2" charset="2"/>
+              </a:rPr>
+              <a:t>, </a:t>
+            </a:r>
+            <a:r>
+              <a:rPr lang="de-DE" dirty="0" err="1">
+                <a:sym typeface="Wingdings" panose="05000000000000000000" pitchFamily="2" charset="2"/>
+              </a:rPr>
+              <a:t>because</a:t>
+            </a:r>
+            <a:r>
+              <a:rPr lang="de-DE" dirty="0">
+                <a:sym typeface="Wingdings" panose="05000000000000000000" pitchFamily="2" charset="2"/>
+              </a:rPr>
+              <a:t> </a:t>
+            </a:r>
+            <a:r>
+              <a:rPr lang="de-DE" dirty="0" err="1">
+                <a:sym typeface="Wingdings" panose="05000000000000000000" pitchFamily="2" charset="2"/>
+              </a:rPr>
+              <a:t>it</a:t>
+            </a:r>
+            <a:r>
+              <a:rPr lang="de-DE" dirty="0">
+                <a:sym typeface="Wingdings" panose="05000000000000000000" pitchFamily="2" charset="2"/>
+              </a:rPr>
+              <a:t> </a:t>
+            </a:r>
+            <a:r>
+              <a:rPr lang="de-DE" dirty="0" err="1">
+                <a:sym typeface="Wingdings" panose="05000000000000000000" pitchFamily="2" charset="2"/>
+              </a:rPr>
+              <a:t>skips</a:t>
+            </a:r>
+            <a:r>
+              <a:rPr lang="de-DE" dirty="0">
+                <a:sym typeface="Wingdings" panose="05000000000000000000" pitchFamily="2" charset="2"/>
+              </a:rPr>
+              <a:t> </a:t>
+            </a:r>
+            <a:r>
+              <a:rPr lang="de-DE" dirty="0" err="1">
+                <a:sym typeface="Wingdings" panose="05000000000000000000" pitchFamily="2" charset="2"/>
+              </a:rPr>
+              <a:t>the</a:t>
+            </a:r>
+            <a:r>
+              <a:rPr lang="de-DE" dirty="0">
+                <a:sym typeface="Wingdings" panose="05000000000000000000" pitchFamily="2" charset="2"/>
+              </a:rPr>
+              <a:t> </a:t>
+            </a:r>
+            <a:r>
+              <a:rPr lang="de-DE" dirty="0" err="1">
+                <a:sym typeface="Wingdings" panose="05000000000000000000" pitchFamily="2" charset="2"/>
+              </a:rPr>
+              <a:t>boxes</a:t>
+            </a:r>
+            <a:r>
+              <a:rPr lang="de-DE" dirty="0">
+                <a:sym typeface="Wingdings" panose="05000000000000000000" pitchFamily="2" charset="2"/>
+              </a:rPr>
+              <a:t> </a:t>
+            </a:r>
+            <a:r>
+              <a:rPr lang="de-DE" dirty="0" err="1">
+                <a:sym typeface="Wingdings" panose="05000000000000000000" pitchFamily="2" charset="2"/>
+              </a:rPr>
+              <a:t>with</a:t>
+            </a:r>
+            <a:r>
+              <a:rPr lang="de-DE" dirty="0">
+                <a:sym typeface="Wingdings" panose="05000000000000000000" pitchFamily="2" charset="2"/>
+              </a:rPr>
+              <a:t> </a:t>
+            </a:r>
+            <a:r>
+              <a:rPr lang="de-DE" dirty="0" err="1">
+                <a:sym typeface="Wingdings" panose="05000000000000000000" pitchFamily="2" charset="2"/>
+              </a:rPr>
+              <a:t>the</a:t>
+            </a:r>
+            <a:r>
+              <a:rPr lang="de-DE" dirty="0">
+                <a:sym typeface="Wingdings" panose="05000000000000000000" pitchFamily="2" charset="2"/>
+              </a:rPr>
+              <a:t> </a:t>
+            </a:r>
+            <a:r>
+              <a:rPr lang="de-DE" dirty="0" err="1">
+                <a:sym typeface="Wingdings" panose="05000000000000000000" pitchFamily="2" charset="2"/>
+              </a:rPr>
+              <a:t>smaller</a:t>
+            </a:r>
+            <a:r>
+              <a:rPr lang="de-DE" dirty="0">
+                <a:sym typeface="Wingdings" panose="05000000000000000000" pitchFamily="2" charset="2"/>
+              </a:rPr>
+              <a:t> </a:t>
+            </a:r>
+            <a:r>
+              <a:rPr lang="de-DE" dirty="0" err="1">
+                <a:sym typeface="Wingdings" panose="05000000000000000000" pitchFamily="2" charset="2"/>
+              </a:rPr>
+              <a:t>value</a:t>
+            </a:r>
+            <a:endParaRPr lang="de-DE" dirty="0"/>
+          </a:p>
+        </p:txBody>
+      </p:sp>
+    </p:spTree>
+    <p:extLst>
+      <p:ext uri="{BB962C8B-B14F-4D97-AF65-F5344CB8AC3E}">
+        <p14:creationId xmlns:p14="http://schemas.microsoft.com/office/powerpoint/2010/main" val="30492486"/>
+      </p:ext>
+    </p:extLst>
+  </p:cSld>
+  <p:clrMapOvr>
+    <a:masterClrMapping/>
+  </p:clrMapOvr>
+</p:sld>
+</file>
+
+<file path=ppt/slides/slide18.xml><?xml version="1.0" encoding="utf-8"?>
+<p:sld xmlns:a="http://schemas.openxmlformats.org/drawingml/2006/main" xmlns:r="http://schemas.openxmlformats.org/officeDocument/2006/relationships" xmlns:p="http://schemas.openxmlformats.org/presentationml/2006/main">
+  <p:cSld>
+    <p:spTree>
+      <p:nvGrpSpPr>
+        <p:cNvPr id="1" name=""/>
+        <p:cNvGrpSpPr/>
+        <p:nvPr/>
+      </p:nvGrpSpPr>
+      <p:grpSpPr>
+        <a:xfrm>
+          <a:off x="0" y="0"/>
+          <a:ext cx="0" cy="0"/>
+          <a:chOff x="0" y="0"/>
+          <a:chExt cx="0" cy="0"/>
+        </a:xfrm>
+      </p:grpSpPr>
+      <p:sp>
+        <p:nvSpPr>
+          <p:cNvPr id="2" name="Titel 1">
+            <a:extLst>
+              <a:ext uri="{FF2B5EF4-FFF2-40B4-BE49-F238E27FC236}">
+                <a16:creationId xmlns:a16="http://schemas.microsoft.com/office/drawing/2014/main" id="{11459672-3BE7-401D-99FE-C34BE82D6A4C}"/>
+              </a:ext>
+            </a:extLst>
+          </p:cNvPr>
+          <p:cNvSpPr>
+            <a:spLocks noGrp="1"/>
+          </p:cNvSpPr>
+          <p:nvPr>
+            <p:ph type="title"/>
+          </p:nvPr>
+        </p:nvSpPr>
+        <p:spPr/>
+        <p:txBody>
+          <a:bodyPr/>
+          <a:lstStyle/>
+          <a:p>
+            <a:r>
+              <a:rPr lang="de-DE" dirty="0" err="1"/>
+              <a:t>results</a:t>
+            </a:r>
+            <a:r>
+              <a:rPr lang="de-DE" dirty="0"/>
+              <a:t> </a:t>
+            </a:r>
+            <a:r>
+              <a:rPr lang="de-DE" dirty="0" err="1"/>
+              <a:t>for</a:t>
+            </a:r>
+            <a:r>
+              <a:rPr lang="de-DE" dirty="0"/>
+              <a:t> </a:t>
+            </a:r>
+            <a:r>
+              <a:rPr lang="de-DE" dirty="0" err="1"/>
+              <a:t>pentominoes</a:t>
+            </a:r>
+            <a:r>
+              <a:rPr lang="de-DE" dirty="0"/>
+              <a:t>:</a:t>
+            </a:r>
+            <a:br>
+              <a:rPr lang="de-DE" dirty="0"/>
+            </a:br>
+            <a:r>
+              <a:rPr lang="de-DE" dirty="0"/>
+              <a:t>Can </a:t>
+            </a:r>
+            <a:r>
+              <a:rPr lang="de-DE" dirty="0" err="1"/>
+              <a:t>the</a:t>
+            </a:r>
+            <a:r>
+              <a:rPr lang="de-DE" dirty="0"/>
+              <a:t> </a:t>
+            </a:r>
+            <a:r>
+              <a:rPr lang="de-DE" dirty="0" err="1"/>
+              <a:t>cargo</a:t>
+            </a:r>
+            <a:r>
+              <a:rPr lang="de-DE" dirty="0"/>
+              <a:t>- Space </a:t>
+            </a:r>
+            <a:r>
+              <a:rPr lang="de-DE" dirty="0" err="1"/>
+              <a:t>be</a:t>
+            </a:r>
+            <a:r>
+              <a:rPr lang="de-DE" dirty="0"/>
+              <a:t> </a:t>
+            </a:r>
+            <a:r>
+              <a:rPr lang="de-DE" dirty="0" err="1"/>
+              <a:t>filled</a:t>
+            </a:r>
+            <a:r>
+              <a:rPr lang="de-DE" dirty="0"/>
+              <a:t> </a:t>
+            </a:r>
+            <a:r>
+              <a:rPr lang="de-DE" dirty="0" err="1"/>
+              <a:t>completely</a:t>
+            </a:r>
+            <a:r>
+              <a:rPr lang="de-DE" dirty="0"/>
+              <a:t>?</a:t>
+            </a:r>
+          </a:p>
+        </p:txBody>
+      </p:sp>
+      <p:pic>
+        <p:nvPicPr>
+          <p:cNvPr id="5" name="Content Placeholder 4">
+            <a:extLst>
+              <a:ext uri="{FF2B5EF4-FFF2-40B4-BE49-F238E27FC236}">
+                <a16:creationId xmlns:a16="http://schemas.microsoft.com/office/drawing/2014/main" id="{6C1C558A-2550-4633-8167-1EA6E0280DBE}"/>
+              </a:ext>
+            </a:extLst>
+          </p:cNvPr>
+          <p:cNvPicPr>
+            <a:picLocks noGrp="1" noChangeAspect="1"/>
+          </p:cNvPicPr>
+          <p:nvPr>
+            <p:ph idx="1"/>
+          </p:nvPr>
+        </p:nvPicPr>
+        <p:blipFill>
+          <a:blip r:embed="rId2"/>
+          <a:stretch>
+            <a:fillRect/>
+          </a:stretch>
+        </p:blipFill>
+        <p:spPr>
+          <a:xfrm>
+            <a:off x="1451579" y="2125182"/>
+            <a:ext cx="3200847" cy="3096057"/>
+          </a:xfrm>
+        </p:spPr>
+      </p:pic>
+      <p:sp>
+        <p:nvSpPr>
+          <p:cNvPr id="6" name="TextBox 5">
+            <a:extLst>
+              <a:ext uri="{FF2B5EF4-FFF2-40B4-BE49-F238E27FC236}">
+                <a16:creationId xmlns:a16="http://schemas.microsoft.com/office/drawing/2014/main" id="{70023E2F-808C-441F-B3A7-3CE83271A3AA}"/>
+              </a:ext>
+            </a:extLst>
+          </p:cNvPr>
+          <p:cNvSpPr txBox="1"/>
+          <p:nvPr/>
+        </p:nvSpPr>
+        <p:spPr>
+          <a:xfrm>
+            <a:off x="5164664" y="2125181"/>
+            <a:ext cx="6519335" cy="3416320"/>
+          </a:xfrm>
+          <a:prstGeom prst="rect">
+            <a:avLst/>
+          </a:prstGeom>
+          <a:noFill/>
+        </p:spPr>
+        <p:txBody>
+          <a:bodyPr wrap="square" rtlCol="0">
+            <a:spAutoFit/>
+          </a:bodyPr>
+          <a:lstStyle/>
+          <a:p>
+            <a:pPr marL="342900" indent="-342900">
+              <a:buFont typeface="Arial" panose="020B0604020202020204" pitchFamily="34" charset="0"/>
+              <a:buChar char="•"/>
+            </a:pPr>
+            <a:r>
+              <a:rPr lang="en-US" sz="2400" dirty="0"/>
+              <a:t>Not possible with random algorithm</a:t>
+            </a:r>
+          </a:p>
+          <a:p>
+            <a:pPr marL="342900" indent="-342900">
+              <a:buFont typeface="Arial" panose="020B0604020202020204" pitchFamily="34" charset="0"/>
+              <a:buChar char="•"/>
+            </a:pPr>
+            <a:r>
+              <a:rPr lang="en-US" sz="2400" dirty="0"/>
+              <a:t>Not possible with greedy algorithm</a:t>
+            </a:r>
+          </a:p>
+          <a:p>
+            <a:pPr marL="342900" indent="-342900">
+              <a:buFont typeface="Arial" panose="020B0604020202020204" pitchFamily="34" charset="0"/>
+              <a:buChar char="•"/>
+            </a:pPr>
+            <a:r>
+              <a:rPr lang="en-US" sz="2400" dirty="0"/>
+              <a:t>However, it is possible: </a:t>
+            </a:r>
+          </a:p>
+          <a:p>
+            <a:pPr marL="342900" indent="-342900">
+              <a:buFont typeface="Arial" panose="020B0604020202020204" pitchFamily="34" charset="0"/>
+              <a:buChar char="•"/>
+            </a:pPr>
+            <a:endParaRPr lang="en-US" sz="2400" dirty="0"/>
+          </a:p>
+          <a:p>
+            <a:r>
+              <a:rPr lang="en-US" sz="2400" dirty="0"/>
+              <a:t>If one 2.5m x 4.0m x 0.5m  ’slice’ of the cargo is filled such as shown in the picture and 33 ‘slices’ are placed side-by-side, this ﬁlls the cargo- space without gaps.</a:t>
+            </a:r>
+          </a:p>
+          <a:p>
+            <a:pPr marL="342900" indent="-342900">
+              <a:buFont typeface="Arial" panose="020B0604020202020204" pitchFamily="34" charset="0"/>
+              <a:buChar char="•"/>
+            </a:pPr>
+            <a:endParaRPr lang="en-NL" sz="2400" dirty="0"/>
+          </a:p>
+        </p:txBody>
+      </p:sp>
+    </p:spTree>
+    <p:extLst>
+      <p:ext uri="{BB962C8B-B14F-4D97-AF65-F5344CB8AC3E}">
+        <p14:creationId xmlns:p14="http://schemas.microsoft.com/office/powerpoint/2010/main" val="990820066"/>
+      </p:ext>
+    </p:extLst>
+  </p:cSld>
+  <p:clrMapOvr>
+    <a:masterClrMapping/>
+  </p:clrMapOvr>
+</p:sld>
+</file>
+
+<file path=ppt/slides/slide19.xml><?xml version="1.0" encoding="utf-8"?>
+<p:sld xmlns:a="http://schemas.openxmlformats.org/drawingml/2006/main" xmlns:r="http://schemas.openxmlformats.org/officeDocument/2006/relationships" xmlns:p="http://schemas.openxmlformats.org/presentationml/2006/main">
+  <p:cSld>
+    <p:spTree>
+      <p:nvGrpSpPr>
+        <p:cNvPr id="1" name=""/>
+        <p:cNvGrpSpPr/>
+        <p:nvPr/>
+      </p:nvGrpSpPr>
+      <p:grpSpPr>
+        <a:xfrm>
+          <a:off x="0" y="0"/>
+          <a:ext cx="0" cy="0"/>
+          <a:chOff x="0" y="0"/>
+          <a:chExt cx="0" cy="0"/>
+        </a:xfrm>
+      </p:grpSpPr>
+      <p:sp>
+        <p:nvSpPr>
+          <p:cNvPr id="2" name="Titel 1">
+            <a:extLst>
+              <a:ext uri="{FF2B5EF4-FFF2-40B4-BE49-F238E27FC236}">
+                <a16:creationId xmlns:a16="http://schemas.microsoft.com/office/drawing/2014/main" id="{2D6D3D92-2EC6-4D37-A02D-0AC5364B2786}"/>
+              </a:ext>
+            </a:extLst>
+          </p:cNvPr>
+          <p:cNvSpPr>
+            <a:spLocks noGrp="1"/>
+          </p:cNvSpPr>
+          <p:nvPr>
+            <p:ph type="title"/>
+          </p:nvPr>
+        </p:nvSpPr>
+        <p:spPr>
+          <a:xfrm>
+            <a:off x="1451579" y="685799"/>
+            <a:ext cx="9603275" cy="1167955"/>
+          </a:xfrm>
+        </p:spPr>
+        <p:txBody>
+          <a:bodyPr/>
+          <a:lstStyle/>
+          <a:p>
+            <a:r>
+              <a:rPr lang="de-DE" dirty="0" err="1"/>
+              <a:t>Results</a:t>
+            </a:r>
+            <a:r>
+              <a:rPr lang="de-DE" dirty="0"/>
+              <a:t> </a:t>
+            </a:r>
+            <a:r>
+              <a:rPr lang="de-DE" dirty="0" err="1"/>
+              <a:t>for</a:t>
+            </a:r>
+            <a:r>
+              <a:rPr lang="de-DE" dirty="0"/>
+              <a:t> </a:t>
+            </a:r>
+            <a:r>
+              <a:rPr lang="de-DE" dirty="0" err="1"/>
+              <a:t>Pentominoes</a:t>
+            </a:r>
+            <a:r>
+              <a:rPr lang="de-DE" dirty="0"/>
+              <a:t>:</a:t>
+            </a:r>
+            <a:br>
+              <a:rPr lang="de-DE" dirty="0"/>
+            </a:br>
+            <a:r>
+              <a:rPr lang="de-DE" dirty="0"/>
+              <a:t>Maximum </a:t>
+            </a:r>
+            <a:r>
+              <a:rPr lang="de-DE" dirty="0" err="1"/>
+              <a:t>value</a:t>
+            </a:r>
+            <a:r>
+              <a:rPr lang="de-DE" dirty="0"/>
+              <a:t> </a:t>
+            </a:r>
+            <a:r>
+              <a:rPr lang="de-DE" dirty="0" err="1"/>
+              <a:t>of</a:t>
+            </a:r>
+            <a:r>
+              <a:rPr lang="de-DE" dirty="0"/>
+              <a:t> Cargo- </a:t>
+            </a:r>
+            <a:r>
+              <a:rPr lang="de-DE" dirty="0" err="1"/>
+              <a:t>space</a:t>
+            </a:r>
+            <a:endParaRPr lang="de-DE" dirty="0"/>
+          </a:p>
+        </p:txBody>
+      </p:sp>
+      <p:sp>
+        <p:nvSpPr>
+          <p:cNvPr id="3" name="Inhaltsplatzhalter 2">
+            <a:extLst>
+              <a:ext uri="{FF2B5EF4-FFF2-40B4-BE49-F238E27FC236}">
+                <a16:creationId xmlns:a16="http://schemas.microsoft.com/office/drawing/2014/main" id="{7E72855E-5CEF-48B0-91EA-BAAB92BB71D5}"/>
+              </a:ext>
+            </a:extLst>
+          </p:cNvPr>
+          <p:cNvSpPr>
+            <a:spLocks noGrp="1"/>
+          </p:cNvSpPr>
+          <p:nvPr>
+            <p:ph idx="1"/>
+          </p:nvPr>
+        </p:nvSpPr>
+        <p:spPr/>
+        <p:txBody>
+          <a:bodyPr/>
+          <a:lstStyle/>
+          <a:p>
+            <a:r>
+              <a:rPr lang="de-DE" dirty="0" err="1"/>
+              <a:t>For</a:t>
+            </a:r>
+            <a:r>
+              <a:rPr lang="de-DE" dirty="0"/>
+              <a:t> </a:t>
+            </a:r>
+            <a:r>
+              <a:rPr lang="de-DE" dirty="0" err="1"/>
+              <a:t>the</a:t>
+            </a:r>
+            <a:r>
+              <a:rPr lang="de-DE" dirty="0"/>
+              <a:t> </a:t>
+            </a:r>
+            <a:r>
+              <a:rPr lang="de-DE" dirty="0" err="1"/>
+              <a:t>given</a:t>
+            </a:r>
+            <a:r>
+              <a:rPr lang="de-DE" dirty="0"/>
+              <a:t> </a:t>
+            </a:r>
+            <a:r>
+              <a:rPr lang="de-DE" dirty="0" err="1"/>
+              <a:t>cargo-space</a:t>
+            </a:r>
+            <a:r>
+              <a:rPr lang="de-DE" dirty="0"/>
+              <a:t> and </a:t>
+            </a:r>
+            <a:r>
+              <a:rPr lang="de-DE" dirty="0" err="1"/>
+              <a:t>the</a:t>
+            </a:r>
+            <a:r>
+              <a:rPr lang="de-DE" dirty="0"/>
+              <a:t> </a:t>
+            </a:r>
+            <a:r>
+              <a:rPr lang="de-DE" dirty="0" err="1"/>
+              <a:t>values</a:t>
+            </a:r>
+            <a:r>
+              <a:rPr lang="de-DE" dirty="0"/>
+              <a:t> L=3, P=4,  T=5 </a:t>
+            </a:r>
+          </a:p>
+          <a:p>
+            <a:pPr lvl="1"/>
+            <a:r>
+              <a:rPr lang="de-DE" dirty="0"/>
+              <a:t>The maximum </a:t>
+            </a:r>
+            <a:r>
+              <a:rPr lang="de-DE" dirty="0" err="1"/>
+              <a:t>value</a:t>
+            </a:r>
+            <a:r>
+              <a:rPr lang="de-DE" dirty="0"/>
+              <a:t> </a:t>
+            </a:r>
+            <a:r>
+              <a:rPr lang="de-DE" dirty="0" err="1"/>
+              <a:t>for</a:t>
+            </a:r>
+            <a:r>
+              <a:rPr lang="de-DE" dirty="0"/>
+              <a:t> </a:t>
+            </a:r>
+            <a:r>
+              <a:rPr lang="de-DE" dirty="0" err="1"/>
+              <a:t>random</a:t>
+            </a:r>
+            <a:r>
+              <a:rPr lang="de-DE" dirty="0"/>
+              <a:t>: 1101 </a:t>
+            </a:r>
+            <a:r>
+              <a:rPr lang="de-DE" dirty="0" err="1"/>
+              <a:t>units</a:t>
+            </a:r>
+            <a:endParaRPr lang="de-DE" dirty="0"/>
+          </a:p>
+          <a:p>
+            <a:pPr lvl="1"/>
+            <a:r>
+              <a:rPr lang="de-DE" dirty="0"/>
+              <a:t>The maximum </a:t>
+            </a:r>
+            <a:r>
+              <a:rPr lang="de-DE" dirty="0" err="1"/>
+              <a:t>value</a:t>
+            </a:r>
+            <a:r>
+              <a:rPr lang="de-DE" dirty="0"/>
+              <a:t> </a:t>
+            </a:r>
+            <a:r>
+              <a:rPr lang="de-DE" dirty="0" err="1"/>
+              <a:t>for</a:t>
+            </a:r>
+            <a:r>
+              <a:rPr lang="de-DE" dirty="0"/>
+              <a:t> </a:t>
+            </a:r>
+            <a:r>
+              <a:rPr lang="de-DE" dirty="0" err="1"/>
+              <a:t>greedy</a:t>
+            </a:r>
+            <a:r>
+              <a:rPr lang="de-DE" dirty="0"/>
+              <a:t>: 1023 </a:t>
+            </a:r>
+            <a:r>
+              <a:rPr lang="de-DE" dirty="0" err="1"/>
+              <a:t>units</a:t>
+            </a:r>
+            <a:endParaRPr lang="de-DE" dirty="0"/>
+          </a:p>
+        </p:txBody>
+      </p:sp>
+    </p:spTree>
+    <p:extLst>
+      <p:ext uri="{BB962C8B-B14F-4D97-AF65-F5344CB8AC3E}">
+        <p14:creationId xmlns:p14="http://schemas.microsoft.com/office/powerpoint/2010/main" val="875780183"/>
       </p:ext>
     </p:extLst>
   </p:cSld>
@@ -5435,7 +8524,9 @@
         </p:nvSpPr>
         <p:spPr/>
         <p:txBody>
-          <a:bodyPr/>
+          <a:bodyPr>
+            <a:normAutofit/>
+          </a:bodyPr>
           <a:lstStyle/>
           <a:p>
             <a:r>
@@ -5462,7 +8553,7 @@
           <a:p>
             <a:r>
               <a:rPr lang="de-DE" dirty="0" err="1"/>
-              <a:t>Algorithm</a:t>
+              <a:t>Algorithms</a:t>
             </a:r>
             <a:r>
               <a:rPr lang="de-DE" dirty="0"/>
@@ -5478,7 +8569,7 @@
             </a:r>
             <a:r>
               <a:rPr lang="de-DE" dirty="0" err="1"/>
-              <a:t>we</a:t>
+              <a:t>were</a:t>
             </a:r>
             <a:r>
               <a:rPr lang="de-DE" dirty="0"/>
@@ -5492,35 +8583,35 @@
           </a:p>
           <a:p>
             <a:r>
+              <a:rPr lang="de-DE" dirty="0" err="1"/>
+              <a:t>Results</a:t>
+            </a:r>
+            <a:r>
+              <a:rPr lang="de-DE" dirty="0"/>
+              <a:t> </a:t>
+            </a:r>
+            <a:r>
+              <a:rPr lang="de-DE" dirty="0" err="1"/>
+              <a:t>for</a:t>
+            </a:r>
+            <a:r>
+              <a:rPr lang="de-DE" dirty="0"/>
+              <a:t> </a:t>
+            </a:r>
+            <a:r>
+              <a:rPr lang="de-DE" dirty="0" err="1"/>
+              <a:t>boxes</a:t>
+            </a:r>
+            <a:endParaRPr lang="de-DE" dirty="0"/>
+          </a:p>
+          <a:p>
+            <a:r>
               <a:rPr lang="de-DE" dirty="0"/>
               <a:t>3D </a:t>
             </a:r>
             <a:r>
               <a:rPr lang="de-DE" dirty="0" err="1"/>
               <a:t>visualization</a:t>
-            </a:r>
-            <a:endParaRPr lang="de-DE" dirty="0"/>
-          </a:p>
-          <a:p>
-            <a:r>
-              <a:rPr lang="de-DE" dirty="0" err="1"/>
-              <a:t>Results</a:t>
-            </a:r>
-            <a:r>
-              <a:rPr lang="de-DE" dirty="0"/>
-              <a:t> </a:t>
-            </a:r>
-            <a:r>
-              <a:rPr lang="de-DE" dirty="0" err="1"/>
-              <a:t>for</a:t>
-            </a:r>
-            <a:r>
-              <a:rPr lang="de-DE" dirty="0"/>
-              <a:t> </a:t>
-            </a:r>
-            <a:r>
-              <a:rPr lang="de-DE" dirty="0" err="1"/>
-              <a:t>boxes</a:t>
             </a:r>
             <a:endParaRPr lang="de-DE" dirty="0"/>
           </a:p>
@@ -5563,6 +8654,1450 @@
     <p:extLst>
       <p:ext uri="{BB962C8B-B14F-4D97-AF65-F5344CB8AC3E}">
         <p14:creationId xmlns:p14="http://schemas.microsoft.com/office/powerpoint/2010/main" val="2026982744"/>
+      </p:ext>
+    </p:extLst>
+  </p:cSld>
+  <p:clrMapOvr>
+    <a:masterClrMapping/>
+  </p:clrMapOvr>
+</p:sld>
+</file>
+
+<file path=ppt/slides/slide20.xml><?xml version="1.0" encoding="utf-8"?>
+<p:sld xmlns:a="http://schemas.openxmlformats.org/drawingml/2006/main" xmlns:r="http://schemas.openxmlformats.org/officeDocument/2006/relationships" xmlns:p="http://schemas.openxmlformats.org/presentationml/2006/main">
+  <p:cSld>
+    <p:spTree>
+      <p:nvGrpSpPr>
+        <p:cNvPr id="1" name=""/>
+        <p:cNvGrpSpPr/>
+        <p:nvPr/>
+      </p:nvGrpSpPr>
+      <p:grpSpPr>
+        <a:xfrm>
+          <a:off x="0" y="0"/>
+          <a:ext cx="0" cy="0"/>
+          <a:chOff x="0" y="0"/>
+          <a:chExt cx="0" cy="0"/>
+        </a:xfrm>
+      </p:grpSpPr>
+      <p:sp>
+        <p:nvSpPr>
+          <p:cNvPr id="2" name="Titel 1">
+            <a:extLst>
+              <a:ext uri="{FF2B5EF4-FFF2-40B4-BE49-F238E27FC236}">
+                <a16:creationId xmlns:a16="http://schemas.microsoft.com/office/drawing/2014/main" id="{2D6D3D92-2EC6-4D37-A02D-0AC5364B2786}"/>
+              </a:ext>
+            </a:extLst>
+          </p:cNvPr>
+          <p:cNvSpPr>
+            <a:spLocks noGrp="1"/>
+          </p:cNvSpPr>
+          <p:nvPr>
+            <p:ph type="title"/>
+          </p:nvPr>
+        </p:nvSpPr>
+        <p:spPr/>
+        <p:txBody>
+          <a:bodyPr/>
+          <a:lstStyle/>
+          <a:p>
+            <a:r>
+              <a:rPr lang="de-DE" dirty="0" err="1"/>
+              <a:t>Results</a:t>
+            </a:r>
+            <a:r>
+              <a:rPr lang="de-DE" dirty="0"/>
+              <a:t> </a:t>
+            </a:r>
+            <a:r>
+              <a:rPr lang="de-DE" dirty="0" err="1"/>
+              <a:t>for</a:t>
+            </a:r>
+            <a:r>
+              <a:rPr lang="de-DE" dirty="0"/>
+              <a:t> </a:t>
+            </a:r>
+            <a:r>
+              <a:rPr lang="de-DE" dirty="0" err="1"/>
+              <a:t>Pentominoes</a:t>
+            </a:r>
+            <a:r>
+              <a:rPr lang="de-DE" dirty="0"/>
+              <a:t>:</a:t>
+            </a:r>
+            <a:br>
+              <a:rPr lang="de-DE" dirty="0"/>
+            </a:br>
+            <a:r>
+              <a:rPr lang="de-DE" dirty="0"/>
+              <a:t>Maximum </a:t>
+            </a:r>
+            <a:r>
+              <a:rPr lang="de-DE" dirty="0" err="1"/>
+              <a:t>value</a:t>
+            </a:r>
+            <a:r>
+              <a:rPr lang="de-DE" dirty="0"/>
+              <a:t> </a:t>
+            </a:r>
+            <a:r>
+              <a:rPr lang="de-DE" dirty="0" err="1"/>
+              <a:t>of</a:t>
+            </a:r>
+            <a:r>
+              <a:rPr lang="de-DE" dirty="0"/>
+              <a:t> Cargo- </a:t>
+            </a:r>
+            <a:r>
+              <a:rPr lang="de-DE" dirty="0" err="1"/>
+              <a:t>space</a:t>
+            </a:r>
+            <a:endParaRPr lang="de-DE" dirty="0"/>
+          </a:p>
+        </p:txBody>
+      </p:sp>
+      <p:sp>
+        <p:nvSpPr>
+          <p:cNvPr id="3" name="Inhaltsplatzhalter 2">
+            <a:extLst>
+              <a:ext uri="{FF2B5EF4-FFF2-40B4-BE49-F238E27FC236}">
+                <a16:creationId xmlns:a16="http://schemas.microsoft.com/office/drawing/2014/main" id="{7E72855E-5CEF-48B0-91EA-BAAB92BB71D5}"/>
+              </a:ext>
+            </a:extLst>
+          </p:cNvPr>
+          <p:cNvSpPr>
+            <a:spLocks noGrp="1"/>
+          </p:cNvSpPr>
+          <p:nvPr>
+            <p:ph idx="1"/>
+          </p:nvPr>
+        </p:nvSpPr>
+        <p:spPr/>
+        <p:txBody>
+          <a:bodyPr/>
+          <a:lstStyle/>
+          <a:p>
+            <a:r>
+              <a:rPr lang="de-DE" dirty="0" err="1"/>
+              <a:t>Changing</a:t>
+            </a:r>
+            <a:r>
+              <a:rPr lang="de-DE" dirty="0"/>
+              <a:t> </a:t>
+            </a:r>
+            <a:r>
+              <a:rPr lang="de-DE" dirty="0" err="1"/>
+              <a:t>the</a:t>
+            </a:r>
+            <a:r>
+              <a:rPr lang="de-DE" dirty="0"/>
+              <a:t> </a:t>
+            </a:r>
+            <a:r>
+              <a:rPr lang="de-DE" dirty="0" err="1"/>
+              <a:t>size</a:t>
+            </a:r>
+            <a:r>
+              <a:rPr lang="de-DE" dirty="0"/>
+              <a:t> </a:t>
+            </a:r>
+            <a:r>
+              <a:rPr lang="de-DE" dirty="0" err="1"/>
+              <a:t>of</a:t>
+            </a:r>
+            <a:r>
+              <a:rPr lang="de-DE" dirty="0"/>
+              <a:t> </a:t>
+            </a:r>
+            <a:r>
+              <a:rPr lang="de-DE" dirty="0" err="1"/>
+              <a:t>the</a:t>
+            </a:r>
+            <a:r>
+              <a:rPr lang="de-DE" dirty="0"/>
+              <a:t> </a:t>
+            </a:r>
+            <a:r>
+              <a:rPr lang="de-DE" dirty="0" err="1"/>
+              <a:t>cargo</a:t>
+            </a:r>
+            <a:r>
+              <a:rPr lang="de-DE" dirty="0"/>
+              <a:t>- </a:t>
+            </a:r>
+            <a:r>
+              <a:rPr lang="de-DE" dirty="0" err="1"/>
+              <a:t>space</a:t>
+            </a:r>
+            <a:r>
+              <a:rPr lang="de-DE" dirty="0"/>
+              <a:t>:</a:t>
+            </a:r>
+          </a:p>
+          <a:p>
+            <a:pPr lvl="1"/>
+            <a:r>
+              <a:rPr lang="de-DE" dirty="0"/>
+              <a:t>Tiny </a:t>
+            </a:r>
+            <a:r>
+              <a:rPr lang="de-DE" dirty="0" err="1"/>
+              <a:t>cargo-space</a:t>
+            </a:r>
+            <a:r>
+              <a:rPr lang="de-DE" dirty="0"/>
+              <a:t>: </a:t>
+            </a:r>
+            <a:r>
+              <a:rPr lang="de-DE" dirty="0" err="1"/>
+              <a:t>results</a:t>
+            </a:r>
+            <a:r>
+              <a:rPr lang="de-DE" dirty="0"/>
+              <a:t> </a:t>
+            </a:r>
+            <a:r>
+              <a:rPr lang="de-DE" dirty="0" err="1"/>
+              <a:t>are</a:t>
+            </a:r>
+            <a:r>
+              <a:rPr lang="de-DE" dirty="0"/>
+              <a:t> </a:t>
+            </a:r>
+            <a:r>
+              <a:rPr lang="de-DE" dirty="0" err="1"/>
+              <a:t>almost</a:t>
+            </a:r>
+            <a:r>
+              <a:rPr lang="de-DE" dirty="0"/>
+              <a:t> </a:t>
+            </a:r>
+            <a:r>
+              <a:rPr lang="de-DE" dirty="0" err="1"/>
+              <a:t>the</a:t>
+            </a:r>
+            <a:r>
+              <a:rPr lang="de-DE" dirty="0"/>
+              <a:t> same</a:t>
+            </a:r>
+          </a:p>
+          <a:p>
+            <a:pPr lvl="1"/>
+            <a:r>
+              <a:rPr lang="de-DE" dirty="0" err="1"/>
+              <a:t>Cubic</a:t>
+            </a:r>
+            <a:r>
+              <a:rPr lang="de-DE" dirty="0"/>
+              <a:t> </a:t>
+            </a:r>
+            <a:r>
+              <a:rPr lang="de-DE" dirty="0" err="1"/>
+              <a:t>cargo-space</a:t>
+            </a:r>
+            <a:r>
+              <a:rPr lang="de-DE" dirty="0"/>
+              <a:t>: maximum </a:t>
+            </a:r>
+            <a:r>
+              <a:rPr lang="de-DE" dirty="0" err="1"/>
+              <a:t>result</a:t>
+            </a:r>
+            <a:r>
+              <a:rPr lang="de-DE" dirty="0"/>
+              <a:t> </a:t>
+            </a:r>
+            <a:r>
+              <a:rPr lang="de-DE" dirty="0" err="1"/>
+              <a:t>of</a:t>
+            </a:r>
+            <a:r>
+              <a:rPr lang="de-DE" dirty="0"/>
+              <a:t> </a:t>
+            </a:r>
+            <a:r>
+              <a:rPr lang="de-DE" dirty="0" err="1"/>
+              <a:t>random</a:t>
+            </a:r>
+            <a:r>
+              <a:rPr lang="de-DE" dirty="0"/>
+              <a:t> </a:t>
+            </a:r>
+            <a:r>
+              <a:rPr lang="de-DE" dirty="0" err="1"/>
+              <a:t>algorithm</a:t>
+            </a:r>
+            <a:r>
+              <a:rPr lang="de-DE" dirty="0"/>
+              <a:t> 20% </a:t>
+            </a:r>
+            <a:r>
+              <a:rPr lang="de-DE" dirty="0" err="1"/>
+              <a:t>higher</a:t>
+            </a:r>
+            <a:r>
+              <a:rPr lang="de-DE" dirty="0"/>
+              <a:t> </a:t>
+            </a:r>
+            <a:r>
+              <a:rPr lang="de-DE" dirty="0" err="1"/>
+              <a:t>than</a:t>
+            </a:r>
+            <a:r>
+              <a:rPr lang="de-DE" dirty="0"/>
+              <a:t> </a:t>
+            </a:r>
+            <a:r>
+              <a:rPr lang="de-DE" dirty="0" err="1"/>
+              <a:t>greedy</a:t>
+            </a:r>
+            <a:r>
+              <a:rPr lang="de-DE" dirty="0"/>
+              <a:t> </a:t>
+            </a:r>
+            <a:r>
+              <a:rPr lang="de-DE" dirty="0" err="1"/>
+              <a:t>algorithm</a:t>
+            </a:r>
+            <a:r>
+              <a:rPr lang="de-DE" dirty="0"/>
+              <a:t> </a:t>
+            </a:r>
+            <a:r>
+              <a:rPr lang="fr-FR" dirty="0"/>
+              <a:t>(827 </a:t>
+            </a:r>
+            <a:r>
+              <a:rPr lang="fr-FR" dirty="0" err="1"/>
+              <a:t>units</a:t>
+            </a:r>
+            <a:r>
+              <a:rPr lang="fr-FR" dirty="0"/>
+              <a:t> versus 687 </a:t>
+            </a:r>
+            <a:r>
+              <a:rPr lang="fr-FR" dirty="0" err="1"/>
+              <a:t>units</a:t>
+            </a:r>
+            <a:r>
+              <a:rPr lang="de-DE" dirty="0"/>
+              <a:t>)</a:t>
+            </a:r>
+          </a:p>
+          <a:p>
+            <a:pPr lvl="1"/>
+            <a:r>
+              <a:rPr lang="de-DE" dirty="0"/>
+              <a:t>Big </a:t>
+            </a:r>
+            <a:r>
+              <a:rPr lang="de-DE" dirty="0" err="1"/>
+              <a:t>cargo-space</a:t>
+            </a:r>
+            <a:r>
+              <a:rPr lang="de-DE" dirty="0"/>
+              <a:t>: </a:t>
+            </a:r>
+          </a:p>
+          <a:p>
+            <a:pPr lvl="2">
+              <a:buFont typeface="Wingdings" panose="05000000000000000000" pitchFamily="2" charset="2"/>
+              <a:buChar char="à"/>
+            </a:pPr>
+            <a:r>
+              <a:rPr lang="de-DE" dirty="0"/>
+              <a:t> </a:t>
+            </a:r>
+            <a:r>
+              <a:rPr lang="de-DE" dirty="0" err="1"/>
+              <a:t>greedy</a:t>
+            </a:r>
+            <a:r>
+              <a:rPr lang="de-DE" dirty="0"/>
+              <a:t> </a:t>
+            </a:r>
+            <a:r>
+              <a:rPr lang="de-DE" dirty="0" err="1"/>
+              <a:t>algorithm</a:t>
+            </a:r>
+            <a:r>
+              <a:rPr lang="de-DE" dirty="0"/>
+              <a:t> </a:t>
+            </a:r>
+            <a:r>
+              <a:rPr lang="de-DE" dirty="0" err="1"/>
+              <a:t>only</a:t>
+            </a:r>
+            <a:r>
+              <a:rPr lang="de-DE" dirty="0"/>
+              <a:t> 2739 </a:t>
+            </a:r>
+            <a:r>
+              <a:rPr lang="de-DE" dirty="0" err="1"/>
+              <a:t>units</a:t>
+            </a:r>
+            <a:endParaRPr lang="de-DE" dirty="0"/>
+          </a:p>
+          <a:p>
+            <a:pPr lvl="2">
+              <a:buFont typeface="Wingdings" panose="05000000000000000000" pitchFamily="2" charset="2"/>
+              <a:buChar char="à"/>
+            </a:pPr>
+            <a:r>
+              <a:rPr lang="de-DE" dirty="0">
+                <a:sym typeface="Wingdings" panose="05000000000000000000" pitchFamily="2" charset="2"/>
+              </a:rPr>
+              <a:t> </a:t>
+            </a:r>
+            <a:r>
+              <a:rPr lang="de-DE" dirty="0" err="1"/>
+              <a:t>random</a:t>
+            </a:r>
+            <a:r>
+              <a:rPr lang="de-DE" dirty="0"/>
+              <a:t> </a:t>
+            </a:r>
+            <a:r>
+              <a:rPr lang="de-DE" dirty="0" err="1"/>
+              <a:t>algorithm</a:t>
+            </a:r>
+            <a:r>
+              <a:rPr lang="de-DE" dirty="0"/>
+              <a:t> </a:t>
+            </a:r>
+            <a:r>
+              <a:rPr lang="de-DE" dirty="0" err="1"/>
+              <a:t>achieves</a:t>
+            </a:r>
+            <a:r>
+              <a:rPr lang="de-DE" dirty="0"/>
+              <a:t> </a:t>
+            </a:r>
+            <a:r>
+              <a:rPr lang="de-DE" dirty="0" err="1"/>
+              <a:t>values</a:t>
+            </a:r>
+            <a:r>
+              <a:rPr lang="de-DE" dirty="0"/>
+              <a:t> </a:t>
+            </a:r>
+            <a:r>
+              <a:rPr lang="de-DE" dirty="0" err="1"/>
+              <a:t>between</a:t>
+            </a:r>
+            <a:r>
+              <a:rPr lang="de-DE" dirty="0"/>
+              <a:t> 8564- 8770 </a:t>
+            </a:r>
+            <a:r>
+              <a:rPr lang="de-DE" dirty="0" err="1"/>
+              <a:t>units</a:t>
+            </a:r>
+            <a:endParaRPr lang="de-DE" dirty="0"/>
+          </a:p>
+          <a:p>
+            <a:pPr lvl="2">
+              <a:buFont typeface="Wingdings" panose="05000000000000000000" pitchFamily="2" charset="2"/>
+              <a:buChar char="à"/>
+            </a:pPr>
+            <a:r>
+              <a:rPr lang="de-DE" dirty="0"/>
+              <a:t> </a:t>
+            </a:r>
+            <a:r>
+              <a:rPr lang="de-DE" dirty="0" err="1"/>
+              <a:t>Increase</a:t>
+            </a:r>
+            <a:r>
+              <a:rPr lang="de-DE" dirty="0"/>
+              <a:t> </a:t>
+            </a:r>
+            <a:r>
+              <a:rPr lang="de-DE" dirty="0" err="1"/>
+              <a:t>of</a:t>
+            </a:r>
+            <a:r>
+              <a:rPr lang="de-DE" dirty="0"/>
+              <a:t> 220%</a:t>
+            </a:r>
+          </a:p>
+        </p:txBody>
+      </p:sp>
+    </p:spTree>
+    <p:extLst>
+      <p:ext uri="{BB962C8B-B14F-4D97-AF65-F5344CB8AC3E}">
+        <p14:creationId xmlns:p14="http://schemas.microsoft.com/office/powerpoint/2010/main" val="3995186373"/>
+      </p:ext>
+    </p:extLst>
+  </p:cSld>
+  <p:clrMapOvr>
+    <a:masterClrMapping/>
+  </p:clrMapOvr>
+</p:sld>
+</file>
+
+<file path=ppt/slides/slide21.xml><?xml version="1.0" encoding="utf-8"?>
+<p:sld xmlns:a="http://schemas.openxmlformats.org/drawingml/2006/main" xmlns:r="http://schemas.openxmlformats.org/officeDocument/2006/relationships" xmlns:p="http://schemas.openxmlformats.org/presentationml/2006/main">
+  <p:cSld>
+    <p:spTree>
+      <p:nvGrpSpPr>
+        <p:cNvPr id="1" name=""/>
+        <p:cNvGrpSpPr/>
+        <p:nvPr/>
+      </p:nvGrpSpPr>
+      <p:grpSpPr>
+        <a:xfrm>
+          <a:off x="0" y="0"/>
+          <a:ext cx="0" cy="0"/>
+          <a:chOff x="0" y="0"/>
+          <a:chExt cx="0" cy="0"/>
+        </a:xfrm>
+      </p:grpSpPr>
+      <p:sp>
+        <p:nvSpPr>
+          <p:cNvPr id="2" name="Titel 1">
+            <a:extLst>
+              <a:ext uri="{FF2B5EF4-FFF2-40B4-BE49-F238E27FC236}">
+                <a16:creationId xmlns:a16="http://schemas.microsoft.com/office/drawing/2014/main" id="{2D6D3D92-2EC6-4D37-A02D-0AC5364B2786}"/>
+              </a:ext>
+            </a:extLst>
+          </p:cNvPr>
+          <p:cNvSpPr>
+            <a:spLocks noGrp="1"/>
+          </p:cNvSpPr>
+          <p:nvPr>
+            <p:ph type="title"/>
+          </p:nvPr>
+        </p:nvSpPr>
+        <p:spPr/>
+        <p:txBody>
+          <a:bodyPr/>
+          <a:lstStyle/>
+          <a:p>
+            <a:r>
+              <a:rPr lang="de-DE" dirty="0" err="1"/>
+              <a:t>Results</a:t>
+            </a:r>
+            <a:r>
+              <a:rPr lang="de-DE" dirty="0"/>
+              <a:t> </a:t>
+            </a:r>
+            <a:r>
+              <a:rPr lang="de-DE" dirty="0" err="1"/>
+              <a:t>for</a:t>
+            </a:r>
+            <a:r>
+              <a:rPr lang="de-DE" dirty="0"/>
+              <a:t> </a:t>
+            </a:r>
+            <a:r>
+              <a:rPr lang="de-DE" dirty="0" err="1"/>
+              <a:t>Pentominoes</a:t>
+            </a:r>
+            <a:r>
+              <a:rPr lang="de-DE" dirty="0"/>
+              <a:t>:</a:t>
+            </a:r>
+            <a:br>
+              <a:rPr lang="de-DE" dirty="0"/>
+            </a:br>
+            <a:r>
+              <a:rPr lang="de-DE" dirty="0"/>
+              <a:t>Maximum </a:t>
+            </a:r>
+            <a:r>
+              <a:rPr lang="de-DE" dirty="0" err="1"/>
+              <a:t>value</a:t>
+            </a:r>
+            <a:r>
+              <a:rPr lang="de-DE" dirty="0"/>
+              <a:t> </a:t>
+            </a:r>
+            <a:r>
+              <a:rPr lang="de-DE" dirty="0" err="1"/>
+              <a:t>of</a:t>
+            </a:r>
+            <a:r>
+              <a:rPr lang="de-DE" dirty="0"/>
+              <a:t> Cargo- </a:t>
+            </a:r>
+            <a:r>
+              <a:rPr lang="de-DE" dirty="0" err="1"/>
+              <a:t>space</a:t>
+            </a:r>
+            <a:endParaRPr lang="de-DE" dirty="0"/>
+          </a:p>
+        </p:txBody>
+      </p:sp>
+      <p:sp>
+        <p:nvSpPr>
+          <p:cNvPr id="3" name="Inhaltsplatzhalter 2">
+            <a:extLst>
+              <a:ext uri="{FF2B5EF4-FFF2-40B4-BE49-F238E27FC236}">
+                <a16:creationId xmlns:a16="http://schemas.microsoft.com/office/drawing/2014/main" id="{7E72855E-5CEF-48B0-91EA-BAAB92BB71D5}"/>
+              </a:ext>
+            </a:extLst>
+          </p:cNvPr>
+          <p:cNvSpPr>
+            <a:spLocks noGrp="1"/>
+          </p:cNvSpPr>
+          <p:nvPr>
+            <p:ph idx="1"/>
+          </p:nvPr>
+        </p:nvSpPr>
+        <p:spPr/>
+        <p:txBody>
+          <a:bodyPr/>
+          <a:lstStyle/>
+          <a:p>
+            <a:r>
+              <a:rPr lang="de-DE" dirty="0" err="1"/>
+              <a:t>Changing</a:t>
+            </a:r>
+            <a:r>
+              <a:rPr lang="de-DE" dirty="0"/>
+              <a:t> </a:t>
+            </a:r>
+            <a:r>
+              <a:rPr lang="de-DE" dirty="0" err="1"/>
+              <a:t>values</a:t>
+            </a:r>
+            <a:r>
+              <a:rPr lang="de-DE" dirty="0"/>
+              <a:t>:</a:t>
+            </a:r>
+          </a:p>
+          <a:p>
+            <a:pPr lvl="1"/>
+            <a:r>
+              <a:rPr lang="en-US" dirty="0"/>
+              <a:t>Random algorithm again performs 220% better than greedy algorithm in big cargo- space</a:t>
+            </a:r>
+          </a:p>
+          <a:p>
+            <a:pPr lvl="1"/>
+            <a:r>
+              <a:rPr lang="en-US" dirty="0"/>
+              <a:t>Maximum value of the cubic cargo- space increases insignificantly to 21%</a:t>
+            </a:r>
+          </a:p>
+          <a:p>
+            <a:pPr lvl="1"/>
+            <a:r>
+              <a:rPr lang="en-US" dirty="0"/>
+              <a:t>The tiny cargo-spaces are almost the same</a:t>
+            </a:r>
+            <a:endParaRPr lang="de-DE" dirty="0"/>
+          </a:p>
+        </p:txBody>
+      </p:sp>
+    </p:spTree>
+    <p:extLst>
+      <p:ext uri="{BB962C8B-B14F-4D97-AF65-F5344CB8AC3E}">
+        <p14:creationId xmlns:p14="http://schemas.microsoft.com/office/powerpoint/2010/main" val="2670240670"/>
+      </p:ext>
+    </p:extLst>
+  </p:cSld>
+  <p:clrMapOvr>
+    <a:masterClrMapping/>
+  </p:clrMapOvr>
+</p:sld>
+</file>
+
+<file path=ppt/slides/slide22.xml><?xml version="1.0" encoding="utf-8"?>
+<p:sld xmlns:a="http://schemas.openxmlformats.org/drawingml/2006/main" xmlns:r="http://schemas.openxmlformats.org/officeDocument/2006/relationships" xmlns:p="http://schemas.openxmlformats.org/presentationml/2006/main">
+  <p:cSld>
+    <p:spTree>
+      <p:nvGrpSpPr>
+        <p:cNvPr id="1" name=""/>
+        <p:cNvGrpSpPr/>
+        <p:nvPr/>
+      </p:nvGrpSpPr>
+      <p:grpSpPr>
+        <a:xfrm>
+          <a:off x="0" y="0"/>
+          <a:ext cx="0" cy="0"/>
+          <a:chOff x="0" y="0"/>
+          <a:chExt cx="0" cy="0"/>
+        </a:xfrm>
+      </p:grpSpPr>
+      <p:sp>
+        <p:nvSpPr>
+          <p:cNvPr id="2" name="Titel 1">
+            <a:extLst>
+              <a:ext uri="{FF2B5EF4-FFF2-40B4-BE49-F238E27FC236}">
+                <a16:creationId xmlns:a16="http://schemas.microsoft.com/office/drawing/2014/main" id="{2D6D3D92-2EC6-4D37-A02D-0AC5364B2786}"/>
+              </a:ext>
+            </a:extLst>
+          </p:cNvPr>
+          <p:cNvSpPr>
+            <a:spLocks noGrp="1"/>
+          </p:cNvSpPr>
+          <p:nvPr>
+            <p:ph type="title"/>
+          </p:nvPr>
+        </p:nvSpPr>
+        <p:spPr/>
+        <p:txBody>
+          <a:bodyPr/>
+          <a:lstStyle/>
+          <a:p>
+            <a:r>
+              <a:rPr lang="de-DE" dirty="0" err="1"/>
+              <a:t>Results</a:t>
+            </a:r>
+            <a:r>
+              <a:rPr lang="de-DE" dirty="0"/>
+              <a:t> </a:t>
+            </a:r>
+            <a:r>
+              <a:rPr lang="de-DE" dirty="0" err="1"/>
+              <a:t>for</a:t>
+            </a:r>
+            <a:r>
+              <a:rPr lang="de-DE" dirty="0"/>
+              <a:t> </a:t>
+            </a:r>
+            <a:r>
+              <a:rPr lang="de-DE" dirty="0" err="1"/>
+              <a:t>Pentominoes</a:t>
+            </a:r>
+            <a:r>
+              <a:rPr lang="de-DE" dirty="0"/>
+              <a:t>:</a:t>
+            </a:r>
+            <a:br>
+              <a:rPr lang="de-DE" dirty="0"/>
+            </a:br>
+            <a:r>
+              <a:rPr lang="de-DE" dirty="0"/>
+              <a:t>Maximum </a:t>
+            </a:r>
+            <a:r>
+              <a:rPr lang="de-DE" dirty="0" err="1"/>
+              <a:t>value</a:t>
+            </a:r>
+            <a:r>
+              <a:rPr lang="de-DE" dirty="0"/>
+              <a:t> </a:t>
+            </a:r>
+            <a:r>
+              <a:rPr lang="de-DE" dirty="0" err="1"/>
+              <a:t>of</a:t>
+            </a:r>
+            <a:r>
+              <a:rPr lang="de-DE" dirty="0"/>
+              <a:t> Cargo- </a:t>
+            </a:r>
+            <a:r>
+              <a:rPr lang="de-DE" dirty="0" err="1"/>
+              <a:t>space</a:t>
+            </a:r>
+            <a:endParaRPr lang="de-DE" dirty="0"/>
+          </a:p>
+        </p:txBody>
+      </p:sp>
+      <p:sp>
+        <p:nvSpPr>
+          <p:cNvPr id="3" name="Inhaltsplatzhalter 2">
+            <a:extLst>
+              <a:ext uri="{FF2B5EF4-FFF2-40B4-BE49-F238E27FC236}">
+                <a16:creationId xmlns:a16="http://schemas.microsoft.com/office/drawing/2014/main" id="{7E72855E-5CEF-48B0-91EA-BAAB92BB71D5}"/>
+              </a:ext>
+            </a:extLst>
+          </p:cNvPr>
+          <p:cNvSpPr>
+            <a:spLocks noGrp="1"/>
+          </p:cNvSpPr>
+          <p:nvPr>
+            <p:ph idx="1"/>
+          </p:nvPr>
+        </p:nvSpPr>
+        <p:spPr/>
+        <p:txBody>
+          <a:bodyPr/>
+          <a:lstStyle/>
+          <a:p>
+            <a:r>
+              <a:rPr lang="de-DE" dirty="0"/>
+              <a:t>Switched </a:t>
+            </a:r>
+            <a:r>
+              <a:rPr lang="de-DE" dirty="0" err="1"/>
+              <a:t>values</a:t>
+            </a:r>
+            <a:r>
+              <a:rPr lang="de-DE" dirty="0"/>
+              <a:t>:</a:t>
+            </a:r>
+          </a:p>
+          <a:p>
+            <a:pPr lvl="1"/>
+            <a:r>
+              <a:rPr lang="de-DE" dirty="0"/>
+              <a:t>Overall </a:t>
+            </a:r>
+            <a:r>
+              <a:rPr lang="en-US" dirty="0"/>
+              <a:t>maximum value achievable for the given cargo- space is 1279 units  (with P=4, T=5)</a:t>
+            </a:r>
+          </a:p>
+          <a:p>
+            <a:pPr lvl="1"/>
+            <a:r>
+              <a:rPr lang="en-US" dirty="0"/>
+              <a:t>Maximum value for big cargo- space increases to 3432 units</a:t>
+            </a:r>
+          </a:p>
+          <a:p>
+            <a:pPr marL="914400" lvl="2" indent="0">
+              <a:buNone/>
+            </a:pPr>
+            <a:r>
+              <a:rPr lang="en-US" dirty="0">
+                <a:sym typeface="Wingdings" panose="05000000000000000000" pitchFamily="2" charset="2"/>
+              </a:rPr>
+              <a:t> </a:t>
+            </a:r>
+            <a:r>
+              <a:rPr lang="en-US" dirty="0"/>
+              <a:t> still 156% less than the best random case with normal settings</a:t>
+            </a:r>
+          </a:p>
+          <a:p>
+            <a:pPr lvl="1"/>
+            <a:r>
+              <a:rPr lang="en-US" dirty="0"/>
+              <a:t>Cubic cargo-space reaches best overall value:  870 units</a:t>
+            </a:r>
+          </a:p>
+          <a:p>
+            <a:pPr lvl="1"/>
+            <a:r>
+              <a:rPr lang="en-US" dirty="0"/>
+              <a:t>Tiny cargo-space reaches best overall value: 118 units</a:t>
+            </a:r>
+          </a:p>
+        </p:txBody>
+      </p:sp>
+    </p:spTree>
+    <p:extLst>
+      <p:ext uri="{BB962C8B-B14F-4D97-AF65-F5344CB8AC3E}">
+        <p14:creationId xmlns:p14="http://schemas.microsoft.com/office/powerpoint/2010/main" val="3305891787"/>
+      </p:ext>
+    </p:extLst>
+  </p:cSld>
+  <p:clrMapOvr>
+    <a:masterClrMapping/>
+  </p:clrMapOvr>
+</p:sld>
+</file>
+
+<file path=ppt/slides/slide23.xml><?xml version="1.0" encoding="utf-8"?>
+<p:sld xmlns:a="http://schemas.openxmlformats.org/drawingml/2006/main" xmlns:r="http://schemas.openxmlformats.org/officeDocument/2006/relationships" xmlns:p="http://schemas.openxmlformats.org/presentationml/2006/main">
+  <p:cSld>
+    <p:spTree>
+      <p:nvGrpSpPr>
+        <p:cNvPr id="1" name=""/>
+        <p:cNvGrpSpPr/>
+        <p:nvPr/>
+      </p:nvGrpSpPr>
+      <p:grpSpPr>
+        <a:xfrm>
+          <a:off x="0" y="0"/>
+          <a:ext cx="0" cy="0"/>
+          <a:chOff x="0" y="0"/>
+          <a:chExt cx="0" cy="0"/>
+        </a:xfrm>
+      </p:grpSpPr>
+      <p:sp>
+        <p:nvSpPr>
+          <p:cNvPr id="2" name="Titel 1">
+            <a:extLst>
+              <a:ext uri="{FF2B5EF4-FFF2-40B4-BE49-F238E27FC236}">
+                <a16:creationId xmlns:a16="http://schemas.microsoft.com/office/drawing/2014/main" id="{E3D5661A-C2D7-4FF0-AA1A-B1D6B4EF5DBB}"/>
+              </a:ext>
+            </a:extLst>
+          </p:cNvPr>
+          <p:cNvSpPr>
+            <a:spLocks noGrp="1"/>
+          </p:cNvSpPr>
+          <p:nvPr>
+            <p:ph type="title"/>
+          </p:nvPr>
+        </p:nvSpPr>
+        <p:spPr/>
+        <p:txBody>
+          <a:bodyPr/>
+          <a:lstStyle/>
+          <a:p>
+            <a:r>
+              <a:rPr lang="de-DE" dirty="0" err="1"/>
+              <a:t>conclusions</a:t>
+            </a:r>
+            <a:endParaRPr lang="de-DE" dirty="0"/>
+          </a:p>
+        </p:txBody>
+      </p:sp>
+      <p:sp>
+        <p:nvSpPr>
+          <p:cNvPr id="3" name="Inhaltsplatzhalter 2">
+            <a:extLst>
+              <a:ext uri="{FF2B5EF4-FFF2-40B4-BE49-F238E27FC236}">
+                <a16:creationId xmlns:a16="http://schemas.microsoft.com/office/drawing/2014/main" id="{DE19E387-93F6-4E01-81CB-234586DF5A90}"/>
+              </a:ext>
+            </a:extLst>
+          </p:cNvPr>
+          <p:cNvSpPr>
+            <a:spLocks noGrp="1"/>
+          </p:cNvSpPr>
+          <p:nvPr>
+            <p:ph idx="1"/>
+          </p:nvPr>
+        </p:nvSpPr>
+        <p:spPr/>
+        <p:txBody>
+          <a:bodyPr>
+            <a:normAutofit/>
+          </a:bodyPr>
+          <a:lstStyle/>
+          <a:p>
+            <a:pPr marL="0" indent="0">
+              <a:buNone/>
+            </a:pPr>
+            <a:endParaRPr lang="de-DE" dirty="0"/>
+          </a:p>
+          <a:p>
+            <a:r>
+              <a:rPr lang="de-DE" dirty="0" err="1"/>
+              <a:t>Greedy</a:t>
+            </a:r>
+            <a:r>
+              <a:rPr lang="de-DE" dirty="0"/>
+              <a:t> </a:t>
+            </a:r>
+            <a:r>
+              <a:rPr lang="de-DE" dirty="0" err="1"/>
+              <a:t>algorithm</a:t>
+            </a:r>
+            <a:r>
+              <a:rPr lang="de-DE" dirty="0"/>
+              <a:t> </a:t>
+            </a:r>
+            <a:r>
+              <a:rPr lang="de-DE" dirty="0" err="1"/>
+              <a:t>shows</a:t>
+            </a:r>
+            <a:r>
+              <a:rPr lang="de-DE" dirty="0"/>
+              <a:t> </a:t>
+            </a:r>
+            <a:r>
+              <a:rPr lang="de-DE" dirty="0" err="1"/>
+              <a:t>better</a:t>
+            </a:r>
+            <a:r>
+              <a:rPr lang="de-DE" dirty="0"/>
+              <a:t> </a:t>
+            </a:r>
+            <a:r>
+              <a:rPr lang="de-DE" dirty="0" err="1"/>
+              <a:t>results</a:t>
+            </a:r>
+            <a:r>
+              <a:rPr lang="de-DE" dirty="0"/>
+              <a:t> </a:t>
+            </a:r>
+            <a:r>
+              <a:rPr lang="de-DE" dirty="0" err="1"/>
+              <a:t>with</a:t>
+            </a:r>
+            <a:r>
+              <a:rPr lang="de-DE" dirty="0"/>
+              <a:t> </a:t>
+            </a:r>
+          </a:p>
+          <a:p>
+            <a:pPr lvl="1"/>
+            <a:r>
+              <a:rPr lang="de-DE" dirty="0"/>
+              <a:t>box </a:t>
+            </a:r>
+            <a:r>
+              <a:rPr lang="de-DE" dirty="0" err="1"/>
+              <a:t>shaped</a:t>
+            </a:r>
+            <a:r>
+              <a:rPr lang="de-DE" dirty="0"/>
+              <a:t> </a:t>
+            </a:r>
+            <a:r>
+              <a:rPr lang="de-DE" dirty="0" err="1"/>
+              <a:t>parcels</a:t>
+            </a:r>
+            <a:endParaRPr lang="de-DE" dirty="0"/>
+          </a:p>
+          <a:p>
+            <a:pPr lvl="1"/>
+            <a:r>
+              <a:rPr lang="de-DE" dirty="0" err="1"/>
+              <a:t>bigger</a:t>
+            </a:r>
+            <a:r>
+              <a:rPr lang="de-DE" dirty="0"/>
+              <a:t> </a:t>
+            </a:r>
+            <a:r>
+              <a:rPr lang="de-DE" dirty="0" err="1"/>
+              <a:t>spaces</a:t>
+            </a:r>
+            <a:r>
+              <a:rPr lang="de-DE" dirty="0"/>
+              <a:t> (</a:t>
+            </a:r>
+            <a:r>
+              <a:rPr lang="de-DE" dirty="0" err="1"/>
+              <a:t>if</a:t>
+            </a:r>
+            <a:r>
+              <a:rPr lang="de-DE" dirty="0"/>
+              <a:t> </a:t>
+            </a:r>
+            <a:r>
+              <a:rPr lang="de-DE" dirty="0" err="1"/>
+              <a:t>compact</a:t>
+            </a:r>
+            <a:r>
+              <a:rPr lang="de-DE" dirty="0"/>
+              <a:t> </a:t>
+            </a:r>
+            <a:r>
+              <a:rPr lang="de-DE" dirty="0" err="1"/>
+              <a:t>parcels</a:t>
+            </a:r>
+            <a:r>
+              <a:rPr lang="de-DE" dirty="0"/>
+              <a:t> </a:t>
+            </a:r>
+            <a:r>
+              <a:rPr lang="de-DE" dirty="0" err="1"/>
+              <a:t>are</a:t>
+            </a:r>
+            <a:r>
+              <a:rPr lang="de-DE" dirty="0"/>
+              <a:t> </a:t>
+            </a:r>
+            <a:r>
+              <a:rPr lang="de-DE" dirty="0" err="1"/>
+              <a:t>used</a:t>
+            </a:r>
+            <a:r>
+              <a:rPr lang="de-DE" dirty="0"/>
+              <a:t>)</a:t>
+            </a:r>
+          </a:p>
+          <a:p>
+            <a:r>
+              <a:rPr lang="de-DE" dirty="0" err="1"/>
+              <a:t>Greedy</a:t>
+            </a:r>
+            <a:r>
+              <a:rPr lang="de-DE" dirty="0"/>
+              <a:t> </a:t>
+            </a:r>
+            <a:r>
+              <a:rPr lang="de-DE" dirty="0" err="1"/>
+              <a:t>algorithm</a:t>
+            </a:r>
+            <a:r>
+              <a:rPr lang="de-DE" dirty="0"/>
+              <a:t> </a:t>
+            </a:r>
+            <a:r>
+              <a:rPr lang="de-DE" dirty="0" err="1"/>
+              <a:t>performs</a:t>
+            </a:r>
+            <a:r>
+              <a:rPr lang="de-DE" dirty="0"/>
+              <a:t> </a:t>
+            </a:r>
+            <a:r>
+              <a:rPr lang="de-DE" dirty="0" err="1"/>
+              <a:t>very</a:t>
+            </a:r>
+            <a:r>
+              <a:rPr lang="de-DE" dirty="0"/>
+              <a:t> </a:t>
+            </a:r>
+            <a:r>
+              <a:rPr lang="de-DE" dirty="0" err="1"/>
+              <a:t>bad</a:t>
+            </a:r>
+            <a:r>
+              <a:rPr lang="de-DE" dirty="0"/>
+              <a:t> </a:t>
+            </a:r>
+            <a:r>
+              <a:rPr lang="de-DE" dirty="0" err="1"/>
+              <a:t>with</a:t>
+            </a:r>
+            <a:r>
+              <a:rPr lang="de-DE" dirty="0"/>
+              <a:t> </a:t>
+            </a:r>
+            <a:r>
+              <a:rPr lang="de-DE" dirty="0" err="1"/>
+              <a:t>more</a:t>
+            </a:r>
+            <a:r>
+              <a:rPr lang="de-DE" dirty="0"/>
+              <a:t> </a:t>
+            </a:r>
+            <a:r>
+              <a:rPr lang="de-DE" dirty="0" err="1"/>
+              <a:t>complex</a:t>
+            </a:r>
+            <a:r>
+              <a:rPr lang="de-DE" dirty="0"/>
+              <a:t> </a:t>
+            </a:r>
+            <a:r>
+              <a:rPr lang="de-DE" dirty="0" err="1"/>
+              <a:t>shapes</a:t>
+            </a:r>
+            <a:r>
+              <a:rPr lang="de-DE" dirty="0"/>
+              <a:t>, such </a:t>
+            </a:r>
+            <a:r>
+              <a:rPr lang="de-DE" dirty="0" err="1"/>
+              <a:t>that</a:t>
+            </a:r>
+            <a:r>
+              <a:rPr lang="de-DE" dirty="0"/>
+              <a:t> </a:t>
+            </a:r>
+            <a:r>
+              <a:rPr lang="de-DE" dirty="0" err="1"/>
+              <a:t>the</a:t>
+            </a:r>
+            <a:r>
+              <a:rPr lang="de-DE" dirty="0"/>
+              <a:t> </a:t>
+            </a:r>
+            <a:r>
+              <a:rPr lang="de-DE" dirty="0" err="1"/>
+              <a:t>random</a:t>
+            </a:r>
+            <a:r>
+              <a:rPr lang="de-DE" dirty="0"/>
+              <a:t> </a:t>
+            </a:r>
+            <a:r>
+              <a:rPr lang="de-DE" dirty="0" err="1"/>
+              <a:t>algorithm</a:t>
+            </a:r>
+            <a:r>
+              <a:rPr lang="de-DE" dirty="0"/>
+              <a:t> </a:t>
+            </a:r>
+            <a:r>
+              <a:rPr lang="de-DE" dirty="0" err="1"/>
+              <a:t>reaches</a:t>
+            </a:r>
+            <a:r>
+              <a:rPr lang="de-DE" dirty="0"/>
+              <a:t> </a:t>
+            </a:r>
+            <a:r>
+              <a:rPr lang="de-DE" dirty="0" err="1"/>
+              <a:t>far</a:t>
+            </a:r>
+            <a:r>
+              <a:rPr lang="de-DE" dirty="0"/>
+              <a:t> </a:t>
+            </a:r>
+            <a:r>
+              <a:rPr lang="de-DE" dirty="0" err="1"/>
+              <a:t>better</a:t>
+            </a:r>
+            <a:r>
+              <a:rPr lang="de-DE" dirty="0"/>
+              <a:t> </a:t>
+            </a:r>
+            <a:r>
+              <a:rPr lang="de-DE" dirty="0" err="1"/>
+              <a:t>results</a:t>
+            </a:r>
+            <a:endParaRPr lang="de-DE" dirty="0"/>
+          </a:p>
+          <a:p>
+            <a:r>
+              <a:rPr lang="de-DE" dirty="0" err="1"/>
+              <a:t>There</a:t>
+            </a:r>
+            <a:r>
+              <a:rPr lang="de-DE" dirty="0"/>
+              <a:t> </a:t>
+            </a:r>
+            <a:r>
+              <a:rPr lang="de-DE" dirty="0" err="1"/>
+              <a:t>is</a:t>
+            </a:r>
+            <a:r>
+              <a:rPr lang="de-DE" dirty="0"/>
+              <a:t> </a:t>
+            </a:r>
+            <a:r>
+              <a:rPr lang="de-DE" dirty="0" err="1"/>
+              <a:t>almost</a:t>
+            </a:r>
+            <a:r>
+              <a:rPr lang="de-DE" dirty="0"/>
+              <a:t> </a:t>
+            </a:r>
+            <a:r>
+              <a:rPr lang="de-DE" dirty="0" err="1"/>
+              <a:t>no</a:t>
+            </a:r>
+            <a:r>
+              <a:rPr lang="de-DE" dirty="0"/>
+              <a:t> </a:t>
+            </a:r>
+            <a:r>
+              <a:rPr lang="de-DE" dirty="0" err="1"/>
+              <a:t>difference</a:t>
+            </a:r>
+            <a:r>
+              <a:rPr lang="de-DE" dirty="0"/>
+              <a:t> in </a:t>
+            </a:r>
+            <a:r>
+              <a:rPr lang="de-DE" dirty="0" err="1"/>
+              <a:t>the</a:t>
+            </a:r>
+            <a:r>
+              <a:rPr lang="de-DE" dirty="0"/>
+              <a:t> </a:t>
+            </a:r>
+            <a:r>
+              <a:rPr lang="de-DE" dirty="0" err="1"/>
+              <a:t>performance</a:t>
+            </a:r>
+            <a:r>
+              <a:rPr lang="de-DE" dirty="0"/>
+              <a:t> </a:t>
+            </a:r>
+            <a:r>
+              <a:rPr lang="de-DE" dirty="0" err="1"/>
+              <a:t>of</a:t>
+            </a:r>
+            <a:r>
+              <a:rPr lang="de-DE" dirty="0"/>
+              <a:t> </a:t>
+            </a:r>
+            <a:r>
+              <a:rPr lang="de-DE" dirty="0" err="1"/>
+              <a:t>the</a:t>
+            </a:r>
+            <a:r>
+              <a:rPr lang="de-DE" dirty="0"/>
+              <a:t> </a:t>
+            </a:r>
+            <a:r>
+              <a:rPr lang="de-DE" dirty="0" err="1"/>
+              <a:t>algorithms</a:t>
+            </a:r>
+            <a:r>
+              <a:rPr lang="de-DE" dirty="0"/>
+              <a:t> </a:t>
+            </a:r>
+            <a:r>
+              <a:rPr lang="de-DE" dirty="0" err="1"/>
+              <a:t>for</a:t>
+            </a:r>
+            <a:r>
+              <a:rPr lang="de-DE" dirty="0"/>
+              <a:t> </a:t>
+            </a:r>
+            <a:r>
+              <a:rPr lang="de-DE" dirty="0" err="1"/>
+              <a:t>small</a:t>
+            </a:r>
+            <a:r>
+              <a:rPr lang="de-DE" dirty="0"/>
+              <a:t> </a:t>
+            </a:r>
+            <a:r>
+              <a:rPr lang="de-DE" dirty="0" err="1"/>
+              <a:t>spaces</a:t>
+            </a:r>
+            <a:r>
+              <a:rPr lang="de-DE" dirty="0"/>
+              <a:t> </a:t>
+            </a:r>
+          </a:p>
+          <a:p>
+            <a:pPr marL="0" indent="0">
+              <a:buNone/>
+            </a:pPr>
+            <a:endParaRPr lang="de-DE" dirty="0">
+              <a:sym typeface="Wingdings" panose="05000000000000000000" pitchFamily="2" charset="2"/>
+            </a:endParaRPr>
+          </a:p>
+        </p:txBody>
+      </p:sp>
+    </p:spTree>
+    <p:extLst>
+      <p:ext uri="{BB962C8B-B14F-4D97-AF65-F5344CB8AC3E}">
+        <p14:creationId xmlns:p14="http://schemas.microsoft.com/office/powerpoint/2010/main" val="4141700449"/>
+      </p:ext>
+    </p:extLst>
+  </p:cSld>
+  <p:clrMapOvr>
+    <a:masterClrMapping/>
+  </p:clrMapOvr>
+</p:sld>
+</file>
+
+<file path=ppt/slides/slide24.xml><?xml version="1.0" encoding="utf-8"?>
+<p:sld xmlns:a="http://schemas.openxmlformats.org/drawingml/2006/main" xmlns:r="http://schemas.openxmlformats.org/officeDocument/2006/relationships" xmlns:p="http://schemas.openxmlformats.org/presentationml/2006/main">
+  <p:cSld>
+    <p:spTree>
+      <p:nvGrpSpPr>
+        <p:cNvPr id="1" name=""/>
+        <p:cNvGrpSpPr/>
+        <p:nvPr/>
+      </p:nvGrpSpPr>
+      <p:grpSpPr>
+        <a:xfrm>
+          <a:off x="0" y="0"/>
+          <a:ext cx="0" cy="0"/>
+          <a:chOff x="0" y="0"/>
+          <a:chExt cx="0" cy="0"/>
+        </a:xfrm>
+      </p:grpSpPr>
+      <p:sp>
+        <p:nvSpPr>
+          <p:cNvPr id="2" name="Titel 1">
+            <a:extLst>
+              <a:ext uri="{FF2B5EF4-FFF2-40B4-BE49-F238E27FC236}">
+                <a16:creationId xmlns:a16="http://schemas.microsoft.com/office/drawing/2014/main" id="{7F97EDAF-BB56-40DC-B237-4D0F5D76D8D2}"/>
+              </a:ext>
+            </a:extLst>
+          </p:cNvPr>
+          <p:cNvSpPr>
+            <a:spLocks noGrp="1"/>
+          </p:cNvSpPr>
+          <p:nvPr>
+            <p:ph type="ctrTitle"/>
+          </p:nvPr>
+        </p:nvSpPr>
+        <p:spPr/>
+        <p:txBody>
+          <a:bodyPr/>
+          <a:lstStyle/>
+          <a:p>
+            <a:endParaRPr lang="de-DE" dirty="0"/>
+          </a:p>
+        </p:txBody>
+      </p:sp>
+      <p:sp>
+        <p:nvSpPr>
+          <p:cNvPr id="3" name="Untertitel 2">
+            <a:extLst>
+              <a:ext uri="{FF2B5EF4-FFF2-40B4-BE49-F238E27FC236}">
+                <a16:creationId xmlns:a16="http://schemas.microsoft.com/office/drawing/2014/main" id="{B8C0AA3D-3CCF-48D5-A150-2F40A76527AD}"/>
+              </a:ext>
+            </a:extLst>
+          </p:cNvPr>
+          <p:cNvSpPr>
+            <a:spLocks noGrp="1"/>
+          </p:cNvSpPr>
+          <p:nvPr>
+            <p:ph type="subTitle" idx="1"/>
+          </p:nvPr>
+        </p:nvSpPr>
+        <p:spPr/>
+        <p:txBody>
+          <a:bodyPr/>
+          <a:lstStyle/>
+          <a:p>
+            <a:r>
+              <a:rPr lang="de-DE" dirty="0"/>
+              <a:t>Group 2:  </a:t>
+            </a:r>
+            <a:r>
+              <a:rPr lang="de-DE" dirty="0" err="1"/>
+              <a:t>wouter</a:t>
+            </a:r>
+            <a:r>
+              <a:rPr lang="de-DE" dirty="0"/>
+              <a:t> van </a:t>
+            </a:r>
+            <a:r>
+              <a:rPr lang="de-DE" dirty="0" err="1"/>
+              <a:t>elteren</a:t>
+            </a:r>
+            <a:r>
+              <a:rPr lang="de-DE" dirty="0"/>
+              <a:t>, </a:t>
+            </a:r>
+            <a:r>
+              <a:rPr lang="de-DE" dirty="0" err="1"/>
+              <a:t>kim</a:t>
+            </a:r>
+            <a:r>
+              <a:rPr lang="de-DE" dirty="0"/>
+              <a:t> </a:t>
+            </a:r>
+            <a:r>
+              <a:rPr lang="de-DE" dirty="0" err="1"/>
+              <a:t>roggenbuck</a:t>
+            </a:r>
+            <a:r>
+              <a:rPr lang="de-DE" dirty="0"/>
+              <a:t>, </a:t>
+            </a:r>
+            <a:r>
+              <a:rPr lang="de-DE" dirty="0" err="1"/>
+              <a:t>tobias</a:t>
+            </a:r>
+            <a:r>
+              <a:rPr lang="de-DE" dirty="0"/>
+              <a:t> </a:t>
+            </a:r>
+            <a:r>
+              <a:rPr lang="de-DE" dirty="0" err="1"/>
+              <a:t>mersch</a:t>
+            </a:r>
+            <a:r>
+              <a:rPr lang="de-DE" dirty="0"/>
+              <a:t>, </a:t>
+            </a:r>
+            <a:r>
+              <a:rPr lang="de-DE" dirty="0" err="1"/>
+              <a:t>hao</a:t>
+            </a:r>
+            <a:r>
+              <a:rPr lang="de-DE" dirty="0"/>
+              <a:t> </a:t>
+            </a:r>
+            <a:r>
+              <a:rPr lang="de-DE" dirty="0" err="1"/>
+              <a:t>yun</a:t>
+            </a:r>
+            <a:endParaRPr lang="de-DE" dirty="0"/>
+          </a:p>
+          <a:p>
+            <a:endParaRPr lang="de-DE" dirty="0"/>
+          </a:p>
+        </p:txBody>
+      </p:sp>
+    </p:spTree>
+    <p:extLst>
+      <p:ext uri="{BB962C8B-B14F-4D97-AF65-F5344CB8AC3E}">
+        <p14:creationId xmlns:p14="http://schemas.microsoft.com/office/powerpoint/2010/main" val="927674628"/>
       </p:ext>
     </p:extLst>
   </p:cSld>
@@ -5980,9 +10515,71 @@
         <p:spPr/>
         <p:txBody>
           <a:bodyPr>
-            <a:normAutofit fontScale="92500" lnSpcReduction="20000"/>
+            <a:normAutofit fontScale="85000" lnSpcReduction="20000"/>
           </a:bodyPr>
           <a:lstStyle/>
+          <a:p>
+            <a:r>
+              <a:rPr lang="de-DE" dirty="0"/>
+              <a:t>Random </a:t>
+            </a:r>
+            <a:r>
+              <a:rPr lang="de-DE" dirty="0" err="1"/>
+              <a:t>algorithm</a:t>
+            </a:r>
+            <a:r>
+              <a:rPr lang="de-DE" dirty="0"/>
+              <a:t> </a:t>
+            </a:r>
+            <a:r>
+              <a:rPr lang="de-DE" dirty="0" err="1"/>
+              <a:t>as</a:t>
+            </a:r>
+            <a:r>
+              <a:rPr lang="de-DE" dirty="0"/>
+              <a:t> a </a:t>
+            </a:r>
+            <a:r>
+              <a:rPr lang="de-DE" dirty="0" err="1"/>
+              <a:t>solution</a:t>
+            </a:r>
+            <a:r>
+              <a:rPr lang="de-DE" dirty="0"/>
+              <a:t> </a:t>
+            </a:r>
+            <a:r>
+              <a:rPr lang="de-DE" dirty="0" err="1"/>
+              <a:t>for</a:t>
+            </a:r>
+            <a:r>
+              <a:rPr lang="de-DE" dirty="0"/>
+              <a:t> a)/c) and </a:t>
+            </a:r>
+            <a:r>
+              <a:rPr lang="de-DE" dirty="0" err="1"/>
+              <a:t>to</a:t>
+            </a:r>
+            <a:r>
+              <a:rPr lang="de-DE" dirty="0"/>
+              <a:t> </a:t>
+            </a:r>
+            <a:r>
+              <a:rPr lang="de-DE" dirty="0" err="1"/>
+              <a:t>compare</a:t>
+            </a:r>
+            <a:r>
+              <a:rPr lang="de-DE" dirty="0"/>
+              <a:t> </a:t>
+            </a:r>
+            <a:r>
+              <a:rPr lang="de-DE" dirty="0" err="1"/>
+              <a:t>with</a:t>
+            </a:r>
+            <a:r>
+              <a:rPr lang="de-DE" dirty="0"/>
+              <a:t> b)/d)</a:t>
+            </a:r>
+          </a:p>
           <a:p>
             <a:r>
               <a:rPr lang="de-DE" dirty="0"/>
@@ -6753,7 +11350,7 @@
           <a:p>
             <a:r>
               <a:rPr lang="de-DE" dirty="0" err="1"/>
-              <a:t>Algorithm</a:t>
+              <a:t>Algorithms</a:t>
             </a:r>
             <a:r>
               <a:rPr lang="de-DE" dirty="0"/>
@@ -6778,26 +11375,6 @@
             <a:r>
               <a:rPr lang="de-DE" dirty="0" err="1"/>
               <a:t>used</a:t>
-            </a:r>
-            <a:r>
-              <a:rPr lang="de-DE" dirty="0"/>
-              <a:t>: </a:t>
-            </a:r>
-            <a:r>
-              <a:rPr lang="de-DE" dirty="0" err="1"/>
-              <a:t>Greedy</a:t>
-            </a:r>
-            <a:r>
-              <a:rPr lang="de-DE" dirty="0"/>
-              <a:t> </a:t>
-            </a:r>
-            <a:r>
-              <a:rPr lang="de-DE" dirty="0" err="1"/>
-              <a:t>algorithm</a:t>
-            </a:r>
-            <a:r>
-              <a:rPr lang="de-DE" dirty="0"/>
-              <a:t> </a:t>
             </a:r>
             <a:br>
               <a:rPr lang="de-DE" dirty="0"/>
@@ -6824,9 +11401,35 @@
         </p:nvSpPr>
         <p:spPr/>
         <p:txBody>
-          <a:bodyPr/>
+          <a:bodyPr>
+            <a:normAutofit/>
+          </a:bodyPr>
           <a:lstStyle/>
           <a:p>
+            <a:r>
+              <a:rPr lang="de-DE" dirty="0"/>
+              <a:t>Random </a:t>
+            </a:r>
+            <a:r>
+              <a:rPr lang="de-DE" dirty="0" err="1"/>
+              <a:t>algorithm</a:t>
+            </a:r>
+            <a:r>
+              <a:rPr lang="de-DE" dirty="0"/>
+              <a:t> and </a:t>
+            </a:r>
+            <a:r>
+              <a:rPr lang="de-DE" dirty="0" err="1"/>
+              <a:t>greedy</a:t>
+            </a:r>
+            <a:r>
+              <a:rPr lang="de-DE" dirty="0"/>
+              <a:t> </a:t>
+            </a:r>
+            <a:r>
+              <a:rPr lang="de-DE" dirty="0" err="1"/>
+              <a:t>algorithm</a:t>
+            </a:r>
             <a:endParaRPr lang="de-DE" dirty="0"/>
           </a:p>
           <a:p>
@@ -6899,7 +11502,7 @@
             <a:pPr lvl="1"/>
             <a:r>
               <a:rPr lang="de-DE" dirty="0"/>
-              <a:t>Fast </a:t>
+              <a:t>Fast</a:t>
             </a:r>
           </a:p>
           <a:p>
@@ -8148,10 +12751,10 @@
       </p:grpSpPr>
       <p:sp>
         <p:nvSpPr>
-          <p:cNvPr id="2" name="Titel 1">
+          <p:cNvPr id="2" name="Title 1">
             <a:extLst>
               <a:ext uri="{FF2B5EF4-FFF2-40B4-BE49-F238E27FC236}">
-                <a16:creationId xmlns:a16="http://schemas.microsoft.com/office/drawing/2014/main" id="{15C81E58-B0FE-4F67-BDB7-C4EB918F3C4F}"/>
+                <a16:creationId xmlns:a16="http://schemas.microsoft.com/office/drawing/2014/main" id="{EA8577E3-7D51-41FC-B03F-2AAF3B1D542B}"/>
               </a:ext>
             </a:extLst>
           </p:cNvPr>
@@ -8169,49 +12772,195 @@
           <a:p>
             <a:r>
               <a:rPr lang="de-DE" dirty="0"/>
-              <a:t>3D </a:t>
+              <a:t>Pseudocode </a:t>
+            </a:r>
+            <a:r>
+              <a:rPr lang="de-DE" dirty="0" err="1"/>
+              <a:t>for</a:t>
+            </a:r>
+            <a:r>
+              <a:rPr lang="de-DE" dirty="0"/>
+              <a:t> </a:t>
+            </a:r>
+            <a:r>
+              <a:rPr lang="de-DE" dirty="0" err="1"/>
+              <a:t>the</a:t>
+            </a:r>
+            <a:r>
+              <a:rPr lang="de-DE" dirty="0"/>
+              <a:t> 3D </a:t>
             </a:r>
             <a:r>
               <a:rPr lang="de-DE" dirty="0" err="1"/>
               <a:t>visualization</a:t>
             </a:r>
-            <a:endParaRPr lang="de-DE" dirty="0"/>
+            <a:endParaRPr lang="en-NL" dirty="0"/>
           </a:p>
         </p:txBody>
       </p:sp>
-      <p:pic>
-        <p:nvPicPr>
-          <p:cNvPr id="5" name="Inhaltsplatzhalter 4">
+      <p:sp>
+        <p:nvSpPr>
+          <p:cNvPr id="3" name="Content Placeholder 2">
             <a:extLst>
               <a:ext uri="{FF2B5EF4-FFF2-40B4-BE49-F238E27FC236}">
-                <a16:creationId xmlns:a16="http://schemas.microsoft.com/office/drawing/2014/main" id="{FB9D23C3-05FC-4DF3-B3DC-6FE2031B9AEA}"/>
+                <a16:creationId xmlns:a16="http://schemas.microsoft.com/office/drawing/2014/main" id="{CE6B45FC-532B-4322-AA16-3A61E643EDBF}"/>
               </a:ext>
             </a:extLst>
           </p:cNvPr>
-          <p:cNvPicPr>
-            <a:picLocks noGrp="1" noChangeAspect="1"/>
-          </p:cNvPicPr>
+          <p:cNvSpPr>
+            <a:spLocks noGrp="1"/>
+          </p:cNvSpPr>
           <p:nvPr>
             <p:ph idx="1"/>
           </p:nvPr>
-        </p:nvPicPr>
-        <p:blipFill>
-          <a:blip r:embed="rId2"/>
-          <a:stretch>
-            <a:fillRect/>
-          </a:stretch>
-        </p:blipFill>
+        </p:nvSpPr>
         <p:spPr>
           <a:xfrm>
-            <a:off x="3668095" y="2016125"/>
-            <a:ext cx="5170134" cy="3449638"/>
+            <a:off x="1451579" y="1853753"/>
+            <a:ext cx="9603275" cy="4199727"/>
           </a:xfrm>
         </p:spPr>
-      </p:pic>
+        <p:txBody>
+          <a:bodyPr>
+            <a:normAutofit fontScale="92500" lnSpcReduction="10000"/>
+          </a:bodyPr>
+          <a:lstStyle/>
+          <a:p>
+            <a:r>
+              <a:rPr lang="en-US" dirty="0"/>
+              <a:t>For </a:t>
+            </a:r>
+            <a:r>
+              <a:rPr lang="en-US" dirty="0" err="1"/>
+              <a:t>i</a:t>
+            </a:r>
+            <a:r>
+              <a:rPr lang="en-US" dirty="0"/>
+              <a:t> in range of the length of the array</a:t>
+            </a:r>
+          </a:p>
+          <a:p>
+            <a:pPr lvl="1"/>
+            <a:r>
+              <a:rPr lang="en-US" dirty="0"/>
+              <a:t>Create a box</a:t>
+            </a:r>
+          </a:p>
+          <a:p>
+            <a:pPr lvl="1"/>
+            <a:r>
+              <a:rPr lang="en-US" dirty="0"/>
+              <a:t>If the box value = 5</a:t>
+            </a:r>
+          </a:p>
+          <a:p>
+            <a:pPr lvl="2"/>
+            <a:r>
+              <a:rPr lang="en-US" dirty="0"/>
+              <a:t>Give it color red</a:t>
+            </a:r>
+          </a:p>
+          <a:p>
+            <a:pPr lvl="2"/>
+            <a:r>
+              <a:rPr lang="en-US" dirty="0"/>
+              <a:t>Set the </a:t>
+            </a:r>
+            <a:r>
+              <a:rPr lang="en-US" dirty="0" err="1"/>
+              <a:t>x,y,z</a:t>
+            </a:r>
+            <a:r>
+              <a:rPr lang="en-US" dirty="0"/>
+              <a:t> coordinate to the to left most of the truck</a:t>
+            </a:r>
+          </a:p>
+          <a:p>
+            <a:pPr lvl="2"/>
+            <a:r>
+              <a:rPr lang="en-US" dirty="0"/>
+              <a:t>Fill the line with boxes</a:t>
+            </a:r>
+          </a:p>
+          <a:p>
+            <a:pPr lvl="2"/>
+            <a:r>
+              <a:rPr lang="en-US" dirty="0"/>
+              <a:t>If line is filled</a:t>
+            </a:r>
+          </a:p>
+          <a:p>
+            <a:pPr lvl="3"/>
+            <a:r>
+              <a:rPr lang="en-US" dirty="0"/>
+              <a:t>X coordinate goes back to the starting X point</a:t>
+            </a:r>
+          </a:p>
+          <a:p>
+            <a:pPr lvl="3"/>
+            <a:r>
+              <a:rPr lang="en-US" dirty="0"/>
+              <a:t>Fill the next line</a:t>
+            </a:r>
+          </a:p>
+          <a:p>
+            <a:pPr lvl="2"/>
+            <a:r>
+              <a:rPr lang="en-US" dirty="0"/>
+              <a:t>If face is filled</a:t>
+            </a:r>
+          </a:p>
+          <a:p>
+            <a:pPr lvl="3"/>
+            <a:r>
+              <a:rPr lang="en-US" dirty="0"/>
+              <a:t>X coordinate goes back to the starting X point</a:t>
+            </a:r>
+          </a:p>
+          <a:p>
+            <a:pPr lvl="3"/>
+            <a:r>
+              <a:rPr lang="en-US" dirty="0"/>
+              <a:t>Y coordinate goes back to the starting Y point</a:t>
+            </a:r>
+          </a:p>
+          <a:p>
+            <a:pPr lvl="3"/>
+            <a:r>
+              <a:rPr lang="en-US" dirty="0"/>
+              <a:t>Fill the next face</a:t>
+            </a:r>
+          </a:p>
+          <a:p>
+            <a:pPr lvl="3"/>
+            <a:endParaRPr lang="en-US" dirty="0"/>
+          </a:p>
+          <a:p>
+            <a:pPr marL="1371600" lvl="3" indent="0">
+              <a:buNone/>
+            </a:pPr>
+            <a:endParaRPr lang="en-US" dirty="0"/>
+          </a:p>
+          <a:p>
+            <a:pPr lvl="3"/>
+            <a:endParaRPr lang="en-US" dirty="0"/>
+          </a:p>
+          <a:p>
+            <a:pPr lvl="3"/>
+            <a:endParaRPr lang="en-US" dirty="0"/>
+          </a:p>
+          <a:p>
+            <a:pPr marL="1371600" lvl="3" indent="0">
+              <a:buNone/>
+            </a:pPr>
+            <a:endParaRPr lang="en-US" dirty="0"/>
+          </a:p>
+        </p:txBody>
+      </p:sp>
     </p:spTree>
     <p:extLst>
       <p:ext uri="{BB962C8B-B14F-4D97-AF65-F5344CB8AC3E}">
-        <p14:creationId xmlns:p14="http://schemas.microsoft.com/office/powerpoint/2010/main" val="1612983768"/>
+        <p14:creationId xmlns:p14="http://schemas.microsoft.com/office/powerpoint/2010/main" val="695751878"/>
       </p:ext>
     </p:extLst>
   </p:cSld>
